--- a/07102025-Introduction_to_git_kapteyn.pptx
+++ b/07102025-Introduction_to_git_kapteyn.pptx
@@ -5,7 +5,7 @@
     <p:sldMasterId id="2147483659" r:id="rId1"/>
   </p:sldMasterIdLst>
   <p:notesMasterIdLst>
-    <p:notesMasterId r:id="rId78"/>
+    <p:notesMasterId r:id="rId81"/>
   </p:notesMasterIdLst>
   <p:sldIdLst>
     <p:sldId id="256" r:id="rId2"/>
@@ -63,7 +63,7 @@
     <p:sldId id="303" r:id="rId54"/>
     <p:sldId id="304" r:id="rId55"/>
     <p:sldId id="305" r:id="rId56"/>
-    <p:sldId id="306" r:id="rId57"/>
+    <p:sldId id="332" r:id="rId57"/>
     <p:sldId id="307" r:id="rId58"/>
     <p:sldId id="308" r:id="rId59"/>
     <p:sldId id="309" r:id="rId60"/>
@@ -77,13 +77,16 @@
     <p:sldId id="317" r:id="rId68"/>
     <p:sldId id="318" r:id="rId69"/>
     <p:sldId id="319" r:id="rId70"/>
-    <p:sldId id="320" r:id="rId71"/>
-    <p:sldId id="321" r:id="rId72"/>
-    <p:sldId id="322" r:id="rId73"/>
-    <p:sldId id="323" r:id="rId74"/>
-    <p:sldId id="324" r:id="rId75"/>
-    <p:sldId id="325" r:id="rId76"/>
-    <p:sldId id="326" r:id="rId77"/>
+    <p:sldId id="334" r:id="rId71"/>
+    <p:sldId id="320" r:id="rId72"/>
+    <p:sldId id="336" r:id="rId73"/>
+    <p:sldId id="335" r:id="rId74"/>
+    <p:sldId id="321" r:id="rId75"/>
+    <p:sldId id="322" r:id="rId76"/>
+    <p:sldId id="323" r:id="rId77"/>
+    <p:sldId id="324" r:id="rId78"/>
+    <p:sldId id="326" r:id="rId79"/>
+    <p:sldId id="325" r:id="rId80"/>
   </p:sldIdLst>
   <p:sldSz cx="9144000" cy="5143500" type="screen16x9"/>
   <p:notesSz cx="6858000" cy="9144000"/>
@@ -805,8 +808,8 @@
         </p:nvSpPr>
         <p:spPr>
           <a:xfrm>
-            <a:off x="381300" y="685800"/>
-            <a:ext cx="6096075" cy="3429000"/>
+            <a:off x="381000" y="685800"/>
+            <a:ext cx="6096000" cy="3429000"/>
           </a:xfrm>
           <a:custGeom>
             <a:avLst/>
@@ -4225,7 +4228,7 @@
         </p:nvSpPr>
         <p:spPr>
           <a:xfrm>
-            <a:off x="381300" y="685800"/>
+            <a:off x="381000" y="685800"/>
             <a:ext cx="6096000" cy="3429000"/>
           </a:xfrm>
           <a:custGeom>
@@ -6200,7 +6203,13 @@
   <p:cSld>
     <p:spTree>
       <p:nvGrpSpPr>
-        <p:cNvPr id="1" name="Shape 762"/>
+        <p:cNvPr id="1" name="Shape 762">
+          <a:extLst>
+            <a:ext uri="{FF2B5EF4-FFF2-40B4-BE49-F238E27FC236}">
+              <a16:creationId xmlns:a16="http://schemas.microsoft.com/office/drawing/2014/main" id="{2AADD74C-93B0-51AD-3794-FFC24CE5CC42}"/>
+            </a:ext>
+          </a:extLst>
+        </p:cNvPr>
         <p:cNvGrpSpPr/>
         <p:nvPr/>
       </p:nvGrpSpPr>
@@ -6214,7 +6223,13 @@
       </p:grpSpPr>
       <p:sp>
         <p:nvSpPr>
-          <p:cNvPr id="763" name="Google Shape;763;g18badc01a4e_0_1408:notes"/>
+          <p:cNvPr id="763" name="Google Shape;763;g18badc01a4e_0_1408:notes">
+            <a:extLst>
+              <a:ext uri="{FF2B5EF4-FFF2-40B4-BE49-F238E27FC236}">
+                <a16:creationId xmlns:a16="http://schemas.microsoft.com/office/drawing/2014/main" id="{57AC8B56-96CE-FFEA-7A95-804BD6831DD4}"/>
+              </a:ext>
+            </a:extLst>
+          </p:cNvPr>
           <p:cNvSpPr>
             <a:spLocks noGrp="1" noRot="1" noChangeAspect="1"/>
           </p:cNvSpPr>
@@ -6255,7 +6270,13 @@
       </p:sp>
       <p:sp>
         <p:nvSpPr>
-          <p:cNvPr id="764" name="Google Shape;764;g18badc01a4e_0_1408:notes"/>
+          <p:cNvPr id="764" name="Google Shape;764;g18badc01a4e_0_1408:notes">
+            <a:extLst>
+              <a:ext uri="{FF2B5EF4-FFF2-40B4-BE49-F238E27FC236}">
+                <a16:creationId xmlns:a16="http://schemas.microsoft.com/office/drawing/2014/main" id="{6C10C915-89CA-340B-52CD-BB9F8FAB21C3}"/>
+              </a:ext>
+            </a:extLst>
+          </p:cNvPr>
           <p:cNvSpPr txBox="1">
             <a:spLocks noGrp="1"/>
           </p:cNvSpPr>
@@ -6292,6 +6313,11 @@
         </p:txBody>
       </p:sp>
     </p:spTree>
+    <p:extLst>
+      <p:ext uri="{BB962C8B-B14F-4D97-AF65-F5344CB8AC3E}">
+        <p14:creationId xmlns:p14="http://schemas.microsoft.com/office/powerpoint/2010/main" val="2887034518"/>
+      </p:ext>
+    </p:extLst>
   </p:cSld>
   <p:clrMapOvr>
     <a:masterClrMapping/>
@@ -6536,7 +6562,7 @@
         </p:nvSpPr>
         <p:spPr>
           <a:xfrm>
-            <a:off x="381300" y="685800"/>
+            <a:off x="381000" y="685800"/>
             <a:ext cx="6096000" cy="3429000"/>
           </a:xfrm>
           <a:custGeom>
@@ -7864,7 +7890,13 @@
   <p:cSld>
     <p:spTree>
       <p:nvGrpSpPr>
-        <p:cNvPr id="1" name="Shape 895"/>
+        <p:cNvPr id="1" name="Shape 363">
+          <a:extLst>
+            <a:ext uri="{FF2B5EF4-FFF2-40B4-BE49-F238E27FC236}">
+              <a16:creationId xmlns:a16="http://schemas.microsoft.com/office/drawing/2014/main" id="{216DED73-1B1E-A47E-17A7-4B1ABBA1D3A2}"/>
+            </a:ext>
+          </a:extLst>
+        </p:cNvPr>
         <p:cNvGrpSpPr/>
         <p:nvPr/>
       </p:nvGrpSpPr>
@@ -7878,7 +7910,13 @@
       </p:grpSpPr>
       <p:sp>
         <p:nvSpPr>
-          <p:cNvPr id="896" name="Google Shape;896;g18badc01a4e_0_1532:notes"/>
+          <p:cNvPr id="364" name="Google Shape;364;g18badc01a4e_0_895:notes">
+            <a:extLst>
+              <a:ext uri="{FF2B5EF4-FFF2-40B4-BE49-F238E27FC236}">
+                <a16:creationId xmlns:a16="http://schemas.microsoft.com/office/drawing/2014/main" id="{423DDFEB-56CE-EADC-1997-7CC5D6540C8B}"/>
+              </a:ext>
+            </a:extLst>
+          </p:cNvPr>
           <p:cNvSpPr>
             <a:spLocks noGrp="1" noRot="1" noChangeAspect="1"/>
           </p:cNvSpPr>
@@ -7888,7 +7926,7 @@
         </p:nvSpPr>
         <p:spPr>
           <a:xfrm>
-            <a:off x="381300" y="685800"/>
+            <a:off x="381000" y="685800"/>
             <a:ext cx="6096000" cy="3429000"/>
           </a:xfrm>
           <a:custGeom>
@@ -7919,7 +7957,13 @@
       </p:sp>
       <p:sp>
         <p:nvSpPr>
-          <p:cNvPr id="897" name="Google Shape;897;g18badc01a4e_0_1532:notes"/>
+          <p:cNvPr id="365" name="Google Shape;365;g18badc01a4e_0_895:notes">
+            <a:extLst>
+              <a:ext uri="{FF2B5EF4-FFF2-40B4-BE49-F238E27FC236}">
+                <a16:creationId xmlns:a16="http://schemas.microsoft.com/office/drawing/2014/main" id="{F3AACCE3-08F2-8488-761F-99F9E6BE7051}"/>
+              </a:ext>
+            </a:extLst>
+          </p:cNvPr>
           <p:cNvSpPr txBox="1">
             <a:spLocks noGrp="1"/>
           </p:cNvSpPr>
@@ -7956,6 +8000,11 @@
         </p:txBody>
       </p:sp>
     </p:spTree>
+    <p:extLst>
+      <p:ext uri="{BB962C8B-B14F-4D97-AF65-F5344CB8AC3E}">
+        <p14:creationId xmlns:p14="http://schemas.microsoft.com/office/powerpoint/2010/main" val="1734760646"/>
+      </p:ext>
+    </p:extLst>
   </p:cSld>
   <p:clrMapOvr>
     <a:masterClrMapping/>
@@ -7968,7 +8017,7 @@
   <p:cSld>
     <p:spTree>
       <p:nvGrpSpPr>
-        <p:cNvPr id="1" name="Shape 904"/>
+        <p:cNvPr id="1" name="Shape 895"/>
         <p:cNvGrpSpPr/>
         <p:nvPr/>
       </p:nvGrpSpPr>
@@ -7982,7 +8031,7 @@
       </p:grpSpPr>
       <p:sp>
         <p:nvSpPr>
-          <p:cNvPr id="905" name="Google Shape;905;g18badc01a4e_0_1563:notes"/>
+          <p:cNvPr id="896" name="Google Shape;896;g18badc01a4e_0_1532:notes"/>
           <p:cNvSpPr>
             <a:spLocks noGrp="1" noRot="1" noChangeAspect="1"/>
           </p:cNvSpPr>
@@ -8023,7 +8072,7 @@
       </p:sp>
       <p:sp>
         <p:nvSpPr>
-          <p:cNvPr id="906" name="Google Shape;906;g18badc01a4e_0_1563:notes"/>
+          <p:cNvPr id="897" name="Google Shape;897;g18badc01a4e_0_1532:notes"/>
           <p:cNvSpPr txBox="1">
             <a:spLocks noGrp="1"/>
           </p:cNvSpPr>
@@ -8072,7 +8121,13 @@
   <p:cSld>
     <p:spTree>
       <p:nvGrpSpPr>
-        <p:cNvPr id="1" name="Shape 915"/>
+        <p:cNvPr id="1" name="Shape 895">
+          <a:extLst>
+            <a:ext uri="{FF2B5EF4-FFF2-40B4-BE49-F238E27FC236}">
+              <a16:creationId xmlns:a16="http://schemas.microsoft.com/office/drawing/2014/main" id="{210F2F46-59EE-C46E-8B43-9921438E4160}"/>
+            </a:ext>
+          </a:extLst>
+        </p:cNvPr>
         <p:cNvGrpSpPr/>
         <p:nvPr/>
       </p:nvGrpSpPr>
@@ -8086,7 +8141,13 @@
       </p:grpSpPr>
       <p:sp>
         <p:nvSpPr>
-          <p:cNvPr id="916" name="Google Shape;916;g18badc01a4e_0_1575:notes"/>
+          <p:cNvPr id="896" name="Google Shape;896;g18badc01a4e_0_1532:notes">
+            <a:extLst>
+              <a:ext uri="{FF2B5EF4-FFF2-40B4-BE49-F238E27FC236}">
+                <a16:creationId xmlns:a16="http://schemas.microsoft.com/office/drawing/2014/main" id="{3F126933-284F-4181-0940-AC7C541EB28B}"/>
+              </a:ext>
+            </a:extLst>
+          </p:cNvPr>
           <p:cNvSpPr>
             <a:spLocks noGrp="1" noRot="1" noChangeAspect="1"/>
           </p:cNvSpPr>
@@ -8127,7 +8188,13 @@
       </p:sp>
       <p:sp>
         <p:nvSpPr>
-          <p:cNvPr id="917" name="Google Shape;917;g18badc01a4e_0_1575:notes"/>
+          <p:cNvPr id="897" name="Google Shape;897;g18badc01a4e_0_1532:notes">
+            <a:extLst>
+              <a:ext uri="{FF2B5EF4-FFF2-40B4-BE49-F238E27FC236}">
+                <a16:creationId xmlns:a16="http://schemas.microsoft.com/office/drawing/2014/main" id="{B1846733-F274-7FE7-25A5-B69264A33405}"/>
+              </a:ext>
+            </a:extLst>
+          </p:cNvPr>
           <p:cNvSpPr txBox="1">
             <a:spLocks noGrp="1"/>
           </p:cNvSpPr>
@@ -8164,6 +8231,11 @@
         </p:txBody>
       </p:sp>
     </p:spTree>
+    <p:extLst>
+      <p:ext uri="{BB962C8B-B14F-4D97-AF65-F5344CB8AC3E}">
+        <p14:creationId xmlns:p14="http://schemas.microsoft.com/office/powerpoint/2010/main" val="3403920699"/>
+      </p:ext>
+    </p:extLst>
   </p:cSld>
   <p:clrMapOvr>
     <a:masterClrMapping/>
@@ -8176,7 +8248,13 @@
   <p:cSld>
     <p:spTree>
       <p:nvGrpSpPr>
-        <p:cNvPr id="1" name="Shape 926"/>
+        <p:cNvPr id="1" name="Shape 895">
+          <a:extLst>
+            <a:ext uri="{FF2B5EF4-FFF2-40B4-BE49-F238E27FC236}">
+              <a16:creationId xmlns:a16="http://schemas.microsoft.com/office/drawing/2014/main" id="{0D339CE6-6468-19D0-3E0E-44F660CA0D9F}"/>
+            </a:ext>
+          </a:extLst>
+        </p:cNvPr>
         <p:cNvGrpSpPr/>
         <p:nvPr/>
       </p:nvGrpSpPr>
@@ -8190,7 +8268,13 @@
       </p:grpSpPr>
       <p:sp>
         <p:nvSpPr>
-          <p:cNvPr id="927" name="Google Shape;927;g190d8437e63_0_5:notes"/>
+          <p:cNvPr id="896" name="Google Shape;896;g18badc01a4e_0_1532:notes">
+            <a:extLst>
+              <a:ext uri="{FF2B5EF4-FFF2-40B4-BE49-F238E27FC236}">
+                <a16:creationId xmlns:a16="http://schemas.microsoft.com/office/drawing/2014/main" id="{FF60A071-AB63-9953-92BD-6855851AD3EA}"/>
+              </a:ext>
+            </a:extLst>
+          </p:cNvPr>
           <p:cNvSpPr>
             <a:spLocks noGrp="1" noRot="1" noChangeAspect="1"/>
           </p:cNvSpPr>
@@ -8231,7 +8315,13 @@
       </p:sp>
       <p:sp>
         <p:nvSpPr>
-          <p:cNvPr id="928" name="Google Shape;928;g190d8437e63_0_5:notes"/>
+          <p:cNvPr id="897" name="Google Shape;897;g18badc01a4e_0_1532:notes">
+            <a:extLst>
+              <a:ext uri="{FF2B5EF4-FFF2-40B4-BE49-F238E27FC236}">
+                <a16:creationId xmlns:a16="http://schemas.microsoft.com/office/drawing/2014/main" id="{220C6052-6B85-D6C7-5D45-DC784A4945B8}"/>
+              </a:ext>
+            </a:extLst>
+          </p:cNvPr>
           <p:cNvSpPr txBox="1">
             <a:spLocks noGrp="1"/>
           </p:cNvSpPr>
@@ -8268,6 +8358,11 @@
         </p:txBody>
       </p:sp>
     </p:spTree>
+    <p:extLst>
+      <p:ext uri="{BB962C8B-B14F-4D97-AF65-F5344CB8AC3E}">
+        <p14:creationId xmlns:p14="http://schemas.microsoft.com/office/powerpoint/2010/main" val="3525668096"/>
+      </p:ext>
+    </p:extLst>
   </p:cSld>
   <p:clrMapOvr>
     <a:masterClrMapping/>
@@ -8280,7 +8375,7 @@
   <p:cSld>
     <p:spTree>
       <p:nvGrpSpPr>
-        <p:cNvPr id="1" name="Shape 932"/>
+        <p:cNvPr id="1" name="Shape 904"/>
         <p:cNvGrpSpPr/>
         <p:nvPr/>
       </p:nvGrpSpPr>
@@ -8294,7 +8389,7 @@
       </p:grpSpPr>
       <p:sp>
         <p:nvSpPr>
-          <p:cNvPr id="933" name="Google Shape;933;g18badc01a4e_0_927:notes"/>
+          <p:cNvPr id="905" name="Google Shape;905;g18badc01a4e_0_1563:notes"/>
           <p:cNvSpPr>
             <a:spLocks noGrp="1" noRot="1" noChangeAspect="1"/>
           </p:cNvSpPr>
@@ -8304,7 +8399,7 @@
         </p:nvSpPr>
         <p:spPr>
           <a:xfrm>
-            <a:off x="381300" y="685800"/>
+            <a:off x="381000" y="685800"/>
             <a:ext cx="6096000" cy="3429000"/>
           </a:xfrm>
           <a:custGeom>
@@ -8335,7 +8430,7 @@
       </p:sp>
       <p:sp>
         <p:nvSpPr>
-          <p:cNvPr id="934" name="Google Shape;934;g18badc01a4e_0_927:notes"/>
+          <p:cNvPr id="906" name="Google Shape;906;g18badc01a4e_0_1563:notes"/>
           <p:cNvSpPr txBox="1">
             <a:spLocks noGrp="1"/>
           </p:cNvSpPr>
@@ -8384,7 +8479,7 @@
   <p:cSld>
     <p:spTree>
       <p:nvGrpSpPr>
-        <p:cNvPr id="1" name="Shape 949"/>
+        <p:cNvPr id="1" name="Shape 915"/>
         <p:cNvGrpSpPr/>
         <p:nvPr/>
       </p:nvGrpSpPr>
@@ -8398,7 +8493,7 @@
       </p:grpSpPr>
       <p:sp>
         <p:nvSpPr>
-          <p:cNvPr id="950" name="Google Shape;950;g18badc01a4e_0_883:notes"/>
+          <p:cNvPr id="916" name="Google Shape;916;g18badc01a4e_0_1575:notes"/>
           <p:cNvSpPr>
             <a:spLocks noGrp="1" noRot="1" noChangeAspect="1"/>
           </p:cNvSpPr>
@@ -8408,7 +8503,7 @@
         </p:nvSpPr>
         <p:spPr>
           <a:xfrm>
-            <a:off x="381300" y="685800"/>
+            <a:off x="381000" y="685800"/>
             <a:ext cx="6096000" cy="3429000"/>
           </a:xfrm>
           <a:custGeom>
@@ -8439,7 +8534,7 @@
       </p:sp>
       <p:sp>
         <p:nvSpPr>
-          <p:cNvPr id="951" name="Google Shape;951;g18badc01a4e_0_883:notes"/>
+          <p:cNvPr id="917" name="Google Shape;917;g18badc01a4e_0_1575:notes"/>
           <p:cNvSpPr txBox="1">
             <a:spLocks noGrp="1"/>
           </p:cNvSpPr>
@@ -8488,7 +8583,7 @@
   <p:cSld>
     <p:spTree>
       <p:nvGrpSpPr>
-        <p:cNvPr id="1" name="Shape 964"/>
+        <p:cNvPr id="1" name="Shape 926"/>
         <p:cNvGrpSpPr/>
         <p:nvPr/>
       </p:nvGrpSpPr>
@@ -8502,7 +8597,7 @@
       </p:grpSpPr>
       <p:sp>
         <p:nvSpPr>
-          <p:cNvPr id="965" name="Google Shape;965;g18badc01a4e_0_1537:notes"/>
+          <p:cNvPr id="927" name="Google Shape;927;g190d8437e63_0_5:notes"/>
           <p:cNvSpPr>
             <a:spLocks noGrp="1" noRot="1" noChangeAspect="1"/>
           </p:cNvSpPr>
@@ -8543,7 +8638,319 @@
       </p:sp>
       <p:sp>
         <p:nvSpPr>
+          <p:cNvPr id="928" name="Google Shape;928;g190d8437e63_0_5:notes"/>
+          <p:cNvSpPr txBox="1">
+            <a:spLocks noGrp="1"/>
+          </p:cNvSpPr>
+          <p:nvPr>
+            <p:ph type="body" idx="1"/>
+          </p:nvPr>
+        </p:nvSpPr>
+        <p:spPr>
+          <a:xfrm>
+            <a:off x="685800" y="4343400"/>
+            <a:ext cx="5486400" cy="4114800"/>
+          </a:xfrm>
+          <a:prstGeom prst="rect">
+            <a:avLst/>
+          </a:prstGeom>
+        </p:spPr>
+        <p:txBody>
+          <a:bodyPr spcFirstLastPara="1" wrap="square" lIns="91425" tIns="91425" rIns="91425" bIns="91425" anchor="t" anchorCtr="0">
+            <a:noAutofit/>
+          </a:bodyPr>
+          <a:lstStyle/>
+          <a:p>
+            <a:pPr marL="0" lvl="0" indent="0" algn="l" rtl="0">
+              <a:spcBef>
+                <a:spcPts val="0"/>
+              </a:spcBef>
+              <a:spcAft>
+                <a:spcPts val="0"/>
+              </a:spcAft>
+              <a:buNone/>
+            </a:pPr>
+            <a:endParaRPr/>
+          </a:p>
+        </p:txBody>
+      </p:sp>
+    </p:spTree>
+  </p:cSld>
+  <p:clrMapOvr>
+    <a:masterClrMapping/>
+  </p:clrMapOvr>
+</p:notes>
+</file>
+
+<file path=ppt/notesSlides/notesSlide77.xml><?xml version="1.0" encoding="utf-8"?>
+<p:notes xmlns:a="http://schemas.openxmlformats.org/drawingml/2006/main" xmlns:r="http://schemas.openxmlformats.org/officeDocument/2006/relationships" xmlns:p="http://schemas.openxmlformats.org/presentationml/2006/main" showMasterSp="0" showMasterPhAnim="0">
+  <p:cSld>
+    <p:spTree>
+      <p:nvGrpSpPr>
+        <p:cNvPr id="1" name="Shape 932"/>
+        <p:cNvGrpSpPr/>
+        <p:nvPr/>
+      </p:nvGrpSpPr>
+      <p:grpSpPr>
+        <a:xfrm>
+          <a:off x="0" y="0"/>
+          <a:ext cx="0" cy="0"/>
+          <a:chOff x="0" y="0"/>
+          <a:chExt cx="0" cy="0"/>
+        </a:xfrm>
+      </p:grpSpPr>
+      <p:sp>
+        <p:nvSpPr>
+          <p:cNvPr id="933" name="Google Shape;933;g18badc01a4e_0_927:notes"/>
+          <p:cNvSpPr>
+            <a:spLocks noGrp="1" noRot="1" noChangeAspect="1"/>
+          </p:cNvSpPr>
+          <p:nvPr>
+            <p:ph type="sldImg" idx="2"/>
+          </p:nvPr>
+        </p:nvSpPr>
+        <p:spPr>
+          <a:xfrm>
+            <a:off x="381300" y="685800"/>
+            <a:ext cx="6096000" cy="3429000"/>
+          </a:xfrm>
+          <a:custGeom>
+            <a:avLst/>
+            <a:gdLst/>
+            <a:ahLst/>
+            <a:cxnLst/>
+            <a:rect l="l" t="t" r="r" b="b"/>
+            <a:pathLst>
+              <a:path w="120000" h="120000" extrusionOk="0">
+                <a:moveTo>
+                  <a:pt x="0" y="0"/>
+                </a:moveTo>
+                <a:lnTo>
+                  <a:pt x="120000" y="0"/>
+                </a:lnTo>
+                <a:lnTo>
+                  <a:pt x="120000" y="120000"/>
+                </a:lnTo>
+                <a:lnTo>
+                  <a:pt x="0" y="120000"/>
+                </a:lnTo>
+                <a:close/>
+              </a:path>
+            </a:pathLst>
+          </a:custGeom>
+        </p:spPr>
+      </p:sp>
+      <p:sp>
+        <p:nvSpPr>
+          <p:cNvPr id="934" name="Google Shape;934;g18badc01a4e_0_927:notes"/>
+          <p:cNvSpPr txBox="1">
+            <a:spLocks noGrp="1"/>
+          </p:cNvSpPr>
+          <p:nvPr>
+            <p:ph type="body" idx="1"/>
+          </p:nvPr>
+        </p:nvSpPr>
+        <p:spPr>
+          <a:xfrm>
+            <a:off x="685800" y="4343400"/>
+            <a:ext cx="5486400" cy="4114800"/>
+          </a:xfrm>
+          <a:prstGeom prst="rect">
+            <a:avLst/>
+          </a:prstGeom>
+        </p:spPr>
+        <p:txBody>
+          <a:bodyPr spcFirstLastPara="1" wrap="square" lIns="91425" tIns="91425" rIns="91425" bIns="91425" anchor="t" anchorCtr="0">
+            <a:noAutofit/>
+          </a:bodyPr>
+          <a:lstStyle/>
+          <a:p>
+            <a:pPr marL="0" lvl="0" indent="0" algn="l" rtl="0">
+              <a:spcBef>
+                <a:spcPts val="0"/>
+              </a:spcBef>
+              <a:spcAft>
+                <a:spcPts val="0"/>
+              </a:spcAft>
+              <a:buNone/>
+            </a:pPr>
+            <a:endParaRPr/>
+          </a:p>
+        </p:txBody>
+      </p:sp>
+    </p:spTree>
+  </p:cSld>
+  <p:clrMapOvr>
+    <a:masterClrMapping/>
+  </p:clrMapOvr>
+</p:notes>
+</file>
+
+<file path=ppt/notesSlides/notesSlide78.xml><?xml version="1.0" encoding="utf-8"?>
+<p:notes xmlns:a="http://schemas.openxmlformats.org/drawingml/2006/main" xmlns:r="http://schemas.openxmlformats.org/officeDocument/2006/relationships" xmlns:p="http://schemas.openxmlformats.org/presentationml/2006/main" showMasterSp="0" showMasterPhAnim="0">
+  <p:cSld>
+    <p:spTree>
+      <p:nvGrpSpPr>
+        <p:cNvPr id="1" name="Shape 964"/>
+        <p:cNvGrpSpPr/>
+        <p:nvPr/>
+      </p:nvGrpSpPr>
+      <p:grpSpPr>
+        <a:xfrm>
+          <a:off x="0" y="0"/>
+          <a:ext cx="0" cy="0"/>
+          <a:chOff x="0" y="0"/>
+          <a:chExt cx="0" cy="0"/>
+        </a:xfrm>
+      </p:grpSpPr>
+      <p:sp>
+        <p:nvSpPr>
+          <p:cNvPr id="965" name="Google Shape;965;g18badc01a4e_0_1537:notes"/>
+          <p:cNvSpPr>
+            <a:spLocks noGrp="1" noRot="1" noChangeAspect="1"/>
+          </p:cNvSpPr>
+          <p:nvPr>
+            <p:ph type="sldImg" idx="2"/>
+          </p:nvPr>
+        </p:nvSpPr>
+        <p:spPr>
+          <a:xfrm>
+            <a:off x="381000" y="685800"/>
+            <a:ext cx="6096000" cy="3429000"/>
+          </a:xfrm>
+          <a:custGeom>
+            <a:avLst/>
+            <a:gdLst/>
+            <a:ahLst/>
+            <a:cxnLst/>
+            <a:rect l="l" t="t" r="r" b="b"/>
+            <a:pathLst>
+              <a:path w="120000" h="120000" extrusionOk="0">
+                <a:moveTo>
+                  <a:pt x="0" y="0"/>
+                </a:moveTo>
+                <a:lnTo>
+                  <a:pt x="120000" y="0"/>
+                </a:lnTo>
+                <a:lnTo>
+                  <a:pt x="120000" y="120000"/>
+                </a:lnTo>
+                <a:lnTo>
+                  <a:pt x="0" y="120000"/>
+                </a:lnTo>
+                <a:close/>
+              </a:path>
+            </a:pathLst>
+          </a:custGeom>
+        </p:spPr>
+      </p:sp>
+      <p:sp>
+        <p:nvSpPr>
           <p:cNvPr id="966" name="Google Shape;966;g18badc01a4e_0_1537:notes"/>
+          <p:cNvSpPr txBox="1">
+            <a:spLocks noGrp="1"/>
+          </p:cNvSpPr>
+          <p:nvPr>
+            <p:ph type="body" idx="1"/>
+          </p:nvPr>
+        </p:nvSpPr>
+        <p:spPr>
+          <a:xfrm>
+            <a:off x="685800" y="4343400"/>
+            <a:ext cx="5486400" cy="4114800"/>
+          </a:xfrm>
+          <a:prstGeom prst="rect">
+            <a:avLst/>
+          </a:prstGeom>
+        </p:spPr>
+        <p:txBody>
+          <a:bodyPr spcFirstLastPara="1" wrap="square" lIns="91425" tIns="91425" rIns="91425" bIns="91425" anchor="t" anchorCtr="0">
+            <a:noAutofit/>
+          </a:bodyPr>
+          <a:lstStyle/>
+          <a:p>
+            <a:pPr marL="0" lvl="0" indent="0" algn="l" rtl="0">
+              <a:spcBef>
+                <a:spcPts val="0"/>
+              </a:spcBef>
+              <a:spcAft>
+                <a:spcPts val="0"/>
+              </a:spcAft>
+              <a:buNone/>
+            </a:pPr>
+            <a:endParaRPr/>
+          </a:p>
+        </p:txBody>
+      </p:sp>
+    </p:spTree>
+  </p:cSld>
+  <p:clrMapOvr>
+    <a:masterClrMapping/>
+  </p:clrMapOvr>
+</p:notes>
+</file>
+
+<file path=ppt/notesSlides/notesSlide79.xml><?xml version="1.0" encoding="utf-8"?>
+<p:notes xmlns:a="http://schemas.openxmlformats.org/drawingml/2006/main" xmlns:r="http://schemas.openxmlformats.org/officeDocument/2006/relationships" xmlns:p="http://schemas.openxmlformats.org/presentationml/2006/main" showMasterSp="0" showMasterPhAnim="0">
+  <p:cSld>
+    <p:spTree>
+      <p:nvGrpSpPr>
+        <p:cNvPr id="1" name="Shape 949"/>
+        <p:cNvGrpSpPr/>
+        <p:nvPr/>
+      </p:nvGrpSpPr>
+      <p:grpSpPr>
+        <a:xfrm>
+          <a:off x="0" y="0"/>
+          <a:ext cx="0" cy="0"/>
+          <a:chOff x="0" y="0"/>
+          <a:chExt cx="0" cy="0"/>
+        </a:xfrm>
+      </p:grpSpPr>
+      <p:sp>
+        <p:nvSpPr>
+          <p:cNvPr id="950" name="Google Shape;950;g18badc01a4e_0_883:notes"/>
+          <p:cNvSpPr>
+            <a:spLocks noGrp="1" noRot="1" noChangeAspect="1"/>
+          </p:cNvSpPr>
+          <p:nvPr>
+            <p:ph type="sldImg" idx="2"/>
+          </p:nvPr>
+        </p:nvSpPr>
+        <p:spPr>
+          <a:xfrm>
+            <a:off x="381000" y="685800"/>
+            <a:ext cx="6096000" cy="3429000"/>
+          </a:xfrm>
+          <a:custGeom>
+            <a:avLst/>
+            <a:gdLst/>
+            <a:ahLst/>
+            <a:cxnLst/>
+            <a:rect l="l" t="t" r="r" b="b"/>
+            <a:pathLst>
+              <a:path w="120000" h="120000" extrusionOk="0">
+                <a:moveTo>
+                  <a:pt x="0" y="0"/>
+                </a:moveTo>
+                <a:lnTo>
+                  <a:pt x="120000" y="0"/>
+                </a:lnTo>
+                <a:lnTo>
+                  <a:pt x="120000" y="120000"/>
+                </a:lnTo>
+                <a:lnTo>
+                  <a:pt x="0" y="120000"/>
+                </a:lnTo>
+                <a:close/>
+              </a:path>
+            </a:pathLst>
+          </a:custGeom>
+        </p:spPr>
+      </p:sp>
+      <p:sp>
+        <p:nvSpPr>
+          <p:cNvPr id="951" name="Google Shape;951;g18badc01a4e_0_883:notes"/>
           <p:cNvSpPr txBox="1">
             <a:spLocks noGrp="1"/>
           </p:cNvSpPr>
@@ -13597,8 +14004,18 @@
             </a:pPr>
             <a:r>
               <a:rPr lang="en" sz="2800" b="1" dirty="0"/>
-              <a:t>Introduction To Git</a:t>
-            </a:r>
+              <a:t>Introduction To Git &amp; GitHub</a:t>
+            </a:r>
+            <a:br>
+              <a:rPr lang="en" sz="2800" b="1" dirty="0"/>
+            </a:br>
+            <a:r>
+              <a:rPr lang="en" sz="2800" b="1" dirty="0"/>
+              <a:t>Part 1</a:t>
+            </a:r>
+            <a:br>
+              <a:rPr lang="en" sz="2800" b="1" dirty="0"/>
+            </a:br>
             <a:endParaRPr sz="6100" dirty="0"/>
           </a:p>
         </p:txBody>
@@ -13624,7 +14041,7 @@
         </p:spPr>
         <p:txBody>
           <a:bodyPr spcFirstLastPara="1" wrap="square" lIns="91425" tIns="91425" rIns="91425" bIns="91425" anchor="ctr" anchorCtr="0">
-            <a:normAutofit fontScale="85000" lnSpcReduction="20000"/>
+            <a:noAutofit/>
           </a:bodyPr>
           <a:lstStyle/>
           <a:p>
@@ -13642,7 +14059,7 @@
               <a:buFont typeface="Arial"/>
               <a:buNone/>
             </a:pPr>
-            <a:endParaRPr sz="1800" b="1">
+            <a:endParaRPr sz="1200" b="1" dirty="0">
               <a:solidFill>
                 <a:schemeClr val="dk1"/>
               </a:solidFill>
@@ -13663,7 +14080,7 @@
               <a:buFont typeface="Arial"/>
               <a:buNone/>
             </a:pPr>
-            <a:endParaRPr sz="1300" b="1">
+            <a:endParaRPr sz="1200" b="1" dirty="0">
               <a:solidFill>
                 <a:schemeClr val="dk1"/>
               </a:solidFill>
@@ -13685,18 +14102,13 @@
               <a:buNone/>
             </a:pPr>
             <a:r>
-              <a:rPr lang="en" sz="1300">
+              <a:rPr lang="en" sz="1200" dirty="0">
                 <a:solidFill>
                   <a:schemeClr val="dk1"/>
                 </a:solidFill>
               </a:rPr>
               <a:t>Burcu Beygu</a:t>
             </a:r>
-            <a:endParaRPr sz="1300">
-              <a:solidFill>
-                <a:schemeClr val="dk1"/>
-              </a:solidFill>
-            </a:endParaRPr>
           </a:p>
           <a:p>
             <a:pPr marL="0" lvl="0" indent="0" algn="ctr" rtl="0">
@@ -13714,14 +14126,102 @@
               <a:buNone/>
             </a:pPr>
             <a:r>
-              <a:rPr lang="en" sz="1300">
+              <a:rPr lang="en-US" sz="1200" dirty="0">
                 <a:solidFill>
                   <a:schemeClr val="dk1"/>
                 </a:solidFill>
               </a:rPr>
+              <a:t>Giulio </a:t>
+            </a:r>
+            <a:r>
+              <a:rPr lang="en-US" sz="1200" dirty="0" err="1">
+                <a:solidFill>
+                  <a:schemeClr val="dk1"/>
+                </a:solidFill>
+              </a:rPr>
+              <a:t>Rosani</a:t>
+            </a:r>
+            <a:endParaRPr sz="1200" dirty="0">
+              <a:solidFill>
+                <a:schemeClr val="dk1"/>
+              </a:solidFill>
+            </a:endParaRPr>
+          </a:p>
+          <a:p>
+            <a:pPr marL="0" lvl="0" indent="0" algn="ctr" rtl="0">
+              <a:spcBef>
+                <a:spcPts val="0"/>
+              </a:spcBef>
+              <a:spcAft>
+                <a:spcPts val="0"/>
+              </a:spcAft>
+              <a:buClr>
+                <a:schemeClr val="dk1"/>
+              </a:buClr>
+              <a:buSzPct val="84615"/>
+              <a:buFont typeface="Arial"/>
+              <a:buNone/>
+            </a:pPr>
+            <a:r>
+              <a:rPr lang="en" sz="1200" dirty="0">
+                <a:solidFill>
+                  <a:schemeClr val="dk1"/>
+                </a:solidFill>
+                <a:hlinkClick r:id="rId3"/>
+              </a:rPr>
               <a:t>burcu.beygu@rug.nl</a:t>
             </a:r>
-            <a:endParaRPr sz="1300">
+            <a:endParaRPr lang="en" sz="1200" dirty="0">
+              <a:solidFill>
+                <a:schemeClr val="dk1"/>
+              </a:solidFill>
+            </a:endParaRPr>
+          </a:p>
+          <a:p>
+            <a:pPr marL="0" lvl="0" indent="0" algn="ctr" rtl="0">
+              <a:spcBef>
+                <a:spcPts val="0"/>
+              </a:spcBef>
+              <a:spcAft>
+                <a:spcPts val="0"/>
+              </a:spcAft>
+              <a:buClr>
+                <a:schemeClr val="dk1"/>
+              </a:buClr>
+              <a:buSzPct val="84615"/>
+              <a:buFont typeface="Arial"/>
+              <a:buNone/>
+            </a:pPr>
+            <a:endParaRPr lang="en" sz="1200" dirty="0">
+              <a:solidFill>
+                <a:schemeClr val="dk1"/>
+              </a:solidFill>
+            </a:endParaRPr>
+          </a:p>
+          <a:p>
+            <a:pPr marL="0" lvl="0" indent="0" algn="ctr" rtl="0">
+              <a:spcBef>
+                <a:spcPts val="0"/>
+              </a:spcBef>
+              <a:spcAft>
+                <a:spcPts val="0"/>
+              </a:spcAft>
+              <a:buClr>
+                <a:schemeClr val="dk1"/>
+              </a:buClr>
+              <a:buSzPct val="84615"/>
+              <a:buFont typeface="Arial"/>
+              <a:buNone/>
+            </a:pPr>
+            <a:r>
+              <a:rPr lang="en" sz="1200" dirty="0">
+                <a:solidFill>
+                  <a:schemeClr val="dk1"/>
+                </a:solidFill>
+              </a:rPr>
+              <a:t>07/10/2025</a:t>
+            </a:r>
+            <a:endParaRPr sz="1200" dirty="0">
               <a:solidFill>
                 <a:schemeClr val="dk1"/>
               </a:solidFill>
@@ -13750,7 +14250,7 @@
             <p:nvPr/>
           </p:nvPicPr>
           <p:blipFill>
-            <a:blip r:embed="rId3">
+            <a:blip r:embed="rId4">
               <a:alphaModFix/>
             </a:blip>
             <a:stretch>
@@ -13901,7 +14401,7 @@
           <p:nvPr/>
         </p:nvPicPr>
         <p:blipFill>
-          <a:blip r:embed="rId4">
+          <a:blip r:embed="rId5">
             <a:alphaModFix/>
           </a:blip>
           <a:stretch>
@@ -21903,6 +22403,13 @@
               </a:rPr>
               <a:t>DCC RUG</a:t>
             </a:r>
+            <a:br>
+              <a:rPr lang="en-US" sz="6100" dirty="0"/>
+            </a:br>
+            <a:r>
+              <a:rPr lang="en-US" sz="1200" dirty="0"/>
+              <a:t>Follow our training and subscribe to our newsletter to stay up-to-date</a:t>
+            </a:r>
             <a:endParaRPr sz="6100" dirty="0"/>
           </a:p>
         </p:txBody>
@@ -34451,7 +34958,7 @@
           </a:bodyPr>
           <a:lstStyle/>
           <a:p>
-            <a:pPr marL="457200" lvl="0" indent="-342900" algn="l" rtl="0">
+            <a:pPr marL="114300" lvl="0" indent="0" algn="l" rtl="0">
               <a:spcBef>
                 <a:spcPts val="0"/>
               </a:spcBef>
@@ -34462,17 +34969,32 @@
                 <a:schemeClr val="dk1"/>
               </a:buClr>
               <a:buSzPts val="1800"/>
-              <a:buChar char="●"/>
-            </a:pPr>
-            <a:r>
-              <a:rPr lang="en">
+              <a:buNone/>
+            </a:pPr>
+            <a:r>
+              <a:rPr lang="en" dirty="0">
                 <a:solidFill>
                   <a:schemeClr val="dk1"/>
                 </a:solidFill>
               </a:rPr>
               <a:t>Best practices:</a:t>
             </a:r>
-            <a:endParaRPr>
+          </a:p>
+          <a:p>
+            <a:pPr marL="114300" lvl="0" indent="0" algn="l" rtl="0">
+              <a:spcBef>
+                <a:spcPts val="0"/>
+              </a:spcBef>
+              <a:spcAft>
+                <a:spcPts val="0"/>
+              </a:spcAft>
+              <a:buClr>
+                <a:schemeClr val="dk1"/>
+              </a:buClr>
+              <a:buSzPts val="1800"/>
+              <a:buNone/>
+            </a:pPr>
+            <a:endParaRPr dirty="0">
               <a:solidFill>
                 <a:schemeClr val="dk1"/>
               </a:solidFill>
@@ -34493,14 +35015,14 @@
               <a:buChar char="○"/>
             </a:pPr>
             <a:r>
-              <a:rPr lang="en">
+              <a:rPr lang="en" dirty="0">
                 <a:solidFill>
                   <a:schemeClr val="dk1"/>
                 </a:solidFill>
               </a:rPr>
               <a:t>Make small changes to files</a:t>
             </a:r>
-            <a:endParaRPr>
+            <a:endParaRPr dirty="0">
               <a:solidFill>
                 <a:schemeClr val="dk1"/>
               </a:solidFill>
@@ -34521,14 +35043,14 @@
               <a:buChar char="○"/>
             </a:pPr>
             <a:r>
-              <a:rPr lang="en">
+              <a:rPr lang="en" dirty="0">
                 <a:solidFill>
                   <a:schemeClr val="dk1"/>
                 </a:solidFill>
               </a:rPr>
-              <a:t>You don’t have to commit each stage</a:t>
-            </a:r>
-            <a:endParaRPr>
+              <a:t>You don’t have to commit to each stage</a:t>
+            </a:r>
+            <a:endParaRPr dirty="0">
               <a:solidFill>
                 <a:schemeClr val="dk1"/>
               </a:solidFill>
@@ -34549,14 +35071,14 @@
               <a:buChar char="○"/>
             </a:pPr>
             <a:r>
-              <a:rPr lang="en">
+              <a:rPr lang="en-US" dirty="0">
                 <a:solidFill>
                   <a:schemeClr val="dk1"/>
                 </a:solidFill>
               </a:rPr>
-              <a:t>Commit often</a:t>
-            </a:r>
-            <a:endParaRPr>
+              <a:t>Make frequent and small commits</a:t>
+            </a:r>
+            <a:endParaRPr dirty="0">
               <a:solidFill>
                 <a:schemeClr val="dk1"/>
               </a:solidFill>
@@ -34577,14 +35099,14 @@
               <a:buChar char="○"/>
             </a:pPr>
             <a:r>
-              <a:rPr lang="en">
+              <a:rPr lang="en" dirty="0">
                 <a:solidFill>
                   <a:schemeClr val="dk1"/>
                 </a:solidFill>
               </a:rPr>
               <a:t>Always write a (meaningful) commit message</a:t>
             </a:r>
-            <a:endParaRPr>
+            <a:endParaRPr dirty="0">
               <a:solidFill>
                 <a:schemeClr val="dk1"/>
               </a:solidFill>
@@ -34605,14 +35127,14 @@
               <a:buChar char="○"/>
             </a:pPr>
             <a:r>
-              <a:rPr lang="en">
+              <a:rPr lang="en" dirty="0">
                 <a:solidFill>
                   <a:schemeClr val="dk1"/>
                 </a:solidFill>
               </a:rPr>
               <a:t>Don’t create nested repositories</a:t>
             </a:r>
-            <a:endParaRPr>
+            <a:endParaRPr dirty="0">
               <a:solidFill>
                 <a:schemeClr val="dk1"/>
               </a:solidFill>
@@ -34633,14 +35155,14 @@
               <a:buChar char="○"/>
             </a:pPr>
             <a:r>
-              <a:rPr lang="en">
+              <a:rPr lang="en" dirty="0">
                 <a:solidFill>
                   <a:schemeClr val="dk1"/>
                 </a:solidFill>
               </a:rPr>
               <a:t>Add your username &amp; email address to the global settings </a:t>
             </a:r>
-            <a:endParaRPr>
+            <a:endParaRPr dirty="0">
               <a:solidFill>
                 <a:schemeClr val="dk1"/>
               </a:solidFill>
@@ -34656,7 +35178,7 @@
               </a:spcAft>
               <a:buNone/>
             </a:pPr>
-            <a:endParaRPr>
+            <a:endParaRPr dirty="0">
               <a:solidFill>
                 <a:schemeClr val="dk1"/>
               </a:solidFill>
@@ -34672,8 +35194,8 @@
         </p:nvSpPr>
         <p:spPr>
           <a:xfrm>
-            <a:off x="346200" y="1219925"/>
-            <a:ext cx="6223200" cy="1953600"/>
+            <a:off x="346200" y="1017724"/>
+            <a:ext cx="6527040" cy="2617016"/>
           </a:xfrm>
           <a:prstGeom prst="roundRect">
             <a:avLst>
@@ -43867,7 +44389,13 @@
   <p:cSld>
     <p:spTree>
       <p:nvGrpSpPr>
-        <p:cNvPr id="1" name="Shape 765"/>
+        <p:cNvPr id="1" name="Shape 765">
+          <a:extLst>
+            <a:ext uri="{FF2B5EF4-FFF2-40B4-BE49-F238E27FC236}">
+              <a16:creationId xmlns:a16="http://schemas.microsoft.com/office/drawing/2014/main" id="{FC51460F-649B-1FC7-218B-F283240DD39B}"/>
+            </a:ext>
+          </a:extLst>
+        </p:cNvPr>
         <p:cNvGrpSpPr/>
         <p:nvPr/>
       </p:nvGrpSpPr>
@@ -43881,7 +44409,13 @@
       </p:grpSpPr>
       <p:sp>
         <p:nvSpPr>
-          <p:cNvPr id="766" name="Google Shape;766;p63"/>
+          <p:cNvPr id="766" name="Google Shape;766;p63">
+            <a:extLst>
+              <a:ext uri="{FF2B5EF4-FFF2-40B4-BE49-F238E27FC236}">
+                <a16:creationId xmlns:a16="http://schemas.microsoft.com/office/drawing/2014/main" id="{028F14AD-2117-9FF2-6A7C-4F7A1D93BC5D}"/>
+              </a:ext>
+            </a:extLst>
+          </p:cNvPr>
           <p:cNvSpPr/>
           <p:nvPr/>
         </p:nvSpPr>
@@ -43929,7 +44463,13 @@
       </p:sp>
       <p:sp>
         <p:nvSpPr>
-          <p:cNvPr id="767" name="Google Shape;767;p63"/>
+          <p:cNvPr id="767" name="Google Shape;767;p63">
+            <a:extLst>
+              <a:ext uri="{FF2B5EF4-FFF2-40B4-BE49-F238E27FC236}">
+                <a16:creationId xmlns:a16="http://schemas.microsoft.com/office/drawing/2014/main" id="{2409A453-5777-9B42-725A-C391FC6204D4}"/>
+              </a:ext>
+            </a:extLst>
+          </p:cNvPr>
           <p:cNvSpPr txBox="1">
             <a:spLocks noGrp="1"/>
           </p:cNvSpPr>
@@ -43979,7 +44519,13 @@
       </p:sp>
       <p:sp>
         <p:nvSpPr>
-          <p:cNvPr id="768" name="Google Shape;768;p63"/>
+          <p:cNvPr id="768" name="Google Shape;768;p63">
+            <a:extLst>
+              <a:ext uri="{FF2B5EF4-FFF2-40B4-BE49-F238E27FC236}">
+                <a16:creationId xmlns:a16="http://schemas.microsoft.com/office/drawing/2014/main" id="{2DCE729F-6C24-74AB-B139-AE9DFEDF7052}"/>
+              </a:ext>
+            </a:extLst>
+          </p:cNvPr>
           <p:cNvSpPr txBox="1">
             <a:spLocks noGrp="1"/>
           </p:cNvSpPr>
@@ -44249,7 +44795,7 @@
                   <a:schemeClr val="dk1"/>
                 </a:solidFill>
               </a:rPr>
-              <a:t>*.log : Git will ignore all files that ends with </a:t>
+              <a:t>*.log : Git will ignore all files that end with </a:t>
             </a:r>
             <a:r>
               <a:rPr lang="en" dirty="0">
@@ -44378,7 +44924,7 @@
                   <a:schemeClr val="lt1"/>
                 </a:highlight>
               </a:rPr>
-              <a:t> (if a directory anything in it)</a:t>
+              <a:t> (if a directory, anything in it)</a:t>
             </a:r>
             <a:endParaRPr dirty="0">
               <a:solidFill>
@@ -44392,6 +44938,11 @@
         </p:txBody>
       </p:sp>
     </p:spTree>
+    <p:extLst>
+      <p:ext uri="{BB962C8B-B14F-4D97-AF65-F5344CB8AC3E}">
+        <p14:creationId xmlns:p14="http://schemas.microsoft.com/office/powerpoint/2010/main" val="4062831756"/>
+      </p:ext>
+    </p:extLst>
   </p:cSld>
   <p:clrMapOvr>
     <a:masterClrMapping/>
@@ -46371,6 +46922,110 @@
       </p:grpSpPr>
       <p:sp>
         <p:nvSpPr>
+          <p:cNvPr id="3" name="Rectangle: Rounded Corners 2">
+            <a:extLst>
+              <a:ext uri="{FF2B5EF4-FFF2-40B4-BE49-F238E27FC236}">
+                <a16:creationId xmlns:a16="http://schemas.microsoft.com/office/drawing/2014/main" id="{AD12D14D-07F4-53F8-03C2-BD83A25F3606}"/>
+              </a:ext>
+            </a:extLst>
+          </p:cNvPr>
+          <p:cNvSpPr/>
+          <p:nvPr/>
+        </p:nvSpPr>
+        <p:spPr>
+          <a:xfrm>
+            <a:off x="403860" y="1272540"/>
+            <a:ext cx="8023860" cy="647700"/>
+          </a:xfrm>
+          <a:prstGeom prst="roundRect">
+            <a:avLst/>
+          </a:prstGeom>
+          <a:solidFill>
+            <a:schemeClr val="accent4">
+              <a:lumMod val="60000"/>
+              <a:lumOff val="40000"/>
+            </a:schemeClr>
+          </a:solidFill>
+        </p:spPr>
+        <p:style>
+          <a:lnRef idx="2">
+            <a:schemeClr val="accent1">
+              <a:shade val="15000"/>
+            </a:schemeClr>
+          </a:lnRef>
+          <a:fillRef idx="1">
+            <a:schemeClr val="accent1"/>
+          </a:fillRef>
+          <a:effectRef idx="0">
+            <a:schemeClr val="accent1"/>
+          </a:effectRef>
+          <a:fontRef idx="minor">
+            <a:schemeClr val="lt1"/>
+          </a:fontRef>
+        </p:style>
+        <p:txBody>
+          <a:bodyPr rtlCol="0" anchor="ctr"/>
+          <a:lstStyle/>
+          <a:p>
+            <a:pPr algn="ctr"/>
+            <a:endParaRPr lang="LID4096"/>
+          </a:p>
+        </p:txBody>
+      </p:sp>
+      <p:sp>
+        <p:nvSpPr>
+          <p:cNvPr id="2" name="Rectangle: Rounded Corners 1">
+            <a:extLst>
+              <a:ext uri="{FF2B5EF4-FFF2-40B4-BE49-F238E27FC236}">
+                <a16:creationId xmlns:a16="http://schemas.microsoft.com/office/drawing/2014/main" id="{EA212596-4CAA-1BDF-3E18-67ECE3DB2CE4}"/>
+              </a:ext>
+            </a:extLst>
+          </p:cNvPr>
+          <p:cNvSpPr/>
+          <p:nvPr/>
+        </p:nvSpPr>
+        <p:spPr>
+          <a:xfrm>
+            <a:off x="311700" y="3550920"/>
+            <a:ext cx="6950160" cy="1356360"/>
+          </a:xfrm>
+          <a:prstGeom prst="roundRect">
+            <a:avLst/>
+          </a:prstGeom>
+          <a:solidFill>
+            <a:schemeClr val="accent4">
+              <a:lumMod val="60000"/>
+              <a:lumOff val="40000"/>
+            </a:schemeClr>
+          </a:solidFill>
+        </p:spPr>
+        <p:style>
+          <a:lnRef idx="2">
+            <a:schemeClr val="accent1">
+              <a:shade val="15000"/>
+            </a:schemeClr>
+          </a:lnRef>
+          <a:fillRef idx="1">
+            <a:schemeClr val="accent1"/>
+          </a:fillRef>
+          <a:effectRef idx="0">
+            <a:schemeClr val="accent1"/>
+          </a:effectRef>
+          <a:fontRef idx="minor">
+            <a:schemeClr val="lt1"/>
+          </a:fontRef>
+        </p:style>
+        <p:txBody>
+          <a:bodyPr rtlCol="0" anchor="ctr"/>
+          <a:lstStyle/>
+          <a:p>
+            <a:pPr algn="ctr"/>
+            <a:endParaRPr lang="LID4096"/>
+          </a:p>
+        </p:txBody>
+      </p:sp>
+      <p:sp>
+        <p:nvSpPr>
           <p:cNvPr id="818" name="Google Shape;818;p66"/>
           <p:cNvSpPr txBox="1">
             <a:spLocks noGrp="1"/>
@@ -46438,7 +47093,7 @@
           <a:p>
             <a:pPr marL="457200" lvl="0" indent="-298450" algn="l" rtl="0">
               <a:lnSpc>
-                <a:spcPct val="80000"/>
+                <a:spcPct val="100000"/>
               </a:lnSpc>
               <a:spcBef>
                 <a:spcPts val="1200"/>
@@ -46453,7 +47108,7 @@
               <a:buChar char="●"/>
             </a:pPr>
             <a:r>
-              <a:rPr lang="en" sz="1100" b="1">
+              <a:rPr lang="en" sz="1400" b="1" dirty="0">
                 <a:solidFill>
                   <a:schemeClr val="dk1"/>
                 </a:solidFill>
@@ -46461,42 +47116,23 @@
               <a:t>Branche(s) :</a:t>
             </a:r>
             <a:r>
-              <a:rPr lang="en" sz="1100">
+              <a:rPr lang="en" sz="1400" dirty="0">
                 <a:solidFill>
                   <a:schemeClr val="dk1"/>
                 </a:solidFill>
               </a:rPr>
               <a:t> Allows you to have multiple versions of your work, and lets you track each version systematically.</a:t>
             </a:r>
-            <a:endParaRPr sz="1100">
+            <a:endParaRPr sz="1400" dirty="0">
               <a:solidFill>
                 <a:schemeClr val="dk1"/>
               </a:solidFill>
             </a:endParaRPr>
           </a:p>
           <a:p>
-            <a:pPr marL="0" lvl="0" indent="0" algn="l" rtl="0">
-              <a:lnSpc>
-                <a:spcPct val="80000"/>
-              </a:lnSpc>
-              <a:spcBef>
-                <a:spcPts val="1200"/>
-              </a:spcBef>
-              <a:spcAft>
-                <a:spcPts val="0"/>
-              </a:spcAft>
-              <a:buNone/>
-            </a:pPr>
-            <a:endParaRPr sz="100">
-              <a:solidFill>
-                <a:schemeClr val="dk1"/>
-              </a:solidFill>
-            </a:endParaRPr>
-          </a:p>
-          <a:p>
             <a:pPr marL="457200" lvl="0" indent="-298450" algn="l" rtl="0">
               <a:lnSpc>
-                <a:spcPct val="80000"/>
+                <a:spcPct val="100000"/>
               </a:lnSpc>
               <a:spcBef>
                 <a:spcPts val="1200"/>
@@ -46511,7 +47147,7 @@
               <a:buChar char="●"/>
             </a:pPr>
             <a:r>
-              <a:rPr lang="en" sz="1100">
+              <a:rPr lang="en" sz="1400" dirty="0">
                 <a:solidFill>
                   <a:schemeClr val="dk1"/>
                 </a:solidFill>
@@ -46519,7 +47155,7 @@
               <a:t>Each branch is like a parallel universe: changes you make in one branch do not affect other branches (until you </a:t>
             </a:r>
             <a:r>
-              <a:rPr lang="en" sz="1100" b="1">
+              <a:rPr lang="en" sz="1400" b="1" dirty="0">
                 <a:solidFill>
                   <a:schemeClr val="dk1"/>
                 </a:solidFill>
@@ -46527,42 +47163,23 @@
               <a:t>merge</a:t>
             </a:r>
             <a:r>
-              <a:rPr lang="en" sz="1100">
+              <a:rPr lang="en" sz="1400" dirty="0">
                 <a:solidFill>
                   <a:schemeClr val="dk1"/>
                 </a:solidFill>
               </a:rPr>
               <a:t> them back together).</a:t>
             </a:r>
-            <a:endParaRPr sz="1100">
+            <a:endParaRPr sz="1400" dirty="0">
               <a:solidFill>
                 <a:schemeClr val="dk1"/>
               </a:solidFill>
             </a:endParaRPr>
           </a:p>
           <a:p>
-            <a:pPr marL="0" lvl="0" indent="0" algn="l" rtl="0">
-              <a:lnSpc>
-                <a:spcPct val="80000"/>
-              </a:lnSpc>
-              <a:spcBef>
-                <a:spcPts val="1200"/>
-              </a:spcBef>
-              <a:spcAft>
-                <a:spcPts val="0"/>
-              </a:spcAft>
-              <a:buNone/>
-            </a:pPr>
-            <a:endParaRPr sz="100">
-              <a:solidFill>
-                <a:schemeClr val="dk1"/>
-              </a:solidFill>
-            </a:endParaRPr>
-          </a:p>
-          <a:p>
             <a:pPr marL="457200" lvl="0" indent="-298450" algn="l" rtl="0">
               <a:lnSpc>
-                <a:spcPct val="80000"/>
+                <a:spcPct val="100000"/>
               </a:lnSpc>
               <a:spcBef>
                 <a:spcPts val="1200"/>
@@ -46577,14 +47194,14 @@
               <a:buChar char="●"/>
             </a:pPr>
             <a:r>
-              <a:rPr lang="en" sz="1100">
+              <a:rPr lang="en" sz="1400" dirty="0">
                 <a:solidFill>
                   <a:schemeClr val="dk1"/>
                 </a:solidFill>
               </a:rPr>
               <a:t>In each branch:</a:t>
             </a:r>
-            <a:endParaRPr sz="1100">
+            <a:endParaRPr sz="1400" dirty="0">
               <a:solidFill>
                 <a:schemeClr val="dk1"/>
               </a:solidFill>
@@ -46593,7 +47210,7 @@
           <a:p>
             <a:pPr marL="914400" lvl="1" indent="-298450" algn="l" rtl="0">
               <a:lnSpc>
-                <a:spcPct val="80000"/>
+                <a:spcPct val="100000"/>
               </a:lnSpc>
               <a:spcBef>
                 <a:spcPts val="0"/>
@@ -46608,14 +47225,14 @@
               <a:buChar char="○"/>
             </a:pPr>
             <a:r>
-              <a:rPr lang="en" sz="1100">
+              <a:rPr lang="en" dirty="0">
                 <a:solidFill>
                   <a:schemeClr val="dk1"/>
                 </a:solidFill>
               </a:rPr>
               <a:t>Some files might be the same</a:t>
             </a:r>
-            <a:endParaRPr sz="1100">
+            <a:endParaRPr dirty="0">
               <a:solidFill>
                 <a:schemeClr val="dk1"/>
               </a:solidFill>
@@ -46624,7 +47241,7 @@
           <a:p>
             <a:pPr marL="914400" lvl="1" indent="-298450" algn="l" rtl="0">
               <a:lnSpc>
-                <a:spcPct val="80000"/>
+                <a:spcPct val="100000"/>
               </a:lnSpc>
               <a:spcBef>
                 <a:spcPts val="0"/>
@@ -46639,14 +47256,14 @@
               <a:buChar char="○"/>
             </a:pPr>
             <a:r>
-              <a:rPr lang="en" sz="1100">
+              <a:rPr lang="en" dirty="0">
                 <a:solidFill>
                   <a:schemeClr val="dk1"/>
                 </a:solidFill>
               </a:rPr>
               <a:t>Others might be different</a:t>
             </a:r>
-            <a:endParaRPr sz="1100">
+            <a:endParaRPr dirty="0">
               <a:solidFill>
                 <a:schemeClr val="dk1"/>
               </a:solidFill>
@@ -46655,7 +47272,7 @@
           <a:p>
             <a:pPr marL="914400" lvl="1" indent="-298450" algn="l" rtl="0">
               <a:lnSpc>
-                <a:spcPct val="80000"/>
+                <a:spcPct val="100000"/>
               </a:lnSpc>
               <a:spcBef>
                 <a:spcPts val="0"/>
@@ -46670,42 +47287,23 @@
               <a:buChar char="○"/>
             </a:pPr>
             <a:r>
-              <a:rPr lang="en" sz="1100">
+              <a:rPr lang="en" dirty="0">
                 <a:solidFill>
                   <a:schemeClr val="dk1"/>
                 </a:solidFill>
               </a:rPr>
               <a:t>Some may not exist at all</a:t>
             </a:r>
-            <a:endParaRPr sz="1100">
+            <a:endParaRPr dirty="0">
               <a:solidFill>
                 <a:schemeClr val="dk1"/>
               </a:solidFill>
             </a:endParaRPr>
           </a:p>
           <a:p>
-            <a:pPr marL="914400" lvl="0" indent="0" algn="l" rtl="0">
-              <a:lnSpc>
-                <a:spcPct val="80000"/>
-              </a:lnSpc>
-              <a:spcBef>
-                <a:spcPts val="1200"/>
-              </a:spcBef>
-              <a:spcAft>
-                <a:spcPts val="0"/>
-              </a:spcAft>
-              <a:buNone/>
-            </a:pPr>
-            <a:endParaRPr sz="100">
-              <a:solidFill>
-                <a:schemeClr val="dk1"/>
-              </a:solidFill>
-            </a:endParaRPr>
-          </a:p>
-          <a:p>
             <a:pPr marL="457200" lvl="0" indent="-298450" algn="l" rtl="0">
               <a:lnSpc>
-                <a:spcPct val="80000"/>
+                <a:spcPct val="100000"/>
               </a:lnSpc>
               <a:spcBef>
                 <a:spcPts val="1200"/>
@@ -46720,42 +47318,23 @@
               <a:buChar char="●"/>
             </a:pPr>
             <a:r>
-              <a:rPr lang="en" sz="1100">
+              <a:rPr lang="en" sz="1400" dirty="0">
                 <a:solidFill>
                   <a:schemeClr val="dk1"/>
                 </a:solidFill>
               </a:rPr>
               <a:t>Avoids endless subdirectories</a:t>
             </a:r>
-            <a:endParaRPr sz="1100">
+            <a:endParaRPr sz="1400" dirty="0">
               <a:solidFill>
                 <a:schemeClr val="dk1"/>
               </a:solidFill>
             </a:endParaRPr>
           </a:p>
           <a:p>
-            <a:pPr marL="457200" lvl="0" indent="0" algn="l" rtl="0">
-              <a:lnSpc>
-                <a:spcPct val="80000"/>
-              </a:lnSpc>
-              <a:spcBef>
-                <a:spcPts val="1200"/>
-              </a:spcBef>
-              <a:spcAft>
-                <a:spcPts val="0"/>
-              </a:spcAft>
-              <a:buNone/>
-            </a:pPr>
-            <a:endParaRPr sz="100">
-              <a:solidFill>
-                <a:schemeClr val="dk1"/>
-              </a:solidFill>
-            </a:endParaRPr>
-          </a:p>
-          <a:p>
             <a:pPr marL="457200" lvl="0" indent="-298450" algn="l" rtl="0">
               <a:lnSpc>
-                <a:spcPct val="80000"/>
+                <a:spcPct val="100000"/>
               </a:lnSpc>
               <a:spcBef>
                 <a:spcPts val="1200"/>
@@ -46770,42 +47349,23 @@
               <a:buChar char="●"/>
             </a:pPr>
             <a:r>
-              <a:rPr lang="en" sz="1100">
+              <a:rPr lang="en" sz="1400" dirty="0">
                 <a:solidFill>
                   <a:schemeClr val="dk1"/>
                 </a:solidFill>
               </a:rPr>
               <a:t>Everything is tracked</a:t>
             </a:r>
-            <a:endParaRPr sz="1100">
+            <a:endParaRPr sz="1400" dirty="0">
               <a:solidFill>
                 <a:schemeClr val="dk1"/>
               </a:solidFill>
             </a:endParaRPr>
           </a:p>
           <a:p>
-            <a:pPr marL="457200" lvl="0" indent="0" algn="l" rtl="0">
-              <a:lnSpc>
-                <a:spcPct val="80000"/>
-              </a:lnSpc>
-              <a:spcBef>
-                <a:spcPts val="1200"/>
-              </a:spcBef>
-              <a:spcAft>
-                <a:spcPts val="0"/>
-              </a:spcAft>
-              <a:buNone/>
-            </a:pPr>
-            <a:endParaRPr sz="100">
-              <a:solidFill>
-                <a:schemeClr val="dk1"/>
-              </a:solidFill>
-            </a:endParaRPr>
-          </a:p>
-          <a:p>
             <a:pPr marL="457200" lvl="0" indent="-298450" algn="l" rtl="0">
               <a:lnSpc>
-                <a:spcPct val="80000"/>
+                <a:spcPct val="100000"/>
               </a:lnSpc>
               <a:spcBef>
                 <a:spcPts val="1200"/>
@@ -46820,42 +47380,23 @@
               <a:buChar char="●"/>
             </a:pPr>
             <a:r>
-              <a:rPr lang="en" sz="1100">
+              <a:rPr lang="en" sz="1400" dirty="0">
                 <a:solidFill>
                   <a:schemeClr val="dk1"/>
                 </a:solidFill>
               </a:rPr>
               <a:t>Minimizes the risk of conflicting</a:t>
             </a:r>
-            <a:endParaRPr sz="1100">
+            <a:endParaRPr sz="1400" dirty="0">
               <a:solidFill>
                 <a:schemeClr val="dk1"/>
               </a:solidFill>
             </a:endParaRPr>
           </a:p>
           <a:p>
-            <a:pPr marL="457200" lvl="0" indent="0" algn="l" rtl="0">
-              <a:lnSpc>
-                <a:spcPct val="80000"/>
-              </a:lnSpc>
-              <a:spcBef>
-                <a:spcPts val="1200"/>
-              </a:spcBef>
-              <a:spcAft>
-                <a:spcPts val="0"/>
-              </a:spcAft>
-              <a:buNone/>
-            </a:pPr>
-            <a:endParaRPr sz="100">
-              <a:solidFill>
-                <a:schemeClr val="dk1"/>
-              </a:solidFill>
-            </a:endParaRPr>
-          </a:p>
-          <a:p>
             <a:pPr marL="457200" lvl="0" indent="-298450" algn="l" rtl="0">
               <a:lnSpc>
-                <a:spcPct val="80000"/>
+                <a:spcPct val="100000"/>
               </a:lnSpc>
               <a:spcBef>
                 <a:spcPts val="1200"/>
@@ -46870,14 +47411,14 @@
               <a:buChar char="●"/>
             </a:pPr>
             <a:r>
-              <a:rPr lang="en" sz="1100">
+              <a:rPr lang="en" sz="1400" dirty="0">
                 <a:solidFill>
                   <a:schemeClr val="dk1"/>
                 </a:solidFill>
               </a:rPr>
               <a:t>Branches allow us to work on different components of a project simultaneously.</a:t>
             </a:r>
-            <a:endParaRPr sz="1100">
+            <a:endParaRPr sz="1400" dirty="0">
               <a:solidFill>
                 <a:schemeClr val="dk1"/>
               </a:solidFill>
@@ -50593,7 +51134,7 @@
                   <a:schemeClr val="dk1"/>
                 </a:solidFill>
               </a:rPr>
-              <a:t> : Make sure you are on the right branch before starting to work</a:t>
+              <a:t>: Make sure you are on the right branch before starting to work</a:t>
             </a:r>
             <a:endParaRPr dirty="0">
               <a:solidFill>
@@ -50648,12 +51189,20 @@
               <a:buNone/>
             </a:pPr>
             <a:r>
+              <a:rPr lang="en" b="1" dirty="0">
+                <a:solidFill>
+                  <a:schemeClr val="dk1"/>
+                </a:solidFill>
+              </a:rPr>
+              <a:t>Work on my project</a:t>
+            </a:r>
+            <a:r>
               <a:rPr lang="en" dirty="0">
                 <a:solidFill>
                   <a:schemeClr val="dk1"/>
                 </a:solidFill>
               </a:rPr>
-              <a:t>Work on my project                           : Continue working on your project if you are happy with the current status.</a:t>
+              <a:t>                        : Continue working on your project if you are happy with the current status.</a:t>
             </a:r>
             <a:endParaRPr dirty="0">
               <a:solidFill>
@@ -50725,7 +51274,7 @@
                   <a:schemeClr val="dk1"/>
                 </a:solidFill>
               </a:rPr>
-              <a:t>: Commit your stages.</a:t>
+              <a:t>: Commit your stages. Make frequent and small commits.</a:t>
             </a:r>
             <a:endParaRPr dirty="0">
               <a:solidFill>
@@ -50744,12 +51293,20 @@
               <a:buNone/>
             </a:pPr>
             <a:r>
+              <a:rPr lang="en" b="1" dirty="0">
+                <a:solidFill>
+                  <a:schemeClr val="dk1"/>
+                </a:solidFill>
+              </a:rPr>
+              <a:t>Happy with results                          </a:t>
+            </a:r>
+            <a:r>
               <a:rPr lang="en" dirty="0">
                 <a:solidFill>
                   <a:schemeClr val="dk1"/>
                 </a:solidFill>
               </a:rPr>
-              <a:t>Happy with results                            : You are happy with your progress and results.</a:t>
+              <a:t>: You are happy with your progress and results.</a:t>
             </a:r>
           </a:p>
           <a:p>
@@ -50901,6 +51458,53 @@
                 <a:schemeClr val="dk1"/>
               </a:solidFill>
             </a:endParaRPr>
+          </a:p>
+        </p:txBody>
+      </p:sp>
+      <p:sp>
+        <p:nvSpPr>
+          <p:cNvPr id="2" name="Rectangle: Rounded Corners 1">
+            <a:extLst>
+              <a:ext uri="{FF2B5EF4-FFF2-40B4-BE49-F238E27FC236}">
+                <a16:creationId xmlns:a16="http://schemas.microsoft.com/office/drawing/2014/main" id="{29FD295F-E885-639F-09E2-A51225A3D106}"/>
+              </a:ext>
+            </a:extLst>
+          </p:cNvPr>
+          <p:cNvSpPr/>
+          <p:nvPr/>
+        </p:nvSpPr>
+        <p:spPr>
+          <a:xfrm>
+            <a:off x="396240" y="259080"/>
+            <a:ext cx="8567860" cy="4537295"/>
+          </a:xfrm>
+          <a:prstGeom prst="roundRect">
+            <a:avLst/>
+          </a:prstGeom>
+          <a:noFill/>
+        </p:spPr>
+        <p:style>
+          <a:lnRef idx="2">
+            <a:schemeClr val="accent1">
+              <a:shade val="15000"/>
+            </a:schemeClr>
+          </a:lnRef>
+          <a:fillRef idx="1">
+            <a:schemeClr val="accent1"/>
+          </a:fillRef>
+          <a:effectRef idx="0">
+            <a:schemeClr val="accent1"/>
+          </a:effectRef>
+          <a:fontRef idx="minor">
+            <a:schemeClr val="lt1"/>
+          </a:fontRef>
+        </p:style>
+        <p:txBody>
+          <a:bodyPr rtlCol="0" anchor="ctr"/>
+          <a:lstStyle/>
+          <a:p>
+            <a:pPr algn="ctr"/>
+            <a:endParaRPr lang="LID4096"/>
           </a:p>
         </p:txBody>
       </p:sp>
@@ -51606,6 +52210,861 @@
   <p:cSld>
     <p:spTree>
       <p:nvGrpSpPr>
+        <p:cNvPr id="1" name="Shape 366">
+          <a:extLst>
+            <a:ext uri="{FF2B5EF4-FFF2-40B4-BE49-F238E27FC236}">
+              <a16:creationId xmlns:a16="http://schemas.microsoft.com/office/drawing/2014/main" id="{4AF091C5-EB68-DA1B-E9E2-3E307DA7B6C9}"/>
+            </a:ext>
+          </a:extLst>
+        </p:cNvPr>
+        <p:cNvGrpSpPr/>
+        <p:nvPr/>
+      </p:nvGrpSpPr>
+      <p:grpSpPr>
+        <a:xfrm>
+          <a:off x="0" y="0"/>
+          <a:ext cx="0" cy="0"/>
+          <a:chOff x="0" y="0"/>
+          <a:chExt cx="0" cy="0"/>
+        </a:xfrm>
+      </p:grpSpPr>
+      <p:grpSp>
+        <p:nvGrpSpPr>
+          <p:cNvPr id="367" name="Google Shape;367;p30">
+            <a:extLst>
+              <a:ext uri="{FF2B5EF4-FFF2-40B4-BE49-F238E27FC236}">
+                <a16:creationId xmlns:a16="http://schemas.microsoft.com/office/drawing/2014/main" id="{60F9AA2A-D508-B5D3-A8D5-09AF8D8702D1}"/>
+              </a:ext>
+            </a:extLst>
+          </p:cNvPr>
+          <p:cNvGrpSpPr/>
+          <p:nvPr/>
+        </p:nvGrpSpPr>
+        <p:grpSpPr>
+          <a:xfrm>
+            <a:off x="5936835" y="4508150"/>
+            <a:ext cx="3200201" cy="603542"/>
+            <a:chOff x="4641225" y="4279392"/>
+            <a:chExt cx="4171817" cy="790597"/>
+          </a:xfrm>
+        </p:grpSpPr>
+        <p:pic>
+          <p:nvPicPr>
+            <p:cNvPr id="368" name="Google Shape;368;p30">
+              <a:extLst>
+                <a:ext uri="{FF2B5EF4-FFF2-40B4-BE49-F238E27FC236}">
+                  <a16:creationId xmlns:a16="http://schemas.microsoft.com/office/drawing/2014/main" id="{BBBE33C4-1CF3-A7F6-D985-A7D6DA09F4E8}"/>
+                </a:ext>
+              </a:extLst>
+            </p:cNvPr>
+            <p:cNvPicPr preferRelativeResize="0"/>
+            <p:nvPr/>
+          </p:nvPicPr>
+          <p:blipFill>
+            <a:blip r:embed="rId3">
+              <a:alphaModFix/>
+            </a:blip>
+            <a:stretch>
+              <a:fillRect/>
+            </a:stretch>
+          </p:blipFill>
+          <p:spPr>
+            <a:xfrm>
+              <a:off x="4641225" y="4292750"/>
+              <a:ext cx="2895220" cy="777239"/>
+            </a:xfrm>
+            <a:prstGeom prst="rect">
+              <a:avLst/>
+            </a:prstGeom>
+            <a:noFill/>
+            <a:ln>
+              <a:noFill/>
+            </a:ln>
+          </p:spPr>
+        </p:pic>
+        <p:sp>
+          <p:nvSpPr>
+            <p:cNvPr id="369" name="Google Shape;369;p30">
+              <a:extLst>
+                <a:ext uri="{FF2B5EF4-FFF2-40B4-BE49-F238E27FC236}">
+                  <a16:creationId xmlns:a16="http://schemas.microsoft.com/office/drawing/2014/main" id="{D29310FB-FEFA-8785-C0A6-9B24D6CDE247}"/>
+                </a:ext>
+              </a:extLst>
+            </p:cNvPr>
+            <p:cNvSpPr txBox="1"/>
+            <p:nvPr/>
+          </p:nvSpPr>
+          <p:spPr>
+            <a:xfrm>
+              <a:off x="7523043" y="4279392"/>
+              <a:ext cx="1290000" cy="722400"/>
+            </a:xfrm>
+            <a:prstGeom prst="rect">
+              <a:avLst/>
+            </a:prstGeom>
+            <a:noFill/>
+            <a:ln>
+              <a:noFill/>
+            </a:ln>
+          </p:spPr>
+          <p:txBody>
+            <a:bodyPr spcFirstLastPara="1" wrap="square" lIns="0" tIns="0" rIns="0" bIns="0" anchor="t" anchorCtr="0">
+              <a:noAutofit/>
+            </a:bodyPr>
+            <a:lstStyle/>
+            <a:p>
+              <a:pPr marL="0" lvl="0" indent="0" algn="l" rtl="0">
+                <a:spcBef>
+                  <a:spcPts val="0"/>
+                </a:spcBef>
+                <a:spcAft>
+                  <a:spcPts val="0"/>
+                </a:spcAft>
+                <a:buNone/>
+              </a:pPr>
+              <a:r>
+                <a:rPr lang="en" sz="1300" b="1">
+                  <a:solidFill>
+                    <a:srgbClr val="60B669"/>
+                  </a:solidFill>
+                </a:rPr>
+                <a:t>D</a:t>
+              </a:r>
+              <a:r>
+                <a:rPr lang="en" sz="1300">
+                  <a:solidFill>
+                    <a:srgbClr val="60B669"/>
+                  </a:solidFill>
+                </a:rPr>
+                <a:t>igital </a:t>
+              </a:r>
+              <a:endParaRPr sz="1300">
+                <a:solidFill>
+                  <a:srgbClr val="60B669"/>
+                </a:solidFill>
+              </a:endParaRPr>
+            </a:p>
+            <a:p>
+              <a:pPr marL="0" lvl="0" indent="0" algn="l" rtl="0">
+                <a:spcBef>
+                  <a:spcPts val="0"/>
+                </a:spcBef>
+                <a:spcAft>
+                  <a:spcPts val="0"/>
+                </a:spcAft>
+                <a:buNone/>
+              </a:pPr>
+              <a:r>
+                <a:rPr lang="en" sz="1300" b="1">
+                  <a:solidFill>
+                    <a:srgbClr val="60B669"/>
+                  </a:solidFill>
+                </a:rPr>
+                <a:t>C</a:t>
+              </a:r>
+              <a:r>
+                <a:rPr lang="en" sz="1300">
+                  <a:solidFill>
+                    <a:srgbClr val="60B669"/>
+                  </a:solidFill>
+                </a:rPr>
+                <a:t>ompetence </a:t>
+              </a:r>
+              <a:endParaRPr sz="1300">
+                <a:solidFill>
+                  <a:srgbClr val="60B669"/>
+                </a:solidFill>
+              </a:endParaRPr>
+            </a:p>
+            <a:p>
+              <a:pPr marL="0" lvl="0" indent="0" algn="l" rtl="0">
+                <a:spcBef>
+                  <a:spcPts val="0"/>
+                </a:spcBef>
+                <a:spcAft>
+                  <a:spcPts val="0"/>
+                </a:spcAft>
+                <a:buNone/>
+              </a:pPr>
+              <a:r>
+                <a:rPr lang="en" sz="1300" b="1">
+                  <a:solidFill>
+                    <a:srgbClr val="60B669"/>
+                  </a:solidFill>
+                </a:rPr>
+                <a:t>C</a:t>
+              </a:r>
+              <a:r>
+                <a:rPr lang="en" sz="1300">
+                  <a:solidFill>
+                    <a:srgbClr val="60B669"/>
+                  </a:solidFill>
+                </a:rPr>
+                <a:t>entre</a:t>
+              </a:r>
+              <a:endParaRPr sz="1300">
+                <a:solidFill>
+                  <a:srgbClr val="60B669"/>
+                </a:solidFill>
+              </a:endParaRPr>
+            </a:p>
+          </p:txBody>
+        </p:sp>
+      </p:grpSp>
+      <p:sp>
+        <p:nvSpPr>
+          <p:cNvPr id="370" name="Google Shape;370;p30">
+            <a:extLst>
+              <a:ext uri="{FF2B5EF4-FFF2-40B4-BE49-F238E27FC236}">
+                <a16:creationId xmlns:a16="http://schemas.microsoft.com/office/drawing/2014/main" id="{BC89340A-C11F-AE79-D9F7-284D6A48E88A}"/>
+              </a:ext>
+            </a:extLst>
+          </p:cNvPr>
+          <p:cNvSpPr txBox="1">
+            <a:spLocks noGrp="1"/>
+          </p:cNvSpPr>
+          <p:nvPr>
+            <p:ph type="title"/>
+          </p:nvPr>
+        </p:nvSpPr>
+        <p:spPr>
+          <a:xfrm>
+            <a:off x="311700" y="368825"/>
+            <a:ext cx="8520600" cy="572700"/>
+          </a:xfrm>
+          <a:prstGeom prst="rect">
+            <a:avLst/>
+          </a:prstGeom>
+        </p:spPr>
+        <p:txBody>
+          <a:bodyPr spcFirstLastPara="1" wrap="square" lIns="91425" tIns="91425" rIns="91425" bIns="91425" anchor="t" anchorCtr="0">
+            <a:normAutofit fontScale="90000"/>
+          </a:bodyPr>
+          <a:lstStyle/>
+          <a:p>
+            <a:pPr marL="0" lvl="0" indent="0" algn="ctr" rtl="0">
+              <a:spcBef>
+                <a:spcPts val="0"/>
+              </a:spcBef>
+              <a:spcAft>
+                <a:spcPts val="0"/>
+              </a:spcAft>
+              <a:buNone/>
+            </a:pPr>
+            <a:r>
+              <a:rPr lang="en" dirty="0"/>
+              <a:t>Working with Remote Repositories</a:t>
+            </a:r>
+            <a:endParaRPr dirty="0"/>
+          </a:p>
+        </p:txBody>
+      </p:sp>
+      <p:pic>
+        <p:nvPicPr>
+          <p:cNvPr id="371" name="Google Shape;371;p30">
+            <a:extLst>
+              <a:ext uri="{FF2B5EF4-FFF2-40B4-BE49-F238E27FC236}">
+                <a16:creationId xmlns:a16="http://schemas.microsoft.com/office/drawing/2014/main" id="{5057D5D8-DF9C-8E4B-A37D-CCBE75346EA2}"/>
+              </a:ext>
+            </a:extLst>
+          </p:cNvPr>
+          <p:cNvPicPr preferRelativeResize="0"/>
+          <p:nvPr/>
+        </p:nvPicPr>
+        <p:blipFill>
+          <a:blip r:embed="rId4">
+            <a:alphaModFix/>
+          </a:blip>
+          <a:stretch>
+            <a:fillRect/>
+          </a:stretch>
+        </p:blipFill>
+        <p:spPr>
+          <a:xfrm>
+            <a:off x="54864" y="4553712"/>
+            <a:ext cx="2069651" cy="569700"/>
+          </a:xfrm>
+          <a:prstGeom prst="rect">
+            <a:avLst/>
+          </a:prstGeom>
+          <a:noFill/>
+          <a:ln>
+            <a:noFill/>
+          </a:ln>
+        </p:spPr>
+      </p:pic>
+      <p:pic>
+        <p:nvPicPr>
+          <p:cNvPr id="372" name="Google Shape;372;p30">
+            <a:extLst>
+              <a:ext uri="{FF2B5EF4-FFF2-40B4-BE49-F238E27FC236}">
+                <a16:creationId xmlns:a16="http://schemas.microsoft.com/office/drawing/2014/main" id="{AB2FC430-A33C-C3E1-CD01-D92D50C3FF56}"/>
+              </a:ext>
+            </a:extLst>
+          </p:cNvPr>
+          <p:cNvPicPr preferRelativeResize="0"/>
+          <p:nvPr/>
+        </p:nvPicPr>
+        <p:blipFill>
+          <a:blip r:embed="rId5">
+            <a:alphaModFix/>
+          </a:blip>
+          <a:stretch>
+            <a:fillRect/>
+          </a:stretch>
+        </p:blipFill>
+        <p:spPr>
+          <a:xfrm>
+            <a:off x="849971" y="3517577"/>
+            <a:ext cx="946051" cy="856500"/>
+          </a:xfrm>
+          <a:prstGeom prst="rect">
+            <a:avLst/>
+          </a:prstGeom>
+          <a:noFill/>
+          <a:ln>
+            <a:noFill/>
+          </a:ln>
+        </p:spPr>
+      </p:pic>
+      <p:sp>
+        <p:nvSpPr>
+          <p:cNvPr id="373" name="Google Shape;373;p30">
+            <a:extLst>
+              <a:ext uri="{FF2B5EF4-FFF2-40B4-BE49-F238E27FC236}">
+                <a16:creationId xmlns:a16="http://schemas.microsoft.com/office/drawing/2014/main" id="{4DA7BDF7-0E86-314C-5914-1CC02CF23146}"/>
+              </a:ext>
+            </a:extLst>
+          </p:cNvPr>
+          <p:cNvSpPr txBox="1"/>
+          <p:nvPr/>
+        </p:nvSpPr>
+        <p:spPr>
+          <a:xfrm>
+            <a:off x="8959675" y="1088750"/>
+            <a:ext cx="914400" cy="400200"/>
+          </a:xfrm>
+          <a:prstGeom prst="rect">
+            <a:avLst/>
+          </a:prstGeom>
+          <a:noFill/>
+          <a:ln>
+            <a:noFill/>
+          </a:ln>
+        </p:spPr>
+        <p:txBody>
+          <a:bodyPr spcFirstLastPara="1" wrap="square" lIns="91425" tIns="91425" rIns="91425" bIns="91425" anchor="t" anchorCtr="0">
+            <a:spAutoFit/>
+          </a:bodyPr>
+          <a:lstStyle/>
+          <a:p>
+            <a:pPr marL="0" lvl="0" indent="0" algn="l" rtl="0">
+              <a:spcBef>
+                <a:spcPts val="0"/>
+              </a:spcBef>
+              <a:spcAft>
+                <a:spcPts val="0"/>
+              </a:spcAft>
+              <a:buNone/>
+            </a:pPr>
+            <a:endParaRPr/>
+          </a:p>
+        </p:txBody>
+      </p:sp>
+      <p:pic>
+        <p:nvPicPr>
+          <p:cNvPr id="374" name="Google Shape;374;p30">
+            <a:extLst>
+              <a:ext uri="{FF2B5EF4-FFF2-40B4-BE49-F238E27FC236}">
+                <a16:creationId xmlns:a16="http://schemas.microsoft.com/office/drawing/2014/main" id="{F5F4B874-4C45-B3DD-5A02-CAF59A884E87}"/>
+              </a:ext>
+            </a:extLst>
+          </p:cNvPr>
+          <p:cNvPicPr preferRelativeResize="0"/>
+          <p:nvPr/>
+        </p:nvPicPr>
+        <p:blipFill>
+          <a:blip r:embed="rId6">
+            <a:alphaModFix/>
+          </a:blip>
+          <a:stretch>
+            <a:fillRect/>
+          </a:stretch>
+        </p:blipFill>
+        <p:spPr>
+          <a:xfrm>
+            <a:off x="3210400" y="809303"/>
+            <a:ext cx="2596776" cy="1501049"/>
+          </a:xfrm>
+          <a:prstGeom prst="rect">
+            <a:avLst/>
+          </a:prstGeom>
+          <a:noFill/>
+          <a:ln>
+            <a:noFill/>
+          </a:ln>
+        </p:spPr>
+      </p:pic>
+      <p:pic>
+        <p:nvPicPr>
+          <p:cNvPr id="375" name="Google Shape;375;p30">
+            <a:extLst>
+              <a:ext uri="{FF2B5EF4-FFF2-40B4-BE49-F238E27FC236}">
+                <a16:creationId xmlns:a16="http://schemas.microsoft.com/office/drawing/2014/main" id="{0202F7A4-CF0A-9FE1-0113-1F109200AF35}"/>
+              </a:ext>
+            </a:extLst>
+          </p:cNvPr>
+          <p:cNvPicPr preferRelativeResize="0"/>
+          <p:nvPr/>
+        </p:nvPicPr>
+        <p:blipFill>
+          <a:blip r:embed="rId5">
+            <a:alphaModFix/>
+          </a:blip>
+          <a:stretch>
+            <a:fillRect/>
+          </a:stretch>
+        </p:blipFill>
+        <p:spPr>
+          <a:xfrm>
+            <a:off x="1916771" y="3517577"/>
+            <a:ext cx="946051" cy="856500"/>
+          </a:xfrm>
+          <a:prstGeom prst="rect">
+            <a:avLst/>
+          </a:prstGeom>
+          <a:noFill/>
+          <a:ln>
+            <a:noFill/>
+          </a:ln>
+        </p:spPr>
+      </p:pic>
+      <p:pic>
+        <p:nvPicPr>
+          <p:cNvPr id="376" name="Google Shape;376;p30">
+            <a:extLst>
+              <a:ext uri="{FF2B5EF4-FFF2-40B4-BE49-F238E27FC236}">
+                <a16:creationId xmlns:a16="http://schemas.microsoft.com/office/drawing/2014/main" id="{CF64FF5B-686D-02F2-D169-FC087707B383}"/>
+              </a:ext>
+            </a:extLst>
+          </p:cNvPr>
+          <p:cNvPicPr preferRelativeResize="0"/>
+          <p:nvPr/>
+        </p:nvPicPr>
+        <p:blipFill>
+          <a:blip r:embed="rId5">
+            <a:alphaModFix/>
+          </a:blip>
+          <a:stretch>
+            <a:fillRect/>
+          </a:stretch>
+        </p:blipFill>
+        <p:spPr>
+          <a:xfrm>
+            <a:off x="3035521" y="3517577"/>
+            <a:ext cx="946051" cy="856500"/>
+          </a:xfrm>
+          <a:prstGeom prst="rect">
+            <a:avLst/>
+          </a:prstGeom>
+          <a:noFill/>
+          <a:ln>
+            <a:noFill/>
+          </a:ln>
+        </p:spPr>
+      </p:pic>
+      <p:pic>
+        <p:nvPicPr>
+          <p:cNvPr id="377" name="Google Shape;377;p30">
+            <a:extLst>
+              <a:ext uri="{FF2B5EF4-FFF2-40B4-BE49-F238E27FC236}">
+                <a16:creationId xmlns:a16="http://schemas.microsoft.com/office/drawing/2014/main" id="{B3364E54-A38E-4E3E-D565-BD048FC70A56}"/>
+              </a:ext>
+            </a:extLst>
+          </p:cNvPr>
+          <p:cNvPicPr preferRelativeResize="0"/>
+          <p:nvPr/>
+        </p:nvPicPr>
+        <p:blipFill>
+          <a:blip r:embed="rId5">
+            <a:alphaModFix/>
+          </a:blip>
+          <a:stretch>
+            <a:fillRect/>
+          </a:stretch>
+        </p:blipFill>
+        <p:spPr>
+          <a:xfrm>
+            <a:off x="4126571" y="3517577"/>
+            <a:ext cx="946051" cy="856500"/>
+          </a:xfrm>
+          <a:prstGeom prst="rect">
+            <a:avLst/>
+          </a:prstGeom>
+          <a:noFill/>
+          <a:ln>
+            <a:noFill/>
+          </a:ln>
+        </p:spPr>
+      </p:pic>
+      <p:pic>
+        <p:nvPicPr>
+          <p:cNvPr id="378" name="Google Shape;378;p30">
+            <a:extLst>
+              <a:ext uri="{FF2B5EF4-FFF2-40B4-BE49-F238E27FC236}">
+                <a16:creationId xmlns:a16="http://schemas.microsoft.com/office/drawing/2014/main" id="{4298E1CA-05D3-D6D0-270C-D8A7D357D710}"/>
+              </a:ext>
+            </a:extLst>
+          </p:cNvPr>
+          <p:cNvPicPr preferRelativeResize="0"/>
+          <p:nvPr/>
+        </p:nvPicPr>
+        <p:blipFill>
+          <a:blip r:embed="rId5">
+            <a:alphaModFix/>
+          </a:blip>
+          <a:stretch>
+            <a:fillRect/>
+          </a:stretch>
+        </p:blipFill>
+        <p:spPr>
+          <a:xfrm>
+            <a:off x="5193371" y="3517577"/>
+            <a:ext cx="946051" cy="856500"/>
+          </a:xfrm>
+          <a:prstGeom prst="rect">
+            <a:avLst/>
+          </a:prstGeom>
+          <a:noFill/>
+          <a:ln>
+            <a:noFill/>
+          </a:ln>
+        </p:spPr>
+      </p:pic>
+      <p:pic>
+        <p:nvPicPr>
+          <p:cNvPr id="379" name="Google Shape;379;p30">
+            <a:extLst>
+              <a:ext uri="{FF2B5EF4-FFF2-40B4-BE49-F238E27FC236}">
+                <a16:creationId xmlns:a16="http://schemas.microsoft.com/office/drawing/2014/main" id="{3E73F0F3-CF0A-B6CC-35EC-E4E82CE42FC0}"/>
+              </a:ext>
+            </a:extLst>
+          </p:cNvPr>
+          <p:cNvPicPr preferRelativeResize="0"/>
+          <p:nvPr/>
+        </p:nvPicPr>
+        <p:blipFill>
+          <a:blip r:embed="rId5">
+            <a:alphaModFix/>
+          </a:blip>
+          <a:stretch>
+            <a:fillRect/>
+          </a:stretch>
+        </p:blipFill>
+        <p:spPr>
+          <a:xfrm>
+            <a:off x="6312121" y="3517577"/>
+            <a:ext cx="946051" cy="856500"/>
+          </a:xfrm>
+          <a:prstGeom prst="rect">
+            <a:avLst/>
+          </a:prstGeom>
+          <a:noFill/>
+          <a:ln>
+            <a:noFill/>
+          </a:ln>
+        </p:spPr>
+      </p:pic>
+      <p:pic>
+        <p:nvPicPr>
+          <p:cNvPr id="380" name="Google Shape;380;p30">
+            <a:extLst>
+              <a:ext uri="{FF2B5EF4-FFF2-40B4-BE49-F238E27FC236}">
+                <a16:creationId xmlns:a16="http://schemas.microsoft.com/office/drawing/2014/main" id="{2C504BBE-FC74-5350-162D-A87E1ECB0899}"/>
+              </a:ext>
+            </a:extLst>
+          </p:cNvPr>
+          <p:cNvPicPr preferRelativeResize="0"/>
+          <p:nvPr/>
+        </p:nvPicPr>
+        <p:blipFill>
+          <a:blip r:embed="rId5">
+            <a:alphaModFix/>
+          </a:blip>
+          <a:stretch>
+            <a:fillRect/>
+          </a:stretch>
+        </p:blipFill>
+        <p:spPr>
+          <a:xfrm>
+            <a:off x="7531321" y="3517577"/>
+            <a:ext cx="946051" cy="856500"/>
+          </a:xfrm>
+          <a:prstGeom prst="rect">
+            <a:avLst/>
+          </a:prstGeom>
+          <a:noFill/>
+          <a:ln>
+            <a:noFill/>
+          </a:ln>
+        </p:spPr>
+      </p:pic>
+      <p:cxnSp>
+        <p:nvCxnSpPr>
+          <p:cNvPr id="381" name="Google Shape;381;p30">
+            <a:extLst>
+              <a:ext uri="{FF2B5EF4-FFF2-40B4-BE49-F238E27FC236}">
+                <a16:creationId xmlns:a16="http://schemas.microsoft.com/office/drawing/2014/main" id="{A7E1CF2E-0202-C7D5-51F4-2628552A3C7B}"/>
+              </a:ext>
+            </a:extLst>
+          </p:cNvPr>
+          <p:cNvCxnSpPr>
+            <a:endCxn id="372" idx="0"/>
+          </p:cNvCxnSpPr>
+          <p:nvPr/>
+        </p:nvCxnSpPr>
+        <p:spPr>
+          <a:xfrm flipH="1">
+            <a:off x="1322996" y="1810577"/>
+            <a:ext cx="2396100" cy="1707000"/>
+          </a:xfrm>
+          <a:prstGeom prst="straightConnector1">
+            <a:avLst/>
+          </a:prstGeom>
+          <a:noFill/>
+          <a:ln w="9525" cap="flat" cmpd="sng">
+            <a:solidFill>
+              <a:schemeClr val="dk2"/>
+            </a:solidFill>
+            <a:prstDash val="solid"/>
+            <a:round/>
+            <a:headEnd type="triangle" w="med" len="med"/>
+            <a:tailEnd type="triangle" w="med" len="med"/>
+          </a:ln>
+        </p:spPr>
+      </p:cxnSp>
+      <p:cxnSp>
+        <p:nvCxnSpPr>
+          <p:cNvPr id="382" name="Google Shape;382;p30">
+            <a:extLst>
+              <a:ext uri="{FF2B5EF4-FFF2-40B4-BE49-F238E27FC236}">
+                <a16:creationId xmlns:a16="http://schemas.microsoft.com/office/drawing/2014/main" id="{D91DD376-5EF7-A0DB-3463-DAAD3B093BB6}"/>
+              </a:ext>
+            </a:extLst>
+          </p:cNvPr>
+          <p:cNvCxnSpPr>
+            <a:endCxn id="375" idx="0"/>
+          </p:cNvCxnSpPr>
+          <p:nvPr/>
+        </p:nvCxnSpPr>
+        <p:spPr>
+          <a:xfrm flipH="1">
+            <a:off x="2389796" y="2131877"/>
+            <a:ext cx="1578000" cy="1385700"/>
+          </a:xfrm>
+          <a:prstGeom prst="straightConnector1">
+            <a:avLst/>
+          </a:prstGeom>
+          <a:noFill/>
+          <a:ln w="9525" cap="flat" cmpd="sng">
+            <a:solidFill>
+              <a:schemeClr val="dk2"/>
+            </a:solidFill>
+            <a:prstDash val="solid"/>
+            <a:round/>
+            <a:headEnd type="triangle" w="med" len="med"/>
+            <a:tailEnd type="triangle" w="med" len="med"/>
+          </a:ln>
+        </p:spPr>
+      </p:cxnSp>
+      <p:cxnSp>
+        <p:nvCxnSpPr>
+          <p:cNvPr id="383" name="Google Shape;383;p30">
+            <a:extLst>
+              <a:ext uri="{FF2B5EF4-FFF2-40B4-BE49-F238E27FC236}">
+                <a16:creationId xmlns:a16="http://schemas.microsoft.com/office/drawing/2014/main" id="{901E4322-98EA-661A-3AC9-2BE18EEA17B9}"/>
+              </a:ext>
+            </a:extLst>
+          </p:cNvPr>
+          <p:cNvCxnSpPr>
+            <a:endCxn id="376" idx="0"/>
+          </p:cNvCxnSpPr>
+          <p:nvPr/>
+        </p:nvCxnSpPr>
+        <p:spPr>
+          <a:xfrm flipH="1">
+            <a:off x="3508546" y="2216777"/>
+            <a:ext cx="774600" cy="1300800"/>
+          </a:xfrm>
+          <a:prstGeom prst="straightConnector1">
+            <a:avLst/>
+          </a:prstGeom>
+          <a:noFill/>
+          <a:ln w="9525" cap="flat" cmpd="sng">
+            <a:solidFill>
+              <a:schemeClr val="dk2"/>
+            </a:solidFill>
+            <a:prstDash val="solid"/>
+            <a:round/>
+            <a:headEnd type="triangle" w="med" len="med"/>
+            <a:tailEnd type="triangle" w="med" len="med"/>
+          </a:ln>
+        </p:spPr>
+      </p:cxnSp>
+      <p:cxnSp>
+        <p:nvCxnSpPr>
+          <p:cNvPr id="384" name="Google Shape;384;p30">
+            <a:extLst>
+              <a:ext uri="{FF2B5EF4-FFF2-40B4-BE49-F238E27FC236}">
+                <a16:creationId xmlns:a16="http://schemas.microsoft.com/office/drawing/2014/main" id="{41056495-CA95-45AD-8D7C-3F98A7669E38}"/>
+              </a:ext>
+            </a:extLst>
+          </p:cNvPr>
+          <p:cNvCxnSpPr>
+            <a:stCxn id="374" idx="2"/>
+          </p:cNvCxnSpPr>
+          <p:nvPr/>
+        </p:nvCxnSpPr>
+        <p:spPr>
+          <a:xfrm flipH="1">
+            <a:off x="4477288" y="2310353"/>
+            <a:ext cx="31500" cy="1180200"/>
+          </a:xfrm>
+          <a:prstGeom prst="straightConnector1">
+            <a:avLst/>
+          </a:prstGeom>
+          <a:noFill/>
+          <a:ln w="9525" cap="flat" cmpd="sng">
+            <a:solidFill>
+              <a:schemeClr val="dk2"/>
+            </a:solidFill>
+            <a:prstDash val="solid"/>
+            <a:round/>
+            <a:headEnd type="triangle" w="med" len="med"/>
+            <a:tailEnd type="triangle" w="med" len="med"/>
+          </a:ln>
+        </p:spPr>
+      </p:cxnSp>
+      <p:cxnSp>
+        <p:nvCxnSpPr>
+          <p:cNvPr id="385" name="Google Shape;385;p30">
+            <a:extLst>
+              <a:ext uri="{FF2B5EF4-FFF2-40B4-BE49-F238E27FC236}">
+                <a16:creationId xmlns:a16="http://schemas.microsoft.com/office/drawing/2014/main" id="{68D32BB1-A943-C823-40BA-EE467C7822FB}"/>
+              </a:ext>
+            </a:extLst>
+          </p:cNvPr>
+          <p:cNvCxnSpPr>
+            <a:endCxn id="378" idx="0"/>
+          </p:cNvCxnSpPr>
+          <p:nvPr/>
+        </p:nvCxnSpPr>
+        <p:spPr>
+          <a:xfrm>
+            <a:off x="5241597" y="2259377"/>
+            <a:ext cx="424800" cy="1258200"/>
+          </a:xfrm>
+          <a:prstGeom prst="straightConnector1">
+            <a:avLst/>
+          </a:prstGeom>
+          <a:noFill/>
+          <a:ln w="9525" cap="flat" cmpd="sng">
+            <a:solidFill>
+              <a:schemeClr val="dk2"/>
+            </a:solidFill>
+            <a:prstDash val="solid"/>
+            <a:round/>
+            <a:headEnd type="triangle" w="med" len="med"/>
+            <a:tailEnd type="triangle" w="med" len="med"/>
+          </a:ln>
+        </p:spPr>
+      </p:cxnSp>
+      <p:cxnSp>
+        <p:nvCxnSpPr>
+          <p:cNvPr id="386" name="Google Shape;386;p30">
+            <a:extLst>
+              <a:ext uri="{FF2B5EF4-FFF2-40B4-BE49-F238E27FC236}">
+                <a16:creationId xmlns:a16="http://schemas.microsoft.com/office/drawing/2014/main" id="{12F784A6-F5C2-78DB-CEDD-09752D96CFC5}"/>
+              </a:ext>
+            </a:extLst>
+          </p:cNvPr>
+          <p:cNvCxnSpPr>
+            <a:endCxn id="379" idx="0"/>
+          </p:cNvCxnSpPr>
+          <p:nvPr/>
+        </p:nvCxnSpPr>
+        <p:spPr>
+          <a:xfrm>
+            <a:off x="5684447" y="1974377"/>
+            <a:ext cx="1100700" cy="1543200"/>
+          </a:xfrm>
+          <a:prstGeom prst="straightConnector1">
+            <a:avLst/>
+          </a:prstGeom>
+          <a:noFill/>
+          <a:ln w="9525" cap="flat" cmpd="sng">
+            <a:solidFill>
+              <a:schemeClr val="dk2"/>
+            </a:solidFill>
+            <a:prstDash val="solid"/>
+            <a:round/>
+            <a:headEnd type="triangle" w="med" len="med"/>
+            <a:tailEnd type="triangle" w="med" len="med"/>
+          </a:ln>
+        </p:spPr>
+      </p:cxnSp>
+      <p:cxnSp>
+        <p:nvCxnSpPr>
+          <p:cNvPr id="387" name="Google Shape;387;p30">
+            <a:extLst>
+              <a:ext uri="{FF2B5EF4-FFF2-40B4-BE49-F238E27FC236}">
+                <a16:creationId xmlns:a16="http://schemas.microsoft.com/office/drawing/2014/main" id="{D3A703A3-EE47-A4F4-F4FF-DCD52BA80E5B}"/>
+              </a:ext>
+            </a:extLst>
+          </p:cNvPr>
+          <p:cNvCxnSpPr>
+            <a:endCxn id="380" idx="0"/>
+          </p:cNvCxnSpPr>
+          <p:nvPr/>
+        </p:nvCxnSpPr>
+        <p:spPr>
+          <a:xfrm>
+            <a:off x="5848247" y="1755977"/>
+            <a:ext cx="2156100" cy="1761600"/>
+          </a:xfrm>
+          <a:prstGeom prst="straightConnector1">
+            <a:avLst/>
+          </a:prstGeom>
+          <a:noFill/>
+          <a:ln w="9525" cap="flat" cmpd="sng">
+            <a:solidFill>
+              <a:schemeClr val="dk2"/>
+            </a:solidFill>
+            <a:prstDash val="solid"/>
+            <a:round/>
+            <a:headEnd type="triangle" w="med" len="med"/>
+            <a:tailEnd type="triangle" w="med" len="med"/>
+          </a:ln>
+        </p:spPr>
+      </p:cxnSp>
+    </p:spTree>
+    <p:extLst>
+      <p:ext uri="{BB962C8B-B14F-4D97-AF65-F5344CB8AC3E}">
+        <p14:creationId xmlns:p14="http://schemas.microsoft.com/office/powerpoint/2010/main" val="588459046"/>
+      </p:ext>
+    </p:extLst>
+  </p:cSld>
+  <p:clrMapOvr>
+    <a:masterClrMapping/>
+  </p:clrMapOvr>
+</p:sld>
+</file>
+
+<file path=ppt/slides/slide71.xml><?xml version="1.0" encoding="utf-8"?>
+<p:sld xmlns:a="http://schemas.openxmlformats.org/drawingml/2006/main" xmlns:r="http://schemas.openxmlformats.org/officeDocument/2006/relationships" xmlns:p="http://schemas.openxmlformats.org/presentationml/2006/main">
+  <p:cSld>
+    <p:spTree>
+      <p:nvGrpSpPr>
         <p:cNvPr id="1" name="Shape 898"/>
         <p:cNvGrpSpPr/>
         <p:nvPr/>
@@ -51750,10 +53209,22 @@
               <a:buChar char="●"/>
             </a:pPr>
             <a:r>
-              <a:rPr lang="en"/>
-              <a:t>Go to a directory where you want to copy (clone) the remote repository in your local environment.</a:t>
-            </a:r>
-            <a:endParaRPr/>
+              <a:rPr lang="en" dirty="0"/>
+              <a:t>Go to a directory where you want to copy (</a:t>
+            </a:r>
+            <a:r>
+              <a:rPr lang="en" b="1" dirty="0">
+                <a:solidFill>
+                  <a:srgbClr val="C00000"/>
+                </a:solidFill>
+              </a:rPr>
+              <a:t>clone</a:t>
+            </a:r>
+            <a:r>
+              <a:rPr lang="en" dirty="0"/>
+              <a:t>) the remote repository in your local environment.</a:t>
+            </a:r>
+            <a:endParaRPr dirty="0"/>
           </a:p>
           <a:p>
             <a:pPr marL="457200" lvl="0" indent="0" algn="l" rtl="0">
@@ -51765,7 +53236,7 @@
               </a:spcAft>
               <a:buNone/>
             </a:pPr>
-            <a:endParaRPr/>
+            <a:endParaRPr dirty="0"/>
           </a:p>
           <a:p>
             <a:pPr marL="457200" lvl="0" indent="-317500" algn="l" rtl="0">
@@ -51779,10 +53250,10 @@
               <a:buChar char="●"/>
             </a:pPr>
             <a:r>
-              <a:rPr lang="en"/>
+              <a:rPr lang="en" dirty="0"/>
               <a:t>Go to the remote repository in GitHub.</a:t>
             </a:r>
-            <a:endParaRPr/>
+            <a:endParaRPr dirty="0"/>
           </a:p>
           <a:p>
             <a:pPr marL="457200" lvl="0" indent="0" algn="l" rtl="0">
@@ -51794,7 +53265,7 @@
               </a:spcAft>
               <a:buNone/>
             </a:pPr>
-            <a:endParaRPr/>
+            <a:endParaRPr dirty="0"/>
           </a:p>
           <a:p>
             <a:pPr marL="457200" lvl="0" indent="-317500" algn="l" rtl="0">
@@ -51808,10 +53279,10 @@
               <a:buChar char="●"/>
             </a:pPr>
             <a:r>
-              <a:rPr lang="en"/>
+              <a:rPr lang="en" dirty="0"/>
               <a:t>Click</a:t>
             </a:r>
-            <a:endParaRPr/>
+            <a:endParaRPr dirty="0"/>
           </a:p>
           <a:p>
             <a:pPr marL="457200" lvl="0" indent="0" algn="l" rtl="0">
@@ -51823,7 +53294,7 @@
               </a:spcAft>
               <a:buNone/>
             </a:pPr>
-            <a:endParaRPr/>
+            <a:endParaRPr dirty="0"/>
           </a:p>
           <a:p>
             <a:pPr marL="457200" lvl="0" indent="-317500" algn="l" rtl="0">
@@ -51837,10 +53308,10 @@
               <a:buChar char="●"/>
             </a:pPr>
             <a:r>
-              <a:rPr lang="en"/>
+              <a:rPr lang="en" dirty="0"/>
               <a:t>Select HTTPS or SSH and copy the url.</a:t>
             </a:r>
-            <a:endParaRPr/>
+            <a:endParaRPr dirty="0"/>
           </a:p>
           <a:p>
             <a:pPr marL="457200" lvl="0" indent="0" algn="l" rtl="0">
@@ -51852,7 +53323,7 @@
               </a:spcAft>
               <a:buNone/>
             </a:pPr>
-            <a:endParaRPr/>
+            <a:endParaRPr dirty="0"/>
           </a:p>
           <a:p>
             <a:pPr marL="457200" lvl="0" indent="-317500" algn="l" rtl="0">
@@ -51866,10 +53337,10 @@
               <a:buChar char="●"/>
             </a:pPr>
             <a:r>
-              <a:rPr lang="en"/>
+              <a:rPr lang="en" dirty="0"/>
               <a:t>Go to your directory where you want to clone the remote. </a:t>
             </a:r>
-            <a:endParaRPr/>
+            <a:endParaRPr dirty="0"/>
           </a:p>
           <a:p>
             <a:pPr marL="457200" lvl="0" indent="0" algn="l" rtl="0">
@@ -51881,20 +53352,20 @@
               </a:spcAft>
               <a:buNone/>
             </a:pPr>
-            <a:endParaRPr/>
-          </a:p>
-          <a:p>
-            <a:pPr marL="0" lvl="0" indent="0" algn="l" rtl="0">
-              <a:spcBef>
-                <a:spcPts val="0"/>
-              </a:spcBef>
-              <a:spcAft>
-                <a:spcPts val="0"/>
-              </a:spcAft>
-              <a:buNone/>
-            </a:pPr>
-            <a:r>
-              <a:rPr lang="en">
+            <a:endParaRPr dirty="0"/>
+          </a:p>
+          <a:p>
+            <a:pPr marL="0" lvl="0" indent="0" algn="l" rtl="0">
+              <a:spcBef>
+                <a:spcPts val="0"/>
+              </a:spcBef>
+              <a:spcAft>
+                <a:spcPts val="0"/>
+              </a:spcAft>
+              <a:buNone/>
+            </a:pPr>
+            <a:r>
+              <a:rPr lang="en" dirty="0">
                 <a:latin typeface="Courier New"/>
                 <a:ea typeface="Courier New"/>
                 <a:cs typeface="Courier New"/>
@@ -51903,7 +53374,7 @@
               <a:t>git clone </a:t>
             </a:r>
             <a:r>
-              <a:rPr lang="en" u="sng">
+              <a:rPr lang="en" u="sng" dirty="0">
                 <a:solidFill>
                   <a:schemeClr val="hlink"/>
                 </a:solidFill>
@@ -51916,7 +53387,7 @@
               <a:t>https://github.com/</a:t>
             </a:r>
             <a:r>
-              <a:rPr lang="en">
+              <a:rPr lang="en" dirty="0">
                 <a:latin typeface="Courier New"/>
                 <a:ea typeface="Courier New"/>
                 <a:cs typeface="Courier New"/>
@@ -51924,7 +53395,7 @@
               </a:rPr>
               <a:t>&lt;username&gt;/&lt;remote_project&gt;.git</a:t>
             </a:r>
-            <a:endParaRPr>
+            <a:endParaRPr dirty="0">
               <a:latin typeface="Courier New"/>
               <a:ea typeface="Courier New"/>
               <a:cs typeface="Courier New"/>
@@ -51941,7 +53412,7 @@
               </a:spcAft>
               <a:buNone/>
             </a:pPr>
-            <a:endParaRPr>
+            <a:endParaRPr dirty="0">
               <a:latin typeface="Courier New"/>
               <a:ea typeface="Courier New"/>
               <a:cs typeface="Courier New"/>
@@ -51963,14 +53434,14 @@
               <a:buChar char="●"/>
             </a:pPr>
             <a:r>
-              <a:rPr lang="en">
+              <a:rPr lang="en" dirty="0">
                 <a:solidFill>
                   <a:schemeClr val="dk1"/>
                 </a:solidFill>
               </a:rPr>
               <a:t>After cloning don’t forget to go in that repository.</a:t>
             </a:r>
-            <a:endParaRPr>
+            <a:endParaRPr dirty="0">
               <a:latin typeface="Courier New"/>
               <a:ea typeface="Courier New"/>
               <a:cs typeface="Courier New"/>
@@ -51987,7 +53458,7 @@
               </a:spcAft>
               <a:buNone/>
             </a:pPr>
-            <a:endParaRPr>
+            <a:endParaRPr dirty="0">
               <a:latin typeface="Courier New"/>
               <a:ea typeface="Courier New"/>
               <a:cs typeface="Courier New"/>
@@ -52005,19 +53476,19 @@
               <a:buNone/>
             </a:pPr>
             <a:r>
-              <a:rPr lang="en"/>
+              <a:rPr lang="en" dirty="0"/>
               <a:t>Git </a:t>
             </a:r>
             <a:r>
-              <a:rPr lang="en" b="1"/>
+              <a:rPr lang="en" b="1" dirty="0"/>
               <a:t>automatically</a:t>
             </a:r>
             <a:r>
-              <a:rPr lang="en"/>
+              <a:rPr lang="en" dirty="0"/>
               <a:t> creates a </a:t>
             </a:r>
             <a:r>
-              <a:rPr lang="en">
+              <a:rPr lang="en" dirty="0">
                 <a:highlight>
                   <a:srgbClr val="D9D9D9"/>
                 </a:highlight>
@@ -52025,11 +53496,11 @@
               <a:t>remote</a:t>
             </a:r>
             <a:r>
-              <a:rPr lang="en"/>
+              <a:rPr lang="en" dirty="0"/>
               <a:t> called </a:t>
             </a:r>
             <a:r>
-              <a:rPr lang="en">
+              <a:rPr lang="en" dirty="0">
                 <a:highlight>
                   <a:srgbClr val="D9D9D9"/>
                 </a:highlight>
@@ -52037,35 +53508,35 @@
               <a:t>origin</a:t>
             </a:r>
             <a:r>
-              <a:rPr lang="en"/>
+              <a:rPr lang="en" dirty="0"/>
               <a:t> that points to the original repository.</a:t>
             </a:r>
-            <a:endParaRPr/>
-          </a:p>
-          <a:p>
-            <a:pPr marL="0" lvl="0" indent="0" algn="l" rtl="0">
-              <a:spcBef>
-                <a:spcPts val="0"/>
-              </a:spcBef>
-              <a:spcAft>
-                <a:spcPts val="0"/>
-              </a:spcAft>
-              <a:buNone/>
-            </a:pPr>
-            <a:endParaRPr/>
-          </a:p>
-          <a:p>
-            <a:pPr marL="0" lvl="0" indent="0" algn="l" rtl="0">
-              <a:spcBef>
-                <a:spcPts val="0"/>
-              </a:spcBef>
-              <a:spcAft>
-                <a:spcPts val="0"/>
-              </a:spcAft>
-              <a:buNone/>
-            </a:pPr>
-            <a:r>
-              <a:rPr lang="en">
+            <a:endParaRPr dirty="0"/>
+          </a:p>
+          <a:p>
+            <a:pPr marL="0" lvl="0" indent="0" algn="l" rtl="0">
+              <a:spcBef>
+                <a:spcPts val="0"/>
+              </a:spcBef>
+              <a:spcAft>
+                <a:spcPts val="0"/>
+              </a:spcAft>
+              <a:buNone/>
+            </a:pPr>
+            <a:endParaRPr dirty="0"/>
+          </a:p>
+          <a:p>
+            <a:pPr marL="0" lvl="0" indent="0" algn="l" rtl="0">
+              <a:spcBef>
+                <a:spcPts val="0"/>
+              </a:spcBef>
+              <a:spcAft>
+                <a:spcPts val="0"/>
+              </a:spcAft>
+              <a:buNone/>
+            </a:pPr>
+            <a:r>
+              <a:rPr lang="en" dirty="0">
                 <a:latin typeface="Courier New"/>
                 <a:ea typeface="Courier New"/>
                 <a:cs typeface="Courier New"/>
@@ -52074,11 +53545,11 @@
               <a:t>git remote</a:t>
             </a:r>
             <a:r>
-              <a:rPr lang="en"/>
+              <a:rPr lang="en" dirty="0"/>
               <a:t>   </a:t>
             </a:r>
             <a:r>
-              <a:rPr lang="en">
+              <a:rPr lang="en" dirty="0">
                 <a:latin typeface="Courier New"/>
                 <a:ea typeface="Courier New"/>
                 <a:cs typeface="Courier New"/>
@@ -52087,10 +53558,10 @@
               <a:t>-v   </a:t>
             </a:r>
             <a:r>
-              <a:rPr lang="en"/>
+              <a:rPr lang="en" dirty="0"/>
               <a:t>   :Displays the name of the remote together with the url.</a:t>
             </a:r>
-            <a:endParaRPr/>
+            <a:endParaRPr dirty="0"/>
           </a:p>
         </p:txBody>
       </p:sp>
@@ -52106,7 +53577,7 @@
         </p:nvSpPr>
         <p:spPr>
           <a:xfrm>
-            <a:off x="311700" y="445025"/>
+            <a:off x="311700" y="315485"/>
             <a:ext cx="8520600" cy="572700"/>
           </a:xfrm>
           <a:prstGeom prst="rect">
@@ -52129,10 +53600,16 @@
               <a:buNone/>
             </a:pPr>
             <a:r>
-              <a:rPr lang="en"/>
-              <a:t>Working with an existing remote repositories</a:t>
-            </a:r>
-            <a:endParaRPr/>
+              <a:rPr lang="en" dirty="0"/>
+              <a:t>Working with an existing remote repository: Clone</a:t>
+            </a:r>
+            <a:br>
+              <a:rPr lang="en" dirty="0"/>
+            </a:br>
+            <a:br>
+              <a:rPr lang="en" dirty="0"/>
+            </a:br>
+            <a:endParaRPr dirty="0"/>
           </a:p>
         </p:txBody>
       </p:sp>
@@ -52172,7 +53649,777 @@
 </p:sld>
 </file>
 
-<file path=ppt/slides/slide71.xml><?xml version="1.0" encoding="utf-8"?>
+<file path=ppt/slides/slide72.xml><?xml version="1.0" encoding="utf-8"?>
+<p:sld xmlns:a="http://schemas.openxmlformats.org/drawingml/2006/main" xmlns:r="http://schemas.openxmlformats.org/officeDocument/2006/relationships" xmlns:p="http://schemas.openxmlformats.org/presentationml/2006/main">
+  <p:cSld>
+    <p:spTree>
+      <p:nvGrpSpPr>
+        <p:cNvPr id="1" name="Shape 898">
+          <a:extLst>
+            <a:ext uri="{FF2B5EF4-FFF2-40B4-BE49-F238E27FC236}">
+              <a16:creationId xmlns:a16="http://schemas.microsoft.com/office/drawing/2014/main" id="{5FA99EEB-04E9-AD7A-E19F-239692B629EE}"/>
+            </a:ext>
+          </a:extLst>
+        </p:cNvPr>
+        <p:cNvGrpSpPr/>
+        <p:nvPr/>
+      </p:nvGrpSpPr>
+      <p:grpSpPr>
+        <a:xfrm>
+          <a:off x="0" y="0"/>
+          <a:ext cx="0" cy="0"/>
+          <a:chOff x="0" y="0"/>
+          <a:chExt cx="0" cy="0"/>
+        </a:xfrm>
+      </p:grpSpPr>
+      <p:sp>
+        <p:nvSpPr>
+          <p:cNvPr id="901" name="Google Shape;901;p77">
+            <a:extLst>
+              <a:ext uri="{FF2B5EF4-FFF2-40B4-BE49-F238E27FC236}">
+                <a16:creationId xmlns:a16="http://schemas.microsoft.com/office/drawing/2014/main" id="{CC31A6CE-5813-109D-D3D9-CEC06FDE0AF4}"/>
+              </a:ext>
+            </a:extLst>
+          </p:cNvPr>
+          <p:cNvSpPr txBox="1"/>
+          <p:nvPr/>
+        </p:nvSpPr>
+        <p:spPr>
+          <a:xfrm>
+            <a:off x="252000" y="1035275"/>
+            <a:ext cx="8640000" cy="3894300"/>
+          </a:xfrm>
+          <a:prstGeom prst="rect">
+            <a:avLst/>
+          </a:prstGeom>
+          <a:noFill/>
+          <a:ln>
+            <a:noFill/>
+          </a:ln>
+        </p:spPr>
+        <p:txBody>
+          <a:bodyPr spcFirstLastPara="1" wrap="square" lIns="91425" tIns="91425" rIns="91425" bIns="91425" anchor="t" anchorCtr="0">
+            <a:noAutofit/>
+          </a:bodyPr>
+          <a:lstStyle/>
+          <a:p>
+            <a:pPr marL="457200" lvl="0" indent="-317500" algn="l" rtl="0">
+              <a:spcBef>
+                <a:spcPts val="0"/>
+              </a:spcBef>
+              <a:spcAft>
+                <a:spcPts val="0"/>
+              </a:spcAft>
+              <a:buSzPts val="1400"/>
+              <a:buChar char="●"/>
+            </a:pPr>
+            <a:r>
+              <a:rPr lang="en" dirty="0"/>
+              <a:t>Go to a directory where you want to copy (</a:t>
+            </a:r>
+            <a:r>
+              <a:rPr lang="en" b="1" dirty="0">
+                <a:solidFill>
+                  <a:srgbClr val="C00000"/>
+                </a:solidFill>
+              </a:rPr>
+              <a:t>fork</a:t>
+            </a:r>
+            <a:r>
+              <a:rPr lang="en" dirty="0"/>
+              <a:t>) the remote repository in your local environment.</a:t>
+            </a:r>
+            <a:endParaRPr dirty="0"/>
+          </a:p>
+          <a:p>
+            <a:pPr marL="457200" lvl="0" indent="0" algn="l" rtl="0">
+              <a:spcBef>
+                <a:spcPts val="0"/>
+              </a:spcBef>
+              <a:spcAft>
+                <a:spcPts val="0"/>
+              </a:spcAft>
+              <a:buNone/>
+            </a:pPr>
+            <a:endParaRPr dirty="0"/>
+          </a:p>
+          <a:p>
+            <a:pPr marL="457200" lvl="0" indent="-317500" algn="l" rtl="0">
+              <a:spcBef>
+                <a:spcPts val="0"/>
+              </a:spcBef>
+              <a:spcAft>
+                <a:spcPts val="0"/>
+              </a:spcAft>
+              <a:buSzPts val="1400"/>
+              <a:buChar char="●"/>
+            </a:pPr>
+            <a:r>
+              <a:rPr lang="en" dirty="0"/>
+              <a:t>Go to the remote repository in GitHub.</a:t>
+            </a:r>
+            <a:endParaRPr dirty="0"/>
+          </a:p>
+          <a:p>
+            <a:pPr marL="457200" lvl="0" indent="0" algn="l" rtl="0">
+              <a:spcBef>
+                <a:spcPts val="0"/>
+              </a:spcBef>
+              <a:spcAft>
+                <a:spcPts val="0"/>
+              </a:spcAft>
+              <a:buNone/>
+            </a:pPr>
+            <a:endParaRPr dirty="0"/>
+          </a:p>
+          <a:p>
+            <a:pPr marL="457200" lvl="0" indent="-317500" algn="l" rtl="0">
+              <a:spcBef>
+                <a:spcPts val="0"/>
+              </a:spcBef>
+              <a:spcAft>
+                <a:spcPts val="0"/>
+              </a:spcAft>
+              <a:buSzPts val="1400"/>
+              <a:buChar char="●"/>
+            </a:pPr>
+            <a:r>
+              <a:rPr lang="en" dirty="0"/>
+              <a:t>Click</a:t>
+            </a:r>
+            <a:endParaRPr dirty="0"/>
+          </a:p>
+          <a:p>
+            <a:pPr marL="457200" lvl="0" indent="0" algn="l" rtl="0">
+              <a:spcBef>
+                <a:spcPts val="0"/>
+              </a:spcBef>
+              <a:spcAft>
+                <a:spcPts val="0"/>
+              </a:spcAft>
+              <a:buNone/>
+            </a:pPr>
+            <a:endParaRPr dirty="0"/>
+          </a:p>
+          <a:p>
+            <a:pPr marL="457200" lvl="0" indent="-317500" algn="l" rtl="0">
+              <a:spcBef>
+                <a:spcPts val="0"/>
+              </a:spcBef>
+              <a:spcAft>
+                <a:spcPts val="0"/>
+              </a:spcAft>
+              <a:buSzPts val="1400"/>
+              <a:buChar char="●"/>
+            </a:pPr>
+            <a:r>
+              <a:rPr lang="en" dirty="0"/>
+              <a:t>Select `Create a new fork`</a:t>
+            </a:r>
+            <a:endParaRPr dirty="0"/>
+          </a:p>
+          <a:p>
+            <a:pPr marL="457200" lvl="0" indent="0" algn="l" rtl="0">
+              <a:spcBef>
+                <a:spcPts val="0"/>
+              </a:spcBef>
+              <a:spcAft>
+                <a:spcPts val="0"/>
+              </a:spcAft>
+              <a:buNone/>
+            </a:pPr>
+            <a:endParaRPr dirty="0"/>
+          </a:p>
+          <a:p>
+            <a:pPr marL="457200" lvl="0" indent="-317500" algn="l" rtl="0">
+              <a:spcBef>
+                <a:spcPts val="0"/>
+              </a:spcBef>
+              <a:spcAft>
+                <a:spcPts val="0"/>
+              </a:spcAft>
+              <a:buSzPts val="1400"/>
+              <a:buChar char="●"/>
+            </a:pPr>
+            <a:r>
+              <a:rPr lang="en" dirty="0"/>
+              <a:t>Select an Owner and Rename the repository</a:t>
+            </a:r>
+          </a:p>
+          <a:p>
+            <a:pPr marL="139700" lvl="0" algn="l" rtl="0">
+              <a:spcBef>
+                <a:spcPts val="0"/>
+              </a:spcBef>
+              <a:spcAft>
+                <a:spcPts val="0"/>
+              </a:spcAft>
+              <a:buSzPts val="1400"/>
+            </a:pPr>
+            <a:endParaRPr lang="en" dirty="0"/>
+          </a:p>
+          <a:p>
+            <a:pPr marL="457200" lvl="0" indent="-317500" algn="l" rtl="0">
+              <a:spcBef>
+                <a:spcPts val="0"/>
+              </a:spcBef>
+              <a:spcAft>
+                <a:spcPts val="0"/>
+              </a:spcAft>
+              <a:buSzPts val="1400"/>
+              <a:buChar char="●"/>
+            </a:pPr>
+            <a:r>
+              <a:rPr lang="en" dirty="0"/>
+              <a:t>Select `Copy the main branch only`</a:t>
+            </a:r>
+            <a:endParaRPr dirty="0"/>
+          </a:p>
+          <a:p>
+            <a:pPr marL="0" lvl="0" indent="0" algn="l" rtl="0">
+              <a:spcBef>
+                <a:spcPts val="0"/>
+              </a:spcBef>
+              <a:spcAft>
+                <a:spcPts val="0"/>
+              </a:spcAft>
+              <a:buNone/>
+            </a:pPr>
+            <a:endParaRPr dirty="0">
+              <a:latin typeface="Courier New"/>
+              <a:ea typeface="Courier New"/>
+              <a:cs typeface="Courier New"/>
+              <a:sym typeface="Courier New"/>
+            </a:endParaRPr>
+          </a:p>
+          <a:p>
+            <a:pPr marL="457200" lvl="0" indent="-317500" algn="l" rtl="0">
+              <a:spcBef>
+                <a:spcPts val="0"/>
+              </a:spcBef>
+              <a:spcAft>
+                <a:spcPts val="0"/>
+              </a:spcAft>
+              <a:buClr>
+                <a:schemeClr val="dk1"/>
+              </a:buClr>
+              <a:buSzPts val="1400"/>
+              <a:buChar char="●"/>
+            </a:pPr>
+            <a:r>
+              <a:rPr lang="en-US" dirty="0">
+                <a:solidFill>
+                  <a:schemeClr val="dk1"/>
+                </a:solidFill>
+              </a:rPr>
+              <a:t>Click </a:t>
+            </a:r>
+            <a:endParaRPr dirty="0">
+              <a:latin typeface="Courier New"/>
+              <a:ea typeface="Courier New"/>
+              <a:cs typeface="Courier New"/>
+              <a:sym typeface="Courier New"/>
+            </a:endParaRPr>
+          </a:p>
+          <a:p>
+            <a:pPr marL="0" lvl="0" indent="0" algn="l" rtl="0">
+              <a:spcBef>
+                <a:spcPts val="0"/>
+              </a:spcBef>
+              <a:spcAft>
+                <a:spcPts val="0"/>
+              </a:spcAft>
+              <a:buNone/>
+            </a:pPr>
+            <a:endParaRPr dirty="0">
+              <a:latin typeface="Courier New"/>
+              <a:ea typeface="Courier New"/>
+              <a:cs typeface="Courier New"/>
+              <a:sym typeface="Courier New"/>
+            </a:endParaRPr>
+          </a:p>
+          <a:p>
+            <a:pPr marL="0" lvl="0" indent="0" algn="l" rtl="0">
+              <a:spcBef>
+                <a:spcPts val="0"/>
+              </a:spcBef>
+              <a:spcAft>
+                <a:spcPts val="0"/>
+              </a:spcAft>
+              <a:buNone/>
+            </a:pPr>
+            <a:r>
+              <a:rPr lang="en-US" dirty="0"/>
+              <a:t>In your GitHub space, a fork of the original repository will be created.</a:t>
+            </a:r>
+            <a:endParaRPr dirty="0"/>
+          </a:p>
+        </p:txBody>
+      </p:sp>
+      <p:sp>
+        <p:nvSpPr>
+          <p:cNvPr id="902" name="Google Shape;902;p77">
+            <a:extLst>
+              <a:ext uri="{FF2B5EF4-FFF2-40B4-BE49-F238E27FC236}">
+                <a16:creationId xmlns:a16="http://schemas.microsoft.com/office/drawing/2014/main" id="{A0CAE681-95D7-20F4-6266-9267334DE260}"/>
+              </a:ext>
+            </a:extLst>
+          </p:cNvPr>
+          <p:cNvSpPr txBox="1">
+            <a:spLocks noGrp="1"/>
+          </p:cNvSpPr>
+          <p:nvPr>
+            <p:ph type="title"/>
+          </p:nvPr>
+        </p:nvSpPr>
+        <p:spPr>
+          <a:xfrm>
+            <a:off x="311700" y="315485"/>
+            <a:ext cx="8520600" cy="572700"/>
+          </a:xfrm>
+          <a:prstGeom prst="rect">
+            <a:avLst/>
+          </a:prstGeom>
+        </p:spPr>
+        <p:txBody>
+          <a:bodyPr spcFirstLastPara="1" wrap="square" lIns="91425" tIns="91425" rIns="91425" bIns="91425" anchor="t" anchorCtr="0">
+            <a:normAutofit fontScale="90000"/>
+          </a:bodyPr>
+          <a:lstStyle/>
+          <a:p>
+            <a:pPr marL="0" lvl="0" indent="0" algn="ctr" rtl="0">
+              <a:spcBef>
+                <a:spcPts val="0"/>
+              </a:spcBef>
+              <a:spcAft>
+                <a:spcPts val="0"/>
+              </a:spcAft>
+              <a:buNone/>
+            </a:pPr>
+            <a:r>
+              <a:rPr lang="en" dirty="0"/>
+              <a:t>Working with an existing remote repository: Fork</a:t>
+            </a:r>
+            <a:endParaRPr dirty="0"/>
+          </a:p>
+        </p:txBody>
+      </p:sp>
+      <p:pic>
+        <p:nvPicPr>
+          <p:cNvPr id="3" name="Picture 2">
+            <a:extLst>
+              <a:ext uri="{FF2B5EF4-FFF2-40B4-BE49-F238E27FC236}">
+                <a16:creationId xmlns:a16="http://schemas.microsoft.com/office/drawing/2014/main" id="{67242B42-8CE1-F0AC-5F38-A4964E0C363A}"/>
+              </a:ext>
+            </a:extLst>
+          </p:cNvPr>
+          <p:cNvPicPr>
+            <a:picLocks noChangeAspect="1"/>
+          </p:cNvPicPr>
+          <p:nvPr/>
+        </p:nvPicPr>
+        <p:blipFill>
+          <a:blip r:embed="rId3"/>
+          <a:stretch>
+            <a:fillRect/>
+          </a:stretch>
+        </p:blipFill>
+        <p:spPr>
+          <a:xfrm>
+            <a:off x="1270310" y="1940675"/>
+            <a:ext cx="1650380" cy="423746"/>
+          </a:xfrm>
+          <a:prstGeom prst="rect">
+            <a:avLst/>
+          </a:prstGeom>
+        </p:spPr>
+      </p:pic>
+      <p:pic>
+        <p:nvPicPr>
+          <p:cNvPr id="5" name="Picture 4">
+            <a:extLst>
+              <a:ext uri="{FF2B5EF4-FFF2-40B4-BE49-F238E27FC236}">
+                <a16:creationId xmlns:a16="http://schemas.microsoft.com/office/drawing/2014/main" id="{C9603E19-DBF3-AF40-008F-364CC6987E6F}"/>
+              </a:ext>
+            </a:extLst>
+          </p:cNvPr>
+          <p:cNvPicPr>
+            <a:picLocks noChangeAspect="1"/>
+          </p:cNvPicPr>
+          <p:nvPr/>
+        </p:nvPicPr>
+        <p:blipFill>
+          <a:blip r:embed="rId4"/>
+          <a:stretch>
+            <a:fillRect/>
+          </a:stretch>
+        </p:blipFill>
+        <p:spPr>
+          <a:xfrm>
+            <a:off x="1197827" y="3603981"/>
+            <a:ext cx="1338146" cy="434898"/>
+          </a:xfrm>
+          <a:prstGeom prst="rect">
+            <a:avLst/>
+          </a:prstGeom>
+        </p:spPr>
+      </p:pic>
+    </p:spTree>
+    <p:extLst>
+      <p:ext uri="{BB962C8B-B14F-4D97-AF65-F5344CB8AC3E}">
+        <p14:creationId xmlns:p14="http://schemas.microsoft.com/office/powerpoint/2010/main" val="3216520692"/>
+      </p:ext>
+    </p:extLst>
+  </p:cSld>
+  <p:clrMapOvr>
+    <a:masterClrMapping/>
+  </p:clrMapOvr>
+</p:sld>
+</file>
+
+<file path=ppt/slides/slide73.xml><?xml version="1.0" encoding="utf-8"?>
+<p:sld xmlns:a="http://schemas.openxmlformats.org/drawingml/2006/main" xmlns:r="http://schemas.openxmlformats.org/officeDocument/2006/relationships" xmlns:p="http://schemas.openxmlformats.org/presentationml/2006/main">
+  <p:cSld>
+    <p:spTree>
+      <p:nvGrpSpPr>
+        <p:cNvPr id="1" name="Shape 898">
+          <a:extLst>
+            <a:ext uri="{FF2B5EF4-FFF2-40B4-BE49-F238E27FC236}">
+              <a16:creationId xmlns:a16="http://schemas.microsoft.com/office/drawing/2014/main" id="{7A6F2131-E0CE-26B0-59AF-6FFCFFBEAD6F}"/>
+            </a:ext>
+          </a:extLst>
+        </p:cNvPr>
+        <p:cNvGrpSpPr/>
+        <p:nvPr/>
+      </p:nvGrpSpPr>
+      <p:grpSpPr>
+        <a:xfrm>
+          <a:off x="0" y="0"/>
+          <a:ext cx="0" cy="0"/>
+          <a:chOff x="0" y="0"/>
+          <a:chExt cx="0" cy="0"/>
+        </a:xfrm>
+      </p:grpSpPr>
+      <p:sp>
+        <p:nvSpPr>
+          <p:cNvPr id="902" name="Google Shape;902;p77">
+            <a:extLst>
+              <a:ext uri="{FF2B5EF4-FFF2-40B4-BE49-F238E27FC236}">
+                <a16:creationId xmlns:a16="http://schemas.microsoft.com/office/drawing/2014/main" id="{59D632B6-F5BB-4FBF-C0E6-1A761182C900}"/>
+              </a:ext>
+            </a:extLst>
+          </p:cNvPr>
+          <p:cNvSpPr txBox="1">
+            <a:spLocks noGrp="1"/>
+          </p:cNvSpPr>
+          <p:nvPr>
+            <p:ph type="title"/>
+          </p:nvPr>
+        </p:nvSpPr>
+        <p:spPr>
+          <a:xfrm>
+            <a:off x="311700" y="445025"/>
+            <a:ext cx="8520600" cy="572700"/>
+          </a:xfrm>
+          <a:prstGeom prst="rect">
+            <a:avLst/>
+          </a:prstGeom>
+        </p:spPr>
+        <p:txBody>
+          <a:bodyPr spcFirstLastPara="1" wrap="square" lIns="91425" tIns="91425" rIns="91425" bIns="91425" anchor="t" anchorCtr="0">
+            <a:noAutofit/>
+          </a:bodyPr>
+          <a:lstStyle/>
+          <a:p>
+            <a:pPr marL="0" lvl="0" indent="0" algn="ctr" rtl="0">
+              <a:spcBef>
+                <a:spcPts val="0"/>
+              </a:spcBef>
+              <a:spcAft>
+                <a:spcPts val="0"/>
+              </a:spcAft>
+              <a:buNone/>
+            </a:pPr>
+            <a:r>
+              <a:rPr lang="en" dirty="0">
+                <a:solidFill>
+                  <a:schemeClr val="tx1">
+                    <a:lumMod val="95000"/>
+                    <a:lumOff val="5000"/>
+                  </a:schemeClr>
+                </a:solidFill>
+              </a:rPr>
+              <a:t>Clone vs Fork</a:t>
+            </a:r>
+            <a:endParaRPr dirty="0">
+              <a:solidFill>
+                <a:schemeClr val="tx1">
+                  <a:lumMod val="95000"/>
+                  <a:lumOff val="5000"/>
+                </a:schemeClr>
+              </a:solidFill>
+            </a:endParaRPr>
+          </a:p>
+        </p:txBody>
+      </p:sp>
+      <p:sp>
+        <p:nvSpPr>
+          <p:cNvPr id="2" name="TextBox 1">
+            <a:extLst>
+              <a:ext uri="{FF2B5EF4-FFF2-40B4-BE49-F238E27FC236}">
+                <a16:creationId xmlns:a16="http://schemas.microsoft.com/office/drawing/2014/main" id="{8A77D00E-F5BE-6B88-85B2-7498B446F20C}"/>
+              </a:ext>
+            </a:extLst>
+          </p:cNvPr>
+          <p:cNvSpPr txBox="1"/>
+          <p:nvPr/>
+        </p:nvSpPr>
+        <p:spPr>
+          <a:xfrm>
+            <a:off x="122630" y="1371600"/>
+            <a:ext cx="4523995" cy="2492990"/>
+          </a:xfrm>
+          <a:prstGeom prst="rect">
+            <a:avLst/>
+          </a:prstGeom>
+          <a:noFill/>
+        </p:spPr>
+        <p:txBody>
+          <a:bodyPr wrap="none" rtlCol="0">
+            <a:spAutoFit/>
+          </a:bodyPr>
+          <a:lstStyle/>
+          <a:p>
+            <a:pPr algn="ctr"/>
+            <a:r>
+              <a:rPr lang="en-US" sz="2800" dirty="0"/>
+              <a:t>Cloning</a:t>
+            </a:r>
+          </a:p>
+          <a:p>
+            <a:endParaRPr lang="en-US" sz="1600" dirty="0"/>
+          </a:p>
+          <a:p>
+            <a:pPr marL="285750" indent="-285750">
+              <a:buFont typeface="Arial" panose="020B0604020202020204" pitchFamily="34" charset="0"/>
+              <a:buChar char="•"/>
+            </a:pPr>
+            <a:r>
+              <a:rPr lang="en-US" sz="1600" dirty="0"/>
+              <a:t>Creates a </a:t>
+            </a:r>
+            <a:r>
+              <a:rPr lang="en-US" sz="1600" b="1" dirty="0"/>
+              <a:t>linked copy </a:t>
+            </a:r>
+            <a:r>
+              <a:rPr lang="en-US" sz="1600" dirty="0"/>
+              <a:t>on a </a:t>
+            </a:r>
+            <a:r>
+              <a:rPr lang="en-US" sz="1600" b="1" dirty="0"/>
+              <a:t>local computer</a:t>
+            </a:r>
+          </a:p>
+          <a:p>
+            <a:pPr marL="285750" indent="-285750">
+              <a:buFont typeface="Arial" panose="020B0604020202020204" pitchFamily="34" charset="0"/>
+              <a:buChar char="•"/>
+            </a:pPr>
+            <a:endParaRPr lang="en-US" sz="1600" dirty="0"/>
+          </a:p>
+          <a:p>
+            <a:pPr marL="285750" indent="-285750">
+              <a:buFont typeface="Arial" panose="020B0604020202020204" pitchFamily="34" charset="0"/>
+              <a:buChar char="•"/>
+            </a:pPr>
+            <a:r>
+              <a:rPr lang="en-US" sz="1600" dirty="0"/>
+              <a:t>Requires use of </a:t>
+            </a:r>
+            <a:r>
+              <a:rPr lang="en-US" sz="1600" b="1" dirty="0"/>
+              <a:t>Git</a:t>
+            </a:r>
+          </a:p>
+          <a:p>
+            <a:pPr marL="285750" indent="-285750">
+              <a:buFont typeface="Arial" panose="020B0604020202020204" pitchFamily="34" charset="0"/>
+              <a:buChar char="•"/>
+            </a:pPr>
+            <a:endParaRPr lang="en-US" sz="1600" dirty="0"/>
+          </a:p>
+          <a:p>
+            <a:pPr marL="285750" indent="-285750">
+              <a:buFont typeface="Arial" panose="020B0604020202020204" pitchFamily="34" charset="0"/>
+              <a:buChar char="•"/>
+            </a:pPr>
+            <a:r>
+              <a:rPr lang="en-US" sz="1600" dirty="0"/>
+              <a:t>Push and pull updates with Git</a:t>
+            </a:r>
+          </a:p>
+          <a:p>
+            <a:pPr marL="285750" indent="-285750">
+              <a:buFont typeface="Arial" panose="020B0604020202020204" pitchFamily="34" charset="0"/>
+              <a:buChar char="•"/>
+            </a:pPr>
+            <a:endParaRPr lang="en-US" sz="1600" dirty="0"/>
+          </a:p>
+          <a:p>
+            <a:pPr marL="285750" indent="-285750">
+              <a:buFont typeface="Arial" panose="020B0604020202020204" pitchFamily="34" charset="0"/>
+              <a:buChar char="•"/>
+            </a:pPr>
+            <a:r>
+              <a:rPr lang="en-US" sz="1600" dirty="0"/>
+              <a:t>Used for collaboration</a:t>
+            </a:r>
+          </a:p>
+        </p:txBody>
+      </p:sp>
+      <p:sp>
+        <p:nvSpPr>
+          <p:cNvPr id="3" name="TextBox 2">
+            <a:extLst>
+              <a:ext uri="{FF2B5EF4-FFF2-40B4-BE49-F238E27FC236}">
+                <a16:creationId xmlns:a16="http://schemas.microsoft.com/office/drawing/2014/main" id="{0D0D6885-8E6D-08F7-5519-91C395696064}"/>
+              </a:ext>
+            </a:extLst>
+          </p:cNvPr>
+          <p:cNvSpPr txBox="1"/>
+          <p:nvPr/>
+        </p:nvSpPr>
+        <p:spPr>
+          <a:xfrm>
+            <a:off x="4592754" y="1347951"/>
+            <a:ext cx="4706738" cy="2985433"/>
+          </a:xfrm>
+          <a:prstGeom prst="rect">
+            <a:avLst/>
+          </a:prstGeom>
+          <a:noFill/>
+        </p:spPr>
+        <p:txBody>
+          <a:bodyPr wrap="none" rtlCol="0">
+            <a:spAutoFit/>
+          </a:bodyPr>
+          <a:lstStyle/>
+          <a:p>
+            <a:pPr algn="ctr"/>
+            <a:r>
+              <a:rPr lang="en-US" sz="2800" dirty="0"/>
+              <a:t>Forking</a:t>
+            </a:r>
+          </a:p>
+          <a:p>
+            <a:endParaRPr lang="en-US" sz="1600" dirty="0"/>
+          </a:p>
+          <a:p>
+            <a:pPr marL="285750" indent="-285750">
+              <a:buFont typeface="Arial" panose="020B0604020202020204" pitchFamily="34" charset="0"/>
+              <a:buChar char="•"/>
+            </a:pPr>
+            <a:r>
+              <a:rPr lang="en-US" sz="1600" dirty="0"/>
+              <a:t>Creates an </a:t>
+            </a:r>
+            <a:r>
+              <a:rPr lang="en-US" sz="1600" b="1" dirty="0"/>
+              <a:t>independent copy </a:t>
+            </a:r>
+            <a:r>
+              <a:rPr lang="en-US" sz="1600" dirty="0"/>
+              <a:t>on </a:t>
+            </a:r>
+            <a:r>
+              <a:rPr lang="en-US" sz="1600" b="1" dirty="0"/>
+              <a:t>GitHub</a:t>
+            </a:r>
+          </a:p>
+          <a:p>
+            <a:pPr marL="285750" indent="-285750">
+              <a:buFont typeface="Arial" panose="020B0604020202020204" pitchFamily="34" charset="0"/>
+              <a:buChar char="•"/>
+            </a:pPr>
+            <a:endParaRPr lang="en-US" sz="1600" b="1" dirty="0"/>
+          </a:p>
+          <a:p>
+            <a:pPr marL="285750" indent="-285750">
+              <a:buFont typeface="Arial" panose="020B0604020202020204" pitchFamily="34" charset="0"/>
+              <a:buChar char="•"/>
+            </a:pPr>
+            <a:r>
+              <a:rPr lang="en-US" sz="1600" dirty="0"/>
+              <a:t>Can be done within </a:t>
+            </a:r>
+            <a:r>
+              <a:rPr lang="en-US" sz="1600" b="1" dirty="0"/>
+              <a:t>GitHub</a:t>
+            </a:r>
+          </a:p>
+          <a:p>
+            <a:pPr marL="285750" indent="-285750">
+              <a:buFont typeface="Arial" panose="020B0604020202020204" pitchFamily="34" charset="0"/>
+              <a:buChar char="•"/>
+            </a:pPr>
+            <a:endParaRPr lang="en-US" sz="1600" b="1" dirty="0"/>
+          </a:p>
+          <a:p>
+            <a:pPr marL="285750" indent="-285750">
+              <a:buFont typeface="Arial" panose="020B0604020202020204" pitchFamily="34" charset="0"/>
+              <a:buChar char="•"/>
+            </a:pPr>
+            <a:r>
+              <a:rPr lang="en-US" sz="1600" dirty="0"/>
+              <a:t>Submit changes through pull requests (PR)</a:t>
+            </a:r>
+          </a:p>
+          <a:p>
+            <a:pPr marL="285750" indent="-285750">
+              <a:buFont typeface="Arial" panose="020B0604020202020204" pitchFamily="34" charset="0"/>
+              <a:buChar char="•"/>
+            </a:pPr>
+            <a:endParaRPr lang="en-US" sz="1600" dirty="0"/>
+          </a:p>
+          <a:p>
+            <a:pPr marL="285750" indent="-285750">
+              <a:buFont typeface="Arial" panose="020B0604020202020204" pitchFamily="34" charset="0"/>
+              <a:buChar char="•"/>
+            </a:pPr>
+            <a:r>
+              <a:rPr lang="en-US" sz="1600" dirty="0"/>
+              <a:t>The main purpose is to experiment and make </a:t>
+            </a:r>
+          </a:p>
+          <a:p>
+            <a:r>
+              <a:rPr lang="en-US" sz="1600" dirty="0"/>
+              <a:t>an independent development can be used for </a:t>
+            </a:r>
+          </a:p>
+          <a:p>
+            <a:r>
+              <a:rPr lang="en-US" sz="1600" dirty="0"/>
+              <a:t>collaboration as well.</a:t>
+            </a:r>
+          </a:p>
+        </p:txBody>
+      </p:sp>
+    </p:spTree>
+    <p:extLst>
+      <p:ext uri="{BB962C8B-B14F-4D97-AF65-F5344CB8AC3E}">
+        <p14:creationId xmlns:p14="http://schemas.microsoft.com/office/powerpoint/2010/main" val="2720891209"/>
+      </p:ext>
+    </p:extLst>
+  </p:cSld>
+  <p:clrMapOvr>
+    <a:masterClrMapping/>
+  </p:clrMapOvr>
+</p:sld>
+</file>
+
+<file path=ppt/slides/slide74.xml><?xml version="1.0" encoding="utf-8"?>
 <p:sld xmlns:a="http://schemas.openxmlformats.org/drawingml/2006/main" xmlns:r="http://schemas.openxmlformats.org/officeDocument/2006/relationships" xmlns:p="http://schemas.openxmlformats.org/presentationml/2006/main">
   <p:cSld>
     <p:spTree>
@@ -52416,10 +54663,10 @@
               <a:buNone/>
             </a:pPr>
             <a:r>
-              <a:rPr lang="en"/>
-              <a:t>Working with an existing remote repositories</a:t>
-            </a:r>
-            <a:endParaRPr/>
+              <a:rPr lang="en" dirty="0"/>
+              <a:t>Working with a remote repository</a:t>
+            </a:r>
+            <a:endParaRPr dirty="0"/>
           </a:p>
         </p:txBody>
       </p:sp>
@@ -52479,8 +54726,8 @@
         </p:nvSpPr>
         <p:spPr>
           <a:xfrm>
-            <a:off x="272575" y="1253775"/>
-            <a:ext cx="8610900" cy="3631733"/>
+            <a:off x="152400" y="1269015"/>
+            <a:ext cx="8892539" cy="3631733"/>
           </a:xfrm>
           <a:prstGeom prst="rect">
             <a:avLst/>
@@ -52508,7 +54755,7 @@
             </a:pPr>
             <a:r>
               <a:rPr lang="en" dirty="0"/>
-              <a:t>Make sure that your local repo is up to date with the remote repo and check status of your local repo.</a:t>
+              <a:t>Make sure that your local repo is up to date with the remote repo and check the status of your local repo.</a:t>
             </a:r>
             <a:endParaRPr dirty="0"/>
           </a:p>
@@ -52541,7 +54788,7 @@
                 <a:cs typeface="Courier New"/>
                 <a:sym typeface="Courier New"/>
               </a:rPr>
-              <a:t>git status</a:t>
+              <a:t> git status</a:t>
             </a:r>
             <a:endParaRPr dirty="0">
               <a:latin typeface="Courier New"/>
@@ -52584,7 +54831,7 @@
                 <a:cs typeface="Courier New"/>
                 <a:sym typeface="Courier New"/>
               </a:rPr>
-              <a:t>git pull origin main</a:t>
+              <a:t> git pull origin main</a:t>
             </a:r>
             <a:r>
               <a:rPr lang="en" dirty="0">
@@ -52593,7 +54840,7 @@
                 <a:cs typeface="Courier New"/>
                 <a:sym typeface="Courier New"/>
               </a:rPr>
-              <a:t>          :</a:t>
+              <a:t>          : </a:t>
             </a:r>
             <a:r>
               <a:rPr lang="en" dirty="0">
@@ -52602,7 +54849,7 @@
                 <a:cs typeface="Courier New"/>
                 <a:sym typeface="Courier New"/>
               </a:rPr>
-              <a:t>Fetch and merge latest changes</a:t>
+              <a:t>Fetch and merge the latest changes</a:t>
             </a:r>
             <a:endParaRPr b="1" dirty="0">
               <a:latin typeface="+mn-lt"/>
@@ -52636,7 +54883,7 @@
             </a:pPr>
             <a:r>
               <a:rPr lang="en" dirty="0"/>
-              <a:t>Make you changes on your files</a:t>
+              <a:t>Make your changes to your files</a:t>
             </a:r>
             <a:endParaRPr dirty="0"/>
           </a:p>
@@ -52674,7 +54921,7 @@
                 <a:cs typeface="Courier New"/>
                 <a:sym typeface="Courier New"/>
               </a:rPr>
-              <a:t>git add &lt;file&gt;</a:t>
+              <a:t> git add &lt;file&gt;</a:t>
             </a:r>
             <a:endParaRPr dirty="0">
               <a:latin typeface="Courier New"/>
@@ -52712,7 +54959,7 @@
                 <a:cs typeface="Courier New"/>
                 <a:sym typeface="Courier New"/>
               </a:rPr>
-              <a:t>git commit -m “Message”</a:t>
+              <a:t> git commit -m “Message”</a:t>
             </a:r>
             <a:endParaRPr dirty="0">
               <a:latin typeface="Courier New"/>
@@ -52750,7 +54997,7 @@
                 <a:cs typeface="Courier New"/>
                 <a:sym typeface="Courier New"/>
               </a:rPr>
-              <a:t>git push origin main          :</a:t>
+              <a:t> git push origin main          : </a:t>
             </a:r>
             <a:r>
               <a:rPr lang="en-US" dirty="0">
@@ -52759,7 +55006,7 @@
                 <a:cs typeface="Courier New"/>
                 <a:sym typeface="Courier New"/>
               </a:rPr>
-              <a:t>Push changes to remote repository</a:t>
+              <a:t>Push changes to the remote repository</a:t>
             </a:r>
             <a:endParaRPr dirty="0">
               <a:latin typeface="+mn-lt"/>
@@ -52829,7 +55076,7 @@
 </p:sld>
 </file>
 
-<file path=ppt/slides/slide72.xml><?xml version="1.0" encoding="utf-8"?>
+<file path=ppt/slides/slide75.xml><?xml version="1.0" encoding="utf-8"?>
 <p:sld xmlns:a="http://schemas.openxmlformats.org/drawingml/2006/main" xmlns:r="http://schemas.openxmlformats.org/officeDocument/2006/relationships" xmlns:p="http://schemas.openxmlformats.org/presentationml/2006/main">
   <p:cSld>
     <p:spTree>
@@ -53073,10 +55320,10 @@
               <a:buNone/>
             </a:pPr>
             <a:r>
-              <a:rPr lang="en"/>
-              <a:t>Working with an existing remote repositories</a:t>
-            </a:r>
-            <a:endParaRPr/>
+              <a:rPr lang="en" dirty="0"/>
+              <a:t>Working with a remote repository</a:t>
+            </a:r>
+            <a:endParaRPr dirty="0"/>
           </a:p>
         </p:txBody>
       </p:sp>
@@ -53423,7 +55670,11 @@
             </a:pPr>
             <a:r>
               <a:rPr lang="en" dirty="0"/>
-              <a:t>On the remote repository (GitHub) create a pull request.</a:t>
+              <a:t>On the remote repository (GitHub) create a </a:t>
+            </a:r>
+            <a:r>
+              <a:rPr lang="en-US" dirty="0"/>
+              <a:t>PR</a:t>
             </a:r>
             <a:endParaRPr dirty="0"/>
           </a:p>
@@ -53440,9 +55691,56 @@
             </a:pPr>
             <a:r>
               <a:rPr lang="en" dirty="0"/>
-              <a:t>Merge the pull request.</a:t>
+              <a:t>Merge the pull request. This is done by the assigned person</a:t>
             </a:r>
             <a:endParaRPr dirty="0"/>
+          </a:p>
+        </p:txBody>
+      </p:sp>
+      <p:sp>
+        <p:nvSpPr>
+          <p:cNvPr id="2" name="Rectangle: Rounded Corners 1">
+            <a:extLst>
+              <a:ext uri="{FF2B5EF4-FFF2-40B4-BE49-F238E27FC236}">
+                <a16:creationId xmlns:a16="http://schemas.microsoft.com/office/drawing/2014/main" id="{BA553847-819D-20D9-6C7F-F1F5B3CEA737}"/>
+              </a:ext>
+            </a:extLst>
+          </p:cNvPr>
+          <p:cNvSpPr/>
+          <p:nvPr/>
+        </p:nvSpPr>
+        <p:spPr>
+          <a:xfrm>
+            <a:off x="272575" y="4320540"/>
+            <a:ext cx="5343365" cy="565935"/>
+          </a:xfrm>
+          <a:prstGeom prst="roundRect">
+            <a:avLst/>
+          </a:prstGeom>
+          <a:noFill/>
+        </p:spPr>
+        <p:style>
+          <a:lnRef idx="2">
+            <a:schemeClr val="accent1">
+              <a:shade val="15000"/>
+            </a:schemeClr>
+          </a:lnRef>
+          <a:fillRef idx="1">
+            <a:schemeClr val="accent1"/>
+          </a:fillRef>
+          <a:effectRef idx="0">
+            <a:schemeClr val="accent1"/>
+          </a:effectRef>
+          <a:fontRef idx="minor">
+            <a:schemeClr val="lt1"/>
+          </a:fontRef>
+        </p:style>
+        <p:txBody>
+          <a:bodyPr rtlCol="0" anchor="ctr"/>
+          <a:lstStyle/>
+          <a:p>
+            <a:pPr algn="ctr"/>
+            <a:endParaRPr lang="LID4096"/>
           </a:p>
         </p:txBody>
       </p:sp>
@@ -53454,7 +55752,7 @@
 </p:sld>
 </file>
 
-<file path=ppt/slides/slide73.xml><?xml version="1.0" encoding="utf-8"?>
+<file path=ppt/slides/slide76.xml><?xml version="1.0" encoding="utf-8"?>
 <p:sld xmlns:a="http://schemas.openxmlformats.org/drawingml/2006/main" xmlns:r="http://schemas.openxmlformats.org/officeDocument/2006/relationships" xmlns:p="http://schemas.openxmlformats.org/presentationml/2006/main">
   <p:cSld>
     <p:spTree>
@@ -53580,7 +55878,7 @@
               <a:buNone/>
             </a:pPr>
             <a:r>
-              <a:rPr lang="en-US" sz="1200" dirty="0">
+              <a:rPr lang="en-US" sz="1100" dirty="0">
                 <a:solidFill>
                   <a:schemeClr val="dk1"/>
                 </a:solidFill>
@@ -53592,7 +55890,7 @@
               <a:t>git pull origin main</a:t>
             </a:r>
             <a:r>
-              <a:rPr lang="en" sz="1200" dirty="0">
+              <a:rPr lang="en" sz="1100" dirty="0">
                 <a:solidFill>
                   <a:schemeClr val="dk1"/>
                 </a:solidFill>
@@ -53604,12 +55902,12 @@
               <a:t>  </a:t>
             </a:r>
             <a:r>
-              <a:rPr lang="en" sz="1200" dirty="0">
+              <a:rPr lang="en" sz="1100" dirty="0">
                 <a:solidFill>
                   <a:schemeClr val="dk1"/>
                 </a:solidFill>
               </a:rPr>
-              <a:t>: Fetch and merge the latest changes from the  remote  `master` (or `main`) branch into      		           your local branch.</a:t>
+              <a:t>: Fetch and merge the latest changes from the remote  `master` (or `main`) branch into your local                                            		   branch.</a:t>
             </a:r>
           </a:p>
           <a:p>
@@ -53630,7 +55928,7 @@
               <a:buFont typeface="Arial"/>
               <a:buNone/>
             </a:pPr>
-            <a:endParaRPr lang="en" sz="1200" dirty="0">
+            <a:endParaRPr lang="en" sz="1100" dirty="0">
               <a:solidFill>
                 <a:schemeClr val="dk1"/>
               </a:solidFill>
@@ -53655,7 +55953,7 @@
               <a:buNone/>
             </a:pPr>
             <a:r>
-              <a:rPr lang="en" sz="1200" dirty="0">
+              <a:rPr lang="en" sz="1100" dirty="0">
                 <a:solidFill>
                   <a:schemeClr val="dk1"/>
                 </a:solidFill>
@@ -53664,17 +55962,17 @@
                 <a:cs typeface="Courier New"/>
                 <a:sym typeface="Courier New"/>
               </a:rPr>
-              <a:t>git checkout branch     </a:t>
-            </a:r>
-            <a:r>
-              <a:rPr lang="en" sz="1200" dirty="0">
+              <a:t>git checkout &lt;feature_branch&gt; </a:t>
+            </a:r>
+            <a:r>
+              <a:rPr lang="en" sz="1100" dirty="0">
                 <a:solidFill>
                   <a:schemeClr val="dk1"/>
                 </a:solidFill>
               </a:rPr>
               <a:t>: Switch to the local branch you want to work on.</a:t>
             </a:r>
-            <a:endParaRPr sz="1200" dirty="0">
+            <a:endParaRPr sz="1100" dirty="0">
               <a:solidFill>
                 <a:schemeClr val="dk1"/>
               </a:solidFill>
@@ -53695,7 +55993,7 @@
               <a:buNone/>
             </a:pPr>
             <a:r>
-              <a:rPr lang="en" sz="1200" dirty="0">
+              <a:rPr lang="en" sz="1100" dirty="0">
                 <a:solidFill>
                   <a:schemeClr val="dk1"/>
                 </a:solidFill>
@@ -53707,14 +56005,14 @@
               <a:t>git status              </a:t>
             </a:r>
             <a:r>
-              <a:rPr lang="en" sz="1200" dirty="0">
+              <a:rPr lang="en" sz="1100" dirty="0">
                 <a:solidFill>
                   <a:schemeClr val="dk1"/>
                 </a:solidFill>
               </a:rPr>
               <a:t>: Check the current status of your repo.</a:t>
             </a:r>
-            <a:endParaRPr sz="1200" dirty="0">
+            <a:endParaRPr sz="1100" dirty="0">
               <a:solidFill>
                 <a:schemeClr val="dk1"/>
               </a:solidFill>
@@ -53739,7 +56037,7 @@
               <a:buNone/>
             </a:pPr>
             <a:r>
-              <a:rPr lang="en" sz="1200" b="1" dirty="0">
+              <a:rPr lang="en" sz="1100" b="1" dirty="0">
                 <a:solidFill>
                   <a:schemeClr val="dk1"/>
                 </a:solidFill>
@@ -53747,14 +56045,14 @@
               <a:t>Work on my project                   </a:t>
             </a:r>
             <a:r>
-              <a:rPr lang="en" sz="1200" dirty="0">
+              <a:rPr lang="en" sz="1100" dirty="0">
                 <a:solidFill>
                   <a:schemeClr val="dk1"/>
                 </a:solidFill>
               </a:rPr>
               <a:t>: Continue working on your project if you are happy with the current status.</a:t>
             </a:r>
-            <a:endParaRPr sz="1200" dirty="0">
+            <a:endParaRPr sz="1100" dirty="0">
               <a:solidFill>
                 <a:schemeClr val="dk1"/>
               </a:solidFill>
@@ -53775,7 +56073,7 @@
               <a:buNone/>
             </a:pPr>
             <a:r>
-              <a:rPr lang="en" sz="1200" dirty="0">
+              <a:rPr lang="en" sz="1100" dirty="0">
                 <a:solidFill>
                   <a:schemeClr val="dk1"/>
                 </a:solidFill>
@@ -53787,14 +56085,14 @@
               <a:t>git add file(s)         </a:t>
             </a:r>
             <a:r>
-              <a:rPr lang="en" sz="1200" dirty="0">
+              <a:rPr lang="en" sz="1100" dirty="0">
                 <a:solidFill>
                   <a:schemeClr val="dk1"/>
                 </a:solidFill>
               </a:rPr>
               <a:t>: Stage your changes often. </a:t>
             </a:r>
-            <a:endParaRPr sz="1200" dirty="0">
+            <a:endParaRPr sz="1100" dirty="0">
               <a:solidFill>
                 <a:schemeClr val="dk1"/>
               </a:solidFill>
@@ -53815,7 +56113,7 @@
               <a:buNone/>
             </a:pPr>
             <a:r>
-              <a:rPr lang="en" sz="1200" dirty="0">
+              <a:rPr lang="en" sz="1100" dirty="0">
                 <a:solidFill>
                   <a:schemeClr val="dk1"/>
                 </a:solidFill>
@@ -53827,14 +56125,14 @@
               <a:t>git commit -m “Message” </a:t>
             </a:r>
             <a:r>
-              <a:rPr lang="en" sz="1200" dirty="0">
+              <a:rPr lang="en" sz="1100" dirty="0">
                 <a:solidFill>
                   <a:schemeClr val="dk1"/>
                 </a:solidFill>
               </a:rPr>
-              <a:t>: Commit your staged changes.</a:t>
-            </a:r>
-            <a:endParaRPr sz="1200" dirty="0">
+              <a:t>: Commit your staged changes. Make frequent and small commits.</a:t>
+            </a:r>
+            <a:endParaRPr sz="1100" dirty="0">
               <a:solidFill>
                 <a:schemeClr val="dk1"/>
               </a:solidFill>
@@ -53855,7 +56153,7 @@
               <a:buNone/>
             </a:pPr>
             <a:r>
-              <a:rPr lang="en" sz="1200" b="1" dirty="0">
+              <a:rPr lang="en" sz="1100" b="1" dirty="0">
                 <a:solidFill>
                   <a:schemeClr val="dk1"/>
                 </a:solidFill>
@@ -53878,7 +56176,7 @@
               <a:buNone/>
             </a:pPr>
             <a:r>
-              <a:rPr lang="en-US" sz="1200" dirty="0">
+              <a:rPr lang="en-US" sz="1100" dirty="0">
                 <a:solidFill>
                   <a:schemeClr val="dk1"/>
                 </a:solidFill>
@@ -53888,38 +56186,56 @@
               <a:t>g</a:t>
             </a:r>
             <a:r>
-              <a:rPr lang="en" sz="1200" dirty="0">
+              <a:rPr lang="en" sz="1100" dirty="0">
                 <a:solidFill>
                   <a:schemeClr val="dk1"/>
                 </a:solidFill>
                 <a:latin typeface="Courier New" panose="02070309020205020404" pitchFamily="49" charset="0"/>
                 <a:cs typeface="Courier New" panose="02070309020205020404" pitchFamily="49" charset="0"/>
               </a:rPr>
-              <a:t>it push –u origin &lt;branch&gt; </a:t>
-            </a:r>
-            <a:r>
-              <a:rPr lang="en" sz="1200" dirty="0">
+              <a:t>it push –u origin &lt;feature_branch&gt; </a:t>
+            </a:r>
+            <a:r>
+              <a:rPr lang="en" sz="1100" dirty="0">
                 <a:solidFill>
                   <a:schemeClr val="dk1"/>
                 </a:solidFill>
               </a:rPr>
-              <a:t>: If the it </a:t>
-            </a:r>
-            <a:r>
-              <a:rPr lang="en-US" sz="1200" dirty="0">
+              <a:t>: If it </a:t>
+            </a:r>
+            <a:r>
+              <a:rPr lang="en-US" sz="1100" dirty="0">
                 <a:solidFill>
                   <a:schemeClr val="dk1"/>
                 </a:solidFill>
               </a:rPr>
-              <a:t>is the first time that branch is created and you want to track the remote branch</a:t>
-            </a:r>
-            <a:r>
-              <a:rPr lang="en" sz="1200" dirty="0">
+              <a:t>is the first time that the branch is created and you want to track the remote branch,</a:t>
+            </a:r>
+            <a:r>
+              <a:rPr lang="en" sz="1100" dirty="0">
                 <a:solidFill>
                   <a:schemeClr val="dk1"/>
                 </a:solidFill>
               </a:rPr>
-              <a:t>                </a:t>
+              <a:t> use    	                                                         the option `</a:t>
+            </a:r>
+            <a:r>
+              <a:rPr lang="en" sz="1100" dirty="0">
+                <a:solidFill>
+                  <a:schemeClr val="dk1"/>
+                </a:solidFill>
+                <a:latin typeface="Courier New" panose="02070309020205020404" pitchFamily="49" charset="0"/>
+                <a:cs typeface="Courier New" panose="02070309020205020404" pitchFamily="49" charset="0"/>
+              </a:rPr>
+              <a:t>-u</a:t>
+            </a:r>
+            <a:r>
+              <a:rPr lang="en" sz="1100" dirty="0">
+                <a:solidFill>
+                  <a:schemeClr val="dk1"/>
+                </a:solidFill>
+              </a:rPr>
+              <a:t>` . Otherwise, you can omit this option.   </a:t>
             </a:r>
           </a:p>
           <a:p>
@@ -53937,7 +56253,7 @@
               <a:buNone/>
             </a:pPr>
             <a:r>
-              <a:rPr lang="en" sz="1200" dirty="0">
+              <a:rPr lang="en" sz="1100" dirty="0">
                 <a:solidFill>
                   <a:schemeClr val="dk1"/>
                 </a:solidFill>
@@ -53946,10 +56262,10 @@
                 <a:cs typeface="Courier New"/>
                 <a:sym typeface="Courier New"/>
               </a:rPr>
-              <a:t>git push origin &lt;branch&gt; </a:t>
-            </a:r>
-            <a:r>
-              <a:rPr lang="en" sz="1200" dirty="0">
+              <a:t>git push origin &lt;feature_branch&gt; </a:t>
+            </a:r>
+            <a:r>
+              <a:rPr lang="en" sz="1100" dirty="0">
                 <a:solidFill>
                   <a:schemeClr val="dk1"/>
                 </a:solidFill>
@@ -53957,7 +56273,7 @@
               <a:t>: </a:t>
             </a:r>
             <a:r>
-              <a:rPr lang="en-US" sz="1200" dirty="0">
+              <a:rPr lang="en-US" sz="1100" dirty="0">
                 <a:solidFill>
                   <a:schemeClr val="tx1"/>
                 </a:solidFill>
@@ -53980,35 +56296,20 @@
               <a:buNone/>
             </a:pPr>
             <a:r>
-              <a:rPr lang="en-US" sz="1200" dirty="0">
+              <a:rPr lang="en-US" sz="1100" b="1" dirty="0">
                 <a:solidFill>
                   <a:schemeClr val="tx1"/>
                 </a:solidFill>
               </a:rPr>
-              <a:t>Create a Pull Request (PR )         : On GitHub/GitLab, open a pull request for code review and approval.</a:t>
-            </a:r>
-          </a:p>
-          <a:p>
-            <a:pPr marL="0" lvl="0" indent="0" algn="l" rtl="0">
-              <a:lnSpc>
-                <a:spcPct val="95000"/>
-              </a:lnSpc>
-              <a:spcBef>
-                <a:spcPts val="1200"/>
-              </a:spcBef>
-              <a:spcAft>
-                <a:spcPts val="0"/>
-              </a:spcAft>
-              <a:buSzPts val="605"/>
-              <a:buNone/>
-            </a:pPr>
-            <a:r>
-              <a:rPr lang="en-US" sz="1200" dirty="0">
+              <a:t>Create a Pull Request (PR )         </a:t>
+            </a:r>
+            <a:r>
+              <a:rPr lang="en-US" sz="1100" dirty="0">
                 <a:solidFill>
                   <a:schemeClr val="tx1"/>
                 </a:solidFill>
               </a:rPr>
-              <a:t>Merge to master/main                  : Once approved, merge the changes into the main branch.</a:t>
+              <a:t>: On GitHub/GitLab, open a pull request for code review and approval. Assign a reviewer.</a:t>
             </a:r>
           </a:p>
           <a:p>
@@ -54026,17 +56327,40 @@
               <a:buNone/>
             </a:pPr>
             <a:r>
-              <a:rPr lang="en-US" sz="1200" dirty="0">
+              <a:rPr lang="en-US" sz="1100" dirty="0">
+                <a:solidFill>
+                  <a:schemeClr val="tx1"/>
+                </a:solidFill>
+              </a:rPr>
+              <a:t>Merge to master/main                    : Once approved, the reviewer merges the changes into the main branch.</a:t>
+            </a:r>
+          </a:p>
+          <a:p>
+            <a:pPr marL="0" lvl="0" indent="0" algn="l" rtl="0">
+              <a:lnSpc>
+                <a:spcPct val="95000"/>
+              </a:lnSpc>
+              <a:spcBef>
+                <a:spcPts val="1200"/>
+              </a:spcBef>
+              <a:spcAft>
+                <a:spcPts val="0"/>
+              </a:spcAft>
+              <a:buSzPts val="605"/>
+              <a:buNone/>
+            </a:pPr>
+            <a:r>
+              <a:rPr lang="en-US" sz="1100" dirty="0">
                 <a:solidFill>
                   <a:schemeClr val="tx1"/>
                 </a:solidFill>
                 <a:latin typeface="Courier New" panose="02070309020205020404" pitchFamily="49" charset="0"/>
                 <a:cs typeface="Courier New" panose="02070309020205020404" pitchFamily="49" charset="0"/>
               </a:rPr>
-              <a:t>git switch main         :</a:t>
-            </a:r>
-            <a:r>
-              <a:rPr lang="en-US" sz="1200" dirty="0">
+              <a:t>git switch main          :</a:t>
+            </a:r>
+            <a:r>
+              <a:rPr lang="en-US" sz="1100" dirty="0">
                 <a:solidFill>
                   <a:schemeClr val="tx1"/>
                 </a:solidFill>
@@ -54061,7 +56385,7 @@
               <a:buNone/>
             </a:pPr>
             <a:r>
-              <a:rPr lang="en-US" sz="1200" dirty="0">
+              <a:rPr lang="en-US" sz="1100" dirty="0">
                 <a:solidFill>
                   <a:schemeClr val="dk1"/>
                 </a:solidFill>
@@ -54073,22 +56397,22 @@
               <a:t>git pull origin main</a:t>
             </a:r>
             <a:r>
-              <a:rPr lang="en" sz="1200" dirty="0">
+              <a:rPr lang="en" sz="1100" dirty="0">
                 <a:solidFill>
                   <a:schemeClr val="dk1"/>
                 </a:solidFill>
               </a:rPr>
-              <a:t>         : </a:t>
-            </a:r>
-            <a:r>
-              <a:rPr lang="en-US" sz="1200" dirty="0">
+              <a:t>            : </a:t>
+            </a:r>
+            <a:r>
+              <a:rPr lang="en-US" sz="1100" dirty="0">
                 <a:solidFill>
                   <a:schemeClr val="tx1"/>
                 </a:solidFill>
               </a:rPr>
               <a:t>Update your local repository with the latest changes from master (or main)</a:t>
             </a:r>
-            <a:endParaRPr sz="1200" dirty="0">
+            <a:endParaRPr sz="1100" dirty="0">
               <a:solidFill>
                 <a:schemeClr val="tx1"/>
               </a:solidFill>
@@ -54108,7 +56432,7 @@
               <a:buSzPts val="605"/>
               <a:buNone/>
             </a:pPr>
-            <a:endParaRPr sz="1200" dirty="0">
+            <a:endParaRPr sz="1100" dirty="0">
               <a:solidFill>
                 <a:schemeClr val="dk1"/>
               </a:solidFill>
@@ -54124,7 +56448,7 @@
 </p:sld>
 </file>
 
-<file path=ppt/slides/slide74.xml><?xml version="1.0" encoding="utf-8"?>
+<file path=ppt/slides/slide77.xml><?xml version="1.0" encoding="utf-8"?>
 <p:sld xmlns:a="http://schemas.openxmlformats.org/drawingml/2006/main" xmlns:r="http://schemas.openxmlformats.org/officeDocument/2006/relationships" xmlns:p="http://schemas.openxmlformats.org/presentationml/2006/main">
   <p:cSld>
     <p:spTree>
@@ -55004,7 +57328,626 @@
 </p:sld>
 </file>
 
-<file path=ppt/slides/slide75.xml><?xml version="1.0" encoding="utf-8"?>
+<file path=ppt/slides/slide78.xml><?xml version="1.0" encoding="utf-8"?>
+<p:sld xmlns:a="http://schemas.openxmlformats.org/drawingml/2006/main" xmlns:r="http://schemas.openxmlformats.org/officeDocument/2006/relationships" xmlns:p="http://schemas.openxmlformats.org/presentationml/2006/main">
+  <p:cSld>
+    <p:spTree>
+      <p:nvGrpSpPr>
+        <p:cNvPr id="1" name="Shape 967"/>
+        <p:cNvGrpSpPr/>
+        <p:nvPr/>
+      </p:nvGrpSpPr>
+      <p:grpSpPr>
+        <a:xfrm>
+          <a:off x="0" y="0"/>
+          <a:ext cx="0" cy="0"/>
+          <a:chOff x="0" y="0"/>
+          <a:chExt cx="0" cy="0"/>
+        </a:xfrm>
+      </p:grpSpPr>
+      <p:sp>
+        <p:nvSpPr>
+          <p:cNvPr id="968" name="Google Shape;968;p83"/>
+          <p:cNvSpPr/>
+          <p:nvPr/>
+        </p:nvSpPr>
+        <p:spPr>
+          <a:xfrm>
+            <a:off x="539825" y="2571750"/>
+            <a:ext cx="2645400" cy="307500"/>
+          </a:xfrm>
+          <a:prstGeom prst="roundRect">
+            <a:avLst>
+              <a:gd name="adj" fmla="val 16667"/>
+            </a:avLst>
+          </a:prstGeom>
+          <a:solidFill>
+            <a:srgbClr val="FFF2CC"/>
+          </a:solidFill>
+          <a:ln w="9525" cap="flat" cmpd="sng">
+            <a:solidFill>
+              <a:schemeClr val="dk2"/>
+            </a:solidFill>
+            <a:prstDash val="solid"/>
+            <a:round/>
+            <a:headEnd type="none" w="sm" len="sm"/>
+            <a:tailEnd type="none" w="sm" len="sm"/>
+          </a:ln>
+        </p:spPr>
+        <p:txBody>
+          <a:bodyPr spcFirstLastPara="1" wrap="square" lIns="91425" tIns="91425" rIns="91425" bIns="91425" anchor="ctr" anchorCtr="0">
+            <a:noAutofit/>
+          </a:bodyPr>
+          <a:lstStyle/>
+          <a:p>
+            <a:pPr marL="0" lvl="0" indent="0" algn="l" rtl="0">
+              <a:spcBef>
+                <a:spcPts val="0"/>
+              </a:spcBef>
+              <a:spcAft>
+                <a:spcPts val="0"/>
+              </a:spcAft>
+              <a:buNone/>
+            </a:pPr>
+            <a:endParaRPr/>
+          </a:p>
+        </p:txBody>
+      </p:sp>
+      <p:sp>
+        <p:nvSpPr>
+          <p:cNvPr id="969" name="Google Shape;969;p83"/>
+          <p:cNvSpPr/>
+          <p:nvPr/>
+        </p:nvSpPr>
+        <p:spPr>
+          <a:xfrm>
+            <a:off x="572375" y="1740150"/>
+            <a:ext cx="7392300" cy="307500"/>
+          </a:xfrm>
+          <a:prstGeom prst="roundRect">
+            <a:avLst>
+              <a:gd name="adj" fmla="val 16667"/>
+            </a:avLst>
+          </a:prstGeom>
+          <a:solidFill>
+            <a:srgbClr val="FFF2CC"/>
+          </a:solidFill>
+          <a:ln w="9525" cap="flat" cmpd="sng">
+            <a:solidFill>
+              <a:schemeClr val="dk2"/>
+            </a:solidFill>
+            <a:prstDash val="solid"/>
+            <a:round/>
+            <a:headEnd type="none" w="sm" len="sm"/>
+            <a:tailEnd type="none" w="sm" len="sm"/>
+          </a:ln>
+        </p:spPr>
+        <p:txBody>
+          <a:bodyPr spcFirstLastPara="1" wrap="square" lIns="91425" tIns="91425" rIns="91425" bIns="91425" anchor="ctr" anchorCtr="0">
+            <a:noAutofit/>
+          </a:bodyPr>
+          <a:lstStyle/>
+          <a:p>
+            <a:pPr marL="0" lvl="0" indent="0" algn="l" rtl="0">
+              <a:spcBef>
+                <a:spcPts val="0"/>
+              </a:spcBef>
+              <a:spcAft>
+                <a:spcPts val="0"/>
+              </a:spcAft>
+              <a:buNone/>
+            </a:pPr>
+            <a:endParaRPr/>
+          </a:p>
+        </p:txBody>
+      </p:sp>
+      <p:grpSp>
+        <p:nvGrpSpPr>
+          <p:cNvPr id="970" name="Google Shape;970;p83"/>
+          <p:cNvGrpSpPr/>
+          <p:nvPr/>
+        </p:nvGrpSpPr>
+        <p:grpSpPr>
+          <a:xfrm>
+            <a:off x="5936835" y="4508150"/>
+            <a:ext cx="3200201" cy="603542"/>
+            <a:chOff x="4641225" y="4279392"/>
+            <a:chExt cx="4171817" cy="790597"/>
+          </a:xfrm>
+        </p:grpSpPr>
+        <p:pic>
+          <p:nvPicPr>
+            <p:cNvPr id="971" name="Google Shape;971;p83"/>
+            <p:cNvPicPr preferRelativeResize="0"/>
+            <p:nvPr/>
+          </p:nvPicPr>
+          <p:blipFill>
+            <a:blip r:embed="rId3">
+              <a:alphaModFix/>
+            </a:blip>
+            <a:stretch>
+              <a:fillRect/>
+            </a:stretch>
+          </p:blipFill>
+          <p:spPr>
+            <a:xfrm>
+              <a:off x="4641225" y="4292750"/>
+              <a:ext cx="2895220" cy="777239"/>
+            </a:xfrm>
+            <a:prstGeom prst="rect">
+              <a:avLst/>
+            </a:prstGeom>
+            <a:noFill/>
+            <a:ln>
+              <a:noFill/>
+            </a:ln>
+          </p:spPr>
+        </p:pic>
+        <p:sp>
+          <p:nvSpPr>
+            <p:cNvPr id="972" name="Google Shape;972;p83"/>
+            <p:cNvSpPr txBox="1"/>
+            <p:nvPr/>
+          </p:nvSpPr>
+          <p:spPr>
+            <a:xfrm>
+              <a:off x="7523043" y="4279392"/>
+              <a:ext cx="1290000" cy="722400"/>
+            </a:xfrm>
+            <a:prstGeom prst="rect">
+              <a:avLst/>
+            </a:prstGeom>
+            <a:noFill/>
+            <a:ln>
+              <a:noFill/>
+            </a:ln>
+          </p:spPr>
+          <p:txBody>
+            <a:bodyPr spcFirstLastPara="1" wrap="square" lIns="0" tIns="0" rIns="0" bIns="0" anchor="t" anchorCtr="0">
+              <a:noAutofit/>
+            </a:bodyPr>
+            <a:lstStyle/>
+            <a:p>
+              <a:pPr marL="0" lvl="0" indent="0" algn="l" rtl="0">
+                <a:spcBef>
+                  <a:spcPts val="0"/>
+                </a:spcBef>
+                <a:spcAft>
+                  <a:spcPts val="0"/>
+                </a:spcAft>
+                <a:buNone/>
+              </a:pPr>
+              <a:r>
+                <a:rPr lang="en" sz="1300" b="1">
+                  <a:solidFill>
+                    <a:srgbClr val="60B669"/>
+                  </a:solidFill>
+                </a:rPr>
+                <a:t>D</a:t>
+              </a:r>
+              <a:r>
+                <a:rPr lang="en" sz="1300">
+                  <a:solidFill>
+                    <a:srgbClr val="60B669"/>
+                  </a:solidFill>
+                </a:rPr>
+                <a:t>igital </a:t>
+              </a:r>
+              <a:endParaRPr sz="1300">
+                <a:solidFill>
+                  <a:srgbClr val="60B669"/>
+                </a:solidFill>
+              </a:endParaRPr>
+            </a:p>
+            <a:p>
+              <a:pPr marL="0" lvl="0" indent="0" algn="l" rtl="0">
+                <a:spcBef>
+                  <a:spcPts val="0"/>
+                </a:spcBef>
+                <a:spcAft>
+                  <a:spcPts val="0"/>
+                </a:spcAft>
+                <a:buNone/>
+              </a:pPr>
+              <a:r>
+                <a:rPr lang="en" sz="1300" b="1">
+                  <a:solidFill>
+                    <a:srgbClr val="60B669"/>
+                  </a:solidFill>
+                </a:rPr>
+                <a:t>C</a:t>
+              </a:r>
+              <a:r>
+                <a:rPr lang="en" sz="1300">
+                  <a:solidFill>
+                    <a:srgbClr val="60B669"/>
+                  </a:solidFill>
+                </a:rPr>
+                <a:t>ompetence </a:t>
+              </a:r>
+              <a:endParaRPr sz="1300">
+                <a:solidFill>
+                  <a:srgbClr val="60B669"/>
+                </a:solidFill>
+              </a:endParaRPr>
+            </a:p>
+            <a:p>
+              <a:pPr marL="0" lvl="0" indent="0" algn="l" rtl="0">
+                <a:spcBef>
+                  <a:spcPts val="0"/>
+                </a:spcBef>
+                <a:spcAft>
+                  <a:spcPts val="0"/>
+                </a:spcAft>
+                <a:buNone/>
+              </a:pPr>
+              <a:r>
+                <a:rPr lang="en" sz="1300" b="1">
+                  <a:solidFill>
+                    <a:srgbClr val="60B669"/>
+                  </a:solidFill>
+                </a:rPr>
+                <a:t>C</a:t>
+              </a:r>
+              <a:r>
+                <a:rPr lang="en" sz="1300">
+                  <a:solidFill>
+                    <a:srgbClr val="60B669"/>
+                  </a:solidFill>
+                </a:rPr>
+                <a:t>entre</a:t>
+              </a:r>
+              <a:endParaRPr sz="1300">
+                <a:solidFill>
+                  <a:srgbClr val="60B669"/>
+                </a:solidFill>
+              </a:endParaRPr>
+            </a:p>
+          </p:txBody>
+        </p:sp>
+      </p:grpSp>
+      <p:sp>
+        <p:nvSpPr>
+          <p:cNvPr id="973" name="Google Shape;973;p83"/>
+          <p:cNvSpPr txBox="1">
+            <a:spLocks noGrp="1"/>
+          </p:cNvSpPr>
+          <p:nvPr>
+            <p:ph type="title"/>
+          </p:nvPr>
+        </p:nvSpPr>
+        <p:spPr>
+          <a:xfrm>
+            <a:off x="311700" y="445025"/>
+            <a:ext cx="8520600" cy="572700"/>
+          </a:xfrm>
+          <a:prstGeom prst="rect">
+            <a:avLst/>
+          </a:prstGeom>
+        </p:spPr>
+        <p:txBody>
+          <a:bodyPr spcFirstLastPara="1" wrap="square" lIns="91425" tIns="91425" rIns="91425" bIns="91425" anchor="t" anchorCtr="0">
+            <a:normAutofit fontScale="90000"/>
+          </a:bodyPr>
+          <a:lstStyle/>
+          <a:p>
+            <a:pPr marL="0" lvl="0" indent="0" algn="ctr" rtl="0">
+              <a:spcBef>
+                <a:spcPts val="0"/>
+              </a:spcBef>
+              <a:spcAft>
+                <a:spcPts val="0"/>
+              </a:spcAft>
+              <a:buNone/>
+            </a:pPr>
+            <a:r>
+              <a:rPr lang="en">
+                <a:solidFill>
+                  <a:srgbClr val="000000"/>
+                </a:solidFill>
+              </a:rPr>
+              <a:t>Creating a new remote repository from existing repository</a:t>
+            </a:r>
+            <a:endParaRPr>
+              <a:solidFill>
+                <a:srgbClr val="000000"/>
+              </a:solidFill>
+            </a:endParaRPr>
+          </a:p>
+        </p:txBody>
+      </p:sp>
+      <p:pic>
+        <p:nvPicPr>
+          <p:cNvPr id="974" name="Google Shape;974;p83"/>
+          <p:cNvPicPr preferRelativeResize="0"/>
+          <p:nvPr/>
+        </p:nvPicPr>
+        <p:blipFill>
+          <a:blip r:embed="rId4">
+            <a:alphaModFix/>
+          </a:blip>
+          <a:stretch>
+            <a:fillRect/>
+          </a:stretch>
+        </p:blipFill>
+        <p:spPr>
+          <a:xfrm>
+            <a:off x="54864" y="4553712"/>
+            <a:ext cx="2069651" cy="569700"/>
+          </a:xfrm>
+          <a:prstGeom prst="rect">
+            <a:avLst/>
+          </a:prstGeom>
+          <a:noFill/>
+          <a:ln>
+            <a:noFill/>
+          </a:ln>
+        </p:spPr>
+      </p:pic>
+      <p:sp>
+        <p:nvSpPr>
+          <p:cNvPr id="975" name="Google Shape;975;p83"/>
+          <p:cNvSpPr txBox="1"/>
+          <p:nvPr/>
+        </p:nvSpPr>
+        <p:spPr>
+          <a:xfrm>
+            <a:off x="8959675" y="1088750"/>
+            <a:ext cx="914400" cy="400200"/>
+          </a:xfrm>
+          <a:prstGeom prst="rect">
+            <a:avLst/>
+          </a:prstGeom>
+          <a:noFill/>
+          <a:ln>
+            <a:noFill/>
+          </a:ln>
+        </p:spPr>
+        <p:txBody>
+          <a:bodyPr spcFirstLastPara="1" wrap="square" lIns="91425" tIns="91425" rIns="91425" bIns="91425" anchor="t" anchorCtr="0">
+            <a:spAutoFit/>
+          </a:bodyPr>
+          <a:lstStyle/>
+          <a:p>
+            <a:pPr marL="0" lvl="0" indent="0" algn="l" rtl="0">
+              <a:spcBef>
+                <a:spcPts val="0"/>
+              </a:spcBef>
+              <a:spcAft>
+                <a:spcPts val="0"/>
+              </a:spcAft>
+              <a:buNone/>
+            </a:pPr>
+            <a:endParaRPr/>
+          </a:p>
+        </p:txBody>
+      </p:sp>
+      <p:sp>
+        <p:nvSpPr>
+          <p:cNvPr id="976" name="Google Shape;976;p83"/>
+          <p:cNvSpPr txBox="1"/>
+          <p:nvPr/>
+        </p:nvSpPr>
+        <p:spPr>
+          <a:xfrm>
+            <a:off x="501342" y="1488950"/>
+            <a:ext cx="8148600" cy="2123628"/>
+          </a:xfrm>
+          <a:prstGeom prst="rect">
+            <a:avLst/>
+          </a:prstGeom>
+          <a:noFill/>
+          <a:ln>
+            <a:noFill/>
+          </a:ln>
+        </p:spPr>
+        <p:txBody>
+          <a:bodyPr spcFirstLastPara="1" wrap="square" lIns="91425" tIns="91425" rIns="91425" bIns="91425" anchor="t" anchorCtr="0">
+            <a:spAutoFit/>
+          </a:bodyPr>
+          <a:lstStyle/>
+          <a:p>
+            <a:pPr marL="0" lvl="0" indent="0" algn="l" rtl="0">
+              <a:spcBef>
+                <a:spcPts val="0"/>
+              </a:spcBef>
+              <a:spcAft>
+                <a:spcPts val="0"/>
+              </a:spcAft>
+              <a:buNone/>
+            </a:pPr>
+            <a:endParaRPr dirty="0"/>
+          </a:p>
+          <a:p>
+            <a:pPr marL="0" lvl="0" indent="0" algn="l" rtl="0">
+              <a:spcBef>
+                <a:spcPts val="0"/>
+              </a:spcBef>
+              <a:spcAft>
+                <a:spcPts val="0"/>
+              </a:spcAft>
+              <a:buNone/>
+            </a:pPr>
+            <a:r>
+              <a:rPr lang="en" dirty="0">
+                <a:latin typeface="Courier New"/>
+                <a:ea typeface="Courier New"/>
+                <a:cs typeface="Courier New"/>
+                <a:sym typeface="Courier New"/>
+              </a:rPr>
+              <a:t>git remote add origin </a:t>
+            </a:r>
+            <a:r>
+              <a:rPr lang="en" u="sng" dirty="0">
+                <a:solidFill>
+                  <a:schemeClr val="hlink"/>
+                </a:solidFill>
+                <a:latin typeface="Courier New"/>
+                <a:ea typeface="Courier New"/>
+                <a:cs typeface="Courier New"/>
+                <a:sym typeface="Courier New"/>
+                <a:hlinkClick r:id="rId5"/>
+              </a:rPr>
+              <a:t>git@github.com</a:t>
+            </a:r>
+            <a:r>
+              <a:rPr lang="en" dirty="0">
+                <a:latin typeface="Courier New"/>
+                <a:ea typeface="Courier New"/>
+                <a:cs typeface="Courier New"/>
+                <a:sym typeface="Courier New"/>
+              </a:rPr>
+              <a:t>:&lt;username&gt;/&lt;repository_name&gt;.git</a:t>
+            </a:r>
+            <a:endParaRPr dirty="0">
+              <a:latin typeface="Courier New"/>
+              <a:ea typeface="Courier New"/>
+              <a:cs typeface="Courier New"/>
+              <a:sym typeface="Courier New"/>
+            </a:endParaRPr>
+          </a:p>
+          <a:p>
+            <a:pPr marL="0" lvl="0" indent="0" algn="l" rtl="0">
+              <a:spcBef>
+                <a:spcPts val="0"/>
+              </a:spcBef>
+              <a:spcAft>
+                <a:spcPts val="0"/>
+              </a:spcAft>
+              <a:buNone/>
+            </a:pPr>
+            <a:endParaRPr dirty="0">
+              <a:latin typeface="Courier New"/>
+              <a:ea typeface="Courier New"/>
+              <a:cs typeface="Courier New"/>
+              <a:sym typeface="Courier New"/>
+            </a:endParaRPr>
+          </a:p>
+          <a:p>
+            <a:pPr marL="0" lvl="0" indent="0" algn="l" rtl="0">
+              <a:spcBef>
+                <a:spcPts val="0"/>
+              </a:spcBef>
+              <a:spcAft>
+                <a:spcPts val="0"/>
+              </a:spcAft>
+              <a:buNone/>
+            </a:pPr>
+            <a:r>
+              <a:rPr lang="en" dirty="0"/>
+              <a:t>Then:</a:t>
+            </a:r>
+            <a:endParaRPr dirty="0"/>
+          </a:p>
+          <a:p>
+            <a:pPr marL="0" lvl="0" indent="0" algn="l" rtl="0">
+              <a:spcBef>
+                <a:spcPts val="0"/>
+              </a:spcBef>
+              <a:spcAft>
+                <a:spcPts val="0"/>
+              </a:spcAft>
+              <a:buNone/>
+            </a:pPr>
+            <a:endParaRPr dirty="0">
+              <a:latin typeface="Courier New"/>
+              <a:ea typeface="Courier New"/>
+              <a:cs typeface="Courier New"/>
+              <a:sym typeface="Courier New"/>
+            </a:endParaRPr>
+          </a:p>
+          <a:p>
+            <a:pPr marL="0" lvl="0" indent="0" algn="l" rtl="0">
+              <a:spcBef>
+                <a:spcPts val="0"/>
+              </a:spcBef>
+              <a:spcAft>
+                <a:spcPts val="0"/>
+              </a:spcAft>
+              <a:buNone/>
+            </a:pPr>
+            <a:r>
+              <a:rPr lang="en-US" dirty="0">
+                <a:latin typeface="Courier New"/>
+                <a:ea typeface="Courier New"/>
+                <a:cs typeface="Courier New"/>
+                <a:sym typeface="Courier New"/>
+              </a:rPr>
+              <a:t>git push –u origin main</a:t>
+            </a:r>
+            <a:endParaRPr dirty="0">
+              <a:latin typeface="Courier New"/>
+              <a:ea typeface="Courier New"/>
+              <a:cs typeface="Courier New"/>
+              <a:sym typeface="Courier New"/>
+            </a:endParaRPr>
+          </a:p>
+          <a:p>
+            <a:pPr marL="0" lvl="0" indent="0" algn="l" rtl="0">
+              <a:spcBef>
+                <a:spcPts val="0"/>
+              </a:spcBef>
+              <a:spcAft>
+                <a:spcPts val="0"/>
+              </a:spcAft>
+              <a:buNone/>
+            </a:pPr>
+            <a:endParaRPr dirty="0">
+              <a:latin typeface="Courier New"/>
+              <a:ea typeface="Courier New"/>
+              <a:cs typeface="Courier New"/>
+              <a:sym typeface="Courier New"/>
+            </a:endParaRPr>
+          </a:p>
+          <a:p>
+            <a:pPr marL="0" lvl="0" indent="0" algn="l" rtl="0">
+              <a:spcBef>
+                <a:spcPts val="0"/>
+              </a:spcBef>
+              <a:spcAft>
+                <a:spcPts val="0"/>
+              </a:spcAft>
+              <a:buClr>
+                <a:schemeClr val="dk1"/>
+              </a:buClr>
+              <a:buSzPts val="1100"/>
+              <a:buFont typeface="Arial"/>
+              <a:buNone/>
+            </a:pPr>
+            <a:endParaRPr dirty="0">
+              <a:latin typeface="Courier New"/>
+              <a:ea typeface="Courier New"/>
+              <a:cs typeface="Courier New"/>
+              <a:sym typeface="Courier New"/>
+            </a:endParaRPr>
+          </a:p>
+          <a:p>
+            <a:pPr marL="0" lvl="0" indent="0" algn="l" rtl="0">
+              <a:spcBef>
+                <a:spcPts val="0"/>
+              </a:spcBef>
+              <a:spcAft>
+                <a:spcPts val="0"/>
+              </a:spcAft>
+              <a:buNone/>
+            </a:pPr>
+            <a:r>
+              <a:rPr lang="en" dirty="0"/>
+              <a:t>Let’s check the GitHub</a:t>
+            </a:r>
+            <a:endParaRPr dirty="0"/>
+          </a:p>
+        </p:txBody>
+      </p:sp>
+    </p:spTree>
+  </p:cSld>
+  <p:clrMapOvr>
+    <a:masterClrMapping/>
+  </p:clrMapOvr>
+</p:sld>
+</file>
+
+<file path=ppt/slides/slide79.xml><?xml version="1.0" encoding="utf-8"?>
 <p:sld xmlns:a="http://schemas.openxmlformats.org/drawingml/2006/main" xmlns:r="http://schemas.openxmlformats.org/officeDocument/2006/relationships" xmlns:p="http://schemas.openxmlformats.org/presentationml/2006/main">
   <p:cSld>
     <p:spTree>
@@ -55057,10 +58000,10 @@
               <a:buChar char="●"/>
             </a:pPr>
             <a:r>
-              <a:rPr lang="en"/>
+              <a:rPr lang="en" dirty="0"/>
               <a:t>Go to your GitHub account</a:t>
             </a:r>
-            <a:endParaRPr/>
+            <a:endParaRPr dirty="0"/>
           </a:p>
           <a:p>
             <a:pPr marL="457200" lvl="0" indent="0" algn="l" rtl="0">
@@ -55072,7 +58015,7 @@
               </a:spcAft>
               <a:buNone/>
             </a:pPr>
-            <a:endParaRPr/>
+            <a:endParaRPr dirty="0"/>
           </a:p>
           <a:p>
             <a:pPr marL="457200" lvl="0" indent="-317500" algn="l" rtl="0">
@@ -55086,10 +58029,10 @@
               <a:buChar char="●"/>
             </a:pPr>
             <a:r>
-              <a:rPr lang="en"/>
+              <a:rPr lang="en" dirty="0"/>
               <a:t>Select</a:t>
             </a:r>
-            <a:endParaRPr/>
+            <a:endParaRPr dirty="0"/>
           </a:p>
           <a:p>
             <a:pPr marL="457200" lvl="0" indent="0" algn="l" rtl="0">
@@ -55102,10 +58045,10 @@
               <a:buNone/>
             </a:pPr>
             <a:r>
-              <a:rPr lang="en"/>
+              <a:rPr lang="en" dirty="0"/>
               <a:t> </a:t>
             </a:r>
-            <a:endParaRPr/>
+            <a:endParaRPr dirty="0"/>
           </a:p>
           <a:p>
             <a:pPr marL="457200" lvl="0" indent="-317500" algn="l" rtl="0">
@@ -55119,10 +58062,10 @@
               <a:buChar char="●"/>
             </a:pPr>
             <a:r>
-              <a:rPr lang="en"/>
+              <a:rPr lang="en" dirty="0"/>
               <a:t>Click New</a:t>
             </a:r>
-            <a:endParaRPr/>
+            <a:endParaRPr dirty="0"/>
           </a:p>
           <a:p>
             <a:pPr marL="457200" lvl="0" indent="0" algn="l" rtl="0">
@@ -55134,7 +58077,7 @@
               </a:spcAft>
               <a:buNone/>
             </a:pPr>
-            <a:endParaRPr/>
+            <a:endParaRPr dirty="0"/>
           </a:p>
           <a:p>
             <a:pPr marL="457200" lvl="0" indent="-317500" algn="l" rtl="0">
@@ -55148,10 +58091,10 @@
               <a:buChar char="●"/>
             </a:pPr>
             <a:r>
-              <a:rPr lang="en"/>
+              <a:rPr lang="en" dirty="0"/>
               <a:t>Type your repository name (&lt;repository-name&gt;), select Private or Public</a:t>
             </a:r>
-            <a:endParaRPr>
+            <a:endParaRPr dirty="0">
               <a:highlight>
                 <a:srgbClr val="FFFFFF"/>
               </a:highlight>
@@ -55167,7 +58110,7 @@
               </a:spcAft>
               <a:buNone/>
             </a:pPr>
-            <a:endParaRPr>
+            <a:endParaRPr dirty="0">
               <a:highlight>
                 <a:srgbClr val="FFFFFF"/>
               </a:highlight>
@@ -55185,14 +58128,14 @@
               <a:buChar char="●"/>
             </a:pPr>
             <a:r>
-              <a:rPr lang="en">
+              <a:rPr lang="en" dirty="0">
                 <a:highlight>
                   <a:srgbClr val="FFFFFF"/>
                 </a:highlight>
               </a:rPr>
               <a:t>Click </a:t>
             </a:r>
-            <a:endParaRPr>
+            <a:endParaRPr dirty="0">
               <a:highlight>
                 <a:srgbClr val="FFFFFF"/>
               </a:highlight>
@@ -55208,7 +58151,7 @@
               </a:spcAft>
               <a:buNone/>
             </a:pPr>
-            <a:endParaRPr>
+            <a:endParaRPr dirty="0">
               <a:highlight>
                 <a:srgbClr val="FFFFFF"/>
               </a:highlight>
@@ -55226,14 +58169,14 @@
               <a:buChar char="●"/>
             </a:pPr>
             <a:r>
-              <a:rPr lang="en">
+              <a:rPr lang="en" dirty="0">
                 <a:highlight>
                   <a:srgbClr val="FFFFFF"/>
                 </a:highlight>
               </a:rPr>
               <a:t>Click</a:t>
             </a:r>
-            <a:endParaRPr>
+            <a:endParaRPr dirty="0">
               <a:highlight>
                 <a:srgbClr val="FFFFFF"/>
               </a:highlight>
@@ -55249,7 +58192,7 @@
               </a:spcAft>
               <a:buNone/>
             </a:pPr>
-            <a:endParaRPr>
+            <a:endParaRPr dirty="0">
               <a:highlight>
                 <a:srgbClr val="FFFFFF"/>
               </a:highlight>
@@ -55267,14 +58210,14 @@
               <a:buChar char="●"/>
             </a:pPr>
             <a:r>
-              <a:rPr lang="en">
+              <a:rPr lang="en" dirty="0">
                 <a:highlight>
                   <a:srgbClr val="FFFFFF"/>
                 </a:highlight>
               </a:rPr>
-              <a:t>Select HTTPS or SSH and copy the url </a:t>
-            </a:r>
-            <a:endParaRPr>
+              <a:t>Select HTTPS or SSH and copy the url to clone it to your local environment.</a:t>
+            </a:r>
+            <a:endParaRPr dirty="0">
               <a:highlight>
                 <a:srgbClr val="FFFFFF"/>
               </a:highlight>
@@ -55482,14 +58425,14 @@
               <a:buNone/>
             </a:pPr>
             <a:r>
-              <a:rPr lang="en">
+              <a:rPr lang="en" dirty="0">
                 <a:solidFill>
                   <a:srgbClr val="000000"/>
                 </a:solidFill>
               </a:rPr>
-              <a:t>Creating a new remote repository from existing local repo</a:t>
-            </a:r>
-            <a:endParaRPr>
+              <a:t>Creating a new remote repository on GitHub</a:t>
+            </a:r>
+            <a:endParaRPr dirty="0">
               <a:solidFill>
                 <a:srgbClr val="000000"/>
               </a:solidFill>
@@ -55675,641 +58618,6 @@
           </a:ln>
         </p:spPr>
       </p:pic>
-    </p:spTree>
-  </p:cSld>
-  <p:clrMapOvr>
-    <a:masterClrMapping/>
-  </p:clrMapOvr>
-</p:sld>
-</file>
-
-<file path=ppt/slides/slide76.xml><?xml version="1.0" encoding="utf-8"?>
-<p:sld xmlns:a="http://schemas.openxmlformats.org/drawingml/2006/main" xmlns:r="http://schemas.openxmlformats.org/officeDocument/2006/relationships" xmlns:p="http://schemas.openxmlformats.org/presentationml/2006/main">
-  <p:cSld>
-    <p:spTree>
-      <p:nvGrpSpPr>
-        <p:cNvPr id="1" name="Shape 967"/>
-        <p:cNvGrpSpPr/>
-        <p:nvPr/>
-      </p:nvGrpSpPr>
-      <p:grpSpPr>
-        <a:xfrm>
-          <a:off x="0" y="0"/>
-          <a:ext cx="0" cy="0"/>
-          <a:chOff x="0" y="0"/>
-          <a:chExt cx="0" cy="0"/>
-        </a:xfrm>
-      </p:grpSpPr>
-      <p:sp>
-        <p:nvSpPr>
-          <p:cNvPr id="968" name="Google Shape;968;p83"/>
-          <p:cNvSpPr/>
-          <p:nvPr/>
-        </p:nvSpPr>
-        <p:spPr>
-          <a:xfrm>
-            <a:off x="539825" y="2571750"/>
-            <a:ext cx="2645400" cy="307500"/>
-          </a:xfrm>
-          <a:prstGeom prst="roundRect">
-            <a:avLst>
-              <a:gd name="adj" fmla="val 16667"/>
-            </a:avLst>
-          </a:prstGeom>
-          <a:solidFill>
-            <a:srgbClr val="FFF2CC"/>
-          </a:solidFill>
-          <a:ln w="9525" cap="flat" cmpd="sng">
-            <a:solidFill>
-              <a:schemeClr val="dk2"/>
-            </a:solidFill>
-            <a:prstDash val="solid"/>
-            <a:round/>
-            <a:headEnd type="none" w="sm" len="sm"/>
-            <a:tailEnd type="none" w="sm" len="sm"/>
-          </a:ln>
-        </p:spPr>
-        <p:txBody>
-          <a:bodyPr spcFirstLastPara="1" wrap="square" lIns="91425" tIns="91425" rIns="91425" bIns="91425" anchor="ctr" anchorCtr="0">
-            <a:noAutofit/>
-          </a:bodyPr>
-          <a:lstStyle/>
-          <a:p>
-            <a:pPr marL="0" lvl="0" indent="0" algn="l" rtl="0">
-              <a:spcBef>
-                <a:spcPts val="0"/>
-              </a:spcBef>
-              <a:spcAft>
-                <a:spcPts val="0"/>
-              </a:spcAft>
-              <a:buNone/>
-            </a:pPr>
-            <a:endParaRPr/>
-          </a:p>
-        </p:txBody>
-      </p:sp>
-      <p:sp>
-        <p:nvSpPr>
-          <p:cNvPr id="969" name="Google Shape;969;p83"/>
-          <p:cNvSpPr/>
-          <p:nvPr/>
-        </p:nvSpPr>
-        <p:spPr>
-          <a:xfrm>
-            <a:off x="572375" y="1740150"/>
-            <a:ext cx="7392300" cy="307500"/>
-          </a:xfrm>
-          <a:prstGeom prst="roundRect">
-            <a:avLst>
-              <a:gd name="adj" fmla="val 16667"/>
-            </a:avLst>
-          </a:prstGeom>
-          <a:solidFill>
-            <a:srgbClr val="FFF2CC"/>
-          </a:solidFill>
-          <a:ln w="9525" cap="flat" cmpd="sng">
-            <a:solidFill>
-              <a:schemeClr val="dk2"/>
-            </a:solidFill>
-            <a:prstDash val="solid"/>
-            <a:round/>
-            <a:headEnd type="none" w="sm" len="sm"/>
-            <a:tailEnd type="none" w="sm" len="sm"/>
-          </a:ln>
-        </p:spPr>
-        <p:txBody>
-          <a:bodyPr spcFirstLastPara="1" wrap="square" lIns="91425" tIns="91425" rIns="91425" bIns="91425" anchor="ctr" anchorCtr="0">
-            <a:noAutofit/>
-          </a:bodyPr>
-          <a:lstStyle/>
-          <a:p>
-            <a:pPr marL="0" lvl="0" indent="0" algn="l" rtl="0">
-              <a:spcBef>
-                <a:spcPts val="0"/>
-              </a:spcBef>
-              <a:spcAft>
-                <a:spcPts val="0"/>
-              </a:spcAft>
-              <a:buNone/>
-            </a:pPr>
-            <a:endParaRPr/>
-          </a:p>
-        </p:txBody>
-      </p:sp>
-      <p:grpSp>
-        <p:nvGrpSpPr>
-          <p:cNvPr id="970" name="Google Shape;970;p83"/>
-          <p:cNvGrpSpPr/>
-          <p:nvPr/>
-        </p:nvGrpSpPr>
-        <p:grpSpPr>
-          <a:xfrm>
-            <a:off x="5936835" y="4508150"/>
-            <a:ext cx="3200201" cy="603542"/>
-            <a:chOff x="4641225" y="4279392"/>
-            <a:chExt cx="4171817" cy="790597"/>
-          </a:xfrm>
-        </p:grpSpPr>
-        <p:pic>
-          <p:nvPicPr>
-            <p:cNvPr id="971" name="Google Shape;971;p83"/>
-            <p:cNvPicPr preferRelativeResize="0"/>
-            <p:nvPr/>
-          </p:nvPicPr>
-          <p:blipFill>
-            <a:blip r:embed="rId3">
-              <a:alphaModFix/>
-            </a:blip>
-            <a:stretch>
-              <a:fillRect/>
-            </a:stretch>
-          </p:blipFill>
-          <p:spPr>
-            <a:xfrm>
-              <a:off x="4641225" y="4292750"/>
-              <a:ext cx="2895220" cy="777239"/>
-            </a:xfrm>
-            <a:prstGeom prst="rect">
-              <a:avLst/>
-            </a:prstGeom>
-            <a:noFill/>
-            <a:ln>
-              <a:noFill/>
-            </a:ln>
-          </p:spPr>
-        </p:pic>
-        <p:sp>
-          <p:nvSpPr>
-            <p:cNvPr id="972" name="Google Shape;972;p83"/>
-            <p:cNvSpPr txBox="1"/>
-            <p:nvPr/>
-          </p:nvSpPr>
-          <p:spPr>
-            <a:xfrm>
-              <a:off x="7523043" y="4279392"/>
-              <a:ext cx="1290000" cy="722400"/>
-            </a:xfrm>
-            <a:prstGeom prst="rect">
-              <a:avLst/>
-            </a:prstGeom>
-            <a:noFill/>
-            <a:ln>
-              <a:noFill/>
-            </a:ln>
-          </p:spPr>
-          <p:txBody>
-            <a:bodyPr spcFirstLastPara="1" wrap="square" lIns="0" tIns="0" rIns="0" bIns="0" anchor="t" anchorCtr="0">
-              <a:noAutofit/>
-            </a:bodyPr>
-            <a:lstStyle/>
-            <a:p>
-              <a:pPr marL="0" lvl="0" indent="0" algn="l" rtl="0">
-                <a:spcBef>
-                  <a:spcPts val="0"/>
-                </a:spcBef>
-                <a:spcAft>
-                  <a:spcPts val="0"/>
-                </a:spcAft>
-                <a:buNone/>
-              </a:pPr>
-              <a:r>
-                <a:rPr lang="en" sz="1300" b="1">
-                  <a:solidFill>
-                    <a:srgbClr val="60B669"/>
-                  </a:solidFill>
-                </a:rPr>
-                <a:t>D</a:t>
-              </a:r>
-              <a:r>
-                <a:rPr lang="en" sz="1300">
-                  <a:solidFill>
-                    <a:srgbClr val="60B669"/>
-                  </a:solidFill>
-                </a:rPr>
-                <a:t>igital </a:t>
-              </a:r>
-              <a:endParaRPr sz="1300">
-                <a:solidFill>
-                  <a:srgbClr val="60B669"/>
-                </a:solidFill>
-              </a:endParaRPr>
-            </a:p>
-            <a:p>
-              <a:pPr marL="0" lvl="0" indent="0" algn="l" rtl="0">
-                <a:spcBef>
-                  <a:spcPts val="0"/>
-                </a:spcBef>
-                <a:spcAft>
-                  <a:spcPts val="0"/>
-                </a:spcAft>
-                <a:buNone/>
-              </a:pPr>
-              <a:r>
-                <a:rPr lang="en" sz="1300" b="1">
-                  <a:solidFill>
-                    <a:srgbClr val="60B669"/>
-                  </a:solidFill>
-                </a:rPr>
-                <a:t>C</a:t>
-              </a:r>
-              <a:r>
-                <a:rPr lang="en" sz="1300">
-                  <a:solidFill>
-                    <a:srgbClr val="60B669"/>
-                  </a:solidFill>
-                </a:rPr>
-                <a:t>ompetence </a:t>
-              </a:r>
-              <a:endParaRPr sz="1300">
-                <a:solidFill>
-                  <a:srgbClr val="60B669"/>
-                </a:solidFill>
-              </a:endParaRPr>
-            </a:p>
-            <a:p>
-              <a:pPr marL="0" lvl="0" indent="0" algn="l" rtl="0">
-                <a:spcBef>
-                  <a:spcPts val="0"/>
-                </a:spcBef>
-                <a:spcAft>
-                  <a:spcPts val="0"/>
-                </a:spcAft>
-                <a:buNone/>
-              </a:pPr>
-              <a:r>
-                <a:rPr lang="en" sz="1300" b="1">
-                  <a:solidFill>
-                    <a:srgbClr val="60B669"/>
-                  </a:solidFill>
-                </a:rPr>
-                <a:t>C</a:t>
-              </a:r>
-              <a:r>
-                <a:rPr lang="en" sz="1300">
-                  <a:solidFill>
-                    <a:srgbClr val="60B669"/>
-                  </a:solidFill>
-                </a:rPr>
-                <a:t>entre</a:t>
-              </a:r>
-              <a:endParaRPr sz="1300">
-                <a:solidFill>
-                  <a:srgbClr val="60B669"/>
-                </a:solidFill>
-              </a:endParaRPr>
-            </a:p>
-          </p:txBody>
-        </p:sp>
-      </p:grpSp>
-      <p:sp>
-        <p:nvSpPr>
-          <p:cNvPr id="973" name="Google Shape;973;p83"/>
-          <p:cNvSpPr txBox="1">
-            <a:spLocks noGrp="1"/>
-          </p:cNvSpPr>
-          <p:nvPr>
-            <p:ph type="title"/>
-          </p:nvPr>
-        </p:nvSpPr>
-        <p:spPr>
-          <a:xfrm>
-            <a:off x="311700" y="445025"/>
-            <a:ext cx="8520600" cy="572700"/>
-          </a:xfrm>
-          <a:prstGeom prst="rect">
-            <a:avLst/>
-          </a:prstGeom>
-        </p:spPr>
-        <p:txBody>
-          <a:bodyPr spcFirstLastPara="1" wrap="square" lIns="91425" tIns="91425" rIns="91425" bIns="91425" anchor="t" anchorCtr="0">
-            <a:normAutofit fontScale="90000"/>
-          </a:bodyPr>
-          <a:lstStyle/>
-          <a:p>
-            <a:pPr marL="0" lvl="0" indent="0" algn="ctr" rtl="0">
-              <a:spcBef>
-                <a:spcPts val="0"/>
-              </a:spcBef>
-              <a:spcAft>
-                <a:spcPts val="0"/>
-              </a:spcAft>
-              <a:buNone/>
-            </a:pPr>
-            <a:r>
-              <a:rPr lang="en">
-                <a:solidFill>
-                  <a:srgbClr val="000000"/>
-                </a:solidFill>
-              </a:rPr>
-              <a:t>Creating a new remote repository from existing repository</a:t>
-            </a:r>
-            <a:endParaRPr>
-              <a:solidFill>
-                <a:srgbClr val="000000"/>
-              </a:solidFill>
-            </a:endParaRPr>
-          </a:p>
-        </p:txBody>
-      </p:sp>
-      <p:pic>
-        <p:nvPicPr>
-          <p:cNvPr id="974" name="Google Shape;974;p83"/>
-          <p:cNvPicPr preferRelativeResize="0"/>
-          <p:nvPr/>
-        </p:nvPicPr>
-        <p:blipFill>
-          <a:blip r:embed="rId4">
-            <a:alphaModFix/>
-          </a:blip>
-          <a:stretch>
-            <a:fillRect/>
-          </a:stretch>
-        </p:blipFill>
-        <p:spPr>
-          <a:xfrm>
-            <a:off x="54864" y="4553712"/>
-            <a:ext cx="2069651" cy="569700"/>
-          </a:xfrm>
-          <a:prstGeom prst="rect">
-            <a:avLst/>
-          </a:prstGeom>
-          <a:noFill/>
-          <a:ln>
-            <a:noFill/>
-          </a:ln>
-        </p:spPr>
-      </p:pic>
-      <p:sp>
-        <p:nvSpPr>
-          <p:cNvPr id="975" name="Google Shape;975;p83"/>
-          <p:cNvSpPr txBox="1"/>
-          <p:nvPr/>
-        </p:nvSpPr>
-        <p:spPr>
-          <a:xfrm>
-            <a:off x="8959675" y="1088750"/>
-            <a:ext cx="914400" cy="400200"/>
-          </a:xfrm>
-          <a:prstGeom prst="rect">
-            <a:avLst/>
-          </a:prstGeom>
-          <a:noFill/>
-          <a:ln>
-            <a:noFill/>
-          </a:ln>
-        </p:spPr>
-        <p:txBody>
-          <a:bodyPr spcFirstLastPara="1" wrap="square" lIns="91425" tIns="91425" rIns="91425" bIns="91425" anchor="t" anchorCtr="0">
-            <a:spAutoFit/>
-          </a:bodyPr>
-          <a:lstStyle/>
-          <a:p>
-            <a:pPr marL="0" lvl="0" indent="0" algn="l" rtl="0">
-              <a:spcBef>
-                <a:spcPts val="0"/>
-              </a:spcBef>
-              <a:spcAft>
-                <a:spcPts val="0"/>
-              </a:spcAft>
-              <a:buNone/>
-            </a:pPr>
-            <a:endParaRPr/>
-          </a:p>
-        </p:txBody>
-      </p:sp>
-      <p:sp>
-        <p:nvSpPr>
-          <p:cNvPr id="976" name="Google Shape;976;p83"/>
-          <p:cNvSpPr txBox="1"/>
-          <p:nvPr/>
-        </p:nvSpPr>
-        <p:spPr>
-          <a:xfrm>
-            <a:off x="492200" y="1245400"/>
-            <a:ext cx="8148600" cy="2339700"/>
-          </a:xfrm>
-          <a:prstGeom prst="rect">
-            <a:avLst/>
-          </a:prstGeom>
-          <a:noFill/>
-          <a:ln>
-            <a:noFill/>
-          </a:ln>
-        </p:spPr>
-        <p:txBody>
-          <a:bodyPr spcFirstLastPara="1" wrap="square" lIns="91425" tIns="91425" rIns="91425" bIns="91425" anchor="t" anchorCtr="0">
-            <a:spAutoFit/>
-          </a:bodyPr>
-          <a:lstStyle/>
-          <a:p>
-            <a:pPr marL="0" lvl="0" indent="0" algn="l" rtl="0">
-              <a:spcBef>
-                <a:spcPts val="0"/>
-              </a:spcBef>
-              <a:spcAft>
-                <a:spcPts val="0"/>
-              </a:spcAft>
-              <a:buNone/>
-            </a:pPr>
-            <a:r>
-              <a:rPr lang="en" dirty="0"/>
-              <a:t>Come back to your terminal:</a:t>
-            </a:r>
-            <a:endParaRPr dirty="0"/>
-          </a:p>
-          <a:p>
-            <a:pPr marL="0" lvl="0" indent="0" algn="l" rtl="0">
-              <a:spcBef>
-                <a:spcPts val="0"/>
-              </a:spcBef>
-              <a:spcAft>
-                <a:spcPts val="0"/>
-              </a:spcAft>
-              <a:buNone/>
-            </a:pPr>
-            <a:endParaRPr dirty="0"/>
-          </a:p>
-          <a:p>
-            <a:pPr marL="0" lvl="0" indent="0" algn="l" rtl="0">
-              <a:spcBef>
-                <a:spcPts val="0"/>
-              </a:spcBef>
-              <a:spcAft>
-                <a:spcPts val="0"/>
-              </a:spcAft>
-              <a:buNone/>
-            </a:pPr>
-            <a:r>
-              <a:rPr lang="en" dirty="0">
-                <a:latin typeface="Courier New"/>
-                <a:ea typeface="Courier New"/>
-                <a:cs typeface="Courier New"/>
-                <a:sym typeface="Courier New"/>
-              </a:rPr>
-              <a:t>git remote add origin </a:t>
-            </a:r>
-            <a:r>
-              <a:rPr lang="en" u="sng" dirty="0">
-                <a:solidFill>
-                  <a:schemeClr val="hlink"/>
-                </a:solidFill>
-                <a:latin typeface="Courier New"/>
-                <a:ea typeface="Courier New"/>
-                <a:cs typeface="Courier New"/>
-                <a:sym typeface="Courier New"/>
-                <a:hlinkClick r:id="rId5"/>
-              </a:rPr>
-              <a:t>git@github.com</a:t>
-            </a:r>
-            <a:r>
-              <a:rPr lang="en" dirty="0">
-                <a:latin typeface="Courier New"/>
-                <a:ea typeface="Courier New"/>
-                <a:cs typeface="Courier New"/>
-                <a:sym typeface="Courier New"/>
-              </a:rPr>
-              <a:t>:&lt;username&gt;/&lt;repository_name&gt;.git</a:t>
-            </a:r>
-            <a:endParaRPr dirty="0">
-              <a:latin typeface="Courier New"/>
-              <a:ea typeface="Courier New"/>
-              <a:cs typeface="Courier New"/>
-              <a:sym typeface="Courier New"/>
-            </a:endParaRPr>
-          </a:p>
-          <a:p>
-            <a:pPr marL="0" lvl="0" indent="0" algn="l" rtl="0">
-              <a:spcBef>
-                <a:spcPts val="0"/>
-              </a:spcBef>
-              <a:spcAft>
-                <a:spcPts val="0"/>
-              </a:spcAft>
-              <a:buNone/>
-            </a:pPr>
-            <a:endParaRPr dirty="0">
-              <a:latin typeface="Courier New"/>
-              <a:ea typeface="Courier New"/>
-              <a:cs typeface="Courier New"/>
-              <a:sym typeface="Courier New"/>
-            </a:endParaRPr>
-          </a:p>
-          <a:p>
-            <a:pPr marL="0" lvl="0" indent="0" algn="l" rtl="0">
-              <a:spcBef>
-                <a:spcPts val="0"/>
-              </a:spcBef>
-              <a:spcAft>
-                <a:spcPts val="0"/>
-              </a:spcAft>
-              <a:buNone/>
-            </a:pPr>
-            <a:r>
-              <a:rPr lang="en" dirty="0"/>
-              <a:t>Then:</a:t>
-            </a:r>
-            <a:endParaRPr dirty="0"/>
-          </a:p>
-          <a:p>
-            <a:pPr marL="0" lvl="0" indent="0" algn="l" rtl="0">
-              <a:spcBef>
-                <a:spcPts val="0"/>
-              </a:spcBef>
-              <a:spcAft>
-                <a:spcPts val="0"/>
-              </a:spcAft>
-              <a:buNone/>
-            </a:pPr>
-            <a:endParaRPr dirty="0">
-              <a:latin typeface="Courier New"/>
-              <a:ea typeface="Courier New"/>
-              <a:cs typeface="Courier New"/>
-              <a:sym typeface="Courier New"/>
-            </a:endParaRPr>
-          </a:p>
-          <a:p>
-            <a:pPr marL="0" lvl="0" indent="0" algn="l" rtl="0">
-              <a:spcBef>
-                <a:spcPts val="0"/>
-              </a:spcBef>
-              <a:spcAft>
-                <a:spcPts val="0"/>
-              </a:spcAft>
-              <a:buNone/>
-            </a:pPr>
-            <a:r>
-              <a:rPr lang="en-US" dirty="0">
-                <a:latin typeface="Courier New"/>
-                <a:ea typeface="Courier New"/>
-                <a:cs typeface="Courier New"/>
-                <a:sym typeface="Courier New"/>
-              </a:rPr>
-              <a:t>git push origin main</a:t>
-            </a:r>
-            <a:endParaRPr dirty="0">
-              <a:latin typeface="Courier New"/>
-              <a:ea typeface="Courier New"/>
-              <a:cs typeface="Courier New"/>
-              <a:sym typeface="Courier New"/>
-            </a:endParaRPr>
-          </a:p>
-          <a:p>
-            <a:pPr marL="0" lvl="0" indent="0" algn="l" rtl="0">
-              <a:spcBef>
-                <a:spcPts val="0"/>
-              </a:spcBef>
-              <a:spcAft>
-                <a:spcPts val="0"/>
-              </a:spcAft>
-              <a:buNone/>
-            </a:pPr>
-            <a:endParaRPr dirty="0">
-              <a:latin typeface="Courier New"/>
-              <a:ea typeface="Courier New"/>
-              <a:cs typeface="Courier New"/>
-              <a:sym typeface="Courier New"/>
-            </a:endParaRPr>
-          </a:p>
-          <a:p>
-            <a:pPr marL="0" lvl="0" indent="0" algn="l" rtl="0">
-              <a:spcBef>
-                <a:spcPts val="0"/>
-              </a:spcBef>
-              <a:spcAft>
-                <a:spcPts val="0"/>
-              </a:spcAft>
-              <a:buClr>
-                <a:schemeClr val="dk1"/>
-              </a:buClr>
-              <a:buSzPts val="1100"/>
-              <a:buFont typeface="Arial"/>
-              <a:buNone/>
-            </a:pPr>
-            <a:endParaRPr dirty="0">
-              <a:latin typeface="Courier New"/>
-              <a:ea typeface="Courier New"/>
-              <a:cs typeface="Courier New"/>
-              <a:sym typeface="Courier New"/>
-            </a:endParaRPr>
-          </a:p>
-          <a:p>
-            <a:pPr marL="0" lvl="0" indent="0" algn="l" rtl="0">
-              <a:spcBef>
-                <a:spcPts val="0"/>
-              </a:spcBef>
-              <a:spcAft>
-                <a:spcPts val="0"/>
-              </a:spcAft>
-              <a:buNone/>
-            </a:pPr>
-            <a:r>
-              <a:rPr lang="en" dirty="0"/>
-              <a:t>Let’s check the GitHUB</a:t>
-            </a:r>
-            <a:endParaRPr dirty="0"/>
-          </a:p>
-        </p:txBody>
-      </p:sp>
     </p:spTree>
   </p:cSld>
   <p:clrMapOvr>

--- a/07102025-Introduction_to_git_kapteyn.pptx
+++ b/07102025-Introduction_to_git_kapteyn.pptx
@@ -5,7 +5,7 @@
     <p:sldMasterId id="2147483659" r:id="rId1"/>
   </p:sldMasterIdLst>
   <p:notesMasterIdLst>
-    <p:notesMasterId r:id="rId81"/>
+    <p:notesMasterId r:id="rId83"/>
   </p:notesMasterIdLst>
   <p:sldIdLst>
     <p:sldId id="256" r:id="rId2"/>
@@ -76,17 +76,19 @@
     <p:sldId id="316" r:id="rId67"/>
     <p:sldId id="317" r:id="rId68"/>
     <p:sldId id="318" r:id="rId69"/>
-    <p:sldId id="319" r:id="rId70"/>
-    <p:sldId id="334" r:id="rId71"/>
-    <p:sldId id="320" r:id="rId72"/>
-    <p:sldId id="336" r:id="rId73"/>
-    <p:sldId id="335" r:id="rId74"/>
-    <p:sldId id="321" r:id="rId75"/>
-    <p:sldId id="322" r:id="rId76"/>
-    <p:sldId id="323" r:id="rId77"/>
-    <p:sldId id="324" r:id="rId78"/>
-    <p:sldId id="326" r:id="rId79"/>
-    <p:sldId id="325" r:id="rId80"/>
+    <p:sldId id="337" r:id="rId70"/>
+    <p:sldId id="338" r:id="rId71"/>
+    <p:sldId id="319" r:id="rId72"/>
+    <p:sldId id="334" r:id="rId73"/>
+    <p:sldId id="320" r:id="rId74"/>
+    <p:sldId id="336" r:id="rId75"/>
+    <p:sldId id="335" r:id="rId76"/>
+    <p:sldId id="321" r:id="rId77"/>
+    <p:sldId id="322" r:id="rId78"/>
+    <p:sldId id="323" r:id="rId79"/>
+    <p:sldId id="324" r:id="rId80"/>
+    <p:sldId id="326" r:id="rId81"/>
+    <p:sldId id="325" r:id="rId82"/>
   </p:sldIdLst>
   <p:sldSz cx="9144000" cy="5143500" type="screen16x9"/>
   <p:notesSz cx="6858000" cy="9144000"/>
@@ -7682,7 +7684,13 @@
   <p:cSld>
     <p:spTree>
       <p:nvGrpSpPr>
-        <p:cNvPr id="1" name="Shape 889"/>
+        <p:cNvPr id="1" name="Shape 880">
+          <a:extLst>
+            <a:ext uri="{FF2B5EF4-FFF2-40B4-BE49-F238E27FC236}">
+              <a16:creationId xmlns:a16="http://schemas.microsoft.com/office/drawing/2014/main" id="{E614018E-F4D1-F5AA-13E4-115527B9D145}"/>
+            </a:ext>
+          </a:extLst>
+        </p:cNvPr>
         <p:cNvGrpSpPr/>
         <p:nvPr/>
       </p:nvGrpSpPr>
@@ -7696,7 +7704,13 @@
       </p:grpSpPr>
       <p:sp>
         <p:nvSpPr>
-          <p:cNvPr id="890" name="Google Shape;890;g190d8437e63_0_0:notes"/>
+          <p:cNvPr id="881" name="Google Shape;881;g18badc01a4e_0_1524:notes">
+            <a:extLst>
+              <a:ext uri="{FF2B5EF4-FFF2-40B4-BE49-F238E27FC236}">
+                <a16:creationId xmlns:a16="http://schemas.microsoft.com/office/drawing/2014/main" id="{6FB78ED6-0525-E7A1-0867-82005D6E3D63}"/>
+              </a:ext>
+            </a:extLst>
+          </p:cNvPr>
           <p:cNvSpPr>
             <a:spLocks noGrp="1" noRot="1" noChangeAspect="1"/>
           </p:cNvSpPr>
@@ -7737,7 +7751,13 @@
       </p:sp>
       <p:sp>
         <p:nvSpPr>
-          <p:cNvPr id="891" name="Google Shape;891;g190d8437e63_0_0:notes"/>
+          <p:cNvPr id="882" name="Google Shape;882;g18badc01a4e_0_1524:notes">
+            <a:extLst>
+              <a:ext uri="{FF2B5EF4-FFF2-40B4-BE49-F238E27FC236}">
+                <a16:creationId xmlns:a16="http://schemas.microsoft.com/office/drawing/2014/main" id="{B4B549F1-9C33-C07A-82A8-38A6CD8ED6CF}"/>
+              </a:ext>
+            </a:extLst>
+          </p:cNvPr>
           <p:cNvSpPr txBox="1">
             <a:spLocks noGrp="1"/>
           </p:cNvSpPr>
@@ -7774,6 +7794,11 @@
         </p:txBody>
       </p:sp>
     </p:spTree>
+    <p:extLst>
+      <p:ext uri="{BB962C8B-B14F-4D97-AF65-F5344CB8AC3E}">
+        <p14:creationId xmlns:p14="http://schemas.microsoft.com/office/powerpoint/2010/main" val="3641995697"/>
+      </p:ext>
+    </p:extLst>
   </p:cSld>
   <p:clrMapOvr>
     <a:masterClrMapping/>
@@ -7890,10 +7915,10 @@
   <p:cSld>
     <p:spTree>
       <p:nvGrpSpPr>
-        <p:cNvPr id="1" name="Shape 363">
+        <p:cNvPr id="1" name="Shape 880">
           <a:extLst>
             <a:ext uri="{FF2B5EF4-FFF2-40B4-BE49-F238E27FC236}">
-              <a16:creationId xmlns:a16="http://schemas.microsoft.com/office/drawing/2014/main" id="{216DED73-1B1E-A47E-17A7-4B1ABBA1D3A2}"/>
+              <a16:creationId xmlns:a16="http://schemas.microsoft.com/office/drawing/2014/main" id="{ECFEF7F4-0775-C8A8-F46A-12B9CA4A7179}"/>
             </a:ext>
           </a:extLst>
         </p:cNvPr>
@@ -7910,10 +7935,10 @@
       </p:grpSpPr>
       <p:sp>
         <p:nvSpPr>
-          <p:cNvPr id="364" name="Google Shape;364;g18badc01a4e_0_895:notes">
+          <p:cNvPr id="881" name="Google Shape;881;g18badc01a4e_0_1524:notes">
             <a:extLst>
               <a:ext uri="{FF2B5EF4-FFF2-40B4-BE49-F238E27FC236}">
-                <a16:creationId xmlns:a16="http://schemas.microsoft.com/office/drawing/2014/main" id="{423DDFEB-56CE-EADC-1997-7CC5D6540C8B}"/>
+                <a16:creationId xmlns:a16="http://schemas.microsoft.com/office/drawing/2014/main" id="{2FE91F93-FA99-7F84-FFB5-DB6F347F12AC}"/>
               </a:ext>
             </a:extLst>
           </p:cNvPr>
@@ -7957,10 +7982,10 @@
       </p:sp>
       <p:sp>
         <p:nvSpPr>
-          <p:cNvPr id="365" name="Google Shape;365;g18badc01a4e_0_895:notes">
+          <p:cNvPr id="882" name="Google Shape;882;g18badc01a4e_0_1524:notes">
             <a:extLst>
               <a:ext uri="{FF2B5EF4-FFF2-40B4-BE49-F238E27FC236}">
-                <a16:creationId xmlns:a16="http://schemas.microsoft.com/office/drawing/2014/main" id="{F3AACCE3-08F2-8488-761F-99F9E6BE7051}"/>
+                <a16:creationId xmlns:a16="http://schemas.microsoft.com/office/drawing/2014/main" id="{1533816E-EB73-3010-3279-BE0335255C67}"/>
               </a:ext>
             </a:extLst>
           </p:cNvPr>
@@ -8002,7 +8027,7 @@
     </p:spTree>
     <p:extLst>
       <p:ext uri="{BB962C8B-B14F-4D97-AF65-F5344CB8AC3E}">
-        <p14:creationId xmlns:p14="http://schemas.microsoft.com/office/powerpoint/2010/main" val="1734760646"/>
+        <p14:creationId xmlns:p14="http://schemas.microsoft.com/office/powerpoint/2010/main" val="2443500121"/>
       </p:ext>
     </p:extLst>
   </p:cSld>
@@ -8017,7 +8042,7 @@
   <p:cSld>
     <p:spTree>
       <p:nvGrpSpPr>
-        <p:cNvPr id="1" name="Shape 895"/>
+        <p:cNvPr id="1" name="Shape 889"/>
         <p:cNvGrpSpPr/>
         <p:nvPr/>
       </p:nvGrpSpPr>
@@ -8031,7 +8056,7 @@
       </p:grpSpPr>
       <p:sp>
         <p:nvSpPr>
-          <p:cNvPr id="896" name="Google Shape;896;g18badc01a4e_0_1532:notes"/>
+          <p:cNvPr id="890" name="Google Shape;890;g190d8437e63_0_0:notes"/>
           <p:cNvSpPr>
             <a:spLocks noGrp="1" noRot="1" noChangeAspect="1"/>
           </p:cNvSpPr>
@@ -8072,7 +8097,7 @@
       </p:sp>
       <p:sp>
         <p:nvSpPr>
-          <p:cNvPr id="897" name="Google Shape;897;g18badc01a4e_0_1532:notes"/>
+          <p:cNvPr id="891" name="Google Shape;891;g190d8437e63_0_0:notes"/>
           <p:cNvSpPr txBox="1">
             <a:spLocks noGrp="1"/>
           </p:cNvSpPr>
@@ -8117,6 +8142,237 @@
 </file>
 
 <file path=ppt/notesSlides/notesSlide72.xml><?xml version="1.0" encoding="utf-8"?>
+<p:notes xmlns:a="http://schemas.openxmlformats.org/drawingml/2006/main" xmlns:r="http://schemas.openxmlformats.org/officeDocument/2006/relationships" xmlns:p="http://schemas.openxmlformats.org/presentationml/2006/main" showMasterSp="0" showMasterPhAnim="0">
+  <p:cSld>
+    <p:spTree>
+      <p:nvGrpSpPr>
+        <p:cNvPr id="1" name="Shape 363">
+          <a:extLst>
+            <a:ext uri="{FF2B5EF4-FFF2-40B4-BE49-F238E27FC236}">
+              <a16:creationId xmlns:a16="http://schemas.microsoft.com/office/drawing/2014/main" id="{216DED73-1B1E-A47E-17A7-4B1ABBA1D3A2}"/>
+            </a:ext>
+          </a:extLst>
+        </p:cNvPr>
+        <p:cNvGrpSpPr/>
+        <p:nvPr/>
+      </p:nvGrpSpPr>
+      <p:grpSpPr>
+        <a:xfrm>
+          <a:off x="0" y="0"/>
+          <a:ext cx="0" cy="0"/>
+          <a:chOff x="0" y="0"/>
+          <a:chExt cx="0" cy="0"/>
+        </a:xfrm>
+      </p:grpSpPr>
+      <p:sp>
+        <p:nvSpPr>
+          <p:cNvPr id="364" name="Google Shape;364;g18badc01a4e_0_895:notes">
+            <a:extLst>
+              <a:ext uri="{FF2B5EF4-FFF2-40B4-BE49-F238E27FC236}">
+                <a16:creationId xmlns:a16="http://schemas.microsoft.com/office/drawing/2014/main" id="{423DDFEB-56CE-EADC-1997-7CC5D6540C8B}"/>
+              </a:ext>
+            </a:extLst>
+          </p:cNvPr>
+          <p:cNvSpPr>
+            <a:spLocks noGrp="1" noRot="1" noChangeAspect="1"/>
+          </p:cNvSpPr>
+          <p:nvPr>
+            <p:ph type="sldImg" idx="2"/>
+          </p:nvPr>
+        </p:nvSpPr>
+        <p:spPr>
+          <a:xfrm>
+            <a:off x="381000" y="685800"/>
+            <a:ext cx="6096000" cy="3429000"/>
+          </a:xfrm>
+          <a:custGeom>
+            <a:avLst/>
+            <a:gdLst/>
+            <a:ahLst/>
+            <a:cxnLst/>
+            <a:rect l="l" t="t" r="r" b="b"/>
+            <a:pathLst>
+              <a:path w="120000" h="120000" extrusionOk="0">
+                <a:moveTo>
+                  <a:pt x="0" y="0"/>
+                </a:moveTo>
+                <a:lnTo>
+                  <a:pt x="120000" y="0"/>
+                </a:lnTo>
+                <a:lnTo>
+                  <a:pt x="120000" y="120000"/>
+                </a:lnTo>
+                <a:lnTo>
+                  <a:pt x="0" y="120000"/>
+                </a:lnTo>
+                <a:close/>
+              </a:path>
+            </a:pathLst>
+          </a:custGeom>
+        </p:spPr>
+      </p:sp>
+      <p:sp>
+        <p:nvSpPr>
+          <p:cNvPr id="365" name="Google Shape;365;g18badc01a4e_0_895:notes">
+            <a:extLst>
+              <a:ext uri="{FF2B5EF4-FFF2-40B4-BE49-F238E27FC236}">
+                <a16:creationId xmlns:a16="http://schemas.microsoft.com/office/drawing/2014/main" id="{F3AACCE3-08F2-8488-761F-99F9E6BE7051}"/>
+              </a:ext>
+            </a:extLst>
+          </p:cNvPr>
+          <p:cNvSpPr txBox="1">
+            <a:spLocks noGrp="1"/>
+          </p:cNvSpPr>
+          <p:nvPr>
+            <p:ph type="body" idx="1"/>
+          </p:nvPr>
+        </p:nvSpPr>
+        <p:spPr>
+          <a:xfrm>
+            <a:off x="685800" y="4343400"/>
+            <a:ext cx="5486400" cy="4114800"/>
+          </a:xfrm>
+          <a:prstGeom prst="rect">
+            <a:avLst/>
+          </a:prstGeom>
+        </p:spPr>
+        <p:txBody>
+          <a:bodyPr spcFirstLastPara="1" wrap="square" lIns="91425" tIns="91425" rIns="91425" bIns="91425" anchor="t" anchorCtr="0">
+            <a:noAutofit/>
+          </a:bodyPr>
+          <a:lstStyle/>
+          <a:p>
+            <a:pPr marL="0" lvl="0" indent="0" algn="l" rtl="0">
+              <a:spcBef>
+                <a:spcPts val="0"/>
+              </a:spcBef>
+              <a:spcAft>
+                <a:spcPts val="0"/>
+              </a:spcAft>
+              <a:buNone/>
+            </a:pPr>
+            <a:endParaRPr/>
+          </a:p>
+        </p:txBody>
+      </p:sp>
+    </p:spTree>
+    <p:extLst>
+      <p:ext uri="{BB962C8B-B14F-4D97-AF65-F5344CB8AC3E}">
+        <p14:creationId xmlns:p14="http://schemas.microsoft.com/office/powerpoint/2010/main" val="1734760646"/>
+      </p:ext>
+    </p:extLst>
+  </p:cSld>
+  <p:clrMapOvr>
+    <a:masterClrMapping/>
+  </p:clrMapOvr>
+</p:notes>
+</file>
+
+<file path=ppt/notesSlides/notesSlide73.xml><?xml version="1.0" encoding="utf-8"?>
+<p:notes xmlns:a="http://schemas.openxmlformats.org/drawingml/2006/main" xmlns:r="http://schemas.openxmlformats.org/officeDocument/2006/relationships" xmlns:p="http://schemas.openxmlformats.org/presentationml/2006/main" showMasterSp="0" showMasterPhAnim="0">
+  <p:cSld>
+    <p:spTree>
+      <p:nvGrpSpPr>
+        <p:cNvPr id="1" name="Shape 895"/>
+        <p:cNvGrpSpPr/>
+        <p:nvPr/>
+      </p:nvGrpSpPr>
+      <p:grpSpPr>
+        <a:xfrm>
+          <a:off x="0" y="0"/>
+          <a:ext cx="0" cy="0"/>
+          <a:chOff x="0" y="0"/>
+          <a:chExt cx="0" cy="0"/>
+        </a:xfrm>
+      </p:grpSpPr>
+      <p:sp>
+        <p:nvSpPr>
+          <p:cNvPr id="896" name="Google Shape;896;g18badc01a4e_0_1532:notes"/>
+          <p:cNvSpPr>
+            <a:spLocks noGrp="1" noRot="1" noChangeAspect="1"/>
+          </p:cNvSpPr>
+          <p:nvPr>
+            <p:ph type="sldImg" idx="2"/>
+          </p:nvPr>
+        </p:nvSpPr>
+        <p:spPr>
+          <a:xfrm>
+            <a:off x="381000" y="685800"/>
+            <a:ext cx="6096000" cy="3429000"/>
+          </a:xfrm>
+          <a:custGeom>
+            <a:avLst/>
+            <a:gdLst/>
+            <a:ahLst/>
+            <a:cxnLst/>
+            <a:rect l="l" t="t" r="r" b="b"/>
+            <a:pathLst>
+              <a:path w="120000" h="120000" extrusionOk="0">
+                <a:moveTo>
+                  <a:pt x="0" y="0"/>
+                </a:moveTo>
+                <a:lnTo>
+                  <a:pt x="120000" y="0"/>
+                </a:lnTo>
+                <a:lnTo>
+                  <a:pt x="120000" y="120000"/>
+                </a:lnTo>
+                <a:lnTo>
+                  <a:pt x="0" y="120000"/>
+                </a:lnTo>
+                <a:close/>
+              </a:path>
+            </a:pathLst>
+          </a:custGeom>
+        </p:spPr>
+      </p:sp>
+      <p:sp>
+        <p:nvSpPr>
+          <p:cNvPr id="897" name="Google Shape;897;g18badc01a4e_0_1532:notes"/>
+          <p:cNvSpPr txBox="1">
+            <a:spLocks noGrp="1"/>
+          </p:cNvSpPr>
+          <p:nvPr>
+            <p:ph type="body" idx="1"/>
+          </p:nvPr>
+        </p:nvSpPr>
+        <p:spPr>
+          <a:xfrm>
+            <a:off x="685800" y="4343400"/>
+            <a:ext cx="5486400" cy="4114800"/>
+          </a:xfrm>
+          <a:prstGeom prst="rect">
+            <a:avLst/>
+          </a:prstGeom>
+        </p:spPr>
+        <p:txBody>
+          <a:bodyPr spcFirstLastPara="1" wrap="square" lIns="91425" tIns="91425" rIns="91425" bIns="91425" anchor="t" anchorCtr="0">
+            <a:noAutofit/>
+          </a:bodyPr>
+          <a:lstStyle/>
+          <a:p>
+            <a:pPr marL="0" lvl="0" indent="0" algn="l" rtl="0">
+              <a:spcBef>
+                <a:spcPts val="0"/>
+              </a:spcBef>
+              <a:spcAft>
+                <a:spcPts val="0"/>
+              </a:spcAft>
+              <a:buNone/>
+            </a:pPr>
+            <a:endParaRPr/>
+          </a:p>
+        </p:txBody>
+      </p:sp>
+    </p:spTree>
+  </p:cSld>
+  <p:clrMapOvr>
+    <a:masterClrMapping/>
+  </p:clrMapOvr>
+</p:notes>
+</file>
+
+<file path=ppt/notesSlides/notesSlide74.xml><?xml version="1.0" encoding="utf-8"?>
 <p:notes xmlns:a="http://schemas.openxmlformats.org/drawingml/2006/main" xmlns:r="http://schemas.openxmlformats.org/officeDocument/2006/relationships" xmlns:p="http://schemas.openxmlformats.org/presentationml/2006/main" showMasterSp="0" showMasterPhAnim="0">
   <p:cSld>
     <p:spTree>
@@ -8243,7 +8499,7 @@
 </p:notes>
 </file>
 
-<file path=ppt/notesSlides/notesSlide73.xml><?xml version="1.0" encoding="utf-8"?>
+<file path=ppt/notesSlides/notesSlide75.xml><?xml version="1.0" encoding="utf-8"?>
 <p:notes xmlns:a="http://schemas.openxmlformats.org/drawingml/2006/main" xmlns:r="http://schemas.openxmlformats.org/officeDocument/2006/relationships" xmlns:p="http://schemas.openxmlformats.org/presentationml/2006/main" showMasterSp="0" showMasterPhAnim="0">
   <p:cSld>
     <p:spTree>
@@ -8370,7 +8626,7 @@
 </p:notes>
 </file>
 
-<file path=ppt/notesSlides/notesSlide74.xml><?xml version="1.0" encoding="utf-8"?>
+<file path=ppt/notesSlides/notesSlide76.xml><?xml version="1.0" encoding="utf-8"?>
 <p:notes xmlns:a="http://schemas.openxmlformats.org/drawingml/2006/main" xmlns:r="http://schemas.openxmlformats.org/officeDocument/2006/relationships" xmlns:p="http://schemas.openxmlformats.org/presentationml/2006/main" showMasterSp="0" showMasterPhAnim="0">
   <p:cSld>
     <p:spTree>
@@ -8474,7 +8730,7 @@
 </p:notes>
 </file>
 
-<file path=ppt/notesSlides/notesSlide75.xml><?xml version="1.0" encoding="utf-8"?>
+<file path=ppt/notesSlides/notesSlide77.xml><?xml version="1.0" encoding="utf-8"?>
 <p:notes xmlns:a="http://schemas.openxmlformats.org/drawingml/2006/main" xmlns:r="http://schemas.openxmlformats.org/officeDocument/2006/relationships" xmlns:p="http://schemas.openxmlformats.org/presentationml/2006/main" showMasterSp="0" showMasterPhAnim="0">
   <p:cSld>
     <p:spTree>
@@ -8578,7 +8834,7 @@
 </p:notes>
 </file>
 
-<file path=ppt/notesSlides/notesSlide76.xml><?xml version="1.0" encoding="utf-8"?>
+<file path=ppt/notesSlides/notesSlide78.xml><?xml version="1.0" encoding="utf-8"?>
 <p:notes xmlns:a="http://schemas.openxmlformats.org/drawingml/2006/main" xmlns:r="http://schemas.openxmlformats.org/officeDocument/2006/relationships" xmlns:p="http://schemas.openxmlformats.org/presentationml/2006/main" showMasterSp="0" showMasterPhAnim="0">
   <p:cSld>
     <p:spTree>
@@ -8682,7 +8938,7 @@
 </p:notes>
 </file>
 
-<file path=ppt/notesSlides/notesSlide77.xml><?xml version="1.0" encoding="utf-8"?>
+<file path=ppt/notesSlides/notesSlide79.xml><?xml version="1.0" encoding="utf-8"?>
 <p:notes xmlns:a="http://schemas.openxmlformats.org/drawingml/2006/main" xmlns:r="http://schemas.openxmlformats.org/officeDocument/2006/relationships" xmlns:p="http://schemas.openxmlformats.org/presentationml/2006/main" showMasterSp="0" showMasterPhAnim="0">
   <p:cSld>
     <p:spTree>
@@ -8743,214 +8999,6 @@
       <p:sp>
         <p:nvSpPr>
           <p:cNvPr id="934" name="Google Shape;934;g18badc01a4e_0_927:notes"/>
-          <p:cNvSpPr txBox="1">
-            <a:spLocks noGrp="1"/>
-          </p:cNvSpPr>
-          <p:nvPr>
-            <p:ph type="body" idx="1"/>
-          </p:nvPr>
-        </p:nvSpPr>
-        <p:spPr>
-          <a:xfrm>
-            <a:off x="685800" y="4343400"/>
-            <a:ext cx="5486400" cy="4114800"/>
-          </a:xfrm>
-          <a:prstGeom prst="rect">
-            <a:avLst/>
-          </a:prstGeom>
-        </p:spPr>
-        <p:txBody>
-          <a:bodyPr spcFirstLastPara="1" wrap="square" lIns="91425" tIns="91425" rIns="91425" bIns="91425" anchor="t" anchorCtr="0">
-            <a:noAutofit/>
-          </a:bodyPr>
-          <a:lstStyle/>
-          <a:p>
-            <a:pPr marL="0" lvl="0" indent="0" algn="l" rtl="0">
-              <a:spcBef>
-                <a:spcPts val="0"/>
-              </a:spcBef>
-              <a:spcAft>
-                <a:spcPts val="0"/>
-              </a:spcAft>
-              <a:buNone/>
-            </a:pPr>
-            <a:endParaRPr/>
-          </a:p>
-        </p:txBody>
-      </p:sp>
-    </p:spTree>
-  </p:cSld>
-  <p:clrMapOvr>
-    <a:masterClrMapping/>
-  </p:clrMapOvr>
-</p:notes>
-</file>
-
-<file path=ppt/notesSlides/notesSlide78.xml><?xml version="1.0" encoding="utf-8"?>
-<p:notes xmlns:a="http://schemas.openxmlformats.org/drawingml/2006/main" xmlns:r="http://schemas.openxmlformats.org/officeDocument/2006/relationships" xmlns:p="http://schemas.openxmlformats.org/presentationml/2006/main" showMasterSp="0" showMasterPhAnim="0">
-  <p:cSld>
-    <p:spTree>
-      <p:nvGrpSpPr>
-        <p:cNvPr id="1" name="Shape 964"/>
-        <p:cNvGrpSpPr/>
-        <p:nvPr/>
-      </p:nvGrpSpPr>
-      <p:grpSpPr>
-        <a:xfrm>
-          <a:off x="0" y="0"/>
-          <a:ext cx="0" cy="0"/>
-          <a:chOff x="0" y="0"/>
-          <a:chExt cx="0" cy="0"/>
-        </a:xfrm>
-      </p:grpSpPr>
-      <p:sp>
-        <p:nvSpPr>
-          <p:cNvPr id="965" name="Google Shape;965;g18badc01a4e_0_1537:notes"/>
-          <p:cNvSpPr>
-            <a:spLocks noGrp="1" noRot="1" noChangeAspect="1"/>
-          </p:cNvSpPr>
-          <p:nvPr>
-            <p:ph type="sldImg" idx="2"/>
-          </p:nvPr>
-        </p:nvSpPr>
-        <p:spPr>
-          <a:xfrm>
-            <a:off x="381000" y="685800"/>
-            <a:ext cx="6096000" cy="3429000"/>
-          </a:xfrm>
-          <a:custGeom>
-            <a:avLst/>
-            <a:gdLst/>
-            <a:ahLst/>
-            <a:cxnLst/>
-            <a:rect l="l" t="t" r="r" b="b"/>
-            <a:pathLst>
-              <a:path w="120000" h="120000" extrusionOk="0">
-                <a:moveTo>
-                  <a:pt x="0" y="0"/>
-                </a:moveTo>
-                <a:lnTo>
-                  <a:pt x="120000" y="0"/>
-                </a:lnTo>
-                <a:lnTo>
-                  <a:pt x="120000" y="120000"/>
-                </a:lnTo>
-                <a:lnTo>
-                  <a:pt x="0" y="120000"/>
-                </a:lnTo>
-                <a:close/>
-              </a:path>
-            </a:pathLst>
-          </a:custGeom>
-        </p:spPr>
-      </p:sp>
-      <p:sp>
-        <p:nvSpPr>
-          <p:cNvPr id="966" name="Google Shape;966;g18badc01a4e_0_1537:notes"/>
-          <p:cNvSpPr txBox="1">
-            <a:spLocks noGrp="1"/>
-          </p:cNvSpPr>
-          <p:nvPr>
-            <p:ph type="body" idx="1"/>
-          </p:nvPr>
-        </p:nvSpPr>
-        <p:spPr>
-          <a:xfrm>
-            <a:off x="685800" y="4343400"/>
-            <a:ext cx="5486400" cy="4114800"/>
-          </a:xfrm>
-          <a:prstGeom prst="rect">
-            <a:avLst/>
-          </a:prstGeom>
-        </p:spPr>
-        <p:txBody>
-          <a:bodyPr spcFirstLastPara="1" wrap="square" lIns="91425" tIns="91425" rIns="91425" bIns="91425" anchor="t" anchorCtr="0">
-            <a:noAutofit/>
-          </a:bodyPr>
-          <a:lstStyle/>
-          <a:p>
-            <a:pPr marL="0" lvl="0" indent="0" algn="l" rtl="0">
-              <a:spcBef>
-                <a:spcPts val="0"/>
-              </a:spcBef>
-              <a:spcAft>
-                <a:spcPts val="0"/>
-              </a:spcAft>
-              <a:buNone/>
-            </a:pPr>
-            <a:endParaRPr/>
-          </a:p>
-        </p:txBody>
-      </p:sp>
-    </p:spTree>
-  </p:cSld>
-  <p:clrMapOvr>
-    <a:masterClrMapping/>
-  </p:clrMapOvr>
-</p:notes>
-</file>
-
-<file path=ppt/notesSlides/notesSlide79.xml><?xml version="1.0" encoding="utf-8"?>
-<p:notes xmlns:a="http://schemas.openxmlformats.org/drawingml/2006/main" xmlns:r="http://schemas.openxmlformats.org/officeDocument/2006/relationships" xmlns:p="http://schemas.openxmlformats.org/presentationml/2006/main" showMasterSp="0" showMasterPhAnim="0">
-  <p:cSld>
-    <p:spTree>
-      <p:nvGrpSpPr>
-        <p:cNvPr id="1" name="Shape 949"/>
-        <p:cNvGrpSpPr/>
-        <p:nvPr/>
-      </p:nvGrpSpPr>
-      <p:grpSpPr>
-        <a:xfrm>
-          <a:off x="0" y="0"/>
-          <a:ext cx="0" cy="0"/>
-          <a:chOff x="0" y="0"/>
-          <a:chExt cx="0" cy="0"/>
-        </a:xfrm>
-      </p:grpSpPr>
-      <p:sp>
-        <p:nvSpPr>
-          <p:cNvPr id="950" name="Google Shape;950;g18badc01a4e_0_883:notes"/>
-          <p:cNvSpPr>
-            <a:spLocks noGrp="1" noRot="1" noChangeAspect="1"/>
-          </p:cNvSpPr>
-          <p:nvPr>
-            <p:ph type="sldImg" idx="2"/>
-          </p:nvPr>
-        </p:nvSpPr>
-        <p:spPr>
-          <a:xfrm>
-            <a:off x="381000" y="685800"/>
-            <a:ext cx="6096000" cy="3429000"/>
-          </a:xfrm>
-          <a:custGeom>
-            <a:avLst/>
-            <a:gdLst/>
-            <a:ahLst/>
-            <a:cxnLst/>
-            <a:rect l="l" t="t" r="r" b="b"/>
-            <a:pathLst>
-              <a:path w="120000" h="120000" extrusionOk="0">
-                <a:moveTo>
-                  <a:pt x="0" y="0"/>
-                </a:moveTo>
-                <a:lnTo>
-                  <a:pt x="120000" y="0"/>
-                </a:lnTo>
-                <a:lnTo>
-                  <a:pt x="120000" y="120000"/>
-                </a:lnTo>
-                <a:lnTo>
-                  <a:pt x="0" y="120000"/>
-                </a:lnTo>
-                <a:close/>
-              </a:path>
-            </a:pathLst>
-          </a:custGeom>
-        </p:spPr>
-      </p:sp>
-      <p:sp>
-        <p:nvSpPr>
-          <p:cNvPr id="951" name="Google Shape;951;g18badc01a4e_0_883:notes"/>
           <p:cNvSpPr txBox="1">
             <a:spLocks noGrp="1"/>
           </p:cNvSpPr>
@@ -9055,6 +9103,214 @@
       <p:sp>
         <p:nvSpPr>
           <p:cNvPr id="129" name="Google Shape;129;g18badc01a4e_0_944:notes"/>
+          <p:cNvSpPr txBox="1">
+            <a:spLocks noGrp="1"/>
+          </p:cNvSpPr>
+          <p:nvPr>
+            <p:ph type="body" idx="1"/>
+          </p:nvPr>
+        </p:nvSpPr>
+        <p:spPr>
+          <a:xfrm>
+            <a:off x="685800" y="4343400"/>
+            <a:ext cx="5486400" cy="4114800"/>
+          </a:xfrm>
+          <a:prstGeom prst="rect">
+            <a:avLst/>
+          </a:prstGeom>
+        </p:spPr>
+        <p:txBody>
+          <a:bodyPr spcFirstLastPara="1" wrap="square" lIns="91425" tIns="91425" rIns="91425" bIns="91425" anchor="t" anchorCtr="0">
+            <a:noAutofit/>
+          </a:bodyPr>
+          <a:lstStyle/>
+          <a:p>
+            <a:pPr marL="0" lvl="0" indent="0" algn="l" rtl="0">
+              <a:spcBef>
+                <a:spcPts val="0"/>
+              </a:spcBef>
+              <a:spcAft>
+                <a:spcPts val="0"/>
+              </a:spcAft>
+              <a:buNone/>
+            </a:pPr>
+            <a:endParaRPr/>
+          </a:p>
+        </p:txBody>
+      </p:sp>
+    </p:spTree>
+  </p:cSld>
+  <p:clrMapOvr>
+    <a:masterClrMapping/>
+  </p:clrMapOvr>
+</p:notes>
+</file>
+
+<file path=ppt/notesSlides/notesSlide80.xml><?xml version="1.0" encoding="utf-8"?>
+<p:notes xmlns:a="http://schemas.openxmlformats.org/drawingml/2006/main" xmlns:r="http://schemas.openxmlformats.org/officeDocument/2006/relationships" xmlns:p="http://schemas.openxmlformats.org/presentationml/2006/main" showMasterSp="0" showMasterPhAnim="0">
+  <p:cSld>
+    <p:spTree>
+      <p:nvGrpSpPr>
+        <p:cNvPr id="1" name="Shape 964"/>
+        <p:cNvGrpSpPr/>
+        <p:nvPr/>
+      </p:nvGrpSpPr>
+      <p:grpSpPr>
+        <a:xfrm>
+          <a:off x="0" y="0"/>
+          <a:ext cx="0" cy="0"/>
+          <a:chOff x="0" y="0"/>
+          <a:chExt cx="0" cy="0"/>
+        </a:xfrm>
+      </p:grpSpPr>
+      <p:sp>
+        <p:nvSpPr>
+          <p:cNvPr id="965" name="Google Shape;965;g18badc01a4e_0_1537:notes"/>
+          <p:cNvSpPr>
+            <a:spLocks noGrp="1" noRot="1" noChangeAspect="1"/>
+          </p:cNvSpPr>
+          <p:nvPr>
+            <p:ph type="sldImg" idx="2"/>
+          </p:nvPr>
+        </p:nvSpPr>
+        <p:spPr>
+          <a:xfrm>
+            <a:off x="381000" y="685800"/>
+            <a:ext cx="6096000" cy="3429000"/>
+          </a:xfrm>
+          <a:custGeom>
+            <a:avLst/>
+            <a:gdLst/>
+            <a:ahLst/>
+            <a:cxnLst/>
+            <a:rect l="l" t="t" r="r" b="b"/>
+            <a:pathLst>
+              <a:path w="120000" h="120000" extrusionOk="0">
+                <a:moveTo>
+                  <a:pt x="0" y="0"/>
+                </a:moveTo>
+                <a:lnTo>
+                  <a:pt x="120000" y="0"/>
+                </a:lnTo>
+                <a:lnTo>
+                  <a:pt x="120000" y="120000"/>
+                </a:lnTo>
+                <a:lnTo>
+                  <a:pt x="0" y="120000"/>
+                </a:lnTo>
+                <a:close/>
+              </a:path>
+            </a:pathLst>
+          </a:custGeom>
+        </p:spPr>
+      </p:sp>
+      <p:sp>
+        <p:nvSpPr>
+          <p:cNvPr id="966" name="Google Shape;966;g18badc01a4e_0_1537:notes"/>
+          <p:cNvSpPr txBox="1">
+            <a:spLocks noGrp="1"/>
+          </p:cNvSpPr>
+          <p:nvPr>
+            <p:ph type="body" idx="1"/>
+          </p:nvPr>
+        </p:nvSpPr>
+        <p:spPr>
+          <a:xfrm>
+            <a:off x="685800" y="4343400"/>
+            <a:ext cx="5486400" cy="4114800"/>
+          </a:xfrm>
+          <a:prstGeom prst="rect">
+            <a:avLst/>
+          </a:prstGeom>
+        </p:spPr>
+        <p:txBody>
+          <a:bodyPr spcFirstLastPara="1" wrap="square" lIns="91425" tIns="91425" rIns="91425" bIns="91425" anchor="t" anchorCtr="0">
+            <a:noAutofit/>
+          </a:bodyPr>
+          <a:lstStyle/>
+          <a:p>
+            <a:pPr marL="0" lvl="0" indent="0" algn="l" rtl="0">
+              <a:spcBef>
+                <a:spcPts val="0"/>
+              </a:spcBef>
+              <a:spcAft>
+                <a:spcPts val="0"/>
+              </a:spcAft>
+              <a:buNone/>
+            </a:pPr>
+            <a:endParaRPr/>
+          </a:p>
+        </p:txBody>
+      </p:sp>
+    </p:spTree>
+  </p:cSld>
+  <p:clrMapOvr>
+    <a:masterClrMapping/>
+  </p:clrMapOvr>
+</p:notes>
+</file>
+
+<file path=ppt/notesSlides/notesSlide81.xml><?xml version="1.0" encoding="utf-8"?>
+<p:notes xmlns:a="http://schemas.openxmlformats.org/drawingml/2006/main" xmlns:r="http://schemas.openxmlformats.org/officeDocument/2006/relationships" xmlns:p="http://schemas.openxmlformats.org/presentationml/2006/main" showMasterSp="0" showMasterPhAnim="0">
+  <p:cSld>
+    <p:spTree>
+      <p:nvGrpSpPr>
+        <p:cNvPr id="1" name="Shape 949"/>
+        <p:cNvGrpSpPr/>
+        <p:nvPr/>
+      </p:nvGrpSpPr>
+      <p:grpSpPr>
+        <a:xfrm>
+          <a:off x="0" y="0"/>
+          <a:ext cx="0" cy="0"/>
+          <a:chOff x="0" y="0"/>
+          <a:chExt cx="0" cy="0"/>
+        </a:xfrm>
+      </p:grpSpPr>
+      <p:sp>
+        <p:nvSpPr>
+          <p:cNvPr id="950" name="Google Shape;950;g18badc01a4e_0_883:notes"/>
+          <p:cNvSpPr>
+            <a:spLocks noGrp="1" noRot="1" noChangeAspect="1"/>
+          </p:cNvSpPr>
+          <p:nvPr>
+            <p:ph type="sldImg" idx="2"/>
+          </p:nvPr>
+        </p:nvSpPr>
+        <p:spPr>
+          <a:xfrm>
+            <a:off x="381000" y="685800"/>
+            <a:ext cx="6096000" cy="3429000"/>
+          </a:xfrm>
+          <a:custGeom>
+            <a:avLst/>
+            <a:gdLst/>
+            <a:ahLst/>
+            <a:cxnLst/>
+            <a:rect l="l" t="t" r="r" b="b"/>
+            <a:pathLst>
+              <a:path w="120000" h="120000" extrusionOk="0">
+                <a:moveTo>
+                  <a:pt x="0" y="0"/>
+                </a:moveTo>
+                <a:lnTo>
+                  <a:pt x="120000" y="0"/>
+                </a:lnTo>
+                <a:lnTo>
+                  <a:pt x="120000" y="120000"/>
+                </a:lnTo>
+                <a:lnTo>
+                  <a:pt x="0" y="120000"/>
+                </a:lnTo>
+                <a:close/>
+              </a:path>
+            </a:pathLst>
+          </a:custGeom>
+        </p:spPr>
+      </p:sp>
+      <p:sp>
+        <p:nvSpPr>
+          <p:cNvPr id="951" name="Google Shape;951;g18badc01a4e_0_883:notes"/>
           <p:cNvSpPr txBox="1">
             <a:spLocks noGrp="1"/>
           </p:cNvSpPr>
@@ -51004,7 +51260,13 @@
   <p:cSld>
     <p:spTree>
       <p:nvGrpSpPr>
-        <p:cNvPr id="1" name="Shape 892"/>
+        <p:cNvPr id="1" name="Shape 883">
+          <a:extLst>
+            <a:ext uri="{FF2B5EF4-FFF2-40B4-BE49-F238E27FC236}">
+              <a16:creationId xmlns:a16="http://schemas.microsoft.com/office/drawing/2014/main" id="{2A6C3E92-F4CC-519A-7040-49C40C3E5720}"/>
+            </a:ext>
+          </a:extLst>
+        </p:cNvPr>
         <p:cNvGrpSpPr/>
         <p:nvPr/>
       </p:nvGrpSpPr>
@@ -51016,9 +51278,56 @@
           <a:chExt cx="0" cy="0"/>
         </a:xfrm>
       </p:grpSpPr>
-      <p:sp>
-        <p:nvSpPr>
-          <p:cNvPr id="893" name="Google Shape;893;p76"/>
+      <p:cxnSp>
+        <p:nvCxnSpPr>
+          <p:cNvPr id="18" name="Straight Arrow Connector 17">
+            <a:extLst>
+              <a:ext uri="{FF2B5EF4-FFF2-40B4-BE49-F238E27FC236}">
+                <a16:creationId xmlns:a16="http://schemas.microsoft.com/office/drawing/2014/main" id="{837AE193-75C5-4D5C-8141-AB80D72D5FA8}"/>
+              </a:ext>
+            </a:extLst>
+          </p:cNvPr>
+          <p:cNvCxnSpPr>
+            <a:cxnSpLocks/>
+          </p:cNvCxnSpPr>
+          <p:nvPr/>
+        </p:nvCxnSpPr>
+        <p:spPr>
+          <a:xfrm>
+            <a:off x="2866920" y="2155590"/>
+            <a:ext cx="0" cy="251460"/>
+          </a:xfrm>
+          <a:prstGeom prst="straightConnector1">
+            <a:avLst/>
+          </a:prstGeom>
+          <a:ln>
+            <a:tailEnd type="triangle"/>
+          </a:ln>
+        </p:spPr>
+        <p:style>
+          <a:lnRef idx="1">
+            <a:schemeClr val="accent2"/>
+          </a:lnRef>
+          <a:fillRef idx="0">
+            <a:schemeClr val="accent2"/>
+          </a:fillRef>
+          <a:effectRef idx="0">
+            <a:schemeClr val="accent2"/>
+          </a:effectRef>
+          <a:fontRef idx="minor">
+            <a:schemeClr val="tx1"/>
+          </a:fontRef>
+        </p:style>
+      </p:cxnSp>
+      <p:sp>
+        <p:nvSpPr>
+          <p:cNvPr id="887" name="Google Shape;887;p75">
+            <a:extLst>
+              <a:ext uri="{FF2B5EF4-FFF2-40B4-BE49-F238E27FC236}">
+                <a16:creationId xmlns:a16="http://schemas.microsoft.com/office/drawing/2014/main" id="{BF3547E1-27D2-123A-82D2-2A85DC690E52}"/>
+              </a:ext>
+            </a:extLst>
+          </p:cNvPr>
           <p:cNvSpPr txBox="1">
             <a:spLocks noGrp="1"/>
           </p:cNvSpPr>
@@ -51051,40 +51360,22 @@
               <a:buNone/>
             </a:pPr>
             <a:r>
-              <a:rPr lang="en"/>
-              <a:t>RECAP</a:t>
-            </a:r>
-            <a:endParaRPr/>
-          </a:p>
-          <a:p>
-            <a:pPr marL="0" lvl="0" indent="0" algn="ctr" rtl="0">
-              <a:spcBef>
-                <a:spcPts val="0"/>
-              </a:spcBef>
-              <a:spcAft>
-                <a:spcPts val="0"/>
-              </a:spcAft>
-              <a:buNone/>
-            </a:pPr>
-            <a:r>
-              <a:rPr lang="en" sz="2355">
-                <a:solidFill>
-                  <a:srgbClr val="FF0000"/>
-                </a:solidFill>
-              </a:rPr>
-              <a:t>Daily Workflow</a:t>
-            </a:r>
-            <a:endParaRPr sz="2355">
-              <a:solidFill>
-                <a:srgbClr val="FF0000"/>
-              </a:solidFill>
-            </a:endParaRPr>
+              <a:rPr lang="en" dirty="0"/>
+              <a:t>Merge Types</a:t>
+            </a:r>
+            <a:endParaRPr dirty="0"/>
           </a:p>
         </p:txBody>
       </p:sp>
       <p:sp>
         <p:nvSpPr>
-          <p:cNvPr id="894" name="Google Shape;894;p76"/>
+          <p:cNvPr id="888" name="Google Shape;888;p75">
+            <a:extLst>
+              <a:ext uri="{FF2B5EF4-FFF2-40B4-BE49-F238E27FC236}">
+                <a16:creationId xmlns:a16="http://schemas.microsoft.com/office/drawing/2014/main" id="{FAD25D8D-1EE5-1608-D97F-03C438175328}"/>
+              </a:ext>
+            </a:extLst>
+          </p:cNvPr>
           <p:cNvSpPr txBox="1">
             <a:spLocks noGrp="1"/>
           </p:cNvSpPr>
@@ -51094,8 +51385,8 @@
         </p:nvSpPr>
         <p:spPr>
           <a:xfrm>
-            <a:off x="179900" y="1379975"/>
-            <a:ext cx="8860200" cy="3416400"/>
+            <a:off x="20454" y="1062423"/>
+            <a:ext cx="8884920" cy="3785285"/>
           </a:xfrm>
           <a:prstGeom prst="rect">
             <a:avLst/>
@@ -51103,38 +51394,179 @@
         </p:spPr>
         <p:txBody>
           <a:bodyPr spcFirstLastPara="1" wrap="square" lIns="91425" tIns="91425" rIns="91425" bIns="91425" anchor="t" anchorCtr="0">
-            <a:normAutofit fontScale="70000" lnSpcReduction="20000"/>
+            <a:normAutofit/>
           </a:bodyPr>
           <a:lstStyle/>
           <a:p>
-            <a:pPr marL="457200" lvl="0" indent="0" algn="l" rtl="0">
-              <a:spcBef>
-                <a:spcPts val="0"/>
-              </a:spcBef>
-              <a:spcAft>
-                <a:spcPts val="0"/>
-              </a:spcAft>
-              <a:buNone/>
-            </a:pPr>
-            <a:r>
-              <a:rPr lang="en" dirty="0">
-                <a:solidFill>
-                  <a:schemeClr val="dk1"/>
-                </a:solidFill>
-                <a:latin typeface="Courier New"/>
-                <a:ea typeface="Courier New"/>
-                <a:cs typeface="Courier New"/>
-                <a:sym typeface="Courier New"/>
-              </a:rPr>
-              <a:t>git branch                 </a:t>
-            </a:r>
-            <a:r>
-              <a:rPr lang="en" dirty="0">
+            <a:pPr marL="114300" lvl="0" indent="0" algn="l" rtl="0">
+              <a:spcBef>
+                <a:spcPts val="0"/>
+              </a:spcBef>
+              <a:spcAft>
+                <a:spcPts val="0"/>
+              </a:spcAft>
+              <a:buClr>
+                <a:schemeClr val="dk1"/>
+              </a:buClr>
+              <a:buSzPts val="1800"/>
+              <a:buNone/>
+            </a:pPr>
+            <a:r>
+              <a:rPr lang="en-US" b="1" dirty="0">
                 <a:solidFill>
                   <a:schemeClr val="dk1"/>
                 </a:solidFill>
               </a:rPr>
-              <a:t>: Make sure you are on the right branch before starting to work</a:t>
+              <a:t>Fast-forward merge</a:t>
+            </a:r>
+          </a:p>
+          <a:p>
+            <a:pPr marL="114300" lvl="0" indent="0" algn="l" rtl="0">
+              <a:spcBef>
+                <a:spcPts val="0"/>
+              </a:spcBef>
+              <a:spcAft>
+                <a:spcPts val="0"/>
+              </a:spcAft>
+              <a:buClr>
+                <a:schemeClr val="dk1"/>
+              </a:buClr>
+              <a:buSzPts val="1800"/>
+              <a:buNone/>
+            </a:pPr>
+            <a:endParaRPr lang="en-US" b="1" dirty="0">
+              <a:solidFill>
+                <a:schemeClr val="dk1"/>
+              </a:solidFill>
+            </a:endParaRPr>
+          </a:p>
+          <a:p>
+            <a:pPr marL="114300" lvl="0" indent="0" algn="l" rtl="0">
+              <a:spcBef>
+                <a:spcPts val="0"/>
+              </a:spcBef>
+              <a:spcAft>
+                <a:spcPts val="0"/>
+              </a:spcAft>
+              <a:buClr>
+                <a:schemeClr val="dk1"/>
+              </a:buClr>
+              <a:buSzPts val="1800"/>
+              <a:buNone/>
+            </a:pPr>
+            <a:r>
+              <a:rPr lang="en-US" dirty="0">
+                <a:solidFill>
+                  <a:schemeClr val="dk1"/>
+                </a:solidFill>
+              </a:rPr>
+              <a:t>Before merging</a:t>
+            </a:r>
+          </a:p>
+          <a:p>
+            <a:pPr marL="114300" lvl="0" indent="0" algn="l" rtl="0">
+              <a:spcBef>
+                <a:spcPts val="0"/>
+              </a:spcBef>
+              <a:spcAft>
+                <a:spcPts val="0"/>
+              </a:spcAft>
+              <a:buClr>
+                <a:schemeClr val="dk1"/>
+              </a:buClr>
+              <a:buSzPts val="1800"/>
+              <a:buNone/>
+            </a:pPr>
+            <a:endParaRPr lang="en-US" dirty="0">
+              <a:solidFill>
+                <a:schemeClr val="dk1"/>
+              </a:solidFill>
+            </a:endParaRPr>
+          </a:p>
+          <a:p>
+            <a:pPr marL="114300" lvl="0" indent="0" algn="l" rtl="0">
+              <a:spcBef>
+                <a:spcPts val="0"/>
+              </a:spcBef>
+              <a:spcAft>
+                <a:spcPts val="0"/>
+              </a:spcAft>
+              <a:buClr>
+                <a:schemeClr val="dk1"/>
+              </a:buClr>
+              <a:buSzPts val="1800"/>
+              <a:buNone/>
+            </a:pPr>
+            <a:r>
+              <a:rPr lang="en-US" dirty="0">
+                <a:solidFill>
+                  <a:schemeClr val="dk1"/>
+                </a:solidFill>
+              </a:rPr>
+              <a:t>Main    </a:t>
+            </a:r>
+          </a:p>
+          <a:p>
+            <a:pPr marL="114300" lvl="0" indent="0" algn="l" rtl="0">
+              <a:spcBef>
+                <a:spcPts val="0"/>
+              </a:spcBef>
+              <a:spcAft>
+                <a:spcPts val="0"/>
+              </a:spcAft>
+              <a:buClr>
+                <a:schemeClr val="dk1"/>
+              </a:buClr>
+              <a:buSzPts val="1800"/>
+              <a:buNone/>
+            </a:pPr>
+            <a:endParaRPr lang="en-US" dirty="0">
+              <a:solidFill>
+                <a:schemeClr val="dk1"/>
+              </a:solidFill>
+            </a:endParaRPr>
+          </a:p>
+          <a:p>
+            <a:pPr marL="114300" lvl="0" indent="0" algn="l" rtl="0">
+              <a:spcBef>
+                <a:spcPts val="0"/>
+              </a:spcBef>
+              <a:spcAft>
+                <a:spcPts val="0"/>
+              </a:spcAft>
+              <a:buClr>
+                <a:schemeClr val="dk1"/>
+              </a:buClr>
+              <a:buSzPts val="1800"/>
+              <a:buNone/>
+            </a:pPr>
+            <a:endParaRPr lang="en-US" dirty="0">
+              <a:solidFill>
+                <a:schemeClr val="dk1"/>
+              </a:solidFill>
+            </a:endParaRPr>
+          </a:p>
+          <a:p>
+            <a:pPr marL="114300" lvl="0" indent="0" algn="l" rtl="0">
+              <a:spcBef>
+                <a:spcPts val="0"/>
+              </a:spcBef>
+              <a:spcAft>
+                <a:spcPts val="0"/>
+              </a:spcAft>
+              <a:buClr>
+                <a:schemeClr val="dk1"/>
+              </a:buClr>
+              <a:buSzPts val="1800"/>
+              <a:buNone/>
+            </a:pPr>
+            <a:r>
+              <a:rPr lang="en-US" dirty="0">
+                <a:solidFill>
+                  <a:schemeClr val="dk1"/>
+                </a:solidFill>
+              </a:rPr>
+              <a:t>Feature Branch</a:t>
             </a:r>
             <a:endParaRPr dirty="0">
               <a:solidFill>
@@ -51142,331 +51574,14 @@
               </a:solidFill>
             </a:endParaRPr>
           </a:p>
-          <a:p>
-            <a:pPr marL="457200" lvl="0" indent="0" algn="l" rtl="0">
-              <a:spcBef>
-                <a:spcPts val="1200"/>
-              </a:spcBef>
-              <a:spcAft>
-                <a:spcPts val="0"/>
-              </a:spcAft>
-              <a:buNone/>
-            </a:pPr>
-            <a:r>
-              <a:rPr lang="en" dirty="0">
-                <a:solidFill>
-                  <a:schemeClr val="dk1"/>
-                </a:solidFill>
-                <a:latin typeface="Courier New"/>
-                <a:ea typeface="Courier New"/>
-                <a:cs typeface="Courier New"/>
-                <a:sym typeface="Courier New"/>
-              </a:rPr>
-              <a:t>git status                </a:t>
-            </a:r>
-            <a:r>
-              <a:rPr lang="en" dirty="0">
-                <a:solidFill>
-                  <a:schemeClr val="dk1"/>
-                </a:solidFill>
-              </a:rPr>
-              <a:t>  : Make sure that you know the current status of your repo.</a:t>
-            </a:r>
-            <a:endParaRPr dirty="0">
-              <a:solidFill>
-                <a:schemeClr val="dk1"/>
-              </a:solidFill>
-            </a:endParaRPr>
-          </a:p>
-          <a:p>
-            <a:pPr marL="457200" lvl="0" indent="0" algn="l" rtl="0">
-              <a:spcBef>
-                <a:spcPts val="1200"/>
-              </a:spcBef>
-              <a:spcAft>
-                <a:spcPts val="0"/>
-              </a:spcAft>
-              <a:buNone/>
-            </a:pPr>
-            <a:r>
-              <a:rPr lang="en" b="1" dirty="0">
-                <a:solidFill>
-                  <a:schemeClr val="dk1"/>
-                </a:solidFill>
-              </a:rPr>
-              <a:t>Work on my project</a:t>
-            </a:r>
-            <a:r>
-              <a:rPr lang="en" dirty="0">
-                <a:solidFill>
-                  <a:schemeClr val="dk1"/>
-                </a:solidFill>
-              </a:rPr>
-              <a:t>                        : Continue working on your project if you are happy with the current status.</a:t>
-            </a:r>
-            <a:endParaRPr dirty="0">
-              <a:solidFill>
-                <a:schemeClr val="dk1"/>
-              </a:solidFill>
-            </a:endParaRPr>
-          </a:p>
-          <a:p>
-            <a:pPr marL="457200" lvl="0" indent="0" algn="l" rtl="0">
-              <a:spcBef>
-                <a:spcPts val="1200"/>
-              </a:spcBef>
-              <a:spcAft>
-                <a:spcPts val="0"/>
-              </a:spcAft>
-              <a:buNone/>
-            </a:pPr>
-            <a:r>
-              <a:rPr lang="en" dirty="0">
-                <a:solidFill>
-                  <a:schemeClr val="dk1"/>
-                </a:solidFill>
-                <a:latin typeface="Courier New"/>
-                <a:ea typeface="Courier New"/>
-                <a:cs typeface="Courier New"/>
-                <a:sym typeface="Courier New"/>
-              </a:rPr>
-              <a:t>git add file(s)            </a:t>
-            </a:r>
-            <a:r>
-              <a:rPr lang="en" dirty="0">
-                <a:solidFill>
-                  <a:schemeClr val="dk1"/>
-                </a:solidFill>
-              </a:rPr>
-              <a:t>: Stage your changes often. </a:t>
-            </a:r>
-            <a:endParaRPr dirty="0">
-              <a:solidFill>
-                <a:schemeClr val="dk1"/>
-              </a:solidFill>
-            </a:endParaRPr>
-          </a:p>
-          <a:p>
-            <a:pPr marL="457200" lvl="0" indent="0" algn="l" rtl="0">
-              <a:spcBef>
-                <a:spcPts val="1200"/>
-              </a:spcBef>
-              <a:spcAft>
-                <a:spcPts val="0"/>
-              </a:spcAft>
-              <a:buNone/>
-            </a:pPr>
-            <a:r>
-              <a:rPr lang="en" dirty="0">
-                <a:solidFill>
-                  <a:schemeClr val="dk1"/>
-                </a:solidFill>
-                <a:latin typeface="Courier New"/>
-                <a:ea typeface="Courier New"/>
-                <a:cs typeface="Courier New"/>
-                <a:sym typeface="Courier New"/>
-              </a:rPr>
-              <a:t>git commit -m “Message”    </a:t>
-            </a:r>
-            <a:r>
-              <a:rPr lang="en" dirty="0">
-                <a:solidFill>
-                  <a:schemeClr val="dk1"/>
-                </a:solidFill>
-              </a:rPr>
-              <a:t>: Commit your stages. Make frequent and small commits.</a:t>
-            </a:r>
-            <a:endParaRPr dirty="0">
-              <a:solidFill>
-                <a:schemeClr val="dk1"/>
-              </a:solidFill>
-            </a:endParaRPr>
-          </a:p>
-          <a:p>
-            <a:pPr marL="457200" lvl="0" indent="0" algn="l" rtl="0">
-              <a:spcBef>
-                <a:spcPts val="1200"/>
-              </a:spcBef>
-              <a:spcAft>
-                <a:spcPts val="0"/>
-              </a:spcAft>
-              <a:buNone/>
-            </a:pPr>
-            <a:r>
-              <a:rPr lang="en" b="1" dirty="0">
-                <a:solidFill>
-                  <a:schemeClr val="dk1"/>
-                </a:solidFill>
-              </a:rPr>
-              <a:t>Happy with results                          </a:t>
-            </a:r>
-            <a:r>
-              <a:rPr lang="en" dirty="0">
-                <a:solidFill>
-                  <a:schemeClr val="dk1"/>
-                </a:solidFill>
-              </a:rPr>
-              <a:t>: You are happy with your progress and results.</a:t>
-            </a:r>
-          </a:p>
-          <a:p>
-            <a:pPr marL="457200" lvl="0" indent="0" algn="l" rtl="0">
-              <a:spcBef>
-                <a:spcPts val="1200"/>
-              </a:spcBef>
-              <a:spcAft>
-                <a:spcPts val="0"/>
-              </a:spcAft>
-              <a:buNone/>
-            </a:pPr>
-            <a:r>
-              <a:rPr lang="en-US" dirty="0">
-                <a:solidFill>
-                  <a:schemeClr val="dk1"/>
-                </a:solidFill>
-                <a:latin typeface="Courier New" panose="02070309020205020404" pitchFamily="49" charset="0"/>
-                <a:cs typeface="Courier New" panose="02070309020205020404" pitchFamily="49" charset="0"/>
-              </a:rPr>
-              <a:t>git switch main            :</a:t>
-            </a:r>
-            <a:r>
-              <a:rPr lang="en-US" dirty="0">
-                <a:solidFill>
-                  <a:schemeClr val="dk1"/>
-                </a:solidFill>
-                <a:latin typeface="+mn-lt"/>
-                <a:cs typeface="Courier New" panose="02070309020205020404" pitchFamily="49" charset="0"/>
-              </a:rPr>
-              <a:t>Switch to the branch you want to merge your feature branch to .   </a:t>
-            </a:r>
-            <a:endParaRPr dirty="0">
-              <a:solidFill>
-                <a:schemeClr val="dk1"/>
-              </a:solidFill>
-              <a:latin typeface="+mn-lt"/>
-              <a:cs typeface="Courier New" panose="02070309020205020404" pitchFamily="49" charset="0"/>
-            </a:endParaRPr>
-          </a:p>
-          <a:p>
-            <a:pPr marL="457200" lvl="0" indent="0" algn="l" rtl="0">
-              <a:spcBef>
-                <a:spcPts val="1200"/>
-              </a:spcBef>
-              <a:spcAft>
-                <a:spcPts val="0"/>
-              </a:spcAft>
-              <a:buNone/>
-            </a:pPr>
-            <a:r>
-              <a:rPr lang="en-US" dirty="0">
-                <a:solidFill>
-                  <a:schemeClr val="dk1"/>
-                </a:solidFill>
-                <a:latin typeface="Courier New"/>
-                <a:ea typeface="Courier New"/>
-                <a:cs typeface="Courier New"/>
-                <a:sym typeface="Courier New"/>
-              </a:rPr>
-              <a:t>git merge branch</a:t>
-            </a:r>
-            <a:r>
-              <a:rPr lang="en" dirty="0">
-                <a:solidFill>
-                  <a:schemeClr val="dk1"/>
-                </a:solidFill>
-                <a:latin typeface="Courier New"/>
-                <a:ea typeface="Courier New"/>
-                <a:cs typeface="Courier New"/>
-                <a:sym typeface="Courier New"/>
-              </a:rPr>
-              <a:t>           </a:t>
-            </a:r>
-            <a:r>
-              <a:rPr lang="en" dirty="0">
-                <a:solidFill>
-                  <a:schemeClr val="dk1"/>
-                </a:solidFill>
-              </a:rPr>
-              <a:t>: Merge the branch to main to update the main branch.</a:t>
-            </a:r>
-            <a:endParaRPr dirty="0">
-              <a:solidFill>
-                <a:schemeClr val="dk1"/>
-              </a:solidFill>
-            </a:endParaRPr>
-          </a:p>
-          <a:p>
-            <a:pPr marL="457200" lvl="0" indent="0" algn="l" rtl="0">
-              <a:spcBef>
-                <a:spcPts val="1200"/>
-              </a:spcBef>
-              <a:spcAft>
-                <a:spcPts val="0"/>
-              </a:spcAft>
-              <a:buNone/>
-            </a:pPr>
-            <a:r>
-              <a:rPr lang="en-US" dirty="0">
-                <a:solidFill>
-                  <a:schemeClr val="dk1"/>
-                </a:solidFill>
-                <a:latin typeface="Courier New"/>
-                <a:ea typeface="Courier New"/>
-                <a:cs typeface="Courier New"/>
-                <a:sym typeface="Courier New"/>
-              </a:rPr>
-              <a:t>git switch -c</a:t>
-            </a:r>
-            <a:r>
-              <a:rPr lang="en" dirty="0">
-                <a:solidFill>
-                  <a:schemeClr val="dk1"/>
-                </a:solidFill>
-                <a:latin typeface="Courier New"/>
-                <a:ea typeface="Courier New"/>
-                <a:cs typeface="Courier New"/>
-                <a:sym typeface="Courier New"/>
-              </a:rPr>
-              <a:t> new_branch   </a:t>
-            </a:r>
-            <a:r>
-              <a:rPr lang="en" dirty="0">
-                <a:solidFill>
-                  <a:schemeClr val="dk1"/>
-                </a:solidFill>
-              </a:rPr>
-              <a:t>: You are ready to work on a new task in a new branch</a:t>
-            </a:r>
-            <a:endParaRPr dirty="0">
-              <a:solidFill>
-                <a:schemeClr val="dk1"/>
-              </a:solidFill>
-            </a:endParaRPr>
-          </a:p>
-          <a:p>
-            <a:pPr marL="457200" lvl="0" indent="0" algn="l" rtl="0">
-              <a:spcBef>
-                <a:spcPts val="1200"/>
-              </a:spcBef>
-              <a:spcAft>
-                <a:spcPts val="1200"/>
-              </a:spcAft>
-              <a:buNone/>
-            </a:pPr>
-            <a:endParaRPr dirty="0">
-              <a:solidFill>
-                <a:schemeClr val="dk1"/>
-              </a:solidFill>
-            </a:endParaRPr>
-          </a:p>
         </p:txBody>
       </p:sp>
       <p:sp>
         <p:nvSpPr>
-          <p:cNvPr id="2" name="Rectangle: Rounded Corners 1">
+          <p:cNvPr id="3" name="Rectangle 2">
             <a:extLst>
               <a:ext uri="{FF2B5EF4-FFF2-40B4-BE49-F238E27FC236}">
-                <a16:creationId xmlns:a16="http://schemas.microsoft.com/office/drawing/2014/main" id="{29FD295F-E885-639F-09E2-A51225A3D106}"/>
+                <a16:creationId xmlns:a16="http://schemas.microsoft.com/office/drawing/2014/main" id="{94C9F97B-21DD-7F58-1024-C92AC82D6117}"/>
               </a:ext>
             </a:extLst>
           </p:cNvPr>
@@ -51475,13 +51590,15 @@
         </p:nvSpPr>
         <p:spPr>
           <a:xfrm>
-            <a:off x="396240" y="259080"/>
-            <a:ext cx="8567860" cy="4537295"/>
-          </a:xfrm>
-          <a:prstGeom prst="roundRect">
-            <a:avLst/>
-          </a:prstGeom>
-          <a:noFill/>
+            <a:off x="1859280" y="2400300"/>
+            <a:ext cx="441960" cy="327660"/>
+          </a:xfrm>
+          <a:prstGeom prst="rect">
+            <a:avLst/>
+          </a:prstGeom>
+          <a:solidFill>
+            <a:srgbClr val="FFFF00"/>
+          </a:solidFill>
         </p:spPr>
         <p:style>
           <a:lnRef idx="2">
@@ -51508,7 +51625,539 @@
           </a:p>
         </p:txBody>
       </p:sp>
+      <p:sp>
+        <p:nvSpPr>
+          <p:cNvPr id="4" name="Rectangle 3">
+            <a:extLst>
+              <a:ext uri="{FF2B5EF4-FFF2-40B4-BE49-F238E27FC236}">
+                <a16:creationId xmlns:a16="http://schemas.microsoft.com/office/drawing/2014/main" id="{40876506-2EDC-C848-B745-A7DFC25A3F32}"/>
+              </a:ext>
+            </a:extLst>
+          </p:cNvPr>
+          <p:cNvSpPr/>
+          <p:nvPr/>
+        </p:nvSpPr>
+        <p:spPr>
+          <a:xfrm>
+            <a:off x="2606040" y="2407920"/>
+            <a:ext cx="441960" cy="327660"/>
+          </a:xfrm>
+          <a:prstGeom prst="rect">
+            <a:avLst/>
+          </a:prstGeom>
+          <a:solidFill>
+            <a:srgbClr val="FFFF00"/>
+          </a:solidFill>
+        </p:spPr>
+        <p:style>
+          <a:lnRef idx="2">
+            <a:schemeClr val="accent1">
+              <a:shade val="15000"/>
+            </a:schemeClr>
+          </a:lnRef>
+          <a:fillRef idx="1">
+            <a:schemeClr val="accent1"/>
+          </a:fillRef>
+          <a:effectRef idx="0">
+            <a:schemeClr val="accent1"/>
+          </a:effectRef>
+          <a:fontRef idx="minor">
+            <a:schemeClr val="lt1"/>
+          </a:fontRef>
+        </p:style>
+        <p:txBody>
+          <a:bodyPr rtlCol="0" anchor="ctr"/>
+          <a:lstStyle/>
+          <a:p>
+            <a:pPr algn="ctr"/>
+            <a:endParaRPr lang="LID4096"/>
+          </a:p>
+        </p:txBody>
+      </p:sp>
+      <p:sp>
+        <p:nvSpPr>
+          <p:cNvPr id="5" name="Rectangle 4">
+            <a:extLst>
+              <a:ext uri="{FF2B5EF4-FFF2-40B4-BE49-F238E27FC236}">
+                <a16:creationId xmlns:a16="http://schemas.microsoft.com/office/drawing/2014/main" id="{5DB93722-44B0-894B-6FE8-209F73C6BD0C}"/>
+              </a:ext>
+            </a:extLst>
+          </p:cNvPr>
+          <p:cNvSpPr/>
+          <p:nvPr/>
+        </p:nvSpPr>
+        <p:spPr>
+          <a:xfrm>
+            <a:off x="3177540" y="3390900"/>
+            <a:ext cx="441960" cy="327660"/>
+          </a:xfrm>
+          <a:prstGeom prst="rect">
+            <a:avLst/>
+          </a:prstGeom>
+          <a:solidFill>
+            <a:srgbClr val="FFFF00"/>
+          </a:solidFill>
+          <a:ln>
+            <a:solidFill>
+              <a:srgbClr val="FF0000"/>
+            </a:solidFill>
+          </a:ln>
+        </p:spPr>
+        <p:style>
+          <a:lnRef idx="2">
+            <a:schemeClr val="accent1">
+              <a:shade val="15000"/>
+            </a:schemeClr>
+          </a:lnRef>
+          <a:fillRef idx="1">
+            <a:schemeClr val="accent1"/>
+          </a:fillRef>
+          <a:effectRef idx="0">
+            <a:schemeClr val="accent1"/>
+          </a:effectRef>
+          <a:fontRef idx="minor">
+            <a:schemeClr val="lt1"/>
+          </a:fontRef>
+        </p:style>
+        <p:txBody>
+          <a:bodyPr rtlCol="0" anchor="ctr"/>
+          <a:lstStyle/>
+          <a:p>
+            <a:pPr algn="ctr"/>
+            <a:endParaRPr lang="LID4096"/>
+          </a:p>
+        </p:txBody>
+      </p:sp>
+      <p:sp>
+        <p:nvSpPr>
+          <p:cNvPr id="6" name="TextBox 5">
+            <a:extLst>
+              <a:ext uri="{FF2B5EF4-FFF2-40B4-BE49-F238E27FC236}">
+                <a16:creationId xmlns:a16="http://schemas.microsoft.com/office/drawing/2014/main" id="{1E16B9A9-C34C-6D4C-E313-BDF1C69FA425}"/>
+              </a:ext>
+            </a:extLst>
+          </p:cNvPr>
+          <p:cNvSpPr txBox="1"/>
+          <p:nvPr/>
+        </p:nvSpPr>
+        <p:spPr>
+          <a:xfrm>
+            <a:off x="1878121" y="2400300"/>
+            <a:ext cx="404278" cy="307777"/>
+          </a:xfrm>
+          <a:prstGeom prst="rect">
+            <a:avLst/>
+          </a:prstGeom>
+          <a:noFill/>
+        </p:spPr>
+        <p:txBody>
+          <a:bodyPr wrap="none" rtlCol="0">
+            <a:spAutoFit/>
+          </a:bodyPr>
+          <a:lstStyle/>
+          <a:p>
+            <a:r>
+              <a:rPr lang="en-US" dirty="0">
+                <a:solidFill>
+                  <a:schemeClr val="tx1">
+                    <a:lumMod val="95000"/>
+                    <a:lumOff val="5000"/>
+                  </a:schemeClr>
+                </a:solidFill>
+              </a:rPr>
+              <a:t>B1</a:t>
+            </a:r>
+            <a:endParaRPr lang="LID4096" dirty="0">
+              <a:solidFill>
+                <a:schemeClr val="tx1">
+                  <a:lumMod val="95000"/>
+                  <a:lumOff val="5000"/>
+                </a:schemeClr>
+              </a:solidFill>
+            </a:endParaRPr>
+          </a:p>
+        </p:txBody>
+      </p:sp>
+      <p:sp>
+        <p:nvSpPr>
+          <p:cNvPr id="7" name="TextBox 6">
+            <a:extLst>
+              <a:ext uri="{FF2B5EF4-FFF2-40B4-BE49-F238E27FC236}">
+                <a16:creationId xmlns:a16="http://schemas.microsoft.com/office/drawing/2014/main" id="{D3FFB553-57C4-399C-35CE-1B9A24E4C1B2}"/>
+              </a:ext>
+            </a:extLst>
+          </p:cNvPr>
+          <p:cNvSpPr txBox="1"/>
+          <p:nvPr/>
+        </p:nvSpPr>
+        <p:spPr>
+          <a:xfrm>
+            <a:off x="2571541" y="2415540"/>
+            <a:ext cx="404278" cy="307777"/>
+          </a:xfrm>
+          <a:prstGeom prst="rect">
+            <a:avLst/>
+          </a:prstGeom>
+          <a:noFill/>
+        </p:spPr>
+        <p:txBody>
+          <a:bodyPr wrap="none" rtlCol="0">
+            <a:spAutoFit/>
+          </a:bodyPr>
+          <a:lstStyle/>
+          <a:p>
+            <a:r>
+              <a:rPr lang="en-US" dirty="0">
+                <a:solidFill>
+                  <a:schemeClr val="tx1">
+                    <a:lumMod val="95000"/>
+                    <a:lumOff val="5000"/>
+                  </a:schemeClr>
+                </a:solidFill>
+              </a:rPr>
+              <a:t>B2</a:t>
+            </a:r>
+            <a:endParaRPr lang="LID4096" dirty="0">
+              <a:solidFill>
+                <a:schemeClr val="tx1">
+                  <a:lumMod val="95000"/>
+                  <a:lumOff val="5000"/>
+                </a:schemeClr>
+              </a:solidFill>
+            </a:endParaRPr>
+          </a:p>
+        </p:txBody>
+      </p:sp>
+      <p:sp>
+        <p:nvSpPr>
+          <p:cNvPr id="8" name="TextBox 7">
+            <a:extLst>
+              <a:ext uri="{FF2B5EF4-FFF2-40B4-BE49-F238E27FC236}">
+                <a16:creationId xmlns:a16="http://schemas.microsoft.com/office/drawing/2014/main" id="{EB7E27BC-F2D4-F175-BA4C-7CEF804FA1EB}"/>
+              </a:ext>
+            </a:extLst>
+          </p:cNvPr>
+          <p:cNvSpPr txBox="1"/>
+          <p:nvPr/>
+        </p:nvSpPr>
+        <p:spPr>
+          <a:xfrm>
+            <a:off x="3173521" y="3406140"/>
+            <a:ext cx="404278" cy="307777"/>
+          </a:xfrm>
+          <a:prstGeom prst="rect">
+            <a:avLst/>
+          </a:prstGeom>
+          <a:noFill/>
+        </p:spPr>
+        <p:txBody>
+          <a:bodyPr wrap="none" rtlCol="0">
+            <a:spAutoFit/>
+          </a:bodyPr>
+          <a:lstStyle/>
+          <a:p>
+            <a:r>
+              <a:rPr lang="en-US" dirty="0">
+                <a:solidFill>
+                  <a:schemeClr val="tx1">
+                    <a:lumMod val="95000"/>
+                    <a:lumOff val="5000"/>
+                  </a:schemeClr>
+                </a:solidFill>
+              </a:rPr>
+              <a:t>B3</a:t>
+            </a:r>
+            <a:endParaRPr lang="LID4096" dirty="0">
+              <a:solidFill>
+                <a:schemeClr val="tx1">
+                  <a:lumMod val="95000"/>
+                  <a:lumOff val="5000"/>
+                </a:schemeClr>
+              </a:solidFill>
+            </a:endParaRPr>
+          </a:p>
+        </p:txBody>
+      </p:sp>
+      <p:cxnSp>
+        <p:nvCxnSpPr>
+          <p:cNvPr id="10" name="Straight Connector 9">
+            <a:extLst>
+              <a:ext uri="{FF2B5EF4-FFF2-40B4-BE49-F238E27FC236}">
+                <a16:creationId xmlns:a16="http://schemas.microsoft.com/office/drawing/2014/main" id="{A3FFB0F1-3B3C-7C15-49F7-1E2DD91CEE46}"/>
+              </a:ext>
+            </a:extLst>
+          </p:cNvPr>
+          <p:cNvCxnSpPr>
+            <a:cxnSpLocks/>
+          </p:cNvCxnSpPr>
+          <p:nvPr/>
+        </p:nvCxnSpPr>
+        <p:spPr>
+          <a:xfrm>
+            <a:off x="2324100" y="2554188"/>
+            <a:ext cx="289560" cy="0"/>
+          </a:xfrm>
+          <a:prstGeom prst="line">
+            <a:avLst/>
+          </a:prstGeom>
+        </p:spPr>
+        <p:style>
+          <a:lnRef idx="1">
+            <a:schemeClr val="accent1"/>
+          </a:lnRef>
+          <a:fillRef idx="0">
+            <a:schemeClr val="accent1"/>
+          </a:fillRef>
+          <a:effectRef idx="0">
+            <a:schemeClr val="accent1"/>
+          </a:effectRef>
+          <a:fontRef idx="minor">
+            <a:schemeClr val="tx1"/>
+          </a:fontRef>
+        </p:style>
+      </p:cxnSp>
+      <p:cxnSp>
+        <p:nvCxnSpPr>
+          <p:cNvPr id="13" name="Connector: Elbow 12">
+            <a:extLst>
+              <a:ext uri="{FF2B5EF4-FFF2-40B4-BE49-F238E27FC236}">
+                <a16:creationId xmlns:a16="http://schemas.microsoft.com/office/drawing/2014/main" id="{28CB813C-FCC7-F5E3-4C31-A619945AFBD2}"/>
+              </a:ext>
+            </a:extLst>
+          </p:cNvPr>
+          <p:cNvCxnSpPr>
+            <a:stCxn id="4" idx="2"/>
+            <a:endCxn id="8" idx="1"/>
+          </p:cNvCxnSpPr>
+          <p:nvPr/>
+        </p:nvCxnSpPr>
+        <p:spPr>
+          <a:xfrm rot="16200000" flipH="1">
+            <a:off x="2588046" y="2974553"/>
+            <a:ext cx="824449" cy="346501"/>
+          </a:xfrm>
+          <a:prstGeom prst="bentConnector2">
+            <a:avLst/>
+          </a:prstGeom>
+        </p:spPr>
+        <p:style>
+          <a:lnRef idx="1">
+            <a:schemeClr val="accent1"/>
+          </a:lnRef>
+          <a:fillRef idx="0">
+            <a:schemeClr val="accent1"/>
+          </a:fillRef>
+          <a:effectRef idx="0">
+            <a:schemeClr val="accent1"/>
+          </a:effectRef>
+          <a:fontRef idx="minor">
+            <a:schemeClr val="tx1"/>
+          </a:fontRef>
+        </p:style>
+      </p:cxnSp>
+      <p:sp>
+        <p:nvSpPr>
+          <p:cNvPr id="15" name="Rectangle: Rounded Corners 14">
+            <a:extLst>
+              <a:ext uri="{FF2B5EF4-FFF2-40B4-BE49-F238E27FC236}">
+                <a16:creationId xmlns:a16="http://schemas.microsoft.com/office/drawing/2014/main" id="{9F81F982-4634-4AA2-9886-A048CF6053A1}"/>
+              </a:ext>
+            </a:extLst>
+          </p:cNvPr>
+          <p:cNvSpPr/>
+          <p:nvPr/>
+        </p:nvSpPr>
+        <p:spPr>
+          <a:xfrm>
+            <a:off x="2613660" y="1874180"/>
+            <a:ext cx="464820" cy="307777"/>
+          </a:xfrm>
+          <a:prstGeom prst="roundRect">
+            <a:avLst/>
+          </a:prstGeom>
+          <a:solidFill>
+            <a:schemeClr val="bg1">
+              <a:lumMod val="85000"/>
+            </a:schemeClr>
+          </a:solidFill>
+        </p:spPr>
+        <p:style>
+          <a:lnRef idx="2">
+            <a:schemeClr val="accent1">
+              <a:shade val="15000"/>
+            </a:schemeClr>
+          </a:lnRef>
+          <a:fillRef idx="1">
+            <a:schemeClr val="accent1"/>
+          </a:fillRef>
+          <a:effectRef idx="0">
+            <a:schemeClr val="accent1"/>
+          </a:effectRef>
+          <a:fontRef idx="minor">
+            <a:schemeClr val="lt1"/>
+          </a:fontRef>
+        </p:style>
+        <p:txBody>
+          <a:bodyPr rtlCol="0" anchor="ctr"/>
+          <a:lstStyle/>
+          <a:p>
+            <a:pPr algn="ctr"/>
+            <a:endParaRPr lang="LID4096"/>
+          </a:p>
+        </p:txBody>
+      </p:sp>
+      <p:sp>
+        <p:nvSpPr>
+          <p:cNvPr id="14" name="TextBox 13">
+            <a:extLst>
+              <a:ext uri="{FF2B5EF4-FFF2-40B4-BE49-F238E27FC236}">
+                <a16:creationId xmlns:a16="http://schemas.microsoft.com/office/drawing/2014/main" id="{7C2D6CB6-01CF-151C-AB3B-ECB39F0B76E4}"/>
+              </a:ext>
+            </a:extLst>
+          </p:cNvPr>
+          <p:cNvSpPr txBox="1"/>
+          <p:nvPr/>
+        </p:nvSpPr>
+        <p:spPr>
+          <a:xfrm>
+            <a:off x="2559773" y="1861917"/>
+            <a:ext cx="572593" cy="307777"/>
+          </a:xfrm>
+          <a:prstGeom prst="rect">
+            <a:avLst/>
+          </a:prstGeom>
+          <a:noFill/>
+        </p:spPr>
+        <p:txBody>
+          <a:bodyPr wrap="none" rtlCol="0">
+            <a:spAutoFit/>
+          </a:bodyPr>
+          <a:lstStyle/>
+          <a:p>
+            <a:r>
+              <a:rPr lang="en-US" dirty="0"/>
+              <a:t>Main</a:t>
+            </a:r>
+            <a:endParaRPr lang="LID4096" dirty="0"/>
+          </a:p>
+        </p:txBody>
+      </p:sp>
+      <p:sp>
+        <p:nvSpPr>
+          <p:cNvPr id="16" name="Rectangle: Rounded Corners 15">
+            <a:extLst>
+              <a:ext uri="{FF2B5EF4-FFF2-40B4-BE49-F238E27FC236}">
+                <a16:creationId xmlns:a16="http://schemas.microsoft.com/office/drawing/2014/main" id="{F6DC74FE-8097-17C2-EEC0-68EDBA53781F}"/>
+              </a:ext>
+            </a:extLst>
+          </p:cNvPr>
+          <p:cNvSpPr/>
+          <p:nvPr/>
+        </p:nvSpPr>
+        <p:spPr>
+          <a:xfrm>
+            <a:off x="3112560" y="4000500"/>
+            <a:ext cx="659340" cy="288538"/>
+          </a:xfrm>
+          <a:prstGeom prst="roundRect">
+            <a:avLst/>
+          </a:prstGeom>
+          <a:solidFill>
+            <a:schemeClr val="bg1">
+              <a:lumMod val="75000"/>
+            </a:schemeClr>
+          </a:solidFill>
+        </p:spPr>
+        <p:style>
+          <a:lnRef idx="2">
+            <a:schemeClr val="accent1">
+              <a:shade val="15000"/>
+            </a:schemeClr>
+          </a:lnRef>
+          <a:fillRef idx="1">
+            <a:schemeClr val="accent1"/>
+          </a:fillRef>
+          <a:effectRef idx="0">
+            <a:schemeClr val="accent1"/>
+          </a:effectRef>
+          <a:fontRef idx="minor">
+            <a:schemeClr val="lt1"/>
+          </a:fontRef>
+        </p:style>
+        <p:txBody>
+          <a:bodyPr rtlCol="0" anchor="ctr"/>
+          <a:lstStyle/>
+          <a:p>
+            <a:pPr algn="ctr"/>
+            <a:r>
+              <a:rPr lang="en-US" sz="1000" dirty="0">
+                <a:solidFill>
+                  <a:schemeClr val="tx1">
+                    <a:lumMod val="95000"/>
+                    <a:lumOff val="5000"/>
+                  </a:schemeClr>
+                </a:solidFill>
+              </a:rPr>
+              <a:t>Feature</a:t>
+            </a:r>
+            <a:endParaRPr lang="LID4096" sz="1000" dirty="0">
+              <a:solidFill>
+                <a:schemeClr val="tx1">
+                  <a:lumMod val="95000"/>
+                  <a:lumOff val="5000"/>
+                </a:schemeClr>
+              </a:solidFill>
+            </a:endParaRPr>
+          </a:p>
+        </p:txBody>
+      </p:sp>
+      <p:cxnSp>
+        <p:nvCxnSpPr>
+          <p:cNvPr id="20" name="Straight Arrow Connector 19">
+            <a:extLst>
+              <a:ext uri="{FF2B5EF4-FFF2-40B4-BE49-F238E27FC236}">
+                <a16:creationId xmlns:a16="http://schemas.microsoft.com/office/drawing/2014/main" id="{9DEE5AEC-39BA-BD23-0B49-457EC73E9CE9}"/>
+              </a:ext>
+            </a:extLst>
+          </p:cNvPr>
+          <p:cNvCxnSpPr>
+            <a:cxnSpLocks/>
+          </p:cNvCxnSpPr>
+          <p:nvPr/>
+        </p:nvCxnSpPr>
+        <p:spPr>
+          <a:xfrm flipV="1">
+            <a:off x="3392700" y="3693593"/>
+            <a:ext cx="0" cy="306907"/>
+          </a:xfrm>
+          <a:prstGeom prst="straightConnector1">
+            <a:avLst/>
+          </a:prstGeom>
+          <a:ln>
+            <a:tailEnd type="triangle"/>
+          </a:ln>
+        </p:spPr>
+        <p:style>
+          <a:lnRef idx="1">
+            <a:schemeClr val="accent2"/>
+          </a:lnRef>
+          <a:fillRef idx="0">
+            <a:schemeClr val="accent2"/>
+          </a:fillRef>
+          <a:effectRef idx="0">
+            <a:schemeClr val="accent2"/>
+          </a:effectRef>
+          <a:fontRef idx="minor">
+            <a:schemeClr val="tx1"/>
+          </a:fontRef>
+        </p:style>
+      </p:cxnSp>
     </p:spTree>
+    <p:extLst>
+      <p:ext uri="{BB962C8B-B14F-4D97-AF65-F5344CB8AC3E}">
+        <p14:creationId xmlns:p14="http://schemas.microsoft.com/office/powerpoint/2010/main" val="3201751818"/>
+      </p:ext>
+    </p:extLst>
   </p:cSld>
   <p:clrMapOvr>
     <a:masterClrMapping/>
@@ -52210,6 +52859,1678 @@
   <p:cSld>
     <p:spTree>
       <p:nvGrpSpPr>
+        <p:cNvPr id="1" name="Shape 883">
+          <a:extLst>
+            <a:ext uri="{FF2B5EF4-FFF2-40B4-BE49-F238E27FC236}">
+              <a16:creationId xmlns:a16="http://schemas.microsoft.com/office/drawing/2014/main" id="{5AE390CB-9B1C-DD1A-224B-86A9B3FC5BB4}"/>
+            </a:ext>
+          </a:extLst>
+        </p:cNvPr>
+        <p:cNvGrpSpPr/>
+        <p:nvPr/>
+      </p:nvGrpSpPr>
+      <p:grpSpPr>
+        <a:xfrm>
+          <a:off x="0" y="0"/>
+          <a:ext cx="0" cy="0"/>
+          <a:chOff x="0" y="0"/>
+          <a:chExt cx="0" cy="0"/>
+        </a:xfrm>
+      </p:grpSpPr>
+      <p:cxnSp>
+        <p:nvCxnSpPr>
+          <p:cNvPr id="13" name="Connector: Elbow 12">
+            <a:extLst>
+              <a:ext uri="{FF2B5EF4-FFF2-40B4-BE49-F238E27FC236}">
+                <a16:creationId xmlns:a16="http://schemas.microsoft.com/office/drawing/2014/main" id="{89D4A292-8B19-8BFE-D3A8-3B56EFB83DB5}"/>
+              </a:ext>
+            </a:extLst>
+          </p:cNvPr>
+          <p:cNvCxnSpPr>
+            <a:stCxn id="4" idx="2"/>
+            <a:endCxn id="8" idx="1"/>
+          </p:cNvCxnSpPr>
+          <p:nvPr/>
+        </p:nvCxnSpPr>
+        <p:spPr>
+          <a:xfrm rot="16200000" flipH="1">
+            <a:off x="2675676" y="2886923"/>
+            <a:ext cx="824449" cy="521761"/>
+          </a:xfrm>
+          <a:prstGeom prst="bentConnector2">
+            <a:avLst/>
+          </a:prstGeom>
+        </p:spPr>
+        <p:style>
+          <a:lnRef idx="1">
+            <a:schemeClr val="accent1"/>
+          </a:lnRef>
+          <a:fillRef idx="0">
+            <a:schemeClr val="accent1"/>
+          </a:fillRef>
+          <a:effectRef idx="0">
+            <a:schemeClr val="accent1"/>
+          </a:effectRef>
+          <a:fontRef idx="minor">
+            <a:schemeClr val="tx1"/>
+          </a:fontRef>
+        </p:style>
+      </p:cxnSp>
+      <p:sp>
+        <p:nvSpPr>
+          <p:cNvPr id="887" name="Google Shape;887;p75">
+            <a:extLst>
+              <a:ext uri="{FF2B5EF4-FFF2-40B4-BE49-F238E27FC236}">
+                <a16:creationId xmlns:a16="http://schemas.microsoft.com/office/drawing/2014/main" id="{19F83752-D1C4-D054-318A-C3A68574103B}"/>
+              </a:ext>
+            </a:extLst>
+          </p:cNvPr>
+          <p:cNvSpPr txBox="1">
+            <a:spLocks noGrp="1"/>
+          </p:cNvSpPr>
+          <p:nvPr>
+            <p:ph type="title"/>
+          </p:nvPr>
+        </p:nvSpPr>
+        <p:spPr>
+          <a:xfrm>
+            <a:off x="311700" y="445025"/>
+            <a:ext cx="8520600" cy="572700"/>
+          </a:xfrm>
+          <a:prstGeom prst="rect">
+            <a:avLst/>
+          </a:prstGeom>
+        </p:spPr>
+        <p:txBody>
+          <a:bodyPr spcFirstLastPara="1" wrap="square" lIns="91425" tIns="91425" rIns="91425" bIns="91425" anchor="t" anchorCtr="0">
+            <a:normAutofit fontScale="90000"/>
+          </a:bodyPr>
+          <a:lstStyle/>
+          <a:p>
+            <a:pPr marL="0" lvl="0" indent="0" algn="ctr" rtl="0">
+              <a:spcBef>
+                <a:spcPts val="0"/>
+              </a:spcBef>
+              <a:spcAft>
+                <a:spcPts val="0"/>
+              </a:spcAft>
+              <a:buNone/>
+            </a:pPr>
+            <a:r>
+              <a:rPr lang="en" dirty="0"/>
+              <a:t>Merge Types</a:t>
+            </a:r>
+            <a:endParaRPr dirty="0"/>
+          </a:p>
+        </p:txBody>
+      </p:sp>
+      <p:sp>
+        <p:nvSpPr>
+          <p:cNvPr id="888" name="Google Shape;888;p75">
+            <a:extLst>
+              <a:ext uri="{FF2B5EF4-FFF2-40B4-BE49-F238E27FC236}">
+                <a16:creationId xmlns:a16="http://schemas.microsoft.com/office/drawing/2014/main" id="{35D73ACD-E7C2-6720-09C6-A67811AF0F8E}"/>
+              </a:ext>
+            </a:extLst>
+          </p:cNvPr>
+          <p:cNvSpPr txBox="1">
+            <a:spLocks noGrp="1"/>
+          </p:cNvSpPr>
+          <p:nvPr>
+            <p:ph type="body" idx="1"/>
+          </p:nvPr>
+        </p:nvSpPr>
+        <p:spPr>
+          <a:xfrm>
+            <a:off x="15240" y="1055825"/>
+            <a:ext cx="8884920" cy="3785285"/>
+          </a:xfrm>
+          <a:prstGeom prst="rect">
+            <a:avLst/>
+          </a:prstGeom>
+        </p:spPr>
+        <p:txBody>
+          <a:bodyPr spcFirstLastPara="1" wrap="square" lIns="91425" tIns="91425" rIns="91425" bIns="91425" anchor="t" anchorCtr="0">
+            <a:normAutofit/>
+          </a:bodyPr>
+          <a:lstStyle/>
+          <a:p>
+            <a:pPr marL="114300" lvl="0" indent="0" algn="l" rtl="0">
+              <a:spcBef>
+                <a:spcPts val="0"/>
+              </a:spcBef>
+              <a:spcAft>
+                <a:spcPts val="0"/>
+              </a:spcAft>
+              <a:buClr>
+                <a:schemeClr val="dk1"/>
+              </a:buClr>
+              <a:buSzPts val="1800"/>
+              <a:buNone/>
+            </a:pPr>
+            <a:r>
+              <a:rPr lang="en-US" b="1" dirty="0">
+                <a:solidFill>
+                  <a:schemeClr val="dk1"/>
+                </a:solidFill>
+              </a:rPr>
+              <a:t>Fast-forward merge</a:t>
+            </a:r>
+          </a:p>
+          <a:p>
+            <a:pPr marL="114300" lvl="0" indent="0" algn="l" rtl="0">
+              <a:spcBef>
+                <a:spcPts val="0"/>
+              </a:spcBef>
+              <a:spcAft>
+                <a:spcPts val="0"/>
+              </a:spcAft>
+              <a:buClr>
+                <a:schemeClr val="dk1"/>
+              </a:buClr>
+              <a:buSzPts val="1800"/>
+              <a:buNone/>
+            </a:pPr>
+            <a:endParaRPr lang="en-US" b="1" dirty="0">
+              <a:solidFill>
+                <a:schemeClr val="dk1"/>
+              </a:solidFill>
+            </a:endParaRPr>
+          </a:p>
+          <a:p>
+            <a:pPr marL="114300" lvl="0" indent="0" algn="l" rtl="0">
+              <a:spcBef>
+                <a:spcPts val="0"/>
+              </a:spcBef>
+              <a:spcAft>
+                <a:spcPts val="0"/>
+              </a:spcAft>
+              <a:buClr>
+                <a:schemeClr val="dk1"/>
+              </a:buClr>
+              <a:buSzPts val="1800"/>
+              <a:buNone/>
+            </a:pPr>
+            <a:r>
+              <a:rPr lang="en-US" dirty="0">
+                <a:solidFill>
+                  <a:schemeClr val="dk1"/>
+                </a:solidFill>
+              </a:rPr>
+              <a:t>After merging</a:t>
+            </a:r>
+          </a:p>
+          <a:p>
+            <a:pPr marL="114300" lvl="0" indent="0" algn="l" rtl="0">
+              <a:spcBef>
+                <a:spcPts val="0"/>
+              </a:spcBef>
+              <a:spcAft>
+                <a:spcPts val="0"/>
+              </a:spcAft>
+              <a:buClr>
+                <a:schemeClr val="dk1"/>
+              </a:buClr>
+              <a:buSzPts val="1800"/>
+              <a:buNone/>
+            </a:pPr>
+            <a:endParaRPr lang="en-US" dirty="0">
+              <a:solidFill>
+                <a:schemeClr val="dk1"/>
+              </a:solidFill>
+            </a:endParaRPr>
+          </a:p>
+          <a:p>
+            <a:pPr marL="114300" lvl="0" indent="0" algn="l" rtl="0">
+              <a:spcBef>
+                <a:spcPts val="0"/>
+              </a:spcBef>
+              <a:spcAft>
+                <a:spcPts val="0"/>
+              </a:spcAft>
+              <a:buClr>
+                <a:schemeClr val="dk1"/>
+              </a:buClr>
+              <a:buSzPts val="1800"/>
+              <a:buNone/>
+            </a:pPr>
+            <a:r>
+              <a:rPr lang="en-US" dirty="0">
+                <a:solidFill>
+                  <a:schemeClr val="dk1"/>
+                </a:solidFill>
+              </a:rPr>
+              <a:t>Main    </a:t>
+            </a:r>
+          </a:p>
+          <a:p>
+            <a:pPr marL="114300" lvl="0" indent="0" algn="l" rtl="0">
+              <a:spcBef>
+                <a:spcPts val="0"/>
+              </a:spcBef>
+              <a:spcAft>
+                <a:spcPts val="0"/>
+              </a:spcAft>
+              <a:buClr>
+                <a:schemeClr val="dk1"/>
+              </a:buClr>
+              <a:buSzPts val="1800"/>
+              <a:buNone/>
+            </a:pPr>
+            <a:endParaRPr lang="en-US" dirty="0">
+              <a:solidFill>
+                <a:schemeClr val="dk1"/>
+              </a:solidFill>
+            </a:endParaRPr>
+          </a:p>
+          <a:p>
+            <a:pPr marL="114300" lvl="0" indent="0" algn="l" rtl="0">
+              <a:spcBef>
+                <a:spcPts val="0"/>
+              </a:spcBef>
+              <a:spcAft>
+                <a:spcPts val="0"/>
+              </a:spcAft>
+              <a:buClr>
+                <a:schemeClr val="dk1"/>
+              </a:buClr>
+              <a:buSzPts val="1800"/>
+              <a:buNone/>
+            </a:pPr>
+            <a:endParaRPr lang="en-US" dirty="0">
+              <a:solidFill>
+                <a:schemeClr val="dk1"/>
+              </a:solidFill>
+            </a:endParaRPr>
+          </a:p>
+          <a:p>
+            <a:pPr marL="114300" lvl="0" indent="0" algn="l" rtl="0">
+              <a:spcBef>
+                <a:spcPts val="0"/>
+              </a:spcBef>
+              <a:spcAft>
+                <a:spcPts val="0"/>
+              </a:spcAft>
+              <a:buClr>
+                <a:schemeClr val="dk1"/>
+              </a:buClr>
+              <a:buSzPts val="1800"/>
+              <a:buNone/>
+            </a:pPr>
+            <a:r>
+              <a:rPr lang="en-US" dirty="0">
+                <a:solidFill>
+                  <a:schemeClr val="dk1"/>
+                </a:solidFill>
+              </a:rPr>
+              <a:t>Feature Branch</a:t>
+            </a:r>
+            <a:endParaRPr dirty="0">
+              <a:solidFill>
+                <a:schemeClr val="dk1"/>
+              </a:solidFill>
+            </a:endParaRPr>
+          </a:p>
+        </p:txBody>
+      </p:sp>
+      <p:sp>
+        <p:nvSpPr>
+          <p:cNvPr id="3" name="Rectangle 2">
+            <a:extLst>
+              <a:ext uri="{FF2B5EF4-FFF2-40B4-BE49-F238E27FC236}">
+                <a16:creationId xmlns:a16="http://schemas.microsoft.com/office/drawing/2014/main" id="{E7CFCF51-9EEC-A3F1-22F6-33BE9B3D6DD4}"/>
+              </a:ext>
+            </a:extLst>
+          </p:cNvPr>
+          <p:cNvSpPr/>
+          <p:nvPr/>
+        </p:nvSpPr>
+        <p:spPr>
+          <a:xfrm>
+            <a:off x="1859280" y="2400300"/>
+            <a:ext cx="441960" cy="327660"/>
+          </a:xfrm>
+          <a:prstGeom prst="rect">
+            <a:avLst/>
+          </a:prstGeom>
+          <a:solidFill>
+            <a:srgbClr val="FFFF00"/>
+          </a:solidFill>
+        </p:spPr>
+        <p:style>
+          <a:lnRef idx="2">
+            <a:schemeClr val="accent1">
+              <a:shade val="15000"/>
+            </a:schemeClr>
+          </a:lnRef>
+          <a:fillRef idx="1">
+            <a:schemeClr val="accent1"/>
+          </a:fillRef>
+          <a:effectRef idx="0">
+            <a:schemeClr val="accent1"/>
+          </a:effectRef>
+          <a:fontRef idx="minor">
+            <a:schemeClr val="lt1"/>
+          </a:fontRef>
+        </p:style>
+        <p:txBody>
+          <a:bodyPr rtlCol="0" anchor="ctr"/>
+          <a:lstStyle/>
+          <a:p>
+            <a:pPr algn="ctr"/>
+            <a:endParaRPr lang="LID4096"/>
+          </a:p>
+        </p:txBody>
+      </p:sp>
+      <p:sp>
+        <p:nvSpPr>
+          <p:cNvPr id="4" name="Rectangle 3">
+            <a:extLst>
+              <a:ext uri="{FF2B5EF4-FFF2-40B4-BE49-F238E27FC236}">
+                <a16:creationId xmlns:a16="http://schemas.microsoft.com/office/drawing/2014/main" id="{E96BC045-BF86-5E60-DD22-49CB8EA977CD}"/>
+              </a:ext>
+            </a:extLst>
+          </p:cNvPr>
+          <p:cNvSpPr/>
+          <p:nvPr/>
+        </p:nvSpPr>
+        <p:spPr>
+          <a:xfrm>
+            <a:off x="2606040" y="2407920"/>
+            <a:ext cx="441960" cy="327660"/>
+          </a:xfrm>
+          <a:prstGeom prst="rect">
+            <a:avLst/>
+          </a:prstGeom>
+          <a:solidFill>
+            <a:srgbClr val="FFFF00"/>
+          </a:solidFill>
+        </p:spPr>
+        <p:style>
+          <a:lnRef idx="2">
+            <a:schemeClr val="accent1">
+              <a:shade val="15000"/>
+            </a:schemeClr>
+          </a:lnRef>
+          <a:fillRef idx="1">
+            <a:schemeClr val="accent1"/>
+          </a:fillRef>
+          <a:effectRef idx="0">
+            <a:schemeClr val="accent1"/>
+          </a:effectRef>
+          <a:fontRef idx="minor">
+            <a:schemeClr val="lt1"/>
+          </a:fontRef>
+        </p:style>
+        <p:txBody>
+          <a:bodyPr rtlCol="0" anchor="ctr"/>
+          <a:lstStyle/>
+          <a:p>
+            <a:pPr algn="ctr"/>
+            <a:endParaRPr lang="LID4096"/>
+          </a:p>
+        </p:txBody>
+      </p:sp>
+      <p:sp>
+        <p:nvSpPr>
+          <p:cNvPr id="5" name="Rectangle 4">
+            <a:extLst>
+              <a:ext uri="{FF2B5EF4-FFF2-40B4-BE49-F238E27FC236}">
+                <a16:creationId xmlns:a16="http://schemas.microsoft.com/office/drawing/2014/main" id="{5E88143C-8EFC-C861-27E2-64D6B93F68E6}"/>
+              </a:ext>
+            </a:extLst>
+          </p:cNvPr>
+          <p:cNvSpPr/>
+          <p:nvPr/>
+        </p:nvSpPr>
+        <p:spPr>
+          <a:xfrm>
+            <a:off x="3322320" y="3390900"/>
+            <a:ext cx="441960" cy="327660"/>
+          </a:xfrm>
+          <a:prstGeom prst="rect">
+            <a:avLst/>
+          </a:prstGeom>
+          <a:solidFill>
+            <a:srgbClr val="FFFF00"/>
+          </a:solidFill>
+          <a:ln>
+            <a:solidFill>
+              <a:srgbClr val="FF0000"/>
+            </a:solidFill>
+          </a:ln>
+        </p:spPr>
+        <p:style>
+          <a:lnRef idx="2">
+            <a:schemeClr val="accent1">
+              <a:shade val="15000"/>
+            </a:schemeClr>
+          </a:lnRef>
+          <a:fillRef idx="1">
+            <a:schemeClr val="accent1"/>
+          </a:fillRef>
+          <a:effectRef idx="0">
+            <a:schemeClr val="accent1"/>
+          </a:effectRef>
+          <a:fontRef idx="minor">
+            <a:schemeClr val="lt1"/>
+          </a:fontRef>
+        </p:style>
+        <p:txBody>
+          <a:bodyPr rtlCol="0" anchor="ctr"/>
+          <a:lstStyle/>
+          <a:p>
+            <a:pPr algn="ctr"/>
+            <a:endParaRPr lang="LID4096"/>
+          </a:p>
+        </p:txBody>
+      </p:sp>
+      <p:sp>
+        <p:nvSpPr>
+          <p:cNvPr id="6" name="TextBox 5">
+            <a:extLst>
+              <a:ext uri="{FF2B5EF4-FFF2-40B4-BE49-F238E27FC236}">
+                <a16:creationId xmlns:a16="http://schemas.microsoft.com/office/drawing/2014/main" id="{2A1EDA46-43E3-E24A-B87C-66D2896F13C1}"/>
+              </a:ext>
+            </a:extLst>
+          </p:cNvPr>
+          <p:cNvSpPr txBox="1"/>
+          <p:nvPr/>
+        </p:nvSpPr>
+        <p:spPr>
+          <a:xfrm>
+            <a:off x="1878121" y="2400300"/>
+            <a:ext cx="404278" cy="307777"/>
+          </a:xfrm>
+          <a:prstGeom prst="rect">
+            <a:avLst/>
+          </a:prstGeom>
+          <a:noFill/>
+        </p:spPr>
+        <p:txBody>
+          <a:bodyPr wrap="none" rtlCol="0">
+            <a:spAutoFit/>
+          </a:bodyPr>
+          <a:lstStyle/>
+          <a:p>
+            <a:r>
+              <a:rPr lang="en-US" dirty="0">
+                <a:solidFill>
+                  <a:schemeClr val="tx1">
+                    <a:lumMod val="95000"/>
+                    <a:lumOff val="5000"/>
+                  </a:schemeClr>
+                </a:solidFill>
+              </a:rPr>
+              <a:t>B1</a:t>
+            </a:r>
+            <a:endParaRPr lang="LID4096" dirty="0">
+              <a:solidFill>
+                <a:schemeClr val="tx1">
+                  <a:lumMod val="95000"/>
+                  <a:lumOff val="5000"/>
+                </a:schemeClr>
+              </a:solidFill>
+            </a:endParaRPr>
+          </a:p>
+        </p:txBody>
+      </p:sp>
+      <p:sp>
+        <p:nvSpPr>
+          <p:cNvPr id="7" name="TextBox 6">
+            <a:extLst>
+              <a:ext uri="{FF2B5EF4-FFF2-40B4-BE49-F238E27FC236}">
+                <a16:creationId xmlns:a16="http://schemas.microsoft.com/office/drawing/2014/main" id="{FD0DFA18-A0FF-3BB7-BF7D-EBE681464143}"/>
+              </a:ext>
+            </a:extLst>
+          </p:cNvPr>
+          <p:cNvSpPr txBox="1"/>
+          <p:nvPr/>
+        </p:nvSpPr>
+        <p:spPr>
+          <a:xfrm>
+            <a:off x="2571541" y="2415540"/>
+            <a:ext cx="404278" cy="307777"/>
+          </a:xfrm>
+          <a:prstGeom prst="rect">
+            <a:avLst/>
+          </a:prstGeom>
+          <a:noFill/>
+        </p:spPr>
+        <p:txBody>
+          <a:bodyPr wrap="none" rtlCol="0">
+            <a:spAutoFit/>
+          </a:bodyPr>
+          <a:lstStyle/>
+          <a:p>
+            <a:r>
+              <a:rPr lang="en-US" dirty="0">
+                <a:solidFill>
+                  <a:schemeClr val="tx1">
+                    <a:lumMod val="95000"/>
+                    <a:lumOff val="5000"/>
+                  </a:schemeClr>
+                </a:solidFill>
+              </a:rPr>
+              <a:t>B2</a:t>
+            </a:r>
+            <a:endParaRPr lang="LID4096" dirty="0">
+              <a:solidFill>
+                <a:schemeClr val="tx1">
+                  <a:lumMod val="95000"/>
+                  <a:lumOff val="5000"/>
+                </a:schemeClr>
+              </a:solidFill>
+            </a:endParaRPr>
+          </a:p>
+        </p:txBody>
+      </p:sp>
+      <p:sp>
+        <p:nvSpPr>
+          <p:cNvPr id="8" name="TextBox 7">
+            <a:extLst>
+              <a:ext uri="{FF2B5EF4-FFF2-40B4-BE49-F238E27FC236}">
+                <a16:creationId xmlns:a16="http://schemas.microsoft.com/office/drawing/2014/main" id="{92E53260-7AAB-76B0-E0E8-DFC6116C7FE2}"/>
+              </a:ext>
+            </a:extLst>
+          </p:cNvPr>
+          <p:cNvSpPr txBox="1"/>
+          <p:nvPr/>
+        </p:nvSpPr>
+        <p:spPr>
+          <a:xfrm>
+            <a:off x="3348781" y="3406140"/>
+            <a:ext cx="404278" cy="307777"/>
+          </a:xfrm>
+          <a:prstGeom prst="rect">
+            <a:avLst/>
+          </a:prstGeom>
+          <a:noFill/>
+        </p:spPr>
+        <p:txBody>
+          <a:bodyPr wrap="none" rtlCol="0">
+            <a:spAutoFit/>
+          </a:bodyPr>
+          <a:lstStyle/>
+          <a:p>
+            <a:r>
+              <a:rPr lang="en-US" dirty="0">
+                <a:solidFill>
+                  <a:schemeClr val="tx1">
+                    <a:lumMod val="95000"/>
+                    <a:lumOff val="5000"/>
+                  </a:schemeClr>
+                </a:solidFill>
+              </a:rPr>
+              <a:t>B3</a:t>
+            </a:r>
+            <a:endParaRPr lang="LID4096" dirty="0">
+              <a:solidFill>
+                <a:schemeClr val="tx1">
+                  <a:lumMod val="95000"/>
+                  <a:lumOff val="5000"/>
+                </a:schemeClr>
+              </a:solidFill>
+            </a:endParaRPr>
+          </a:p>
+        </p:txBody>
+      </p:sp>
+      <p:cxnSp>
+        <p:nvCxnSpPr>
+          <p:cNvPr id="10" name="Straight Connector 9">
+            <a:extLst>
+              <a:ext uri="{FF2B5EF4-FFF2-40B4-BE49-F238E27FC236}">
+                <a16:creationId xmlns:a16="http://schemas.microsoft.com/office/drawing/2014/main" id="{8E30B326-2BFA-C0D8-90B3-6194B0874BF4}"/>
+              </a:ext>
+            </a:extLst>
+          </p:cNvPr>
+          <p:cNvCxnSpPr>
+            <a:cxnSpLocks/>
+          </p:cNvCxnSpPr>
+          <p:nvPr/>
+        </p:nvCxnSpPr>
+        <p:spPr>
+          <a:xfrm>
+            <a:off x="2324100" y="2554188"/>
+            <a:ext cx="289560" cy="0"/>
+          </a:xfrm>
+          <a:prstGeom prst="line">
+            <a:avLst/>
+          </a:prstGeom>
+        </p:spPr>
+        <p:style>
+          <a:lnRef idx="1">
+            <a:schemeClr val="accent1"/>
+          </a:lnRef>
+          <a:fillRef idx="0">
+            <a:schemeClr val="accent1"/>
+          </a:fillRef>
+          <a:effectRef idx="0">
+            <a:schemeClr val="accent1"/>
+          </a:effectRef>
+          <a:fontRef idx="minor">
+            <a:schemeClr val="tx1"/>
+          </a:fontRef>
+        </p:style>
+      </p:cxnSp>
+      <p:cxnSp>
+        <p:nvCxnSpPr>
+          <p:cNvPr id="11" name="Straight Connector 10">
+            <a:extLst>
+              <a:ext uri="{FF2B5EF4-FFF2-40B4-BE49-F238E27FC236}">
+                <a16:creationId xmlns:a16="http://schemas.microsoft.com/office/drawing/2014/main" id="{E8C224B3-0A62-9106-90C3-AA2A2ABD8C11}"/>
+              </a:ext>
+            </a:extLst>
+          </p:cNvPr>
+          <p:cNvCxnSpPr>
+            <a:cxnSpLocks/>
+          </p:cNvCxnSpPr>
+          <p:nvPr/>
+        </p:nvCxnSpPr>
+        <p:spPr>
+          <a:xfrm>
+            <a:off x="3059221" y="2571750"/>
+            <a:ext cx="289560" cy="0"/>
+          </a:xfrm>
+          <a:prstGeom prst="line">
+            <a:avLst/>
+          </a:prstGeom>
+        </p:spPr>
+        <p:style>
+          <a:lnRef idx="1">
+            <a:schemeClr val="accent1"/>
+          </a:lnRef>
+          <a:fillRef idx="0">
+            <a:schemeClr val="accent1"/>
+          </a:fillRef>
+          <a:effectRef idx="0">
+            <a:schemeClr val="accent1"/>
+          </a:effectRef>
+          <a:fontRef idx="minor">
+            <a:schemeClr val="tx1"/>
+          </a:fontRef>
+        </p:style>
+      </p:cxnSp>
+      <p:sp>
+        <p:nvSpPr>
+          <p:cNvPr id="2" name="Rectangle 1">
+            <a:extLst>
+              <a:ext uri="{FF2B5EF4-FFF2-40B4-BE49-F238E27FC236}">
+                <a16:creationId xmlns:a16="http://schemas.microsoft.com/office/drawing/2014/main" id="{6D7024AE-BA70-F4B6-F406-0D52F994BBE6}"/>
+              </a:ext>
+            </a:extLst>
+          </p:cNvPr>
+          <p:cNvSpPr/>
+          <p:nvPr/>
+        </p:nvSpPr>
+        <p:spPr>
+          <a:xfrm>
+            <a:off x="3307080" y="2407920"/>
+            <a:ext cx="441960" cy="327660"/>
+          </a:xfrm>
+          <a:prstGeom prst="rect">
+            <a:avLst/>
+          </a:prstGeom>
+          <a:solidFill>
+            <a:srgbClr val="FFFF00"/>
+          </a:solidFill>
+          <a:ln>
+            <a:solidFill>
+              <a:srgbClr val="FF0000"/>
+            </a:solidFill>
+          </a:ln>
+        </p:spPr>
+        <p:style>
+          <a:lnRef idx="2">
+            <a:schemeClr val="accent1">
+              <a:shade val="15000"/>
+            </a:schemeClr>
+          </a:lnRef>
+          <a:fillRef idx="1">
+            <a:schemeClr val="accent1"/>
+          </a:fillRef>
+          <a:effectRef idx="0">
+            <a:schemeClr val="accent1"/>
+          </a:effectRef>
+          <a:fontRef idx="minor">
+            <a:schemeClr val="lt1"/>
+          </a:fontRef>
+        </p:style>
+        <p:txBody>
+          <a:bodyPr rtlCol="0" anchor="ctr"/>
+          <a:lstStyle/>
+          <a:p>
+            <a:pPr algn="ctr"/>
+            <a:endParaRPr lang="LID4096"/>
+          </a:p>
+        </p:txBody>
+      </p:sp>
+      <p:sp>
+        <p:nvSpPr>
+          <p:cNvPr id="9" name="TextBox 8">
+            <a:extLst>
+              <a:ext uri="{FF2B5EF4-FFF2-40B4-BE49-F238E27FC236}">
+                <a16:creationId xmlns:a16="http://schemas.microsoft.com/office/drawing/2014/main" id="{2CE673D4-089C-2F06-7FC5-39EDE01057C5}"/>
+              </a:ext>
+            </a:extLst>
+          </p:cNvPr>
+          <p:cNvSpPr txBox="1"/>
+          <p:nvPr/>
+        </p:nvSpPr>
+        <p:spPr>
+          <a:xfrm>
+            <a:off x="3303061" y="2430780"/>
+            <a:ext cx="404278" cy="307777"/>
+          </a:xfrm>
+          <a:prstGeom prst="rect">
+            <a:avLst/>
+          </a:prstGeom>
+          <a:noFill/>
+        </p:spPr>
+        <p:txBody>
+          <a:bodyPr wrap="none" rtlCol="0">
+            <a:spAutoFit/>
+          </a:bodyPr>
+          <a:lstStyle/>
+          <a:p>
+            <a:r>
+              <a:rPr lang="en-US" dirty="0">
+                <a:solidFill>
+                  <a:schemeClr val="tx1">
+                    <a:lumMod val="95000"/>
+                    <a:lumOff val="5000"/>
+                  </a:schemeClr>
+                </a:solidFill>
+              </a:rPr>
+              <a:t>B3</a:t>
+            </a:r>
+            <a:endParaRPr lang="LID4096" dirty="0">
+              <a:solidFill>
+                <a:schemeClr val="tx1">
+                  <a:lumMod val="95000"/>
+                  <a:lumOff val="5000"/>
+                </a:schemeClr>
+              </a:solidFill>
+            </a:endParaRPr>
+          </a:p>
+        </p:txBody>
+      </p:sp>
+      <p:cxnSp>
+        <p:nvCxnSpPr>
+          <p:cNvPr id="15" name="Straight Arrow Connector 14">
+            <a:extLst>
+              <a:ext uri="{FF2B5EF4-FFF2-40B4-BE49-F238E27FC236}">
+                <a16:creationId xmlns:a16="http://schemas.microsoft.com/office/drawing/2014/main" id="{3F2D2F35-4956-5D57-D405-BC871D133FE7}"/>
+              </a:ext>
+            </a:extLst>
+          </p:cNvPr>
+          <p:cNvCxnSpPr/>
+          <p:nvPr/>
+        </p:nvCxnSpPr>
+        <p:spPr>
+          <a:xfrm flipV="1">
+            <a:off x="3528060" y="2865120"/>
+            <a:ext cx="0" cy="434340"/>
+          </a:xfrm>
+          <a:prstGeom prst="straightConnector1">
+            <a:avLst/>
+          </a:prstGeom>
+          <a:ln>
+            <a:tailEnd type="triangle"/>
+          </a:ln>
+        </p:spPr>
+        <p:style>
+          <a:lnRef idx="1">
+            <a:schemeClr val="accent2"/>
+          </a:lnRef>
+          <a:fillRef idx="0">
+            <a:schemeClr val="accent2"/>
+          </a:fillRef>
+          <a:effectRef idx="0">
+            <a:schemeClr val="accent2"/>
+          </a:effectRef>
+          <a:fontRef idx="minor">
+            <a:schemeClr val="tx1"/>
+          </a:fontRef>
+        </p:style>
+      </p:cxnSp>
+      <p:sp>
+        <p:nvSpPr>
+          <p:cNvPr id="16" name="Rectangle: Rounded Corners 15">
+            <a:extLst>
+              <a:ext uri="{FF2B5EF4-FFF2-40B4-BE49-F238E27FC236}">
+                <a16:creationId xmlns:a16="http://schemas.microsoft.com/office/drawing/2014/main" id="{8DAA56F0-7079-7574-64BB-8E392BF83753}"/>
+              </a:ext>
+            </a:extLst>
+          </p:cNvPr>
+          <p:cNvSpPr/>
+          <p:nvPr/>
+        </p:nvSpPr>
+        <p:spPr>
+          <a:xfrm>
+            <a:off x="2697480" y="1866560"/>
+            <a:ext cx="464820" cy="307777"/>
+          </a:xfrm>
+          <a:prstGeom prst="roundRect">
+            <a:avLst/>
+          </a:prstGeom>
+          <a:solidFill>
+            <a:schemeClr val="bg1">
+              <a:lumMod val="85000"/>
+            </a:schemeClr>
+          </a:solidFill>
+        </p:spPr>
+        <p:style>
+          <a:lnRef idx="2">
+            <a:schemeClr val="accent1">
+              <a:shade val="15000"/>
+            </a:schemeClr>
+          </a:lnRef>
+          <a:fillRef idx="1">
+            <a:schemeClr val="accent1"/>
+          </a:fillRef>
+          <a:effectRef idx="0">
+            <a:schemeClr val="accent1"/>
+          </a:effectRef>
+          <a:fontRef idx="minor">
+            <a:schemeClr val="lt1"/>
+          </a:fontRef>
+        </p:style>
+        <p:txBody>
+          <a:bodyPr rtlCol="0" anchor="ctr"/>
+          <a:lstStyle/>
+          <a:p>
+            <a:pPr algn="ctr"/>
+            <a:endParaRPr lang="LID4096"/>
+          </a:p>
+        </p:txBody>
+      </p:sp>
+      <p:sp>
+        <p:nvSpPr>
+          <p:cNvPr id="17" name="TextBox 16">
+            <a:extLst>
+              <a:ext uri="{FF2B5EF4-FFF2-40B4-BE49-F238E27FC236}">
+                <a16:creationId xmlns:a16="http://schemas.microsoft.com/office/drawing/2014/main" id="{B5404425-575D-B039-AE17-3B1F11E31A65}"/>
+              </a:ext>
+            </a:extLst>
+          </p:cNvPr>
+          <p:cNvSpPr txBox="1"/>
+          <p:nvPr/>
+        </p:nvSpPr>
+        <p:spPr>
+          <a:xfrm>
+            <a:off x="2658833" y="1861917"/>
+            <a:ext cx="572593" cy="307777"/>
+          </a:xfrm>
+          <a:prstGeom prst="rect">
+            <a:avLst/>
+          </a:prstGeom>
+          <a:noFill/>
+        </p:spPr>
+        <p:txBody>
+          <a:bodyPr wrap="none" rtlCol="0">
+            <a:spAutoFit/>
+          </a:bodyPr>
+          <a:lstStyle/>
+          <a:p>
+            <a:r>
+              <a:rPr lang="en-US" dirty="0"/>
+              <a:t>Main</a:t>
+            </a:r>
+            <a:endParaRPr lang="LID4096" dirty="0"/>
+          </a:p>
+        </p:txBody>
+      </p:sp>
+      <p:sp>
+        <p:nvSpPr>
+          <p:cNvPr id="18" name="Rectangle: Rounded Corners 17">
+            <a:extLst>
+              <a:ext uri="{FF2B5EF4-FFF2-40B4-BE49-F238E27FC236}">
+                <a16:creationId xmlns:a16="http://schemas.microsoft.com/office/drawing/2014/main" id="{EC1C9BD7-2CB8-A94F-C1EC-6C2CD6C8865A}"/>
+              </a:ext>
+            </a:extLst>
+          </p:cNvPr>
+          <p:cNvSpPr/>
+          <p:nvPr/>
+        </p:nvSpPr>
+        <p:spPr>
+          <a:xfrm>
+            <a:off x="3912660" y="1884777"/>
+            <a:ext cx="659340" cy="288538"/>
+          </a:xfrm>
+          <a:prstGeom prst="roundRect">
+            <a:avLst/>
+          </a:prstGeom>
+          <a:solidFill>
+            <a:schemeClr val="bg1">
+              <a:lumMod val="75000"/>
+            </a:schemeClr>
+          </a:solidFill>
+        </p:spPr>
+        <p:style>
+          <a:lnRef idx="2">
+            <a:schemeClr val="accent1">
+              <a:shade val="15000"/>
+            </a:schemeClr>
+          </a:lnRef>
+          <a:fillRef idx="1">
+            <a:schemeClr val="accent1"/>
+          </a:fillRef>
+          <a:effectRef idx="0">
+            <a:schemeClr val="accent1"/>
+          </a:effectRef>
+          <a:fontRef idx="minor">
+            <a:schemeClr val="lt1"/>
+          </a:fontRef>
+        </p:style>
+        <p:txBody>
+          <a:bodyPr rtlCol="0" anchor="ctr"/>
+          <a:lstStyle/>
+          <a:p>
+            <a:pPr algn="ctr"/>
+            <a:r>
+              <a:rPr lang="en-US" sz="1000" dirty="0">
+                <a:solidFill>
+                  <a:schemeClr val="tx1">
+                    <a:lumMod val="95000"/>
+                    <a:lumOff val="5000"/>
+                  </a:schemeClr>
+                </a:solidFill>
+              </a:rPr>
+              <a:t>Feature</a:t>
+            </a:r>
+            <a:endParaRPr lang="LID4096" sz="1000" dirty="0">
+              <a:solidFill>
+                <a:schemeClr val="tx1">
+                  <a:lumMod val="95000"/>
+                  <a:lumOff val="5000"/>
+                </a:schemeClr>
+              </a:solidFill>
+            </a:endParaRPr>
+          </a:p>
+        </p:txBody>
+      </p:sp>
+      <p:cxnSp>
+        <p:nvCxnSpPr>
+          <p:cNvPr id="20" name="Straight Arrow Connector 19">
+            <a:extLst>
+              <a:ext uri="{FF2B5EF4-FFF2-40B4-BE49-F238E27FC236}">
+                <a16:creationId xmlns:a16="http://schemas.microsoft.com/office/drawing/2014/main" id="{141DD07B-8977-9CE6-39DE-7A50C2D2BECF}"/>
+              </a:ext>
+            </a:extLst>
+          </p:cNvPr>
+          <p:cNvCxnSpPr>
+            <a:stCxn id="17" idx="2"/>
+            <a:endCxn id="9" idx="0"/>
+          </p:cNvCxnSpPr>
+          <p:nvPr/>
+        </p:nvCxnSpPr>
+        <p:spPr>
+          <a:xfrm>
+            <a:off x="2945130" y="2169694"/>
+            <a:ext cx="582930" cy="238226"/>
+          </a:xfrm>
+          <a:prstGeom prst="straightConnector1">
+            <a:avLst/>
+          </a:prstGeom>
+          <a:ln>
+            <a:tailEnd type="triangle"/>
+          </a:ln>
+        </p:spPr>
+        <p:style>
+          <a:lnRef idx="1">
+            <a:schemeClr val="accent2"/>
+          </a:lnRef>
+          <a:fillRef idx="0">
+            <a:schemeClr val="accent2"/>
+          </a:fillRef>
+          <a:effectRef idx="0">
+            <a:schemeClr val="accent2"/>
+          </a:effectRef>
+          <a:fontRef idx="minor">
+            <a:schemeClr val="tx1"/>
+          </a:fontRef>
+        </p:style>
+      </p:cxnSp>
+      <p:cxnSp>
+        <p:nvCxnSpPr>
+          <p:cNvPr id="22" name="Straight Arrow Connector 21">
+            <a:extLst>
+              <a:ext uri="{FF2B5EF4-FFF2-40B4-BE49-F238E27FC236}">
+                <a16:creationId xmlns:a16="http://schemas.microsoft.com/office/drawing/2014/main" id="{38EA176C-7095-0B0D-7D24-43412A171DDB}"/>
+              </a:ext>
+            </a:extLst>
+          </p:cNvPr>
+          <p:cNvCxnSpPr>
+            <a:stCxn id="18" idx="2"/>
+            <a:endCxn id="2" idx="0"/>
+          </p:cNvCxnSpPr>
+          <p:nvPr/>
+        </p:nvCxnSpPr>
+        <p:spPr>
+          <a:xfrm flipH="1">
+            <a:off x="3528060" y="2173315"/>
+            <a:ext cx="714270" cy="234605"/>
+          </a:xfrm>
+          <a:prstGeom prst="straightConnector1">
+            <a:avLst/>
+          </a:prstGeom>
+          <a:ln>
+            <a:tailEnd type="triangle"/>
+          </a:ln>
+        </p:spPr>
+        <p:style>
+          <a:lnRef idx="1">
+            <a:schemeClr val="accent2"/>
+          </a:lnRef>
+          <a:fillRef idx="0">
+            <a:schemeClr val="accent2"/>
+          </a:fillRef>
+          <a:effectRef idx="0">
+            <a:schemeClr val="accent2"/>
+          </a:effectRef>
+          <a:fontRef idx="minor">
+            <a:schemeClr val="tx1"/>
+          </a:fontRef>
+        </p:style>
+      </p:cxnSp>
+      <p:sp>
+        <p:nvSpPr>
+          <p:cNvPr id="23" name="TextBox 22">
+            <a:extLst>
+              <a:ext uri="{FF2B5EF4-FFF2-40B4-BE49-F238E27FC236}">
+                <a16:creationId xmlns:a16="http://schemas.microsoft.com/office/drawing/2014/main" id="{FF605B62-D53D-8D16-C4C3-04C9F35BF04F}"/>
+              </a:ext>
+            </a:extLst>
+          </p:cNvPr>
+          <p:cNvSpPr txBox="1"/>
+          <p:nvPr/>
+        </p:nvSpPr>
+        <p:spPr>
+          <a:xfrm>
+            <a:off x="4873199" y="2571750"/>
+            <a:ext cx="4092787" cy="954107"/>
+          </a:xfrm>
+          <a:prstGeom prst="rect">
+            <a:avLst/>
+          </a:prstGeom>
+          <a:noFill/>
+        </p:spPr>
+        <p:txBody>
+          <a:bodyPr wrap="none" rtlCol="0">
+            <a:spAutoFit/>
+          </a:bodyPr>
+          <a:lstStyle/>
+          <a:p>
+            <a:pPr marL="285750" indent="-285750">
+              <a:buFont typeface="Arial" panose="020B0604020202020204" pitchFamily="34" charset="0"/>
+              <a:buChar char="•"/>
+            </a:pPr>
+            <a:r>
+              <a:rPr lang="en-US" dirty="0"/>
+              <a:t>No additional commit is on main</a:t>
+            </a:r>
+          </a:p>
+          <a:p>
+            <a:pPr marL="285750" indent="-285750">
+              <a:buFont typeface="Arial" panose="020B0604020202020204" pitchFamily="34" charset="0"/>
+              <a:buChar char="•"/>
+            </a:pPr>
+            <a:r>
+              <a:rPr lang="en-US" dirty="0"/>
+              <a:t>Feature branch commits easily added to main</a:t>
+            </a:r>
+          </a:p>
+          <a:p>
+            <a:pPr marL="285750" indent="-285750">
+              <a:buFont typeface="Arial" panose="020B0604020202020204" pitchFamily="34" charset="0"/>
+              <a:buChar char="•"/>
+            </a:pPr>
+            <a:r>
+              <a:rPr lang="en-US" dirty="0"/>
+              <a:t>The main branch history remains linear</a:t>
+            </a:r>
+          </a:p>
+          <a:p>
+            <a:endParaRPr lang="LID4096" dirty="0"/>
+          </a:p>
+        </p:txBody>
+      </p:sp>
+    </p:spTree>
+    <p:extLst>
+      <p:ext uri="{BB962C8B-B14F-4D97-AF65-F5344CB8AC3E}">
+        <p14:creationId xmlns:p14="http://schemas.microsoft.com/office/powerpoint/2010/main" val="707567850"/>
+      </p:ext>
+    </p:extLst>
+  </p:cSld>
+  <p:clrMapOvr>
+    <a:masterClrMapping/>
+  </p:clrMapOvr>
+</p:sld>
+</file>
+
+<file path=ppt/slides/slide71.xml><?xml version="1.0" encoding="utf-8"?>
+<p:sld xmlns:a="http://schemas.openxmlformats.org/drawingml/2006/main" xmlns:r="http://schemas.openxmlformats.org/officeDocument/2006/relationships" xmlns:p="http://schemas.openxmlformats.org/presentationml/2006/main">
+  <p:cSld>
+    <p:spTree>
+      <p:nvGrpSpPr>
+        <p:cNvPr id="1" name="Shape 892"/>
+        <p:cNvGrpSpPr/>
+        <p:nvPr/>
+      </p:nvGrpSpPr>
+      <p:grpSpPr>
+        <a:xfrm>
+          <a:off x="0" y="0"/>
+          <a:ext cx="0" cy="0"/>
+          <a:chOff x="0" y="0"/>
+          <a:chExt cx="0" cy="0"/>
+        </a:xfrm>
+      </p:grpSpPr>
+      <p:sp>
+        <p:nvSpPr>
+          <p:cNvPr id="893" name="Google Shape;893;p76"/>
+          <p:cNvSpPr txBox="1">
+            <a:spLocks noGrp="1"/>
+          </p:cNvSpPr>
+          <p:nvPr>
+            <p:ph type="title"/>
+          </p:nvPr>
+        </p:nvSpPr>
+        <p:spPr>
+          <a:xfrm>
+            <a:off x="311700" y="445025"/>
+            <a:ext cx="8520600" cy="572700"/>
+          </a:xfrm>
+          <a:prstGeom prst="rect">
+            <a:avLst/>
+          </a:prstGeom>
+        </p:spPr>
+        <p:txBody>
+          <a:bodyPr spcFirstLastPara="1" wrap="square" lIns="91425" tIns="91425" rIns="91425" bIns="91425" anchor="t" anchorCtr="0">
+            <a:normAutofit fontScale="90000"/>
+          </a:bodyPr>
+          <a:lstStyle/>
+          <a:p>
+            <a:pPr marL="0" lvl="0" indent="0" algn="ctr" rtl="0">
+              <a:spcBef>
+                <a:spcPts val="0"/>
+              </a:spcBef>
+              <a:spcAft>
+                <a:spcPts val="0"/>
+              </a:spcAft>
+              <a:buNone/>
+            </a:pPr>
+            <a:r>
+              <a:rPr lang="en"/>
+              <a:t>RECAP</a:t>
+            </a:r>
+            <a:endParaRPr/>
+          </a:p>
+          <a:p>
+            <a:pPr marL="0" lvl="0" indent="0" algn="ctr" rtl="0">
+              <a:spcBef>
+                <a:spcPts val="0"/>
+              </a:spcBef>
+              <a:spcAft>
+                <a:spcPts val="0"/>
+              </a:spcAft>
+              <a:buNone/>
+            </a:pPr>
+            <a:r>
+              <a:rPr lang="en" sz="2355">
+                <a:solidFill>
+                  <a:srgbClr val="FF0000"/>
+                </a:solidFill>
+              </a:rPr>
+              <a:t>Daily Workflow</a:t>
+            </a:r>
+            <a:endParaRPr sz="2355">
+              <a:solidFill>
+                <a:srgbClr val="FF0000"/>
+              </a:solidFill>
+            </a:endParaRPr>
+          </a:p>
+        </p:txBody>
+      </p:sp>
+      <p:sp>
+        <p:nvSpPr>
+          <p:cNvPr id="894" name="Google Shape;894;p76"/>
+          <p:cNvSpPr txBox="1">
+            <a:spLocks noGrp="1"/>
+          </p:cNvSpPr>
+          <p:nvPr>
+            <p:ph type="body" idx="1"/>
+          </p:nvPr>
+        </p:nvSpPr>
+        <p:spPr>
+          <a:xfrm>
+            <a:off x="179900" y="1379975"/>
+            <a:ext cx="8860200" cy="3416400"/>
+          </a:xfrm>
+          <a:prstGeom prst="rect">
+            <a:avLst/>
+          </a:prstGeom>
+        </p:spPr>
+        <p:txBody>
+          <a:bodyPr spcFirstLastPara="1" wrap="square" lIns="91425" tIns="91425" rIns="91425" bIns="91425" anchor="t" anchorCtr="0">
+            <a:normAutofit fontScale="70000" lnSpcReduction="20000"/>
+          </a:bodyPr>
+          <a:lstStyle/>
+          <a:p>
+            <a:pPr marL="457200" lvl="0" indent="0" algn="l" rtl="0">
+              <a:spcBef>
+                <a:spcPts val="0"/>
+              </a:spcBef>
+              <a:spcAft>
+                <a:spcPts val="0"/>
+              </a:spcAft>
+              <a:buNone/>
+            </a:pPr>
+            <a:r>
+              <a:rPr lang="en" dirty="0">
+                <a:solidFill>
+                  <a:schemeClr val="dk1"/>
+                </a:solidFill>
+                <a:latin typeface="Courier New"/>
+                <a:ea typeface="Courier New"/>
+                <a:cs typeface="Courier New"/>
+                <a:sym typeface="Courier New"/>
+              </a:rPr>
+              <a:t>git branch                 </a:t>
+            </a:r>
+            <a:r>
+              <a:rPr lang="en" dirty="0">
+                <a:solidFill>
+                  <a:schemeClr val="dk1"/>
+                </a:solidFill>
+              </a:rPr>
+              <a:t>: Make sure you are on the right branch before starting to work</a:t>
+            </a:r>
+            <a:endParaRPr dirty="0">
+              <a:solidFill>
+                <a:schemeClr val="dk1"/>
+              </a:solidFill>
+            </a:endParaRPr>
+          </a:p>
+          <a:p>
+            <a:pPr marL="457200" lvl="0" indent="0" algn="l" rtl="0">
+              <a:spcBef>
+                <a:spcPts val="1200"/>
+              </a:spcBef>
+              <a:spcAft>
+                <a:spcPts val="0"/>
+              </a:spcAft>
+              <a:buNone/>
+            </a:pPr>
+            <a:r>
+              <a:rPr lang="en" dirty="0">
+                <a:solidFill>
+                  <a:schemeClr val="dk1"/>
+                </a:solidFill>
+                <a:latin typeface="Courier New"/>
+                <a:ea typeface="Courier New"/>
+                <a:cs typeface="Courier New"/>
+                <a:sym typeface="Courier New"/>
+              </a:rPr>
+              <a:t>git status                </a:t>
+            </a:r>
+            <a:r>
+              <a:rPr lang="en" dirty="0">
+                <a:solidFill>
+                  <a:schemeClr val="dk1"/>
+                </a:solidFill>
+              </a:rPr>
+              <a:t>  : Make sure that you know the current status of your repo.</a:t>
+            </a:r>
+            <a:endParaRPr dirty="0">
+              <a:solidFill>
+                <a:schemeClr val="dk1"/>
+              </a:solidFill>
+            </a:endParaRPr>
+          </a:p>
+          <a:p>
+            <a:pPr marL="457200" lvl="0" indent="0" algn="l" rtl="0">
+              <a:spcBef>
+                <a:spcPts val="1200"/>
+              </a:spcBef>
+              <a:spcAft>
+                <a:spcPts val="0"/>
+              </a:spcAft>
+              <a:buNone/>
+            </a:pPr>
+            <a:r>
+              <a:rPr lang="en" b="1" dirty="0">
+                <a:solidFill>
+                  <a:schemeClr val="dk1"/>
+                </a:solidFill>
+              </a:rPr>
+              <a:t>Work on my project</a:t>
+            </a:r>
+            <a:r>
+              <a:rPr lang="en" dirty="0">
+                <a:solidFill>
+                  <a:schemeClr val="dk1"/>
+                </a:solidFill>
+              </a:rPr>
+              <a:t>                        : Continue working on your project if you are happy with the current status.</a:t>
+            </a:r>
+            <a:endParaRPr dirty="0">
+              <a:solidFill>
+                <a:schemeClr val="dk1"/>
+              </a:solidFill>
+            </a:endParaRPr>
+          </a:p>
+          <a:p>
+            <a:pPr marL="457200" lvl="0" indent="0" algn="l" rtl="0">
+              <a:spcBef>
+                <a:spcPts val="1200"/>
+              </a:spcBef>
+              <a:spcAft>
+                <a:spcPts val="0"/>
+              </a:spcAft>
+              <a:buNone/>
+            </a:pPr>
+            <a:r>
+              <a:rPr lang="en" dirty="0">
+                <a:solidFill>
+                  <a:schemeClr val="dk1"/>
+                </a:solidFill>
+                <a:latin typeface="Courier New"/>
+                <a:ea typeface="Courier New"/>
+                <a:cs typeface="Courier New"/>
+                <a:sym typeface="Courier New"/>
+              </a:rPr>
+              <a:t>git add file(s)            </a:t>
+            </a:r>
+            <a:r>
+              <a:rPr lang="en" dirty="0">
+                <a:solidFill>
+                  <a:schemeClr val="dk1"/>
+                </a:solidFill>
+              </a:rPr>
+              <a:t>: Stage your changes often. </a:t>
+            </a:r>
+            <a:endParaRPr dirty="0">
+              <a:solidFill>
+                <a:schemeClr val="dk1"/>
+              </a:solidFill>
+            </a:endParaRPr>
+          </a:p>
+          <a:p>
+            <a:pPr marL="457200" lvl="0" indent="0" algn="l" rtl="0">
+              <a:spcBef>
+                <a:spcPts val="1200"/>
+              </a:spcBef>
+              <a:spcAft>
+                <a:spcPts val="0"/>
+              </a:spcAft>
+              <a:buNone/>
+            </a:pPr>
+            <a:r>
+              <a:rPr lang="en" dirty="0">
+                <a:solidFill>
+                  <a:schemeClr val="dk1"/>
+                </a:solidFill>
+                <a:latin typeface="Courier New"/>
+                <a:ea typeface="Courier New"/>
+                <a:cs typeface="Courier New"/>
+                <a:sym typeface="Courier New"/>
+              </a:rPr>
+              <a:t>git commit -m “Message”    </a:t>
+            </a:r>
+            <a:r>
+              <a:rPr lang="en" dirty="0">
+                <a:solidFill>
+                  <a:schemeClr val="dk1"/>
+                </a:solidFill>
+              </a:rPr>
+              <a:t>: Commit your stages. Make frequent and small commits.</a:t>
+            </a:r>
+            <a:endParaRPr dirty="0">
+              <a:solidFill>
+                <a:schemeClr val="dk1"/>
+              </a:solidFill>
+            </a:endParaRPr>
+          </a:p>
+          <a:p>
+            <a:pPr marL="457200" lvl="0" indent="0" algn="l" rtl="0">
+              <a:spcBef>
+                <a:spcPts val="1200"/>
+              </a:spcBef>
+              <a:spcAft>
+                <a:spcPts val="0"/>
+              </a:spcAft>
+              <a:buNone/>
+            </a:pPr>
+            <a:r>
+              <a:rPr lang="en" b="1" dirty="0">
+                <a:solidFill>
+                  <a:schemeClr val="dk1"/>
+                </a:solidFill>
+              </a:rPr>
+              <a:t>Happy with results                          </a:t>
+            </a:r>
+            <a:r>
+              <a:rPr lang="en" dirty="0">
+                <a:solidFill>
+                  <a:schemeClr val="dk1"/>
+                </a:solidFill>
+              </a:rPr>
+              <a:t>: You are happy with your progress and results.</a:t>
+            </a:r>
+          </a:p>
+          <a:p>
+            <a:pPr marL="457200" lvl="0" indent="0" algn="l" rtl="0">
+              <a:spcBef>
+                <a:spcPts val="1200"/>
+              </a:spcBef>
+              <a:spcAft>
+                <a:spcPts val="0"/>
+              </a:spcAft>
+              <a:buNone/>
+            </a:pPr>
+            <a:r>
+              <a:rPr lang="en-US" dirty="0">
+                <a:solidFill>
+                  <a:schemeClr val="dk1"/>
+                </a:solidFill>
+                <a:latin typeface="Courier New" panose="02070309020205020404" pitchFamily="49" charset="0"/>
+                <a:cs typeface="Courier New" panose="02070309020205020404" pitchFamily="49" charset="0"/>
+              </a:rPr>
+              <a:t>git switch main            :</a:t>
+            </a:r>
+            <a:r>
+              <a:rPr lang="en-US" dirty="0">
+                <a:solidFill>
+                  <a:schemeClr val="dk1"/>
+                </a:solidFill>
+                <a:latin typeface="+mn-lt"/>
+                <a:cs typeface="Courier New" panose="02070309020205020404" pitchFamily="49" charset="0"/>
+              </a:rPr>
+              <a:t>Switch to the branch you want to merge your feature branch to .   </a:t>
+            </a:r>
+            <a:endParaRPr dirty="0">
+              <a:solidFill>
+                <a:schemeClr val="dk1"/>
+              </a:solidFill>
+              <a:latin typeface="+mn-lt"/>
+              <a:cs typeface="Courier New" panose="02070309020205020404" pitchFamily="49" charset="0"/>
+            </a:endParaRPr>
+          </a:p>
+          <a:p>
+            <a:pPr marL="457200" lvl="0" indent="0" algn="l" rtl="0">
+              <a:spcBef>
+                <a:spcPts val="1200"/>
+              </a:spcBef>
+              <a:spcAft>
+                <a:spcPts val="0"/>
+              </a:spcAft>
+              <a:buNone/>
+            </a:pPr>
+            <a:r>
+              <a:rPr lang="en-US" dirty="0">
+                <a:solidFill>
+                  <a:schemeClr val="dk1"/>
+                </a:solidFill>
+                <a:latin typeface="Courier New"/>
+                <a:ea typeface="Courier New"/>
+                <a:cs typeface="Courier New"/>
+                <a:sym typeface="Courier New"/>
+              </a:rPr>
+              <a:t>git merge branch</a:t>
+            </a:r>
+            <a:r>
+              <a:rPr lang="en" dirty="0">
+                <a:solidFill>
+                  <a:schemeClr val="dk1"/>
+                </a:solidFill>
+                <a:latin typeface="Courier New"/>
+                <a:ea typeface="Courier New"/>
+                <a:cs typeface="Courier New"/>
+                <a:sym typeface="Courier New"/>
+              </a:rPr>
+              <a:t>           </a:t>
+            </a:r>
+            <a:r>
+              <a:rPr lang="en" dirty="0">
+                <a:solidFill>
+                  <a:schemeClr val="dk1"/>
+                </a:solidFill>
+              </a:rPr>
+              <a:t>: Merge the branch to main to update the main branch.</a:t>
+            </a:r>
+            <a:endParaRPr dirty="0">
+              <a:solidFill>
+                <a:schemeClr val="dk1"/>
+              </a:solidFill>
+            </a:endParaRPr>
+          </a:p>
+          <a:p>
+            <a:pPr marL="457200" lvl="0" indent="0" algn="l" rtl="0">
+              <a:spcBef>
+                <a:spcPts val="1200"/>
+              </a:spcBef>
+              <a:spcAft>
+                <a:spcPts val="0"/>
+              </a:spcAft>
+              <a:buNone/>
+            </a:pPr>
+            <a:r>
+              <a:rPr lang="en-US" dirty="0">
+                <a:solidFill>
+                  <a:schemeClr val="dk1"/>
+                </a:solidFill>
+                <a:latin typeface="Courier New"/>
+                <a:ea typeface="Courier New"/>
+                <a:cs typeface="Courier New"/>
+                <a:sym typeface="Courier New"/>
+              </a:rPr>
+              <a:t>git switch -c</a:t>
+            </a:r>
+            <a:r>
+              <a:rPr lang="en" dirty="0">
+                <a:solidFill>
+                  <a:schemeClr val="dk1"/>
+                </a:solidFill>
+                <a:latin typeface="Courier New"/>
+                <a:ea typeface="Courier New"/>
+                <a:cs typeface="Courier New"/>
+                <a:sym typeface="Courier New"/>
+              </a:rPr>
+              <a:t> new_branch   </a:t>
+            </a:r>
+            <a:r>
+              <a:rPr lang="en" dirty="0">
+                <a:solidFill>
+                  <a:schemeClr val="dk1"/>
+                </a:solidFill>
+              </a:rPr>
+              <a:t>: You are ready to work on a new task in a new branch</a:t>
+            </a:r>
+            <a:endParaRPr dirty="0">
+              <a:solidFill>
+                <a:schemeClr val="dk1"/>
+              </a:solidFill>
+            </a:endParaRPr>
+          </a:p>
+          <a:p>
+            <a:pPr marL="457200" lvl="0" indent="0" algn="l" rtl="0">
+              <a:spcBef>
+                <a:spcPts val="1200"/>
+              </a:spcBef>
+              <a:spcAft>
+                <a:spcPts val="1200"/>
+              </a:spcAft>
+              <a:buNone/>
+            </a:pPr>
+            <a:endParaRPr dirty="0">
+              <a:solidFill>
+                <a:schemeClr val="dk1"/>
+              </a:solidFill>
+            </a:endParaRPr>
+          </a:p>
+        </p:txBody>
+      </p:sp>
+      <p:sp>
+        <p:nvSpPr>
+          <p:cNvPr id="2" name="Rectangle: Rounded Corners 1">
+            <a:extLst>
+              <a:ext uri="{FF2B5EF4-FFF2-40B4-BE49-F238E27FC236}">
+                <a16:creationId xmlns:a16="http://schemas.microsoft.com/office/drawing/2014/main" id="{29FD295F-E885-639F-09E2-A51225A3D106}"/>
+              </a:ext>
+            </a:extLst>
+          </p:cNvPr>
+          <p:cNvSpPr/>
+          <p:nvPr/>
+        </p:nvSpPr>
+        <p:spPr>
+          <a:xfrm>
+            <a:off x="396240" y="259080"/>
+            <a:ext cx="8567860" cy="4537295"/>
+          </a:xfrm>
+          <a:prstGeom prst="roundRect">
+            <a:avLst/>
+          </a:prstGeom>
+          <a:noFill/>
+        </p:spPr>
+        <p:style>
+          <a:lnRef idx="2">
+            <a:schemeClr val="accent1">
+              <a:shade val="15000"/>
+            </a:schemeClr>
+          </a:lnRef>
+          <a:fillRef idx="1">
+            <a:schemeClr val="accent1"/>
+          </a:fillRef>
+          <a:effectRef idx="0">
+            <a:schemeClr val="accent1"/>
+          </a:effectRef>
+          <a:fontRef idx="minor">
+            <a:schemeClr val="lt1"/>
+          </a:fontRef>
+        </p:style>
+        <p:txBody>
+          <a:bodyPr rtlCol="0" anchor="ctr"/>
+          <a:lstStyle/>
+          <a:p>
+            <a:pPr algn="ctr"/>
+            <a:endParaRPr lang="LID4096"/>
+          </a:p>
+        </p:txBody>
+      </p:sp>
+    </p:spTree>
+  </p:cSld>
+  <p:clrMapOvr>
+    <a:masterClrMapping/>
+  </p:clrMapOvr>
+</p:sld>
+</file>
+
+<file path=ppt/slides/slide72.xml><?xml version="1.0" encoding="utf-8"?>
+<p:sld xmlns:a="http://schemas.openxmlformats.org/drawingml/2006/main" xmlns:r="http://schemas.openxmlformats.org/officeDocument/2006/relationships" xmlns:p="http://schemas.openxmlformats.org/presentationml/2006/main">
+  <p:cSld>
+    <p:spTree>
+      <p:nvGrpSpPr>
         <p:cNvPr id="1" name="Shape 366">
           <a:extLst>
             <a:ext uri="{FF2B5EF4-FFF2-40B4-BE49-F238E27FC236}">
@@ -53060,7 +55381,7 @@
 </p:sld>
 </file>
 
-<file path=ppt/slides/slide71.xml><?xml version="1.0" encoding="utf-8"?>
+<file path=ppt/slides/slide73.xml><?xml version="1.0" encoding="utf-8"?>
 <p:sld xmlns:a="http://schemas.openxmlformats.org/drawingml/2006/main" xmlns:r="http://schemas.openxmlformats.org/officeDocument/2006/relationships" xmlns:p="http://schemas.openxmlformats.org/presentationml/2006/main">
   <p:cSld>
     <p:spTree>
@@ -53649,7 +55970,7 @@
 </p:sld>
 </file>
 
-<file path=ppt/slides/slide72.xml><?xml version="1.0" encoding="utf-8"?>
+<file path=ppt/slides/slide74.xml><?xml version="1.0" encoding="utf-8"?>
 <p:sld xmlns:a="http://schemas.openxmlformats.org/drawingml/2006/main" xmlns:r="http://schemas.openxmlformats.org/officeDocument/2006/relationships" xmlns:p="http://schemas.openxmlformats.org/presentationml/2006/main">
   <p:cSld>
     <p:spTree>
@@ -54077,7 +56398,7 @@
 </p:sld>
 </file>
 
-<file path=ppt/slides/slide73.xml><?xml version="1.0" encoding="utf-8"?>
+<file path=ppt/slides/slide75.xml><?xml version="1.0" encoding="utf-8"?>
 <p:sld xmlns:a="http://schemas.openxmlformats.org/drawingml/2006/main" xmlns:r="http://schemas.openxmlformats.org/officeDocument/2006/relationships" xmlns:p="http://schemas.openxmlformats.org/presentationml/2006/main">
   <p:cSld>
     <p:spTree>
@@ -54419,7 +56740,7 @@
 </p:sld>
 </file>
 
-<file path=ppt/slides/slide74.xml><?xml version="1.0" encoding="utf-8"?>
+<file path=ppt/slides/slide76.xml><?xml version="1.0" encoding="utf-8"?>
 <p:sld xmlns:a="http://schemas.openxmlformats.org/drawingml/2006/main" xmlns:r="http://schemas.openxmlformats.org/officeDocument/2006/relationships" xmlns:p="http://schemas.openxmlformats.org/presentationml/2006/main">
   <p:cSld>
     <p:spTree>
@@ -55076,7 +57397,7 @@
 </p:sld>
 </file>
 
-<file path=ppt/slides/slide75.xml><?xml version="1.0" encoding="utf-8"?>
+<file path=ppt/slides/slide77.xml><?xml version="1.0" encoding="utf-8"?>
 <p:sld xmlns:a="http://schemas.openxmlformats.org/drawingml/2006/main" xmlns:r="http://schemas.openxmlformats.org/officeDocument/2006/relationships" xmlns:p="http://schemas.openxmlformats.org/presentationml/2006/main">
   <p:cSld>
     <p:spTree>
@@ -55752,7 +58073,7 @@
 </p:sld>
 </file>
 
-<file path=ppt/slides/slide76.xml><?xml version="1.0" encoding="utf-8"?>
+<file path=ppt/slides/slide78.xml><?xml version="1.0" encoding="utf-8"?>
 <p:sld xmlns:a="http://schemas.openxmlformats.org/drawingml/2006/main" xmlns:r="http://schemas.openxmlformats.org/officeDocument/2006/relationships" xmlns:p="http://schemas.openxmlformats.org/presentationml/2006/main">
   <p:cSld>
     <p:spTree>
@@ -56448,7 +58769,7 @@
 </p:sld>
 </file>
 
-<file path=ppt/slides/slide77.xml><?xml version="1.0" encoding="utf-8"?>
+<file path=ppt/slides/slide79.xml><?xml version="1.0" encoding="utf-8"?>
 <p:sld xmlns:a="http://schemas.openxmlformats.org/drawingml/2006/main" xmlns:r="http://schemas.openxmlformats.org/officeDocument/2006/relationships" xmlns:p="http://schemas.openxmlformats.org/presentationml/2006/main">
   <p:cSld>
     <p:spTree>
@@ -57320,1304 +59641,6 @@
           </a:p>
         </p:txBody>
       </p:sp>
-    </p:spTree>
-  </p:cSld>
-  <p:clrMapOvr>
-    <a:masterClrMapping/>
-  </p:clrMapOvr>
-</p:sld>
-</file>
-
-<file path=ppt/slides/slide78.xml><?xml version="1.0" encoding="utf-8"?>
-<p:sld xmlns:a="http://schemas.openxmlformats.org/drawingml/2006/main" xmlns:r="http://schemas.openxmlformats.org/officeDocument/2006/relationships" xmlns:p="http://schemas.openxmlformats.org/presentationml/2006/main">
-  <p:cSld>
-    <p:spTree>
-      <p:nvGrpSpPr>
-        <p:cNvPr id="1" name="Shape 967"/>
-        <p:cNvGrpSpPr/>
-        <p:nvPr/>
-      </p:nvGrpSpPr>
-      <p:grpSpPr>
-        <a:xfrm>
-          <a:off x="0" y="0"/>
-          <a:ext cx="0" cy="0"/>
-          <a:chOff x="0" y="0"/>
-          <a:chExt cx="0" cy="0"/>
-        </a:xfrm>
-      </p:grpSpPr>
-      <p:sp>
-        <p:nvSpPr>
-          <p:cNvPr id="968" name="Google Shape;968;p83"/>
-          <p:cNvSpPr/>
-          <p:nvPr/>
-        </p:nvSpPr>
-        <p:spPr>
-          <a:xfrm>
-            <a:off x="539825" y="2571750"/>
-            <a:ext cx="2645400" cy="307500"/>
-          </a:xfrm>
-          <a:prstGeom prst="roundRect">
-            <a:avLst>
-              <a:gd name="adj" fmla="val 16667"/>
-            </a:avLst>
-          </a:prstGeom>
-          <a:solidFill>
-            <a:srgbClr val="FFF2CC"/>
-          </a:solidFill>
-          <a:ln w="9525" cap="flat" cmpd="sng">
-            <a:solidFill>
-              <a:schemeClr val="dk2"/>
-            </a:solidFill>
-            <a:prstDash val="solid"/>
-            <a:round/>
-            <a:headEnd type="none" w="sm" len="sm"/>
-            <a:tailEnd type="none" w="sm" len="sm"/>
-          </a:ln>
-        </p:spPr>
-        <p:txBody>
-          <a:bodyPr spcFirstLastPara="1" wrap="square" lIns="91425" tIns="91425" rIns="91425" bIns="91425" anchor="ctr" anchorCtr="0">
-            <a:noAutofit/>
-          </a:bodyPr>
-          <a:lstStyle/>
-          <a:p>
-            <a:pPr marL="0" lvl="0" indent="0" algn="l" rtl="0">
-              <a:spcBef>
-                <a:spcPts val="0"/>
-              </a:spcBef>
-              <a:spcAft>
-                <a:spcPts val="0"/>
-              </a:spcAft>
-              <a:buNone/>
-            </a:pPr>
-            <a:endParaRPr/>
-          </a:p>
-        </p:txBody>
-      </p:sp>
-      <p:sp>
-        <p:nvSpPr>
-          <p:cNvPr id="969" name="Google Shape;969;p83"/>
-          <p:cNvSpPr/>
-          <p:nvPr/>
-        </p:nvSpPr>
-        <p:spPr>
-          <a:xfrm>
-            <a:off x="572375" y="1740150"/>
-            <a:ext cx="7392300" cy="307500"/>
-          </a:xfrm>
-          <a:prstGeom prst="roundRect">
-            <a:avLst>
-              <a:gd name="adj" fmla="val 16667"/>
-            </a:avLst>
-          </a:prstGeom>
-          <a:solidFill>
-            <a:srgbClr val="FFF2CC"/>
-          </a:solidFill>
-          <a:ln w="9525" cap="flat" cmpd="sng">
-            <a:solidFill>
-              <a:schemeClr val="dk2"/>
-            </a:solidFill>
-            <a:prstDash val="solid"/>
-            <a:round/>
-            <a:headEnd type="none" w="sm" len="sm"/>
-            <a:tailEnd type="none" w="sm" len="sm"/>
-          </a:ln>
-        </p:spPr>
-        <p:txBody>
-          <a:bodyPr spcFirstLastPara="1" wrap="square" lIns="91425" tIns="91425" rIns="91425" bIns="91425" anchor="ctr" anchorCtr="0">
-            <a:noAutofit/>
-          </a:bodyPr>
-          <a:lstStyle/>
-          <a:p>
-            <a:pPr marL="0" lvl="0" indent="0" algn="l" rtl="0">
-              <a:spcBef>
-                <a:spcPts val="0"/>
-              </a:spcBef>
-              <a:spcAft>
-                <a:spcPts val="0"/>
-              </a:spcAft>
-              <a:buNone/>
-            </a:pPr>
-            <a:endParaRPr/>
-          </a:p>
-        </p:txBody>
-      </p:sp>
-      <p:grpSp>
-        <p:nvGrpSpPr>
-          <p:cNvPr id="970" name="Google Shape;970;p83"/>
-          <p:cNvGrpSpPr/>
-          <p:nvPr/>
-        </p:nvGrpSpPr>
-        <p:grpSpPr>
-          <a:xfrm>
-            <a:off x="5936835" y="4508150"/>
-            <a:ext cx="3200201" cy="603542"/>
-            <a:chOff x="4641225" y="4279392"/>
-            <a:chExt cx="4171817" cy="790597"/>
-          </a:xfrm>
-        </p:grpSpPr>
-        <p:pic>
-          <p:nvPicPr>
-            <p:cNvPr id="971" name="Google Shape;971;p83"/>
-            <p:cNvPicPr preferRelativeResize="0"/>
-            <p:nvPr/>
-          </p:nvPicPr>
-          <p:blipFill>
-            <a:blip r:embed="rId3">
-              <a:alphaModFix/>
-            </a:blip>
-            <a:stretch>
-              <a:fillRect/>
-            </a:stretch>
-          </p:blipFill>
-          <p:spPr>
-            <a:xfrm>
-              <a:off x="4641225" y="4292750"/>
-              <a:ext cx="2895220" cy="777239"/>
-            </a:xfrm>
-            <a:prstGeom prst="rect">
-              <a:avLst/>
-            </a:prstGeom>
-            <a:noFill/>
-            <a:ln>
-              <a:noFill/>
-            </a:ln>
-          </p:spPr>
-        </p:pic>
-        <p:sp>
-          <p:nvSpPr>
-            <p:cNvPr id="972" name="Google Shape;972;p83"/>
-            <p:cNvSpPr txBox="1"/>
-            <p:nvPr/>
-          </p:nvSpPr>
-          <p:spPr>
-            <a:xfrm>
-              <a:off x="7523043" y="4279392"/>
-              <a:ext cx="1290000" cy="722400"/>
-            </a:xfrm>
-            <a:prstGeom prst="rect">
-              <a:avLst/>
-            </a:prstGeom>
-            <a:noFill/>
-            <a:ln>
-              <a:noFill/>
-            </a:ln>
-          </p:spPr>
-          <p:txBody>
-            <a:bodyPr spcFirstLastPara="1" wrap="square" lIns="0" tIns="0" rIns="0" bIns="0" anchor="t" anchorCtr="0">
-              <a:noAutofit/>
-            </a:bodyPr>
-            <a:lstStyle/>
-            <a:p>
-              <a:pPr marL="0" lvl="0" indent="0" algn="l" rtl="0">
-                <a:spcBef>
-                  <a:spcPts val="0"/>
-                </a:spcBef>
-                <a:spcAft>
-                  <a:spcPts val="0"/>
-                </a:spcAft>
-                <a:buNone/>
-              </a:pPr>
-              <a:r>
-                <a:rPr lang="en" sz="1300" b="1">
-                  <a:solidFill>
-                    <a:srgbClr val="60B669"/>
-                  </a:solidFill>
-                </a:rPr>
-                <a:t>D</a:t>
-              </a:r>
-              <a:r>
-                <a:rPr lang="en" sz="1300">
-                  <a:solidFill>
-                    <a:srgbClr val="60B669"/>
-                  </a:solidFill>
-                </a:rPr>
-                <a:t>igital </a:t>
-              </a:r>
-              <a:endParaRPr sz="1300">
-                <a:solidFill>
-                  <a:srgbClr val="60B669"/>
-                </a:solidFill>
-              </a:endParaRPr>
-            </a:p>
-            <a:p>
-              <a:pPr marL="0" lvl="0" indent="0" algn="l" rtl="0">
-                <a:spcBef>
-                  <a:spcPts val="0"/>
-                </a:spcBef>
-                <a:spcAft>
-                  <a:spcPts val="0"/>
-                </a:spcAft>
-                <a:buNone/>
-              </a:pPr>
-              <a:r>
-                <a:rPr lang="en" sz="1300" b="1">
-                  <a:solidFill>
-                    <a:srgbClr val="60B669"/>
-                  </a:solidFill>
-                </a:rPr>
-                <a:t>C</a:t>
-              </a:r>
-              <a:r>
-                <a:rPr lang="en" sz="1300">
-                  <a:solidFill>
-                    <a:srgbClr val="60B669"/>
-                  </a:solidFill>
-                </a:rPr>
-                <a:t>ompetence </a:t>
-              </a:r>
-              <a:endParaRPr sz="1300">
-                <a:solidFill>
-                  <a:srgbClr val="60B669"/>
-                </a:solidFill>
-              </a:endParaRPr>
-            </a:p>
-            <a:p>
-              <a:pPr marL="0" lvl="0" indent="0" algn="l" rtl="0">
-                <a:spcBef>
-                  <a:spcPts val="0"/>
-                </a:spcBef>
-                <a:spcAft>
-                  <a:spcPts val="0"/>
-                </a:spcAft>
-                <a:buNone/>
-              </a:pPr>
-              <a:r>
-                <a:rPr lang="en" sz="1300" b="1">
-                  <a:solidFill>
-                    <a:srgbClr val="60B669"/>
-                  </a:solidFill>
-                </a:rPr>
-                <a:t>C</a:t>
-              </a:r>
-              <a:r>
-                <a:rPr lang="en" sz="1300">
-                  <a:solidFill>
-                    <a:srgbClr val="60B669"/>
-                  </a:solidFill>
-                </a:rPr>
-                <a:t>entre</a:t>
-              </a:r>
-              <a:endParaRPr sz="1300">
-                <a:solidFill>
-                  <a:srgbClr val="60B669"/>
-                </a:solidFill>
-              </a:endParaRPr>
-            </a:p>
-          </p:txBody>
-        </p:sp>
-      </p:grpSp>
-      <p:sp>
-        <p:nvSpPr>
-          <p:cNvPr id="973" name="Google Shape;973;p83"/>
-          <p:cNvSpPr txBox="1">
-            <a:spLocks noGrp="1"/>
-          </p:cNvSpPr>
-          <p:nvPr>
-            <p:ph type="title"/>
-          </p:nvPr>
-        </p:nvSpPr>
-        <p:spPr>
-          <a:xfrm>
-            <a:off x="311700" y="445025"/>
-            <a:ext cx="8520600" cy="572700"/>
-          </a:xfrm>
-          <a:prstGeom prst="rect">
-            <a:avLst/>
-          </a:prstGeom>
-        </p:spPr>
-        <p:txBody>
-          <a:bodyPr spcFirstLastPara="1" wrap="square" lIns="91425" tIns="91425" rIns="91425" bIns="91425" anchor="t" anchorCtr="0">
-            <a:normAutofit fontScale="90000"/>
-          </a:bodyPr>
-          <a:lstStyle/>
-          <a:p>
-            <a:pPr marL="0" lvl="0" indent="0" algn="ctr" rtl="0">
-              <a:spcBef>
-                <a:spcPts val="0"/>
-              </a:spcBef>
-              <a:spcAft>
-                <a:spcPts val="0"/>
-              </a:spcAft>
-              <a:buNone/>
-            </a:pPr>
-            <a:r>
-              <a:rPr lang="en">
-                <a:solidFill>
-                  <a:srgbClr val="000000"/>
-                </a:solidFill>
-              </a:rPr>
-              <a:t>Creating a new remote repository from existing repository</a:t>
-            </a:r>
-            <a:endParaRPr>
-              <a:solidFill>
-                <a:srgbClr val="000000"/>
-              </a:solidFill>
-            </a:endParaRPr>
-          </a:p>
-        </p:txBody>
-      </p:sp>
-      <p:pic>
-        <p:nvPicPr>
-          <p:cNvPr id="974" name="Google Shape;974;p83"/>
-          <p:cNvPicPr preferRelativeResize="0"/>
-          <p:nvPr/>
-        </p:nvPicPr>
-        <p:blipFill>
-          <a:blip r:embed="rId4">
-            <a:alphaModFix/>
-          </a:blip>
-          <a:stretch>
-            <a:fillRect/>
-          </a:stretch>
-        </p:blipFill>
-        <p:spPr>
-          <a:xfrm>
-            <a:off x="54864" y="4553712"/>
-            <a:ext cx="2069651" cy="569700"/>
-          </a:xfrm>
-          <a:prstGeom prst="rect">
-            <a:avLst/>
-          </a:prstGeom>
-          <a:noFill/>
-          <a:ln>
-            <a:noFill/>
-          </a:ln>
-        </p:spPr>
-      </p:pic>
-      <p:sp>
-        <p:nvSpPr>
-          <p:cNvPr id="975" name="Google Shape;975;p83"/>
-          <p:cNvSpPr txBox="1"/>
-          <p:nvPr/>
-        </p:nvSpPr>
-        <p:spPr>
-          <a:xfrm>
-            <a:off x="8959675" y="1088750"/>
-            <a:ext cx="914400" cy="400200"/>
-          </a:xfrm>
-          <a:prstGeom prst="rect">
-            <a:avLst/>
-          </a:prstGeom>
-          <a:noFill/>
-          <a:ln>
-            <a:noFill/>
-          </a:ln>
-        </p:spPr>
-        <p:txBody>
-          <a:bodyPr spcFirstLastPara="1" wrap="square" lIns="91425" tIns="91425" rIns="91425" bIns="91425" anchor="t" anchorCtr="0">
-            <a:spAutoFit/>
-          </a:bodyPr>
-          <a:lstStyle/>
-          <a:p>
-            <a:pPr marL="0" lvl="0" indent="0" algn="l" rtl="0">
-              <a:spcBef>
-                <a:spcPts val="0"/>
-              </a:spcBef>
-              <a:spcAft>
-                <a:spcPts val="0"/>
-              </a:spcAft>
-              <a:buNone/>
-            </a:pPr>
-            <a:endParaRPr/>
-          </a:p>
-        </p:txBody>
-      </p:sp>
-      <p:sp>
-        <p:nvSpPr>
-          <p:cNvPr id="976" name="Google Shape;976;p83"/>
-          <p:cNvSpPr txBox="1"/>
-          <p:nvPr/>
-        </p:nvSpPr>
-        <p:spPr>
-          <a:xfrm>
-            <a:off x="501342" y="1488950"/>
-            <a:ext cx="8148600" cy="2123628"/>
-          </a:xfrm>
-          <a:prstGeom prst="rect">
-            <a:avLst/>
-          </a:prstGeom>
-          <a:noFill/>
-          <a:ln>
-            <a:noFill/>
-          </a:ln>
-        </p:spPr>
-        <p:txBody>
-          <a:bodyPr spcFirstLastPara="1" wrap="square" lIns="91425" tIns="91425" rIns="91425" bIns="91425" anchor="t" anchorCtr="0">
-            <a:spAutoFit/>
-          </a:bodyPr>
-          <a:lstStyle/>
-          <a:p>
-            <a:pPr marL="0" lvl="0" indent="0" algn="l" rtl="0">
-              <a:spcBef>
-                <a:spcPts val="0"/>
-              </a:spcBef>
-              <a:spcAft>
-                <a:spcPts val="0"/>
-              </a:spcAft>
-              <a:buNone/>
-            </a:pPr>
-            <a:endParaRPr dirty="0"/>
-          </a:p>
-          <a:p>
-            <a:pPr marL="0" lvl="0" indent="0" algn="l" rtl="0">
-              <a:spcBef>
-                <a:spcPts val="0"/>
-              </a:spcBef>
-              <a:spcAft>
-                <a:spcPts val="0"/>
-              </a:spcAft>
-              <a:buNone/>
-            </a:pPr>
-            <a:r>
-              <a:rPr lang="en" dirty="0">
-                <a:latin typeface="Courier New"/>
-                <a:ea typeface="Courier New"/>
-                <a:cs typeface="Courier New"/>
-                <a:sym typeface="Courier New"/>
-              </a:rPr>
-              <a:t>git remote add origin </a:t>
-            </a:r>
-            <a:r>
-              <a:rPr lang="en" u="sng" dirty="0">
-                <a:solidFill>
-                  <a:schemeClr val="hlink"/>
-                </a:solidFill>
-                <a:latin typeface="Courier New"/>
-                <a:ea typeface="Courier New"/>
-                <a:cs typeface="Courier New"/>
-                <a:sym typeface="Courier New"/>
-                <a:hlinkClick r:id="rId5"/>
-              </a:rPr>
-              <a:t>git@github.com</a:t>
-            </a:r>
-            <a:r>
-              <a:rPr lang="en" dirty="0">
-                <a:latin typeface="Courier New"/>
-                <a:ea typeface="Courier New"/>
-                <a:cs typeface="Courier New"/>
-                <a:sym typeface="Courier New"/>
-              </a:rPr>
-              <a:t>:&lt;username&gt;/&lt;repository_name&gt;.git</a:t>
-            </a:r>
-            <a:endParaRPr dirty="0">
-              <a:latin typeface="Courier New"/>
-              <a:ea typeface="Courier New"/>
-              <a:cs typeface="Courier New"/>
-              <a:sym typeface="Courier New"/>
-            </a:endParaRPr>
-          </a:p>
-          <a:p>
-            <a:pPr marL="0" lvl="0" indent="0" algn="l" rtl="0">
-              <a:spcBef>
-                <a:spcPts val="0"/>
-              </a:spcBef>
-              <a:spcAft>
-                <a:spcPts val="0"/>
-              </a:spcAft>
-              <a:buNone/>
-            </a:pPr>
-            <a:endParaRPr dirty="0">
-              <a:latin typeface="Courier New"/>
-              <a:ea typeface="Courier New"/>
-              <a:cs typeface="Courier New"/>
-              <a:sym typeface="Courier New"/>
-            </a:endParaRPr>
-          </a:p>
-          <a:p>
-            <a:pPr marL="0" lvl="0" indent="0" algn="l" rtl="0">
-              <a:spcBef>
-                <a:spcPts val="0"/>
-              </a:spcBef>
-              <a:spcAft>
-                <a:spcPts val="0"/>
-              </a:spcAft>
-              <a:buNone/>
-            </a:pPr>
-            <a:r>
-              <a:rPr lang="en" dirty="0"/>
-              <a:t>Then:</a:t>
-            </a:r>
-            <a:endParaRPr dirty="0"/>
-          </a:p>
-          <a:p>
-            <a:pPr marL="0" lvl="0" indent="0" algn="l" rtl="0">
-              <a:spcBef>
-                <a:spcPts val="0"/>
-              </a:spcBef>
-              <a:spcAft>
-                <a:spcPts val="0"/>
-              </a:spcAft>
-              <a:buNone/>
-            </a:pPr>
-            <a:endParaRPr dirty="0">
-              <a:latin typeface="Courier New"/>
-              <a:ea typeface="Courier New"/>
-              <a:cs typeface="Courier New"/>
-              <a:sym typeface="Courier New"/>
-            </a:endParaRPr>
-          </a:p>
-          <a:p>
-            <a:pPr marL="0" lvl="0" indent="0" algn="l" rtl="0">
-              <a:spcBef>
-                <a:spcPts val="0"/>
-              </a:spcBef>
-              <a:spcAft>
-                <a:spcPts val="0"/>
-              </a:spcAft>
-              <a:buNone/>
-            </a:pPr>
-            <a:r>
-              <a:rPr lang="en-US" dirty="0">
-                <a:latin typeface="Courier New"/>
-                <a:ea typeface="Courier New"/>
-                <a:cs typeface="Courier New"/>
-                <a:sym typeface="Courier New"/>
-              </a:rPr>
-              <a:t>git push –u origin main</a:t>
-            </a:r>
-            <a:endParaRPr dirty="0">
-              <a:latin typeface="Courier New"/>
-              <a:ea typeface="Courier New"/>
-              <a:cs typeface="Courier New"/>
-              <a:sym typeface="Courier New"/>
-            </a:endParaRPr>
-          </a:p>
-          <a:p>
-            <a:pPr marL="0" lvl="0" indent="0" algn="l" rtl="0">
-              <a:spcBef>
-                <a:spcPts val="0"/>
-              </a:spcBef>
-              <a:spcAft>
-                <a:spcPts val="0"/>
-              </a:spcAft>
-              <a:buNone/>
-            </a:pPr>
-            <a:endParaRPr dirty="0">
-              <a:latin typeface="Courier New"/>
-              <a:ea typeface="Courier New"/>
-              <a:cs typeface="Courier New"/>
-              <a:sym typeface="Courier New"/>
-            </a:endParaRPr>
-          </a:p>
-          <a:p>
-            <a:pPr marL="0" lvl="0" indent="0" algn="l" rtl="0">
-              <a:spcBef>
-                <a:spcPts val="0"/>
-              </a:spcBef>
-              <a:spcAft>
-                <a:spcPts val="0"/>
-              </a:spcAft>
-              <a:buClr>
-                <a:schemeClr val="dk1"/>
-              </a:buClr>
-              <a:buSzPts val="1100"/>
-              <a:buFont typeface="Arial"/>
-              <a:buNone/>
-            </a:pPr>
-            <a:endParaRPr dirty="0">
-              <a:latin typeface="Courier New"/>
-              <a:ea typeface="Courier New"/>
-              <a:cs typeface="Courier New"/>
-              <a:sym typeface="Courier New"/>
-            </a:endParaRPr>
-          </a:p>
-          <a:p>
-            <a:pPr marL="0" lvl="0" indent="0" algn="l" rtl="0">
-              <a:spcBef>
-                <a:spcPts val="0"/>
-              </a:spcBef>
-              <a:spcAft>
-                <a:spcPts val="0"/>
-              </a:spcAft>
-              <a:buNone/>
-            </a:pPr>
-            <a:r>
-              <a:rPr lang="en" dirty="0"/>
-              <a:t>Let’s check the GitHub</a:t>
-            </a:r>
-            <a:endParaRPr dirty="0"/>
-          </a:p>
-        </p:txBody>
-      </p:sp>
-    </p:spTree>
-  </p:cSld>
-  <p:clrMapOvr>
-    <a:masterClrMapping/>
-  </p:clrMapOvr>
-</p:sld>
-</file>
-
-<file path=ppt/slides/slide79.xml><?xml version="1.0" encoding="utf-8"?>
-<p:sld xmlns:a="http://schemas.openxmlformats.org/drawingml/2006/main" xmlns:r="http://schemas.openxmlformats.org/officeDocument/2006/relationships" xmlns:p="http://schemas.openxmlformats.org/presentationml/2006/main">
-  <p:cSld>
-    <p:spTree>
-      <p:nvGrpSpPr>
-        <p:cNvPr id="1" name="Shape 952"/>
-        <p:cNvGrpSpPr/>
-        <p:nvPr/>
-      </p:nvGrpSpPr>
-      <p:grpSpPr>
-        <a:xfrm>
-          <a:off x="0" y="0"/>
-          <a:ext cx="0" cy="0"/>
-          <a:chOff x="0" y="0"/>
-          <a:chExt cx="0" cy="0"/>
-        </a:xfrm>
-      </p:grpSpPr>
-      <p:sp>
-        <p:nvSpPr>
-          <p:cNvPr id="953" name="Google Shape;953;p82"/>
-          <p:cNvSpPr txBox="1"/>
-          <p:nvPr/>
-        </p:nvSpPr>
-        <p:spPr>
-          <a:xfrm>
-            <a:off x="540850" y="1203525"/>
-            <a:ext cx="7880400" cy="2986200"/>
-          </a:xfrm>
-          <a:prstGeom prst="rect">
-            <a:avLst/>
-          </a:prstGeom>
-          <a:noFill/>
-          <a:ln>
-            <a:noFill/>
-          </a:ln>
-        </p:spPr>
-        <p:txBody>
-          <a:bodyPr spcFirstLastPara="1" wrap="square" lIns="91425" tIns="91425" rIns="91425" bIns="91425" anchor="t" anchorCtr="0">
-            <a:spAutoFit/>
-          </a:bodyPr>
-          <a:lstStyle/>
-          <a:p>
-            <a:pPr marL="457200" lvl="0" indent="-317500" algn="l" rtl="0">
-              <a:spcBef>
-                <a:spcPts val="0"/>
-              </a:spcBef>
-              <a:spcAft>
-                <a:spcPts val="0"/>
-              </a:spcAft>
-              <a:buSzPts val="1400"/>
-              <a:buChar char="●"/>
-            </a:pPr>
-            <a:r>
-              <a:rPr lang="en" dirty="0"/>
-              <a:t>Go to your GitHub account</a:t>
-            </a:r>
-            <a:endParaRPr dirty="0"/>
-          </a:p>
-          <a:p>
-            <a:pPr marL="457200" lvl="0" indent="0" algn="l" rtl="0">
-              <a:spcBef>
-                <a:spcPts val="0"/>
-              </a:spcBef>
-              <a:spcAft>
-                <a:spcPts val="0"/>
-              </a:spcAft>
-              <a:buNone/>
-            </a:pPr>
-            <a:endParaRPr dirty="0"/>
-          </a:p>
-          <a:p>
-            <a:pPr marL="457200" lvl="0" indent="-317500" algn="l" rtl="0">
-              <a:spcBef>
-                <a:spcPts val="0"/>
-              </a:spcBef>
-              <a:spcAft>
-                <a:spcPts val="0"/>
-              </a:spcAft>
-              <a:buSzPts val="1400"/>
-              <a:buChar char="●"/>
-            </a:pPr>
-            <a:r>
-              <a:rPr lang="en" dirty="0"/>
-              <a:t>Select</a:t>
-            </a:r>
-            <a:endParaRPr dirty="0"/>
-          </a:p>
-          <a:p>
-            <a:pPr marL="457200" lvl="0" indent="0" algn="l" rtl="0">
-              <a:spcBef>
-                <a:spcPts val="0"/>
-              </a:spcBef>
-              <a:spcAft>
-                <a:spcPts val="0"/>
-              </a:spcAft>
-              <a:buNone/>
-            </a:pPr>
-            <a:r>
-              <a:rPr lang="en" dirty="0"/>
-              <a:t> </a:t>
-            </a:r>
-            <a:endParaRPr dirty="0"/>
-          </a:p>
-          <a:p>
-            <a:pPr marL="457200" lvl="0" indent="-317500" algn="l" rtl="0">
-              <a:spcBef>
-                <a:spcPts val="0"/>
-              </a:spcBef>
-              <a:spcAft>
-                <a:spcPts val="0"/>
-              </a:spcAft>
-              <a:buSzPts val="1400"/>
-              <a:buChar char="●"/>
-            </a:pPr>
-            <a:r>
-              <a:rPr lang="en" dirty="0"/>
-              <a:t>Click New</a:t>
-            </a:r>
-            <a:endParaRPr dirty="0"/>
-          </a:p>
-          <a:p>
-            <a:pPr marL="457200" lvl="0" indent="0" algn="l" rtl="0">
-              <a:spcBef>
-                <a:spcPts val="0"/>
-              </a:spcBef>
-              <a:spcAft>
-                <a:spcPts val="0"/>
-              </a:spcAft>
-              <a:buNone/>
-            </a:pPr>
-            <a:endParaRPr dirty="0"/>
-          </a:p>
-          <a:p>
-            <a:pPr marL="457200" lvl="0" indent="-317500" algn="l" rtl="0">
-              <a:spcBef>
-                <a:spcPts val="0"/>
-              </a:spcBef>
-              <a:spcAft>
-                <a:spcPts val="0"/>
-              </a:spcAft>
-              <a:buSzPts val="1400"/>
-              <a:buChar char="●"/>
-            </a:pPr>
-            <a:r>
-              <a:rPr lang="en" dirty="0"/>
-              <a:t>Type your repository name (&lt;repository-name&gt;), select Private or Public</a:t>
-            </a:r>
-            <a:endParaRPr dirty="0">
-              <a:highlight>
-                <a:srgbClr val="FFFFFF"/>
-              </a:highlight>
-            </a:endParaRPr>
-          </a:p>
-          <a:p>
-            <a:pPr marL="457200" lvl="0" indent="0" algn="l" rtl="0">
-              <a:spcBef>
-                <a:spcPts val="0"/>
-              </a:spcBef>
-              <a:spcAft>
-                <a:spcPts val="0"/>
-              </a:spcAft>
-              <a:buNone/>
-            </a:pPr>
-            <a:endParaRPr dirty="0">
-              <a:highlight>
-                <a:srgbClr val="FFFFFF"/>
-              </a:highlight>
-            </a:endParaRPr>
-          </a:p>
-          <a:p>
-            <a:pPr marL="457200" lvl="0" indent="-317500" algn="l" rtl="0">
-              <a:spcBef>
-                <a:spcPts val="0"/>
-              </a:spcBef>
-              <a:spcAft>
-                <a:spcPts val="0"/>
-              </a:spcAft>
-              <a:buSzPts val="1400"/>
-              <a:buChar char="●"/>
-            </a:pPr>
-            <a:r>
-              <a:rPr lang="en" dirty="0">
-                <a:highlight>
-                  <a:srgbClr val="FFFFFF"/>
-                </a:highlight>
-              </a:rPr>
-              <a:t>Click </a:t>
-            </a:r>
-            <a:endParaRPr dirty="0">
-              <a:highlight>
-                <a:srgbClr val="FFFFFF"/>
-              </a:highlight>
-            </a:endParaRPr>
-          </a:p>
-          <a:p>
-            <a:pPr marL="457200" lvl="0" indent="0" algn="l" rtl="0">
-              <a:spcBef>
-                <a:spcPts val="0"/>
-              </a:spcBef>
-              <a:spcAft>
-                <a:spcPts val="0"/>
-              </a:spcAft>
-              <a:buNone/>
-            </a:pPr>
-            <a:endParaRPr dirty="0">
-              <a:highlight>
-                <a:srgbClr val="FFFFFF"/>
-              </a:highlight>
-            </a:endParaRPr>
-          </a:p>
-          <a:p>
-            <a:pPr marL="457200" lvl="0" indent="-317500" algn="l" rtl="0">
-              <a:spcBef>
-                <a:spcPts val="0"/>
-              </a:spcBef>
-              <a:spcAft>
-                <a:spcPts val="0"/>
-              </a:spcAft>
-              <a:buSzPts val="1400"/>
-              <a:buChar char="●"/>
-            </a:pPr>
-            <a:r>
-              <a:rPr lang="en" dirty="0">
-                <a:highlight>
-                  <a:srgbClr val="FFFFFF"/>
-                </a:highlight>
-              </a:rPr>
-              <a:t>Click</a:t>
-            </a:r>
-            <a:endParaRPr dirty="0">
-              <a:highlight>
-                <a:srgbClr val="FFFFFF"/>
-              </a:highlight>
-            </a:endParaRPr>
-          </a:p>
-          <a:p>
-            <a:pPr marL="457200" lvl="0" indent="0" algn="l" rtl="0">
-              <a:spcBef>
-                <a:spcPts val="0"/>
-              </a:spcBef>
-              <a:spcAft>
-                <a:spcPts val="0"/>
-              </a:spcAft>
-              <a:buNone/>
-            </a:pPr>
-            <a:endParaRPr dirty="0">
-              <a:highlight>
-                <a:srgbClr val="FFFFFF"/>
-              </a:highlight>
-            </a:endParaRPr>
-          </a:p>
-          <a:p>
-            <a:pPr marL="457200" lvl="0" indent="-317500" algn="l" rtl="0">
-              <a:spcBef>
-                <a:spcPts val="0"/>
-              </a:spcBef>
-              <a:spcAft>
-                <a:spcPts val="0"/>
-              </a:spcAft>
-              <a:buSzPts val="1400"/>
-              <a:buChar char="●"/>
-            </a:pPr>
-            <a:r>
-              <a:rPr lang="en" dirty="0">
-                <a:highlight>
-                  <a:srgbClr val="FFFFFF"/>
-                </a:highlight>
-              </a:rPr>
-              <a:t>Select HTTPS or SSH and copy the url to clone it to your local environment.</a:t>
-            </a:r>
-            <a:endParaRPr dirty="0">
-              <a:highlight>
-                <a:srgbClr val="FFFFFF"/>
-              </a:highlight>
-            </a:endParaRPr>
-          </a:p>
-        </p:txBody>
-      </p:sp>
-      <p:grpSp>
-        <p:nvGrpSpPr>
-          <p:cNvPr id="954" name="Google Shape;954;p82"/>
-          <p:cNvGrpSpPr/>
-          <p:nvPr/>
-        </p:nvGrpSpPr>
-        <p:grpSpPr>
-          <a:xfrm>
-            <a:off x="5936835" y="4508150"/>
-            <a:ext cx="3200201" cy="603542"/>
-            <a:chOff x="4641225" y="4279392"/>
-            <a:chExt cx="4171817" cy="790597"/>
-          </a:xfrm>
-        </p:grpSpPr>
-        <p:pic>
-          <p:nvPicPr>
-            <p:cNvPr id="955" name="Google Shape;955;p82"/>
-            <p:cNvPicPr preferRelativeResize="0"/>
-            <p:nvPr/>
-          </p:nvPicPr>
-          <p:blipFill>
-            <a:blip r:embed="rId3">
-              <a:alphaModFix/>
-            </a:blip>
-            <a:stretch>
-              <a:fillRect/>
-            </a:stretch>
-          </p:blipFill>
-          <p:spPr>
-            <a:xfrm>
-              <a:off x="4641225" y="4292750"/>
-              <a:ext cx="2895220" cy="777239"/>
-            </a:xfrm>
-            <a:prstGeom prst="rect">
-              <a:avLst/>
-            </a:prstGeom>
-            <a:noFill/>
-            <a:ln>
-              <a:noFill/>
-            </a:ln>
-          </p:spPr>
-        </p:pic>
-        <p:sp>
-          <p:nvSpPr>
-            <p:cNvPr id="956" name="Google Shape;956;p82"/>
-            <p:cNvSpPr txBox="1"/>
-            <p:nvPr/>
-          </p:nvSpPr>
-          <p:spPr>
-            <a:xfrm>
-              <a:off x="7523043" y="4279392"/>
-              <a:ext cx="1290000" cy="722400"/>
-            </a:xfrm>
-            <a:prstGeom prst="rect">
-              <a:avLst/>
-            </a:prstGeom>
-            <a:noFill/>
-            <a:ln>
-              <a:noFill/>
-            </a:ln>
-          </p:spPr>
-          <p:txBody>
-            <a:bodyPr spcFirstLastPara="1" wrap="square" lIns="0" tIns="0" rIns="0" bIns="0" anchor="t" anchorCtr="0">
-              <a:noAutofit/>
-            </a:bodyPr>
-            <a:lstStyle/>
-            <a:p>
-              <a:pPr marL="0" lvl="0" indent="0" algn="l" rtl="0">
-                <a:spcBef>
-                  <a:spcPts val="0"/>
-                </a:spcBef>
-                <a:spcAft>
-                  <a:spcPts val="0"/>
-                </a:spcAft>
-                <a:buNone/>
-              </a:pPr>
-              <a:r>
-                <a:rPr lang="en" sz="1300" b="1">
-                  <a:solidFill>
-                    <a:srgbClr val="60B669"/>
-                  </a:solidFill>
-                </a:rPr>
-                <a:t>D</a:t>
-              </a:r>
-              <a:r>
-                <a:rPr lang="en" sz="1300">
-                  <a:solidFill>
-                    <a:srgbClr val="60B669"/>
-                  </a:solidFill>
-                </a:rPr>
-                <a:t>igital </a:t>
-              </a:r>
-              <a:endParaRPr sz="1300">
-                <a:solidFill>
-                  <a:srgbClr val="60B669"/>
-                </a:solidFill>
-              </a:endParaRPr>
-            </a:p>
-            <a:p>
-              <a:pPr marL="0" lvl="0" indent="0" algn="l" rtl="0">
-                <a:spcBef>
-                  <a:spcPts val="0"/>
-                </a:spcBef>
-                <a:spcAft>
-                  <a:spcPts val="0"/>
-                </a:spcAft>
-                <a:buNone/>
-              </a:pPr>
-              <a:r>
-                <a:rPr lang="en" sz="1300" b="1">
-                  <a:solidFill>
-                    <a:srgbClr val="60B669"/>
-                  </a:solidFill>
-                </a:rPr>
-                <a:t>C</a:t>
-              </a:r>
-              <a:r>
-                <a:rPr lang="en" sz="1300">
-                  <a:solidFill>
-                    <a:srgbClr val="60B669"/>
-                  </a:solidFill>
-                </a:rPr>
-                <a:t>ompetence </a:t>
-              </a:r>
-              <a:endParaRPr sz="1300">
-                <a:solidFill>
-                  <a:srgbClr val="60B669"/>
-                </a:solidFill>
-              </a:endParaRPr>
-            </a:p>
-            <a:p>
-              <a:pPr marL="0" lvl="0" indent="0" algn="l" rtl="0">
-                <a:spcBef>
-                  <a:spcPts val="0"/>
-                </a:spcBef>
-                <a:spcAft>
-                  <a:spcPts val="0"/>
-                </a:spcAft>
-                <a:buNone/>
-              </a:pPr>
-              <a:r>
-                <a:rPr lang="en" sz="1300" b="1">
-                  <a:solidFill>
-                    <a:srgbClr val="60B669"/>
-                  </a:solidFill>
-                </a:rPr>
-                <a:t>C</a:t>
-              </a:r>
-              <a:r>
-                <a:rPr lang="en" sz="1300">
-                  <a:solidFill>
-                    <a:srgbClr val="60B669"/>
-                  </a:solidFill>
-                </a:rPr>
-                <a:t>entre</a:t>
-              </a:r>
-              <a:endParaRPr sz="1300">
-                <a:solidFill>
-                  <a:srgbClr val="60B669"/>
-                </a:solidFill>
-              </a:endParaRPr>
-            </a:p>
-          </p:txBody>
-        </p:sp>
-      </p:grpSp>
-      <p:sp>
-        <p:nvSpPr>
-          <p:cNvPr id="957" name="Google Shape;957;p82"/>
-          <p:cNvSpPr txBox="1">
-            <a:spLocks noGrp="1"/>
-          </p:cNvSpPr>
-          <p:nvPr>
-            <p:ph type="title"/>
-          </p:nvPr>
-        </p:nvSpPr>
-        <p:spPr>
-          <a:xfrm>
-            <a:off x="311700" y="445025"/>
-            <a:ext cx="8520600" cy="572700"/>
-          </a:xfrm>
-          <a:prstGeom prst="rect">
-            <a:avLst/>
-          </a:prstGeom>
-        </p:spPr>
-        <p:txBody>
-          <a:bodyPr spcFirstLastPara="1" wrap="square" lIns="91425" tIns="91425" rIns="91425" bIns="91425" anchor="t" anchorCtr="0">
-            <a:normAutofit fontScale="90000"/>
-          </a:bodyPr>
-          <a:lstStyle/>
-          <a:p>
-            <a:pPr marL="0" lvl="0" indent="0" algn="ctr" rtl="0">
-              <a:spcBef>
-                <a:spcPts val="0"/>
-              </a:spcBef>
-              <a:spcAft>
-                <a:spcPts val="0"/>
-              </a:spcAft>
-              <a:buNone/>
-            </a:pPr>
-            <a:r>
-              <a:rPr lang="en" dirty="0">
-                <a:solidFill>
-                  <a:srgbClr val="000000"/>
-                </a:solidFill>
-              </a:rPr>
-              <a:t>Creating a new remote repository on GitHub</a:t>
-            </a:r>
-            <a:endParaRPr dirty="0">
-              <a:solidFill>
-                <a:srgbClr val="000000"/>
-              </a:solidFill>
-            </a:endParaRPr>
-          </a:p>
-        </p:txBody>
-      </p:sp>
-      <p:pic>
-        <p:nvPicPr>
-          <p:cNvPr id="958" name="Google Shape;958;p82"/>
-          <p:cNvPicPr preferRelativeResize="0"/>
-          <p:nvPr/>
-        </p:nvPicPr>
-        <p:blipFill>
-          <a:blip r:embed="rId4">
-            <a:alphaModFix/>
-          </a:blip>
-          <a:stretch>
-            <a:fillRect/>
-          </a:stretch>
-        </p:blipFill>
-        <p:spPr>
-          <a:xfrm>
-            <a:off x="54864" y="4553712"/>
-            <a:ext cx="2069651" cy="569700"/>
-          </a:xfrm>
-          <a:prstGeom prst="rect">
-            <a:avLst/>
-          </a:prstGeom>
-          <a:noFill/>
-          <a:ln>
-            <a:noFill/>
-          </a:ln>
-        </p:spPr>
-      </p:pic>
-      <p:sp>
-        <p:nvSpPr>
-          <p:cNvPr id="959" name="Google Shape;959;p82"/>
-          <p:cNvSpPr txBox="1"/>
-          <p:nvPr/>
-        </p:nvSpPr>
-        <p:spPr>
-          <a:xfrm>
-            <a:off x="8959675" y="1088750"/>
-            <a:ext cx="914400" cy="400200"/>
-          </a:xfrm>
-          <a:prstGeom prst="rect">
-            <a:avLst/>
-          </a:prstGeom>
-          <a:noFill/>
-          <a:ln>
-            <a:noFill/>
-          </a:ln>
-        </p:spPr>
-        <p:txBody>
-          <a:bodyPr spcFirstLastPara="1" wrap="square" lIns="91425" tIns="91425" rIns="91425" bIns="91425" anchor="t" anchorCtr="0">
-            <a:spAutoFit/>
-          </a:bodyPr>
-          <a:lstStyle/>
-          <a:p>
-            <a:pPr marL="0" lvl="0" indent="0" algn="l" rtl="0">
-              <a:spcBef>
-                <a:spcPts val="0"/>
-              </a:spcBef>
-              <a:spcAft>
-                <a:spcPts val="0"/>
-              </a:spcAft>
-              <a:buNone/>
-            </a:pPr>
-            <a:endParaRPr/>
-          </a:p>
-        </p:txBody>
-      </p:sp>
-      <p:pic>
-        <p:nvPicPr>
-          <p:cNvPr id="960" name="Google Shape;960;p82"/>
-          <p:cNvPicPr preferRelativeResize="0"/>
-          <p:nvPr/>
-        </p:nvPicPr>
-        <p:blipFill>
-          <a:blip r:embed="rId5">
-            <a:alphaModFix/>
-          </a:blip>
-          <a:stretch>
-            <a:fillRect/>
-          </a:stretch>
-        </p:blipFill>
-        <p:spPr>
-          <a:xfrm>
-            <a:off x="1705150" y="1634475"/>
-            <a:ext cx="1594705" cy="400200"/>
-          </a:xfrm>
-          <a:prstGeom prst="rect">
-            <a:avLst/>
-          </a:prstGeom>
-          <a:noFill/>
-          <a:ln>
-            <a:noFill/>
-          </a:ln>
-        </p:spPr>
-      </p:pic>
-      <p:pic>
-        <p:nvPicPr>
-          <p:cNvPr id="961" name="Google Shape;961;p82"/>
-          <p:cNvPicPr preferRelativeResize="0"/>
-          <p:nvPr/>
-        </p:nvPicPr>
-        <p:blipFill>
-          <a:blip r:embed="rId6">
-            <a:alphaModFix/>
-          </a:blip>
-          <a:stretch>
-            <a:fillRect/>
-          </a:stretch>
-        </p:blipFill>
-        <p:spPr>
-          <a:xfrm>
-            <a:off x="2046725" y="2072175"/>
-            <a:ext cx="808000" cy="317250"/>
-          </a:xfrm>
-          <a:prstGeom prst="rect">
-            <a:avLst/>
-          </a:prstGeom>
-          <a:noFill/>
-          <a:ln>
-            <a:noFill/>
-          </a:ln>
-        </p:spPr>
-      </p:pic>
-      <p:pic>
-        <p:nvPicPr>
-          <p:cNvPr id="962" name="Google Shape;962;p82"/>
-          <p:cNvPicPr preferRelativeResize="0"/>
-          <p:nvPr/>
-        </p:nvPicPr>
-        <p:blipFill>
-          <a:blip r:embed="rId7">
-            <a:alphaModFix/>
-          </a:blip>
-          <a:stretch>
-            <a:fillRect/>
-          </a:stretch>
-        </p:blipFill>
-        <p:spPr>
-          <a:xfrm>
-            <a:off x="1632599" y="2941525"/>
-            <a:ext cx="1032751" cy="317250"/>
-          </a:xfrm>
-          <a:prstGeom prst="rect">
-            <a:avLst/>
-          </a:prstGeom>
-          <a:noFill/>
-          <a:ln>
-            <a:noFill/>
-          </a:ln>
-        </p:spPr>
-      </p:pic>
-      <p:pic>
-        <p:nvPicPr>
-          <p:cNvPr id="963" name="Google Shape;963;p82"/>
-          <p:cNvPicPr preferRelativeResize="0"/>
-          <p:nvPr/>
-        </p:nvPicPr>
-        <p:blipFill>
-          <a:blip r:embed="rId8">
-            <a:alphaModFix/>
-          </a:blip>
-          <a:stretch>
-            <a:fillRect/>
-          </a:stretch>
-        </p:blipFill>
-        <p:spPr>
-          <a:xfrm>
-            <a:off x="1797625" y="3443875"/>
-            <a:ext cx="653725" cy="203100"/>
-          </a:xfrm>
-          <a:prstGeom prst="rect">
-            <a:avLst/>
-          </a:prstGeom>
-          <a:noFill/>
-          <a:ln>
-            <a:noFill/>
-          </a:ln>
-        </p:spPr>
-      </p:pic>
     </p:spTree>
   </p:cSld>
   <p:clrMapOvr>
@@ -59135,6 +60158,1304 @@
           </a:p>
         </p:txBody>
       </p:sp>
+    </p:spTree>
+  </p:cSld>
+  <p:clrMapOvr>
+    <a:masterClrMapping/>
+  </p:clrMapOvr>
+</p:sld>
+</file>
+
+<file path=ppt/slides/slide80.xml><?xml version="1.0" encoding="utf-8"?>
+<p:sld xmlns:a="http://schemas.openxmlformats.org/drawingml/2006/main" xmlns:r="http://schemas.openxmlformats.org/officeDocument/2006/relationships" xmlns:p="http://schemas.openxmlformats.org/presentationml/2006/main">
+  <p:cSld>
+    <p:spTree>
+      <p:nvGrpSpPr>
+        <p:cNvPr id="1" name="Shape 967"/>
+        <p:cNvGrpSpPr/>
+        <p:nvPr/>
+      </p:nvGrpSpPr>
+      <p:grpSpPr>
+        <a:xfrm>
+          <a:off x="0" y="0"/>
+          <a:ext cx="0" cy="0"/>
+          <a:chOff x="0" y="0"/>
+          <a:chExt cx="0" cy="0"/>
+        </a:xfrm>
+      </p:grpSpPr>
+      <p:sp>
+        <p:nvSpPr>
+          <p:cNvPr id="968" name="Google Shape;968;p83"/>
+          <p:cNvSpPr/>
+          <p:nvPr/>
+        </p:nvSpPr>
+        <p:spPr>
+          <a:xfrm>
+            <a:off x="539825" y="2571750"/>
+            <a:ext cx="2645400" cy="307500"/>
+          </a:xfrm>
+          <a:prstGeom prst="roundRect">
+            <a:avLst>
+              <a:gd name="adj" fmla="val 16667"/>
+            </a:avLst>
+          </a:prstGeom>
+          <a:solidFill>
+            <a:srgbClr val="FFF2CC"/>
+          </a:solidFill>
+          <a:ln w="9525" cap="flat" cmpd="sng">
+            <a:solidFill>
+              <a:schemeClr val="dk2"/>
+            </a:solidFill>
+            <a:prstDash val="solid"/>
+            <a:round/>
+            <a:headEnd type="none" w="sm" len="sm"/>
+            <a:tailEnd type="none" w="sm" len="sm"/>
+          </a:ln>
+        </p:spPr>
+        <p:txBody>
+          <a:bodyPr spcFirstLastPara="1" wrap="square" lIns="91425" tIns="91425" rIns="91425" bIns="91425" anchor="ctr" anchorCtr="0">
+            <a:noAutofit/>
+          </a:bodyPr>
+          <a:lstStyle/>
+          <a:p>
+            <a:pPr marL="0" lvl="0" indent="0" algn="l" rtl="0">
+              <a:spcBef>
+                <a:spcPts val="0"/>
+              </a:spcBef>
+              <a:spcAft>
+                <a:spcPts val="0"/>
+              </a:spcAft>
+              <a:buNone/>
+            </a:pPr>
+            <a:endParaRPr/>
+          </a:p>
+        </p:txBody>
+      </p:sp>
+      <p:sp>
+        <p:nvSpPr>
+          <p:cNvPr id="969" name="Google Shape;969;p83"/>
+          <p:cNvSpPr/>
+          <p:nvPr/>
+        </p:nvSpPr>
+        <p:spPr>
+          <a:xfrm>
+            <a:off x="572375" y="1740150"/>
+            <a:ext cx="7392300" cy="307500"/>
+          </a:xfrm>
+          <a:prstGeom prst="roundRect">
+            <a:avLst>
+              <a:gd name="adj" fmla="val 16667"/>
+            </a:avLst>
+          </a:prstGeom>
+          <a:solidFill>
+            <a:srgbClr val="FFF2CC"/>
+          </a:solidFill>
+          <a:ln w="9525" cap="flat" cmpd="sng">
+            <a:solidFill>
+              <a:schemeClr val="dk2"/>
+            </a:solidFill>
+            <a:prstDash val="solid"/>
+            <a:round/>
+            <a:headEnd type="none" w="sm" len="sm"/>
+            <a:tailEnd type="none" w="sm" len="sm"/>
+          </a:ln>
+        </p:spPr>
+        <p:txBody>
+          <a:bodyPr spcFirstLastPara="1" wrap="square" lIns="91425" tIns="91425" rIns="91425" bIns="91425" anchor="ctr" anchorCtr="0">
+            <a:noAutofit/>
+          </a:bodyPr>
+          <a:lstStyle/>
+          <a:p>
+            <a:pPr marL="0" lvl="0" indent="0" algn="l" rtl="0">
+              <a:spcBef>
+                <a:spcPts val="0"/>
+              </a:spcBef>
+              <a:spcAft>
+                <a:spcPts val="0"/>
+              </a:spcAft>
+              <a:buNone/>
+            </a:pPr>
+            <a:endParaRPr/>
+          </a:p>
+        </p:txBody>
+      </p:sp>
+      <p:grpSp>
+        <p:nvGrpSpPr>
+          <p:cNvPr id="970" name="Google Shape;970;p83"/>
+          <p:cNvGrpSpPr/>
+          <p:nvPr/>
+        </p:nvGrpSpPr>
+        <p:grpSpPr>
+          <a:xfrm>
+            <a:off x="5936835" y="4508150"/>
+            <a:ext cx="3200201" cy="603542"/>
+            <a:chOff x="4641225" y="4279392"/>
+            <a:chExt cx="4171817" cy="790597"/>
+          </a:xfrm>
+        </p:grpSpPr>
+        <p:pic>
+          <p:nvPicPr>
+            <p:cNvPr id="971" name="Google Shape;971;p83"/>
+            <p:cNvPicPr preferRelativeResize="0"/>
+            <p:nvPr/>
+          </p:nvPicPr>
+          <p:blipFill>
+            <a:blip r:embed="rId3">
+              <a:alphaModFix/>
+            </a:blip>
+            <a:stretch>
+              <a:fillRect/>
+            </a:stretch>
+          </p:blipFill>
+          <p:spPr>
+            <a:xfrm>
+              <a:off x="4641225" y="4292750"/>
+              <a:ext cx="2895220" cy="777239"/>
+            </a:xfrm>
+            <a:prstGeom prst="rect">
+              <a:avLst/>
+            </a:prstGeom>
+            <a:noFill/>
+            <a:ln>
+              <a:noFill/>
+            </a:ln>
+          </p:spPr>
+        </p:pic>
+        <p:sp>
+          <p:nvSpPr>
+            <p:cNvPr id="972" name="Google Shape;972;p83"/>
+            <p:cNvSpPr txBox="1"/>
+            <p:nvPr/>
+          </p:nvSpPr>
+          <p:spPr>
+            <a:xfrm>
+              <a:off x="7523043" y="4279392"/>
+              <a:ext cx="1290000" cy="722400"/>
+            </a:xfrm>
+            <a:prstGeom prst="rect">
+              <a:avLst/>
+            </a:prstGeom>
+            <a:noFill/>
+            <a:ln>
+              <a:noFill/>
+            </a:ln>
+          </p:spPr>
+          <p:txBody>
+            <a:bodyPr spcFirstLastPara="1" wrap="square" lIns="0" tIns="0" rIns="0" bIns="0" anchor="t" anchorCtr="0">
+              <a:noAutofit/>
+            </a:bodyPr>
+            <a:lstStyle/>
+            <a:p>
+              <a:pPr marL="0" lvl="0" indent="0" algn="l" rtl="0">
+                <a:spcBef>
+                  <a:spcPts val="0"/>
+                </a:spcBef>
+                <a:spcAft>
+                  <a:spcPts val="0"/>
+                </a:spcAft>
+                <a:buNone/>
+              </a:pPr>
+              <a:r>
+                <a:rPr lang="en" sz="1300" b="1">
+                  <a:solidFill>
+                    <a:srgbClr val="60B669"/>
+                  </a:solidFill>
+                </a:rPr>
+                <a:t>D</a:t>
+              </a:r>
+              <a:r>
+                <a:rPr lang="en" sz="1300">
+                  <a:solidFill>
+                    <a:srgbClr val="60B669"/>
+                  </a:solidFill>
+                </a:rPr>
+                <a:t>igital </a:t>
+              </a:r>
+              <a:endParaRPr sz="1300">
+                <a:solidFill>
+                  <a:srgbClr val="60B669"/>
+                </a:solidFill>
+              </a:endParaRPr>
+            </a:p>
+            <a:p>
+              <a:pPr marL="0" lvl="0" indent="0" algn="l" rtl="0">
+                <a:spcBef>
+                  <a:spcPts val="0"/>
+                </a:spcBef>
+                <a:spcAft>
+                  <a:spcPts val="0"/>
+                </a:spcAft>
+                <a:buNone/>
+              </a:pPr>
+              <a:r>
+                <a:rPr lang="en" sz="1300" b="1">
+                  <a:solidFill>
+                    <a:srgbClr val="60B669"/>
+                  </a:solidFill>
+                </a:rPr>
+                <a:t>C</a:t>
+              </a:r>
+              <a:r>
+                <a:rPr lang="en" sz="1300">
+                  <a:solidFill>
+                    <a:srgbClr val="60B669"/>
+                  </a:solidFill>
+                </a:rPr>
+                <a:t>ompetence </a:t>
+              </a:r>
+              <a:endParaRPr sz="1300">
+                <a:solidFill>
+                  <a:srgbClr val="60B669"/>
+                </a:solidFill>
+              </a:endParaRPr>
+            </a:p>
+            <a:p>
+              <a:pPr marL="0" lvl="0" indent="0" algn="l" rtl="0">
+                <a:spcBef>
+                  <a:spcPts val="0"/>
+                </a:spcBef>
+                <a:spcAft>
+                  <a:spcPts val="0"/>
+                </a:spcAft>
+                <a:buNone/>
+              </a:pPr>
+              <a:r>
+                <a:rPr lang="en" sz="1300" b="1">
+                  <a:solidFill>
+                    <a:srgbClr val="60B669"/>
+                  </a:solidFill>
+                </a:rPr>
+                <a:t>C</a:t>
+              </a:r>
+              <a:r>
+                <a:rPr lang="en" sz="1300">
+                  <a:solidFill>
+                    <a:srgbClr val="60B669"/>
+                  </a:solidFill>
+                </a:rPr>
+                <a:t>entre</a:t>
+              </a:r>
+              <a:endParaRPr sz="1300">
+                <a:solidFill>
+                  <a:srgbClr val="60B669"/>
+                </a:solidFill>
+              </a:endParaRPr>
+            </a:p>
+          </p:txBody>
+        </p:sp>
+      </p:grpSp>
+      <p:sp>
+        <p:nvSpPr>
+          <p:cNvPr id="973" name="Google Shape;973;p83"/>
+          <p:cNvSpPr txBox="1">
+            <a:spLocks noGrp="1"/>
+          </p:cNvSpPr>
+          <p:nvPr>
+            <p:ph type="title"/>
+          </p:nvPr>
+        </p:nvSpPr>
+        <p:spPr>
+          <a:xfrm>
+            <a:off x="311700" y="445025"/>
+            <a:ext cx="8520600" cy="572700"/>
+          </a:xfrm>
+          <a:prstGeom prst="rect">
+            <a:avLst/>
+          </a:prstGeom>
+        </p:spPr>
+        <p:txBody>
+          <a:bodyPr spcFirstLastPara="1" wrap="square" lIns="91425" tIns="91425" rIns="91425" bIns="91425" anchor="t" anchorCtr="0">
+            <a:normAutofit fontScale="90000"/>
+          </a:bodyPr>
+          <a:lstStyle/>
+          <a:p>
+            <a:pPr marL="0" lvl="0" indent="0" algn="ctr" rtl="0">
+              <a:spcBef>
+                <a:spcPts val="0"/>
+              </a:spcBef>
+              <a:spcAft>
+                <a:spcPts val="0"/>
+              </a:spcAft>
+              <a:buNone/>
+            </a:pPr>
+            <a:r>
+              <a:rPr lang="en">
+                <a:solidFill>
+                  <a:srgbClr val="000000"/>
+                </a:solidFill>
+              </a:rPr>
+              <a:t>Creating a new remote repository from existing repository</a:t>
+            </a:r>
+            <a:endParaRPr>
+              <a:solidFill>
+                <a:srgbClr val="000000"/>
+              </a:solidFill>
+            </a:endParaRPr>
+          </a:p>
+        </p:txBody>
+      </p:sp>
+      <p:pic>
+        <p:nvPicPr>
+          <p:cNvPr id="974" name="Google Shape;974;p83"/>
+          <p:cNvPicPr preferRelativeResize="0"/>
+          <p:nvPr/>
+        </p:nvPicPr>
+        <p:blipFill>
+          <a:blip r:embed="rId4">
+            <a:alphaModFix/>
+          </a:blip>
+          <a:stretch>
+            <a:fillRect/>
+          </a:stretch>
+        </p:blipFill>
+        <p:spPr>
+          <a:xfrm>
+            <a:off x="54864" y="4553712"/>
+            <a:ext cx="2069651" cy="569700"/>
+          </a:xfrm>
+          <a:prstGeom prst="rect">
+            <a:avLst/>
+          </a:prstGeom>
+          <a:noFill/>
+          <a:ln>
+            <a:noFill/>
+          </a:ln>
+        </p:spPr>
+      </p:pic>
+      <p:sp>
+        <p:nvSpPr>
+          <p:cNvPr id="975" name="Google Shape;975;p83"/>
+          <p:cNvSpPr txBox="1"/>
+          <p:nvPr/>
+        </p:nvSpPr>
+        <p:spPr>
+          <a:xfrm>
+            <a:off x="8959675" y="1088750"/>
+            <a:ext cx="914400" cy="400200"/>
+          </a:xfrm>
+          <a:prstGeom prst="rect">
+            <a:avLst/>
+          </a:prstGeom>
+          <a:noFill/>
+          <a:ln>
+            <a:noFill/>
+          </a:ln>
+        </p:spPr>
+        <p:txBody>
+          <a:bodyPr spcFirstLastPara="1" wrap="square" lIns="91425" tIns="91425" rIns="91425" bIns="91425" anchor="t" anchorCtr="0">
+            <a:spAutoFit/>
+          </a:bodyPr>
+          <a:lstStyle/>
+          <a:p>
+            <a:pPr marL="0" lvl="0" indent="0" algn="l" rtl="0">
+              <a:spcBef>
+                <a:spcPts val="0"/>
+              </a:spcBef>
+              <a:spcAft>
+                <a:spcPts val="0"/>
+              </a:spcAft>
+              <a:buNone/>
+            </a:pPr>
+            <a:endParaRPr/>
+          </a:p>
+        </p:txBody>
+      </p:sp>
+      <p:sp>
+        <p:nvSpPr>
+          <p:cNvPr id="976" name="Google Shape;976;p83"/>
+          <p:cNvSpPr txBox="1"/>
+          <p:nvPr/>
+        </p:nvSpPr>
+        <p:spPr>
+          <a:xfrm>
+            <a:off x="501342" y="1488950"/>
+            <a:ext cx="8148600" cy="2123628"/>
+          </a:xfrm>
+          <a:prstGeom prst="rect">
+            <a:avLst/>
+          </a:prstGeom>
+          <a:noFill/>
+          <a:ln>
+            <a:noFill/>
+          </a:ln>
+        </p:spPr>
+        <p:txBody>
+          <a:bodyPr spcFirstLastPara="1" wrap="square" lIns="91425" tIns="91425" rIns="91425" bIns="91425" anchor="t" anchorCtr="0">
+            <a:spAutoFit/>
+          </a:bodyPr>
+          <a:lstStyle/>
+          <a:p>
+            <a:pPr marL="0" lvl="0" indent="0" algn="l" rtl="0">
+              <a:spcBef>
+                <a:spcPts val="0"/>
+              </a:spcBef>
+              <a:spcAft>
+                <a:spcPts val="0"/>
+              </a:spcAft>
+              <a:buNone/>
+            </a:pPr>
+            <a:endParaRPr dirty="0"/>
+          </a:p>
+          <a:p>
+            <a:pPr marL="0" lvl="0" indent="0" algn="l" rtl="0">
+              <a:spcBef>
+                <a:spcPts val="0"/>
+              </a:spcBef>
+              <a:spcAft>
+                <a:spcPts val="0"/>
+              </a:spcAft>
+              <a:buNone/>
+            </a:pPr>
+            <a:r>
+              <a:rPr lang="en" dirty="0">
+                <a:latin typeface="Courier New"/>
+                <a:ea typeface="Courier New"/>
+                <a:cs typeface="Courier New"/>
+                <a:sym typeface="Courier New"/>
+              </a:rPr>
+              <a:t>git remote add origin </a:t>
+            </a:r>
+            <a:r>
+              <a:rPr lang="en" u="sng" dirty="0">
+                <a:solidFill>
+                  <a:schemeClr val="hlink"/>
+                </a:solidFill>
+                <a:latin typeface="Courier New"/>
+                <a:ea typeface="Courier New"/>
+                <a:cs typeface="Courier New"/>
+                <a:sym typeface="Courier New"/>
+                <a:hlinkClick r:id="rId5"/>
+              </a:rPr>
+              <a:t>git@github.com</a:t>
+            </a:r>
+            <a:r>
+              <a:rPr lang="en" dirty="0">
+                <a:latin typeface="Courier New"/>
+                <a:ea typeface="Courier New"/>
+                <a:cs typeface="Courier New"/>
+                <a:sym typeface="Courier New"/>
+              </a:rPr>
+              <a:t>:&lt;username&gt;/&lt;repository_name&gt;.git</a:t>
+            </a:r>
+            <a:endParaRPr dirty="0">
+              <a:latin typeface="Courier New"/>
+              <a:ea typeface="Courier New"/>
+              <a:cs typeface="Courier New"/>
+              <a:sym typeface="Courier New"/>
+            </a:endParaRPr>
+          </a:p>
+          <a:p>
+            <a:pPr marL="0" lvl="0" indent="0" algn="l" rtl="0">
+              <a:spcBef>
+                <a:spcPts val="0"/>
+              </a:spcBef>
+              <a:spcAft>
+                <a:spcPts val="0"/>
+              </a:spcAft>
+              <a:buNone/>
+            </a:pPr>
+            <a:endParaRPr dirty="0">
+              <a:latin typeface="Courier New"/>
+              <a:ea typeface="Courier New"/>
+              <a:cs typeface="Courier New"/>
+              <a:sym typeface="Courier New"/>
+            </a:endParaRPr>
+          </a:p>
+          <a:p>
+            <a:pPr marL="0" lvl="0" indent="0" algn="l" rtl="0">
+              <a:spcBef>
+                <a:spcPts val="0"/>
+              </a:spcBef>
+              <a:spcAft>
+                <a:spcPts val="0"/>
+              </a:spcAft>
+              <a:buNone/>
+            </a:pPr>
+            <a:r>
+              <a:rPr lang="en" dirty="0"/>
+              <a:t>Then:</a:t>
+            </a:r>
+            <a:endParaRPr dirty="0"/>
+          </a:p>
+          <a:p>
+            <a:pPr marL="0" lvl="0" indent="0" algn="l" rtl="0">
+              <a:spcBef>
+                <a:spcPts val="0"/>
+              </a:spcBef>
+              <a:spcAft>
+                <a:spcPts val="0"/>
+              </a:spcAft>
+              <a:buNone/>
+            </a:pPr>
+            <a:endParaRPr dirty="0">
+              <a:latin typeface="Courier New"/>
+              <a:ea typeface="Courier New"/>
+              <a:cs typeface="Courier New"/>
+              <a:sym typeface="Courier New"/>
+            </a:endParaRPr>
+          </a:p>
+          <a:p>
+            <a:pPr marL="0" lvl="0" indent="0" algn="l" rtl="0">
+              <a:spcBef>
+                <a:spcPts val="0"/>
+              </a:spcBef>
+              <a:spcAft>
+                <a:spcPts val="0"/>
+              </a:spcAft>
+              <a:buNone/>
+            </a:pPr>
+            <a:r>
+              <a:rPr lang="en-US" dirty="0">
+                <a:latin typeface="Courier New"/>
+                <a:ea typeface="Courier New"/>
+                <a:cs typeface="Courier New"/>
+                <a:sym typeface="Courier New"/>
+              </a:rPr>
+              <a:t>git push –u origin main</a:t>
+            </a:r>
+            <a:endParaRPr dirty="0">
+              <a:latin typeface="Courier New"/>
+              <a:ea typeface="Courier New"/>
+              <a:cs typeface="Courier New"/>
+              <a:sym typeface="Courier New"/>
+            </a:endParaRPr>
+          </a:p>
+          <a:p>
+            <a:pPr marL="0" lvl="0" indent="0" algn="l" rtl="0">
+              <a:spcBef>
+                <a:spcPts val="0"/>
+              </a:spcBef>
+              <a:spcAft>
+                <a:spcPts val="0"/>
+              </a:spcAft>
+              <a:buNone/>
+            </a:pPr>
+            <a:endParaRPr dirty="0">
+              <a:latin typeface="Courier New"/>
+              <a:ea typeface="Courier New"/>
+              <a:cs typeface="Courier New"/>
+              <a:sym typeface="Courier New"/>
+            </a:endParaRPr>
+          </a:p>
+          <a:p>
+            <a:pPr marL="0" lvl="0" indent="0" algn="l" rtl="0">
+              <a:spcBef>
+                <a:spcPts val="0"/>
+              </a:spcBef>
+              <a:spcAft>
+                <a:spcPts val="0"/>
+              </a:spcAft>
+              <a:buClr>
+                <a:schemeClr val="dk1"/>
+              </a:buClr>
+              <a:buSzPts val="1100"/>
+              <a:buFont typeface="Arial"/>
+              <a:buNone/>
+            </a:pPr>
+            <a:endParaRPr dirty="0">
+              <a:latin typeface="Courier New"/>
+              <a:ea typeface="Courier New"/>
+              <a:cs typeface="Courier New"/>
+              <a:sym typeface="Courier New"/>
+            </a:endParaRPr>
+          </a:p>
+          <a:p>
+            <a:pPr marL="0" lvl="0" indent="0" algn="l" rtl="0">
+              <a:spcBef>
+                <a:spcPts val="0"/>
+              </a:spcBef>
+              <a:spcAft>
+                <a:spcPts val="0"/>
+              </a:spcAft>
+              <a:buNone/>
+            </a:pPr>
+            <a:r>
+              <a:rPr lang="en" dirty="0"/>
+              <a:t>Let’s check the GitHub</a:t>
+            </a:r>
+            <a:endParaRPr dirty="0"/>
+          </a:p>
+        </p:txBody>
+      </p:sp>
+    </p:spTree>
+  </p:cSld>
+  <p:clrMapOvr>
+    <a:masterClrMapping/>
+  </p:clrMapOvr>
+</p:sld>
+</file>
+
+<file path=ppt/slides/slide81.xml><?xml version="1.0" encoding="utf-8"?>
+<p:sld xmlns:a="http://schemas.openxmlformats.org/drawingml/2006/main" xmlns:r="http://schemas.openxmlformats.org/officeDocument/2006/relationships" xmlns:p="http://schemas.openxmlformats.org/presentationml/2006/main">
+  <p:cSld>
+    <p:spTree>
+      <p:nvGrpSpPr>
+        <p:cNvPr id="1" name="Shape 952"/>
+        <p:cNvGrpSpPr/>
+        <p:nvPr/>
+      </p:nvGrpSpPr>
+      <p:grpSpPr>
+        <a:xfrm>
+          <a:off x="0" y="0"/>
+          <a:ext cx="0" cy="0"/>
+          <a:chOff x="0" y="0"/>
+          <a:chExt cx="0" cy="0"/>
+        </a:xfrm>
+      </p:grpSpPr>
+      <p:sp>
+        <p:nvSpPr>
+          <p:cNvPr id="953" name="Google Shape;953;p82"/>
+          <p:cNvSpPr txBox="1"/>
+          <p:nvPr/>
+        </p:nvSpPr>
+        <p:spPr>
+          <a:xfrm>
+            <a:off x="540850" y="1203525"/>
+            <a:ext cx="7880400" cy="2986200"/>
+          </a:xfrm>
+          <a:prstGeom prst="rect">
+            <a:avLst/>
+          </a:prstGeom>
+          <a:noFill/>
+          <a:ln>
+            <a:noFill/>
+          </a:ln>
+        </p:spPr>
+        <p:txBody>
+          <a:bodyPr spcFirstLastPara="1" wrap="square" lIns="91425" tIns="91425" rIns="91425" bIns="91425" anchor="t" anchorCtr="0">
+            <a:spAutoFit/>
+          </a:bodyPr>
+          <a:lstStyle/>
+          <a:p>
+            <a:pPr marL="457200" lvl="0" indent="-317500" algn="l" rtl="0">
+              <a:spcBef>
+                <a:spcPts val="0"/>
+              </a:spcBef>
+              <a:spcAft>
+                <a:spcPts val="0"/>
+              </a:spcAft>
+              <a:buSzPts val="1400"/>
+              <a:buChar char="●"/>
+            </a:pPr>
+            <a:r>
+              <a:rPr lang="en" dirty="0"/>
+              <a:t>Go to your GitHub account</a:t>
+            </a:r>
+            <a:endParaRPr dirty="0"/>
+          </a:p>
+          <a:p>
+            <a:pPr marL="457200" lvl="0" indent="0" algn="l" rtl="0">
+              <a:spcBef>
+                <a:spcPts val="0"/>
+              </a:spcBef>
+              <a:spcAft>
+                <a:spcPts val="0"/>
+              </a:spcAft>
+              <a:buNone/>
+            </a:pPr>
+            <a:endParaRPr dirty="0"/>
+          </a:p>
+          <a:p>
+            <a:pPr marL="457200" lvl="0" indent="-317500" algn="l" rtl="0">
+              <a:spcBef>
+                <a:spcPts val="0"/>
+              </a:spcBef>
+              <a:spcAft>
+                <a:spcPts val="0"/>
+              </a:spcAft>
+              <a:buSzPts val="1400"/>
+              <a:buChar char="●"/>
+            </a:pPr>
+            <a:r>
+              <a:rPr lang="en" dirty="0"/>
+              <a:t>Select</a:t>
+            </a:r>
+            <a:endParaRPr dirty="0"/>
+          </a:p>
+          <a:p>
+            <a:pPr marL="457200" lvl="0" indent="0" algn="l" rtl="0">
+              <a:spcBef>
+                <a:spcPts val="0"/>
+              </a:spcBef>
+              <a:spcAft>
+                <a:spcPts val="0"/>
+              </a:spcAft>
+              <a:buNone/>
+            </a:pPr>
+            <a:r>
+              <a:rPr lang="en" dirty="0"/>
+              <a:t> </a:t>
+            </a:r>
+            <a:endParaRPr dirty="0"/>
+          </a:p>
+          <a:p>
+            <a:pPr marL="457200" lvl="0" indent="-317500" algn="l" rtl="0">
+              <a:spcBef>
+                <a:spcPts val="0"/>
+              </a:spcBef>
+              <a:spcAft>
+                <a:spcPts val="0"/>
+              </a:spcAft>
+              <a:buSzPts val="1400"/>
+              <a:buChar char="●"/>
+            </a:pPr>
+            <a:r>
+              <a:rPr lang="en" dirty="0"/>
+              <a:t>Click New</a:t>
+            </a:r>
+            <a:endParaRPr dirty="0"/>
+          </a:p>
+          <a:p>
+            <a:pPr marL="457200" lvl="0" indent="0" algn="l" rtl="0">
+              <a:spcBef>
+                <a:spcPts val="0"/>
+              </a:spcBef>
+              <a:spcAft>
+                <a:spcPts val="0"/>
+              </a:spcAft>
+              <a:buNone/>
+            </a:pPr>
+            <a:endParaRPr dirty="0"/>
+          </a:p>
+          <a:p>
+            <a:pPr marL="457200" lvl="0" indent="-317500" algn="l" rtl="0">
+              <a:spcBef>
+                <a:spcPts val="0"/>
+              </a:spcBef>
+              <a:spcAft>
+                <a:spcPts val="0"/>
+              </a:spcAft>
+              <a:buSzPts val="1400"/>
+              <a:buChar char="●"/>
+            </a:pPr>
+            <a:r>
+              <a:rPr lang="en" dirty="0"/>
+              <a:t>Type your repository name (&lt;repository-name&gt;), select Private or Public</a:t>
+            </a:r>
+            <a:endParaRPr dirty="0">
+              <a:highlight>
+                <a:srgbClr val="FFFFFF"/>
+              </a:highlight>
+            </a:endParaRPr>
+          </a:p>
+          <a:p>
+            <a:pPr marL="457200" lvl="0" indent="0" algn="l" rtl="0">
+              <a:spcBef>
+                <a:spcPts val="0"/>
+              </a:spcBef>
+              <a:spcAft>
+                <a:spcPts val="0"/>
+              </a:spcAft>
+              <a:buNone/>
+            </a:pPr>
+            <a:endParaRPr dirty="0">
+              <a:highlight>
+                <a:srgbClr val="FFFFFF"/>
+              </a:highlight>
+            </a:endParaRPr>
+          </a:p>
+          <a:p>
+            <a:pPr marL="457200" lvl="0" indent="-317500" algn="l" rtl="0">
+              <a:spcBef>
+                <a:spcPts val="0"/>
+              </a:spcBef>
+              <a:spcAft>
+                <a:spcPts val="0"/>
+              </a:spcAft>
+              <a:buSzPts val="1400"/>
+              <a:buChar char="●"/>
+            </a:pPr>
+            <a:r>
+              <a:rPr lang="en" dirty="0">
+                <a:highlight>
+                  <a:srgbClr val="FFFFFF"/>
+                </a:highlight>
+              </a:rPr>
+              <a:t>Click </a:t>
+            </a:r>
+            <a:endParaRPr dirty="0">
+              <a:highlight>
+                <a:srgbClr val="FFFFFF"/>
+              </a:highlight>
+            </a:endParaRPr>
+          </a:p>
+          <a:p>
+            <a:pPr marL="457200" lvl="0" indent="0" algn="l" rtl="0">
+              <a:spcBef>
+                <a:spcPts val="0"/>
+              </a:spcBef>
+              <a:spcAft>
+                <a:spcPts val="0"/>
+              </a:spcAft>
+              <a:buNone/>
+            </a:pPr>
+            <a:endParaRPr dirty="0">
+              <a:highlight>
+                <a:srgbClr val="FFFFFF"/>
+              </a:highlight>
+            </a:endParaRPr>
+          </a:p>
+          <a:p>
+            <a:pPr marL="457200" lvl="0" indent="-317500" algn="l" rtl="0">
+              <a:spcBef>
+                <a:spcPts val="0"/>
+              </a:spcBef>
+              <a:spcAft>
+                <a:spcPts val="0"/>
+              </a:spcAft>
+              <a:buSzPts val="1400"/>
+              <a:buChar char="●"/>
+            </a:pPr>
+            <a:r>
+              <a:rPr lang="en" dirty="0">
+                <a:highlight>
+                  <a:srgbClr val="FFFFFF"/>
+                </a:highlight>
+              </a:rPr>
+              <a:t>Click</a:t>
+            </a:r>
+            <a:endParaRPr dirty="0">
+              <a:highlight>
+                <a:srgbClr val="FFFFFF"/>
+              </a:highlight>
+            </a:endParaRPr>
+          </a:p>
+          <a:p>
+            <a:pPr marL="457200" lvl="0" indent="0" algn="l" rtl="0">
+              <a:spcBef>
+                <a:spcPts val="0"/>
+              </a:spcBef>
+              <a:spcAft>
+                <a:spcPts val="0"/>
+              </a:spcAft>
+              <a:buNone/>
+            </a:pPr>
+            <a:endParaRPr dirty="0">
+              <a:highlight>
+                <a:srgbClr val="FFFFFF"/>
+              </a:highlight>
+            </a:endParaRPr>
+          </a:p>
+          <a:p>
+            <a:pPr marL="457200" lvl="0" indent="-317500" algn="l" rtl="0">
+              <a:spcBef>
+                <a:spcPts val="0"/>
+              </a:spcBef>
+              <a:spcAft>
+                <a:spcPts val="0"/>
+              </a:spcAft>
+              <a:buSzPts val="1400"/>
+              <a:buChar char="●"/>
+            </a:pPr>
+            <a:r>
+              <a:rPr lang="en" dirty="0">
+                <a:highlight>
+                  <a:srgbClr val="FFFFFF"/>
+                </a:highlight>
+              </a:rPr>
+              <a:t>Select HTTPS or SSH and copy the url to clone it to your local environment.</a:t>
+            </a:r>
+            <a:endParaRPr dirty="0">
+              <a:highlight>
+                <a:srgbClr val="FFFFFF"/>
+              </a:highlight>
+            </a:endParaRPr>
+          </a:p>
+        </p:txBody>
+      </p:sp>
+      <p:grpSp>
+        <p:nvGrpSpPr>
+          <p:cNvPr id="954" name="Google Shape;954;p82"/>
+          <p:cNvGrpSpPr/>
+          <p:nvPr/>
+        </p:nvGrpSpPr>
+        <p:grpSpPr>
+          <a:xfrm>
+            <a:off x="5936835" y="4508150"/>
+            <a:ext cx="3200201" cy="603542"/>
+            <a:chOff x="4641225" y="4279392"/>
+            <a:chExt cx="4171817" cy="790597"/>
+          </a:xfrm>
+        </p:grpSpPr>
+        <p:pic>
+          <p:nvPicPr>
+            <p:cNvPr id="955" name="Google Shape;955;p82"/>
+            <p:cNvPicPr preferRelativeResize="0"/>
+            <p:nvPr/>
+          </p:nvPicPr>
+          <p:blipFill>
+            <a:blip r:embed="rId3">
+              <a:alphaModFix/>
+            </a:blip>
+            <a:stretch>
+              <a:fillRect/>
+            </a:stretch>
+          </p:blipFill>
+          <p:spPr>
+            <a:xfrm>
+              <a:off x="4641225" y="4292750"/>
+              <a:ext cx="2895220" cy="777239"/>
+            </a:xfrm>
+            <a:prstGeom prst="rect">
+              <a:avLst/>
+            </a:prstGeom>
+            <a:noFill/>
+            <a:ln>
+              <a:noFill/>
+            </a:ln>
+          </p:spPr>
+        </p:pic>
+        <p:sp>
+          <p:nvSpPr>
+            <p:cNvPr id="956" name="Google Shape;956;p82"/>
+            <p:cNvSpPr txBox="1"/>
+            <p:nvPr/>
+          </p:nvSpPr>
+          <p:spPr>
+            <a:xfrm>
+              <a:off x="7523043" y="4279392"/>
+              <a:ext cx="1290000" cy="722400"/>
+            </a:xfrm>
+            <a:prstGeom prst="rect">
+              <a:avLst/>
+            </a:prstGeom>
+            <a:noFill/>
+            <a:ln>
+              <a:noFill/>
+            </a:ln>
+          </p:spPr>
+          <p:txBody>
+            <a:bodyPr spcFirstLastPara="1" wrap="square" lIns="0" tIns="0" rIns="0" bIns="0" anchor="t" anchorCtr="0">
+              <a:noAutofit/>
+            </a:bodyPr>
+            <a:lstStyle/>
+            <a:p>
+              <a:pPr marL="0" lvl="0" indent="0" algn="l" rtl="0">
+                <a:spcBef>
+                  <a:spcPts val="0"/>
+                </a:spcBef>
+                <a:spcAft>
+                  <a:spcPts val="0"/>
+                </a:spcAft>
+                <a:buNone/>
+              </a:pPr>
+              <a:r>
+                <a:rPr lang="en" sz="1300" b="1">
+                  <a:solidFill>
+                    <a:srgbClr val="60B669"/>
+                  </a:solidFill>
+                </a:rPr>
+                <a:t>D</a:t>
+              </a:r>
+              <a:r>
+                <a:rPr lang="en" sz="1300">
+                  <a:solidFill>
+                    <a:srgbClr val="60B669"/>
+                  </a:solidFill>
+                </a:rPr>
+                <a:t>igital </a:t>
+              </a:r>
+              <a:endParaRPr sz="1300">
+                <a:solidFill>
+                  <a:srgbClr val="60B669"/>
+                </a:solidFill>
+              </a:endParaRPr>
+            </a:p>
+            <a:p>
+              <a:pPr marL="0" lvl="0" indent="0" algn="l" rtl="0">
+                <a:spcBef>
+                  <a:spcPts val="0"/>
+                </a:spcBef>
+                <a:spcAft>
+                  <a:spcPts val="0"/>
+                </a:spcAft>
+                <a:buNone/>
+              </a:pPr>
+              <a:r>
+                <a:rPr lang="en" sz="1300" b="1">
+                  <a:solidFill>
+                    <a:srgbClr val="60B669"/>
+                  </a:solidFill>
+                </a:rPr>
+                <a:t>C</a:t>
+              </a:r>
+              <a:r>
+                <a:rPr lang="en" sz="1300">
+                  <a:solidFill>
+                    <a:srgbClr val="60B669"/>
+                  </a:solidFill>
+                </a:rPr>
+                <a:t>ompetence </a:t>
+              </a:r>
+              <a:endParaRPr sz="1300">
+                <a:solidFill>
+                  <a:srgbClr val="60B669"/>
+                </a:solidFill>
+              </a:endParaRPr>
+            </a:p>
+            <a:p>
+              <a:pPr marL="0" lvl="0" indent="0" algn="l" rtl="0">
+                <a:spcBef>
+                  <a:spcPts val="0"/>
+                </a:spcBef>
+                <a:spcAft>
+                  <a:spcPts val="0"/>
+                </a:spcAft>
+                <a:buNone/>
+              </a:pPr>
+              <a:r>
+                <a:rPr lang="en" sz="1300" b="1">
+                  <a:solidFill>
+                    <a:srgbClr val="60B669"/>
+                  </a:solidFill>
+                </a:rPr>
+                <a:t>C</a:t>
+              </a:r>
+              <a:r>
+                <a:rPr lang="en" sz="1300">
+                  <a:solidFill>
+                    <a:srgbClr val="60B669"/>
+                  </a:solidFill>
+                </a:rPr>
+                <a:t>entre</a:t>
+              </a:r>
+              <a:endParaRPr sz="1300">
+                <a:solidFill>
+                  <a:srgbClr val="60B669"/>
+                </a:solidFill>
+              </a:endParaRPr>
+            </a:p>
+          </p:txBody>
+        </p:sp>
+      </p:grpSp>
+      <p:sp>
+        <p:nvSpPr>
+          <p:cNvPr id="957" name="Google Shape;957;p82"/>
+          <p:cNvSpPr txBox="1">
+            <a:spLocks noGrp="1"/>
+          </p:cNvSpPr>
+          <p:nvPr>
+            <p:ph type="title"/>
+          </p:nvPr>
+        </p:nvSpPr>
+        <p:spPr>
+          <a:xfrm>
+            <a:off x="311700" y="445025"/>
+            <a:ext cx="8520600" cy="572700"/>
+          </a:xfrm>
+          <a:prstGeom prst="rect">
+            <a:avLst/>
+          </a:prstGeom>
+        </p:spPr>
+        <p:txBody>
+          <a:bodyPr spcFirstLastPara="1" wrap="square" lIns="91425" tIns="91425" rIns="91425" bIns="91425" anchor="t" anchorCtr="0">
+            <a:normAutofit fontScale="90000"/>
+          </a:bodyPr>
+          <a:lstStyle/>
+          <a:p>
+            <a:pPr marL="0" lvl="0" indent="0" algn="ctr" rtl="0">
+              <a:spcBef>
+                <a:spcPts val="0"/>
+              </a:spcBef>
+              <a:spcAft>
+                <a:spcPts val="0"/>
+              </a:spcAft>
+              <a:buNone/>
+            </a:pPr>
+            <a:r>
+              <a:rPr lang="en" dirty="0">
+                <a:solidFill>
+                  <a:srgbClr val="000000"/>
+                </a:solidFill>
+              </a:rPr>
+              <a:t>Creating a new remote repository on GitHub</a:t>
+            </a:r>
+            <a:endParaRPr dirty="0">
+              <a:solidFill>
+                <a:srgbClr val="000000"/>
+              </a:solidFill>
+            </a:endParaRPr>
+          </a:p>
+        </p:txBody>
+      </p:sp>
+      <p:pic>
+        <p:nvPicPr>
+          <p:cNvPr id="958" name="Google Shape;958;p82"/>
+          <p:cNvPicPr preferRelativeResize="0"/>
+          <p:nvPr/>
+        </p:nvPicPr>
+        <p:blipFill>
+          <a:blip r:embed="rId4">
+            <a:alphaModFix/>
+          </a:blip>
+          <a:stretch>
+            <a:fillRect/>
+          </a:stretch>
+        </p:blipFill>
+        <p:spPr>
+          <a:xfrm>
+            <a:off x="54864" y="4553712"/>
+            <a:ext cx="2069651" cy="569700"/>
+          </a:xfrm>
+          <a:prstGeom prst="rect">
+            <a:avLst/>
+          </a:prstGeom>
+          <a:noFill/>
+          <a:ln>
+            <a:noFill/>
+          </a:ln>
+        </p:spPr>
+      </p:pic>
+      <p:sp>
+        <p:nvSpPr>
+          <p:cNvPr id="959" name="Google Shape;959;p82"/>
+          <p:cNvSpPr txBox="1"/>
+          <p:nvPr/>
+        </p:nvSpPr>
+        <p:spPr>
+          <a:xfrm>
+            <a:off x="8959675" y="1088750"/>
+            <a:ext cx="914400" cy="400200"/>
+          </a:xfrm>
+          <a:prstGeom prst="rect">
+            <a:avLst/>
+          </a:prstGeom>
+          <a:noFill/>
+          <a:ln>
+            <a:noFill/>
+          </a:ln>
+        </p:spPr>
+        <p:txBody>
+          <a:bodyPr spcFirstLastPara="1" wrap="square" lIns="91425" tIns="91425" rIns="91425" bIns="91425" anchor="t" anchorCtr="0">
+            <a:spAutoFit/>
+          </a:bodyPr>
+          <a:lstStyle/>
+          <a:p>
+            <a:pPr marL="0" lvl="0" indent="0" algn="l" rtl="0">
+              <a:spcBef>
+                <a:spcPts val="0"/>
+              </a:spcBef>
+              <a:spcAft>
+                <a:spcPts val="0"/>
+              </a:spcAft>
+              <a:buNone/>
+            </a:pPr>
+            <a:endParaRPr/>
+          </a:p>
+        </p:txBody>
+      </p:sp>
+      <p:pic>
+        <p:nvPicPr>
+          <p:cNvPr id="960" name="Google Shape;960;p82"/>
+          <p:cNvPicPr preferRelativeResize="0"/>
+          <p:nvPr/>
+        </p:nvPicPr>
+        <p:blipFill>
+          <a:blip r:embed="rId5">
+            <a:alphaModFix/>
+          </a:blip>
+          <a:stretch>
+            <a:fillRect/>
+          </a:stretch>
+        </p:blipFill>
+        <p:spPr>
+          <a:xfrm>
+            <a:off x="1705150" y="1634475"/>
+            <a:ext cx="1594705" cy="400200"/>
+          </a:xfrm>
+          <a:prstGeom prst="rect">
+            <a:avLst/>
+          </a:prstGeom>
+          <a:noFill/>
+          <a:ln>
+            <a:noFill/>
+          </a:ln>
+        </p:spPr>
+      </p:pic>
+      <p:pic>
+        <p:nvPicPr>
+          <p:cNvPr id="961" name="Google Shape;961;p82"/>
+          <p:cNvPicPr preferRelativeResize="0"/>
+          <p:nvPr/>
+        </p:nvPicPr>
+        <p:blipFill>
+          <a:blip r:embed="rId6">
+            <a:alphaModFix/>
+          </a:blip>
+          <a:stretch>
+            <a:fillRect/>
+          </a:stretch>
+        </p:blipFill>
+        <p:spPr>
+          <a:xfrm>
+            <a:off x="2046725" y="2072175"/>
+            <a:ext cx="808000" cy="317250"/>
+          </a:xfrm>
+          <a:prstGeom prst="rect">
+            <a:avLst/>
+          </a:prstGeom>
+          <a:noFill/>
+          <a:ln>
+            <a:noFill/>
+          </a:ln>
+        </p:spPr>
+      </p:pic>
+      <p:pic>
+        <p:nvPicPr>
+          <p:cNvPr id="962" name="Google Shape;962;p82"/>
+          <p:cNvPicPr preferRelativeResize="0"/>
+          <p:nvPr/>
+        </p:nvPicPr>
+        <p:blipFill>
+          <a:blip r:embed="rId7">
+            <a:alphaModFix/>
+          </a:blip>
+          <a:stretch>
+            <a:fillRect/>
+          </a:stretch>
+        </p:blipFill>
+        <p:spPr>
+          <a:xfrm>
+            <a:off x="1632599" y="2941525"/>
+            <a:ext cx="1032751" cy="317250"/>
+          </a:xfrm>
+          <a:prstGeom prst="rect">
+            <a:avLst/>
+          </a:prstGeom>
+          <a:noFill/>
+          <a:ln>
+            <a:noFill/>
+          </a:ln>
+        </p:spPr>
+      </p:pic>
+      <p:pic>
+        <p:nvPicPr>
+          <p:cNvPr id="963" name="Google Shape;963;p82"/>
+          <p:cNvPicPr preferRelativeResize="0"/>
+          <p:nvPr/>
+        </p:nvPicPr>
+        <p:blipFill>
+          <a:blip r:embed="rId8">
+            <a:alphaModFix/>
+          </a:blip>
+          <a:stretch>
+            <a:fillRect/>
+          </a:stretch>
+        </p:blipFill>
+        <p:spPr>
+          <a:xfrm>
+            <a:off x="1797625" y="3443875"/>
+            <a:ext cx="653725" cy="203100"/>
+          </a:xfrm>
+          <a:prstGeom prst="rect">
+            <a:avLst/>
+          </a:prstGeom>
+          <a:noFill/>
+          <a:ln>
+            <a:noFill/>
+          </a:ln>
+        </p:spPr>
+      </p:pic>
     </p:spTree>
   </p:cSld>
   <p:clrMapOvr>

--- a/07102025-Introduction_to_git_kapteyn.pptx
+++ b/07102025-Introduction_to_git_kapteyn.pptx
@@ -5917,7 +5917,7 @@
         </p:nvSpPr>
         <p:spPr>
           <a:xfrm>
-            <a:off x="381300" y="685800"/>
+            <a:off x="381000" y="685800"/>
             <a:ext cx="6096000" cy="3429000"/>
           </a:xfrm>
           <a:custGeom>
@@ -41048,7 +41048,7 @@
         </p:nvSpPr>
         <p:spPr>
           <a:xfrm>
-            <a:off x="401374" y="1271774"/>
+            <a:off x="441609" y="1271774"/>
             <a:ext cx="8133026" cy="845653"/>
           </a:xfrm>
           <a:prstGeom prst="rect">
@@ -42513,7 +42513,7 @@
         </p:nvSpPr>
         <p:spPr>
           <a:xfrm>
-            <a:off x="387900" y="3806400"/>
+            <a:off x="387900" y="3959394"/>
             <a:ext cx="3147600" cy="307500"/>
           </a:xfrm>
           <a:prstGeom prst="roundRect">
@@ -42561,7 +42561,7 @@
         </p:nvSpPr>
         <p:spPr>
           <a:xfrm>
-            <a:off x="387900" y="3368550"/>
+            <a:off x="387900" y="3503754"/>
             <a:ext cx="3147600" cy="307500"/>
           </a:xfrm>
           <a:prstGeom prst="roundRect">
@@ -42795,8 +42795,8 @@
         </p:nvSpPr>
         <p:spPr>
           <a:xfrm>
-            <a:off x="371400" y="1122453"/>
-            <a:ext cx="8401200" cy="3631733"/>
+            <a:off x="354900" y="1168481"/>
+            <a:ext cx="8401200" cy="3847177"/>
           </a:xfrm>
           <a:prstGeom prst="rect">
             <a:avLst/>
@@ -42948,7 +42948,7 @@
                 <a:cs typeface="Courier New"/>
                 <a:sym typeface="Courier New"/>
               </a:rPr>
-              <a:t>git restore --staged &lt;file&gt;   :</a:t>
+              <a:t>git restore --staged &lt;file&gt;  :</a:t>
             </a:r>
             <a:r>
               <a:rPr lang="en" dirty="0">
@@ -42978,7 +42978,25 @@
                 <a:cs typeface="Courier New"/>
                 <a:sym typeface="Courier New"/>
               </a:rPr>
-              <a:t>before committing.</a:t>
+              <a:t>before committing.The </a:t>
+            </a:r>
+            <a:r>
+              <a:rPr lang="en" dirty="0">
+                <a:latin typeface="Courier New" panose="02070309020205020404" pitchFamily="49" charset="0"/>
+                <a:ea typeface="Courier New"/>
+                <a:cs typeface="Courier New" panose="02070309020205020404" pitchFamily="49" charset="0"/>
+                <a:sym typeface="Courier New"/>
+              </a:rPr>
+              <a:t>`--staged</a:t>
+            </a:r>
+            <a:r>
+              <a:rPr lang="en" dirty="0">
+                <a:latin typeface="+mn-lt"/>
+                <a:ea typeface="Courier New"/>
+                <a:cs typeface="Courier New"/>
+                <a:sym typeface="Courier New"/>
+              </a:rPr>
+              <a:t>` option ensurs               			        staging.</a:t>
             </a:r>
           </a:p>
           <a:p>
@@ -43499,47 +43517,47 @@
               <a:buNone/>
             </a:pPr>
             <a:r>
-              <a:rPr lang="en"/>
-              <a:t>How to remove a file from the working directory (save the remove action) and restore it later?</a:t>
-            </a:r>
-            <a:endParaRPr/>
-          </a:p>
-          <a:p>
-            <a:pPr marL="0" lvl="0" indent="0" algn="l" rtl="0">
-              <a:spcBef>
-                <a:spcPts val="0"/>
-              </a:spcBef>
-              <a:spcAft>
-                <a:spcPts val="0"/>
-              </a:spcAft>
-              <a:buNone/>
-            </a:pPr>
-            <a:endParaRPr/>
-          </a:p>
-          <a:p>
-            <a:pPr marL="0" lvl="0" indent="0" algn="l" rtl="0">
-              <a:spcBef>
-                <a:spcPts val="0"/>
-              </a:spcBef>
-              <a:spcAft>
-                <a:spcPts val="0"/>
-              </a:spcAft>
-              <a:buNone/>
-            </a:pPr>
-            <a:endParaRPr/>
-          </a:p>
-          <a:p>
-            <a:pPr marL="0" lvl="0" indent="0" algn="l" rtl="0">
-              <a:spcBef>
-                <a:spcPts val="0"/>
-              </a:spcBef>
-              <a:spcAft>
-                <a:spcPts val="0"/>
-              </a:spcAft>
-              <a:buNone/>
-            </a:pPr>
-            <a:r>
-              <a:rPr lang="en">
+              <a:rPr lang="en" dirty="0"/>
+              <a:t>How to remove a file from the working directory (save the remove action) ?</a:t>
+            </a:r>
+            <a:endParaRPr dirty="0"/>
+          </a:p>
+          <a:p>
+            <a:pPr marL="0" lvl="0" indent="0" algn="l" rtl="0">
+              <a:spcBef>
+                <a:spcPts val="0"/>
+              </a:spcBef>
+              <a:spcAft>
+                <a:spcPts val="0"/>
+              </a:spcAft>
+              <a:buNone/>
+            </a:pPr>
+            <a:endParaRPr dirty="0"/>
+          </a:p>
+          <a:p>
+            <a:pPr marL="0" lvl="0" indent="0" algn="l" rtl="0">
+              <a:spcBef>
+                <a:spcPts val="0"/>
+              </a:spcBef>
+              <a:spcAft>
+                <a:spcPts val="0"/>
+              </a:spcAft>
+              <a:buNone/>
+            </a:pPr>
+            <a:endParaRPr dirty="0"/>
+          </a:p>
+          <a:p>
+            <a:pPr marL="0" lvl="0" indent="0" algn="l" rtl="0">
+              <a:spcBef>
+                <a:spcPts val="0"/>
+              </a:spcBef>
+              <a:spcAft>
+                <a:spcPts val="0"/>
+              </a:spcAft>
+              <a:buNone/>
+            </a:pPr>
+            <a:r>
+              <a:rPr lang="en" dirty="0">
                 <a:latin typeface="Courier New"/>
                 <a:ea typeface="Courier New"/>
                 <a:cs typeface="Courier New"/>
@@ -43548,35 +43566,35 @@
               <a:t>git rm &lt;file&gt;</a:t>
             </a:r>
             <a:r>
-              <a:rPr lang="en"/>
+              <a:rPr lang="en" dirty="0"/>
               <a:t>                                  : Removes the file and stages the change.</a:t>
             </a:r>
-            <a:endParaRPr/>
-          </a:p>
-          <a:p>
-            <a:pPr marL="0" lvl="0" indent="0" algn="l" rtl="0">
-              <a:spcBef>
-                <a:spcPts val="0"/>
-              </a:spcBef>
-              <a:spcAft>
-                <a:spcPts val="0"/>
-              </a:spcAft>
-              <a:buNone/>
-            </a:pPr>
-            <a:endParaRPr/>
-          </a:p>
-          <a:p>
-            <a:pPr marL="0" lvl="0" indent="0" algn="l" rtl="0">
-              <a:spcBef>
-                <a:spcPts val="0"/>
-              </a:spcBef>
-              <a:spcAft>
-                <a:spcPts val="0"/>
-              </a:spcAft>
-              <a:buNone/>
-            </a:pPr>
-            <a:r>
-              <a:rPr lang="en">
+            <a:endParaRPr dirty="0"/>
+          </a:p>
+          <a:p>
+            <a:pPr marL="0" lvl="0" indent="0" algn="l" rtl="0">
+              <a:spcBef>
+                <a:spcPts val="0"/>
+              </a:spcBef>
+              <a:spcAft>
+                <a:spcPts val="0"/>
+              </a:spcAft>
+              <a:buNone/>
+            </a:pPr>
+            <a:endParaRPr dirty="0"/>
+          </a:p>
+          <a:p>
+            <a:pPr marL="0" lvl="0" indent="0" algn="l" rtl="0">
+              <a:spcBef>
+                <a:spcPts val="0"/>
+              </a:spcBef>
+              <a:spcAft>
+                <a:spcPts val="0"/>
+              </a:spcAft>
+              <a:buNone/>
+            </a:pPr>
+            <a:r>
+              <a:rPr lang="en" dirty="0">
                 <a:latin typeface="Courier New"/>
                 <a:ea typeface="Courier New"/>
                 <a:cs typeface="Courier New"/>
@@ -43584,7 +43602,7 @@
               </a:rPr>
               <a:t>git status</a:t>
             </a:r>
-            <a:endParaRPr>
+            <a:endParaRPr dirty="0">
               <a:latin typeface="Courier New"/>
               <a:ea typeface="Courier New"/>
               <a:cs typeface="Courier New"/>
@@ -43601,20 +43619,20 @@
               </a:spcAft>
               <a:buNone/>
             </a:pPr>
-            <a:endParaRPr/>
-          </a:p>
-          <a:p>
-            <a:pPr marL="0" lvl="0" indent="0" algn="l" rtl="0">
-              <a:spcBef>
-                <a:spcPts val="0"/>
-              </a:spcBef>
-              <a:spcAft>
-                <a:spcPts val="0"/>
-              </a:spcAft>
-              <a:buNone/>
-            </a:pPr>
-            <a:r>
-              <a:rPr lang="en">
+            <a:endParaRPr dirty="0"/>
+          </a:p>
+          <a:p>
+            <a:pPr marL="0" lvl="0" indent="0" algn="l" rtl="0">
+              <a:spcBef>
+                <a:spcPts val="0"/>
+              </a:spcBef>
+              <a:spcAft>
+                <a:spcPts val="0"/>
+              </a:spcAft>
+              <a:buNone/>
+            </a:pPr>
+            <a:r>
+              <a:rPr lang="en" dirty="0">
                 <a:latin typeface="Courier New"/>
                 <a:ea typeface="Courier New"/>
                 <a:cs typeface="Courier New"/>
@@ -43622,7 +43640,7 @@
               </a:rPr>
               <a:t>git commit -m “Remove &lt;file&gt;”</a:t>
             </a:r>
-            <a:endParaRPr>
+            <a:endParaRPr dirty="0">
               <a:latin typeface="Courier New"/>
               <a:ea typeface="Courier New"/>
               <a:cs typeface="Courier New"/>
@@ -43639,19 +43657,19 @@
               </a:spcAft>
               <a:buNone/>
             </a:pPr>
-            <a:endParaRPr/>
-          </a:p>
-          <a:p>
-            <a:pPr marL="0" lvl="0" indent="0" algn="l" rtl="0">
-              <a:spcBef>
-                <a:spcPts val="0"/>
-              </a:spcBef>
-              <a:spcAft>
-                <a:spcPts val="0"/>
-              </a:spcAft>
-              <a:buNone/>
-            </a:pPr>
-            <a:endParaRPr>
+            <a:endParaRPr dirty="0"/>
+          </a:p>
+          <a:p>
+            <a:pPr marL="0" lvl="0" indent="0" algn="l" rtl="0">
+              <a:spcBef>
+                <a:spcPts val="0"/>
+              </a:spcBef>
+              <a:spcAft>
+                <a:spcPts val="0"/>
+              </a:spcAft>
+              <a:buNone/>
+            </a:pPr>
+            <a:endParaRPr dirty="0">
               <a:latin typeface="Courier New"/>
               <a:ea typeface="Courier New"/>
               <a:cs typeface="Courier New"/>
@@ -52596,35 +52614,35 @@
               <a:buNone/>
             </a:pPr>
             <a:r>
-              <a:rPr lang="en"/>
+              <a:rPr lang="en" dirty="0"/>
               <a:t>Check your git version:                                         Getting help:</a:t>
             </a:r>
-            <a:endParaRPr/>
-          </a:p>
-          <a:p>
-            <a:pPr marL="0" lvl="0" indent="0" algn="l" rtl="0">
-              <a:spcBef>
-                <a:spcPts val="0"/>
-              </a:spcBef>
-              <a:spcAft>
-                <a:spcPts val="0"/>
-              </a:spcAft>
-              <a:buNone/>
-            </a:pPr>
-            <a:endParaRPr/>
-          </a:p>
-          <a:p>
-            <a:pPr marL="0" lvl="0" indent="0" algn="l" rtl="0">
-              <a:spcBef>
-                <a:spcPts val="0"/>
-              </a:spcBef>
-              <a:spcAft>
-                <a:spcPts val="0"/>
-              </a:spcAft>
-              <a:buNone/>
-            </a:pPr>
-            <a:r>
-              <a:rPr lang="en">
+            <a:endParaRPr dirty="0"/>
+          </a:p>
+          <a:p>
+            <a:pPr marL="0" lvl="0" indent="0" algn="l" rtl="0">
+              <a:spcBef>
+                <a:spcPts val="0"/>
+              </a:spcBef>
+              <a:spcAft>
+                <a:spcPts val="0"/>
+              </a:spcAft>
+              <a:buNone/>
+            </a:pPr>
+            <a:endParaRPr dirty="0"/>
+          </a:p>
+          <a:p>
+            <a:pPr marL="0" lvl="0" indent="0" algn="l" rtl="0">
+              <a:spcBef>
+                <a:spcPts val="0"/>
+              </a:spcBef>
+              <a:spcAft>
+                <a:spcPts val="0"/>
+              </a:spcAft>
+              <a:buNone/>
+            </a:pPr>
+            <a:r>
+              <a:rPr lang="en" dirty="0">
                 <a:latin typeface="Courier New"/>
                 <a:ea typeface="Courier New"/>
                 <a:cs typeface="Courier New"/>
@@ -52632,7 +52650,7 @@
               </a:rPr>
               <a:t>git - -version                      git &lt;command&gt; - -help</a:t>
             </a:r>
-            <a:endParaRPr>
+            <a:endParaRPr dirty="0">
               <a:latin typeface="Courier New"/>
               <a:ea typeface="Courier New"/>
               <a:cs typeface="Courier New"/>
@@ -52649,7 +52667,7 @@
               </a:spcAft>
               <a:buNone/>
             </a:pPr>
-            <a:endParaRPr>
+            <a:endParaRPr dirty="0">
               <a:latin typeface="Courier New"/>
               <a:ea typeface="Courier New"/>
               <a:cs typeface="Courier New"/>
@@ -52666,7 +52684,7 @@
               </a:spcAft>
               <a:buNone/>
             </a:pPr>
-            <a:endParaRPr>
+            <a:endParaRPr dirty="0">
               <a:latin typeface="Courier New"/>
               <a:ea typeface="Courier New"/>
               <a:cs typeface="Courier New"/>
@@ -52684,7 +52702,7 @@
               <a:buNone/>
             </a:pPr>
             <a:r>
-              <a:rPr lang="en">
+              <a:rPr lang="en" dirty="0">
                 <a:latin typeface="Courier New"/>
                 <a:ea typeface="Courier New"/>
                 <a:cs typeface="Courier New"/>
@@ -52692,7 +52710,7 @@
               </a:rPr>
               <a:t>                                    git - -help </a:t>
             </a:r>
-            <a:endParaRPr>
+            <a:endParaRPr dirty="0">
               <a:latin typeface="Courier New"/>
               <a:ea typeface="Courier New"/>
               <a:cs typeface="Courier New"/>
@@ -52709,7 +52727,7 @@
               </a:spcAft>
               <a:buNone/>
             </a:pPr>
-            <a:endParaRPr>
+            <a:endParaRPr dirty="0">
               <a:latin typeface="Courier New"/>
               <a:ea typeface="Courier New"/>
               <a:cs typeface="Courier New"/>
@@ -52726,7 +52744,7 @@
               </a:spcAft>
               <a:buNone/>
             </a:pPr>
-            <a:endParaRPr>
+            <a:endParaRPr dirty="0">
               <a:latin typeface="Courier New"/>
               <a:ea typeface="Courier New"/>
               <a:cs typeface="Courier New"/>
@@ -52744,7 +52762,7 @@
               <a:buNone/>
             </a:pPr>
             <a:r>
-              <a:rPr lang="en">
+              <a:rPr lang="en" dirty="0">
                 <a:latin typeface="Courier New"/>
                 <a:ea typeface="Courier New"/>
                 <a:cs typeface="Courier New"/>
@@ -52753,11 +52771,11 @@
               <a:t>                      </a:t>
             </a:r>
             <a:r>
-              <a:rPr lang="en"/>
+              <a:rPr lang="en" dirty="0"/>
               <a:t>This particular command displays a summary of                                                              </a:t>
             </a:r>
             <a:r>
-              <a:rPr lang="en">
+              <a:rPr lang="en" dirty="0">
                 <a:solidFill>
                   <a:schemeClr val="lt1"/>
                 </a:solidFill>
@@ -52765,23 +52783,23 @@
               <a:t>a</a:t>
             </a:r>
             <a:r>
-              <a:rPr lang="en"/>
+              <a:rPr lang="en" dirty="0"/>
               <a:t>                                                       most used Git commands.                                                                                                                                                </a:t>
             </a:r>
-            <a:endParaRPr/>
-          </a:p>
-          <a:p>
-            <a:pPr marL="0" lvl="0" indent="0" algn="l" rtl="0">
-              <a:spcBef>
-                <a:spcPts val="0"/>
-              </a:spcBef>
-              <a:spcAft>
-                <a:spcPts val="0"/>
-              </a:spcAft>
-              <a:buNone/>
-            </a:pPr>
-            <a:r>
-              <a:rPr lang="en">
+            <a:endParaRPr dirty="0"/>
+          </a:p>
+          <a:p>
+            <a:pPr marL="0" lvl="0" indent="0" algn="l" rtl="0">
+              <a:spcBef>
+                <a:spcPts val="0"/>
+              </a:spcBef>
+              <a:spcAft>
+                <a:spcPts val="0"/>
+              </a:spcAft>
+              <a:buNone/>
+            </a:pPr>
+            <a:r>
+              <a:rPr lang="en" dirty="0">
                 <a:latin typeface="Courier New"/>
                 <a:ea typeface="Courier New"/>
                 <a:cs typeface="Courier New"/>
@@ -52789,7 +52807,7 @@
               </a:rPr>
               <a:t>                                                                               </a:t>
             </a:r>
-            <a:endParaRPr>
+            <a:endParaRPr dirty="0">
               <a:latin typeface="Courier New"/>
               <a:ea typeface="Courier New"/>
               <a:cs typeface="Courier New"/>
@@ -52806,43 +52824,43 @@
               </a:spcAft>
               <a:buNone/>
             </a:pPr>
-            <a:endParaRPr/>
-          </a:p>
-          <a:p>
-            <a:pPr marL="0" lvl="0" indent="0" algn="l" rtl="0">
-              <a:spcBef>
-                <a:spcPts val="0"/>
-              </a:spcBef>
-              <a:spcAft>
-                <a:spcPts val="0"/>
-              </a:spcAft>
-              <a:buNone/>
-            </a:pPr>
-            <a:endParaRPr/>
-          </a:p>
-          <a:p>
-            <a:pPr marL="0" lvl="0" indent="0" algn="l" rtl="0">
-              <a:spcBef>
-                <a:spcPts val="0"/>
-              </a:spcBef>
-              <a:spcAft>
-                <a:spcPts val="0"/>
-              </a:spcAft>
-              <a:buNone/>
-            </a:pPr>
-            <a:endParaRPr/>
-          </a:p>
-          <a:p>
-            <a:pPr marL="0" lvl="0" indent="0" algn="l" rtl="0">
-              <a:spcBef>
-                <a:spcPts val="0"/>
-              </a:spcBef>
-              <a:spcAft>
-                <a:spcPts val="0"/>
-              </a:spcAft>
-              <a:buNone/>
-            </a:pPr>
-            <a:endParaRPr/>
+            <a:endParaRPr dirty="0"/>
+          </a:p>
+          <a:p>
+            <a:pPr marL="0" lvl="0" indent="0" algn="l" rtl="0">
+              <a:spcBef>
+                <a:spcPts val="0"/>
+              </a:spcBef>
+              <a:spcAft>
+                <a:spcPts val="0"/>
+              </a:spcAft>
+              <a:buNone/>
+            </a:pPr>
+            <a:endParaRPr dirty="0"/>
+          </a:p>
+          <a:p>
+            <a:pPr marL="0" lvl="0" indent="0" algn="l" rtl="0">
+              <a:spcBef>
+                <a:spcPts val="0"/>
+              </a:spcBef>
+              <a:spcAft>
+                <a:spcPts val="0"/>
+              </a:spcAft>
+              <a:buNone/>
+            </a:pPr>
+            <a:endParaRPr dirty="0"/>
+          </a:p>
+          <a:p>
+            <a:pPr marL="0" lvl="0" indent="0" algn="l" rtl="0">
+              <a:spcBef>
+                <a:spcPts val="0"/>
+              </a:spcBef>
+              <a:spcAft>
+                <a:spcPts val="0"/>
+              </a:spcAft>
+              <a:buNone/>
+            </a:pPr>
+            <a:endParaRPr dirty="0"/>
           </a:p>
         </p:txBody>
       </p:sp>

--- a/07102025-Introduction_to_git_kapteyn.pptx
+++ b/07102025-Introduction_to_git_kapteyn.pptx
@@ -5,7 +5,7 @@
     <p:sldMasterId id="2147483659" r:id="rId1"/>
   </p:sldMasterIdLst>
   <p:notesMasterIdLst>
-    <p:notesMasterId r:id="rId85"/>
+    <p:notesMasterId r:id="rId86"/>
   </p:notesMasterIdLst>
   <p:sldIdLst>
     <p:sldId id="256" r:id="rId2"/>
@@ -59,38 +59,39 @@
     <p:sldId id="339" r:id="rId50"/>
     <p:sldId id="340" r:id="rId51"/>
     <p:sldId id="299" r:id="rId52"/>
-    <p:sldId id="300" r:id="rId53"/>
-    <p:sldId id="301" r:id="rId54"/>
-    <p:sldId id="302" r:id="rId55"/>
-    <p:sldId id="303" r:id="rId56"/>
-    <p:sldId id="304" r:id="rId57"/>
-    <p:sldId id="305" r:id="rId58"/>
-    <p:sldId id="332" r:id="rId59"/>
-    <p:sldId id="307" r:id="rId60"/>
-    <p:sldId id="308" r:id="rId61"/>
-    <p:sldId id="309" r:id="rId62"/>
-    <p:sldId id="310" r:id="rId63"/>
-    <p:sldId id="311" r:id="rId64"/>
-    <p:sldId id="312" r:id="rId65"/>
-    <p:sldId id="313" r:id="rId66"/>
-    <p:sldId id="314" r:id="rId67"/>
-    <p:sldId id="315" r:id="rId68"/>
-    <p:sldId id="316" r:id="rId69"/>
-    <p:sldId id="317" r:id="rId70"/>
-    <p:sldId id="318" r:id="rId71"/>
-    <p:sldId id="337" r:id="rId72"/>
-    <p:sldId id="338" r:id="rId73"/>
-    <p:sldId id="319" r:id="rId74"/>
-    <p:sldId id="334" r:id="rId75"/>
-    <p:sldId id="320" r:id="rId76"/>
-    <p:sldId id="336" r:id="rId77"/>
-    <p:sldId id="335" r:id="rId78"/>
-    <p:sldId id="321" r:id="rId79"/>
-    <p:sldId id="322" r:id="rId80"/>
-    <p:sldId id="323" r:id="rId81"/>
-    <p:sldId id="324" r:id="rId82"/>
-    <p:sldId id="326" r:id="rId83"/>
-    <p:sldId id="325" r:id="rId84"/>
+    <p:sldId id="341" r:id="rId53"/>
+    <p:sldId id="300" r:id="rId54"/>
+    <p:sldId id="301" r:id="rId55"/>
+    <p:sldId id="302" r:id="rId56"/>
+    <p:sldId id="303" r:id="rId57"/>
+    <p:sldId id="304" r:id="rId58"/>
+    <p:sldId id="305" r:id="rId59"/>
+    <p:sldId id="332" r:id="rId60"/>
+    <p:sldId id="307" r:id="rId61"/>
+    <p:sldId id="308" r:id="rId62"/>
+    <p:sldId id="309" r:id="rId63"/>
+    <p:sldId id="310" r:id="rId64"/>
+    <p:sldId id="311" r:id="rId65"/>
+    <p:sldId id="312" r:id="rId66"/>
+    <p:sldId id="313" r:id="rId67"/>
+    <p:sldId id="314" r:id="rId68"/>
+    <p:sldId id="315" r:id="rId69"/>
+    <p:sldId id="316" r:id="rId70"/>
+    <p:sldId id="317" r:id="rId71"/>
+    <p:sldId id="318" r:id="rId72"/>
+    <p:sldId id="337" r:id="rId73"/>
+    <p:sldId id="338" r:id="rId74"/>
+    <p:sldId id="319" r:id="rId75"/>
+    <p:sldId id="334" r:id="rId76"/>
+    <p:sldId id="320" r:id="rId77"/>
+    <p:sldId id="336" r:id="rId78"/>
+    <p:sldId id="335" r:id="rId79"/>
+    <p:sldId id="321" r:id="rId80"/>
+    <p:sldId id="322" r:id="rId81"/>
+    <p:sldId id="323" r:id="rId82"/>
+    <p:sldId id="324" r:id="rId83"/>
+    <p:sldId id="326" r:id="rId84"/>
+    <p:sldId id="325" r:id="rId85"/>
   </p:sldIdLst>
   <p:sldSz cx="9144000" cy="5143500" type="screen16x9"/>
   <p:notesSz cx="6858000" cy="9144000"/>
@@ -5757,7 +5758,7 @@
         </p:nvSpPr>
         <p:spPr>
           <a:xfrm>
-            <a:off x="381300" y="685800"/>
+            <a:off x="381000" y="685800"/>
             <a:ext cx="6096000" cy="3429000"/>
           </a:xfrm>
           <a:custGeom>
@@ -5837,7 +5838,13 @@
   <p:cSld>
     <p:spTree>
       <p:nvGrpSpPr>
-        <p:cNvPr id="1" name="Shape 709"/>
+        <p:cNvPr id="1" name="Shape 703">
+          <a:extLst>
+            <a:ext uri="{FF2B5EF4-FFF2-40B4-BE49-F238E27FC236}">
+              <a16:creationId xmlns:a16="http://schemas.microsoft.com/office/drawing/2014/main" id="{F517E212-1A24-9404-AE45-36BFF3335C36}"/>
+            </a:ext>
+          </a:extLst>
+        </p:cNvPr>
         <p:cNvGrpSpPr/>
         <p:nvPr/>
       </p:nvGrpSpPr>
@@ -5851,7 +5858,13 @@
       </p:grpSpPr>
       <p:sp>
         <p:nvSpPr>
-          <p:cNvPr id="710" name="Google Shape;710;g18badc01a4e_0_1365:notes"/>
+          <p:cNvPr id="704" name="Google Shape;704;g18badc01a4e_0_1341:notes">
+            <a:extLst>
+              <a:ext uri="{FF2B5EF4-FFF2-40B4-BE49-F238E27FC236}">
+                <a16:creationId xmlns:a16="http://schemas.microsoft.com/office/drawing/2014/main" id="{A760FBC0-9277-E75A-3E7B-7E24BD201A24}"/>
+              </a:ext>
+            </a:extLst>
+          </p:cNvPr>
           <p:cNvSpPr>
             <a:spLocks noGrp="1" noRot="1" noChangeAspect="1"/>
           </p:cNvSpPr>
@@ -5892,7 +5905,13 @@
       </p:sp>
       <p:sp>
         <p:nvSpPr>
-          <p:cNvPr id="711" name="Google Shape;711;g18badc01a4e_0_1365:notes"/>
+          <p:cNvPr id="705" name="Google Shape;705;g18badc01a4e_0_1341:notes">
+            <a:extLst>
+              <a:ext uri="{FF2B5EF4-FFF2-40B4-BE49-F238E27FC236}">
+                <a16:creationId xmlns:a16="http://schemas.microsoft.com/office/drawing/2014/main" id="{9B675B38-F355-D7FE-0E6D-F010AA4D975A}"/>
+              </a:ext>
+            </a:extLst>
+          </p:cNvPr>
           <p:cNvSpPr txBox="1">
             <a:spLocks noGrp="1"/>
           </p:cNvSpPr>
@@ -5929,6 +5948,11 @@
         </p:txBody>
       </p:sp>
     </p:spTree>
+    <p:extLst>
+      <p:ext uri="{BB962C8B-B14F-4D97-AF65-F5344CB8AC3E}">
+        <p14:creationId xmlns:p14="http://schemas.microsoft.com/office/powerpoint/2010/main" val="680511408"/>
+      </p:ext>
+    </p:extLst>
   </p:cSld>
   <p:clrMapOvr>
     <a:masterClrMapping/>
@@ -5941,7 +5965,7 @@
   <p:cSld>
     <p:spTree>
       <p:nvGrpSpPr>
-        <p:cNvPr id="1" name="Shape 717"/>
+        <p:cNvPr id="1" name="Shape 709"/>
         <p:cNvGrpSpPr/>
         <p:nvPr/>
       </p:nvGrpSpPr>
@@ -5955,7 +5979,7 @@
       </p:grpSpPr>
       <p:sp>
         <p:nvSpPr>
-          <p:cNvPr id="718" name="Google Shape;718;g18badc01a4e_0_1391:notes"/>
+          <p:cNvPr id="710" name="Google Shape;710;g18badc01a4e_0_1365:notes"/>
           <p:cNvSpPr>
             <a:spLocks noGrp="1" noRot="1" noChangeAspect="1"/>
           </p:cNvSpPr>
@@ -5996,7 +6020,7 @@
       </p:sp>
       <p:sp>
         <p:nvSpPr>
-          <p:cNvPr id="719" name="Google Shape;719;g18badc01a4e_0_1391:notes"/>
+          <p:cNvPr id="711" name="Google Shape;711;g18badc01a4e_0_1365:notes"/>
           <p:cNvSpPr txBox="1">
             <a:spLocks noGrp="1"/>
           </p:cNvSpPr>
@@ -6045,7 +6069,7 @@
   <p:cSld>
     <p:spTree>
       <p:nvGrpSpPr>
-        <p:cNvPr id="1" name="Shape 728"/>
+        <p:cNvPr id="1" name="Shape 717"/>
         <p:cNvGrpSpPr/>
         <p:nvPr/>
       </p:nvGrpSpPr>
@@ -6059,7 +6083,7 @@
       </p:grpSpPr>
       <p:sp>
         <p:nvSpPr>
-          <p:cNvPr id="729" name="Google Shape;729;g18badc01a4e_0_1373:notes"/>
+          <p:cNvPr id="718" name="Google Shape;718;g18badc01a4e_0_1391:notes"/>
           <p:cNvSpPr>
             <a:spLocks noGrp="1" noRot="1" noChangeAspect="1"/>
           </p:cNvSpPr>
@@ -6069,7 +6093,7 @@
         </p:nvSpPr>
         <p:spPr>
           <a:xfrm>
-            <a:off x="381300" y="685800"/>
+            <a:off x="381000" y="685800"/>
             <a:ext cx="6096000" cy="3429000"/>
           </a:xfrm>
           <a:custGeom>
@@ -6100,7 +6124,7 @@
       </p:sp>
       <p:sp>
         <p:nvSpPr>
-          <p:cNvPr id="730" name="Google Shape;730;g18badc01a4e_0_1373:notes"/>
+          <p:cNvPr id="719" name="Google Shape;719;g18badc01a4e_0_1391:notes"/>
           <p:cNvSpPr txBox="1">
             <a:spLocks noGrp="1"/>
           </p:cNvSpPr>
@@ -6149,7 +6173,7 @@
   <p:cSld>
     <p:spTree>
       <p:nvGrpSpPr>
-        <p:cNvPr id="1" name="Shape 734"/>
+        <p:cNvPr id="1" name="Shape 728"/>
         <p:cNvGrpSpPr/>
         <p:nvPr/>
       </p:nvGrpSpPr>
@@ -6163,7 +6187,7 @@
       </p:grpSpPr>
       <p:sp>
         <p:nvSpPr>
-          <p:cNvPr id="735" name="Google Shape;735;g18badc01a4e_0_1383:notes"/>
+          <p:cNvPr id="729" name="Google Shape;729;g18badc01a4e_0_1373:notes"/>
           <p:cNvSpPr>
             <a:spLocks noGrp="1" noRot="1" noChangeAspect="1"/>
           </p:cNvSpPr>
@@ -6173,7 +6197,7 @@
         </p:nvSpPr>
         <p:spPr>
           <a:xfrm>
-            <a:off x="381000" y="685800"/>
+            <a:off x="381300" y="685800"/>
             <a:ext cx="6096000" cy="3429000"/>
           </a:xfrm>
           <a:custGeom>
@@ -6204,7 +6228,7 @@
       </p:sp>
       <p:sp>
         <p:nvSpPr>
-          <p:cNvPr id="736" name="Google Shape;736;g18badc01a4e_0_1383:notes"/>
+          <p:cNvPr id="730" name="Google Shape;730;g18badc01a4e_0_1373:notes"/>
           <p:cNvSpPr txBox="1">
             <a:spLocks noGrp="1"/>
           </p:cNvSpPr>
@@ -6253,7 +6277,7 @@
   <p:cSld>
     <p:spTree>
       <p:nvGrpSpPr>
-        <p:cNvPr id="1" name="Shape 743"/>
+        <p:cNvPr id="1" name="Shape 734"/>
         <p:cNvGrpSpPr/>
         <p:nvPr/>
       </p:nvGrpSpPr>
@@ -6267,7 +6291,7 @@
       </p:grpSpPr>
       <p:sp>
         <p:nvSpPr>
-          <p:cNvPr id="744" name="Google Shape;744;g18badc01a4e_0_1354:notes"/>
+          <p:cNvPr id="735" name="Google Shape;735;g18badc01a4e_0_1383:notes"/>
           <p:cNvSpPr>
             <a:spLocks noGrp="1" noRot="1" noChangeAspect="1"/>
           </p:cNvSpPr>
@@ -6277,7 +6301,7 @@
         </p:nvSpPr>
         <p:spPr>
           <a:xfrm>
-            <a:off x="381300" y="685800"/>
+            <a:off x="381000" y="685800"/>
             <a:ext cx="6096000" cy="3429000"/>
           </a:xfrm>
           <a:custGeom>
@@ -6308,7 +6332,7 @@
       </p:sp>
       <p:sp>
         <p:nvSpPr>
-          <p:cNvPr id="745" name="Google Shape;745;g18badc01a4e_0_1354:notes"/>
+          <p:cNvPr id="736" name="Google Shape;736;g18badc01a4e_0_1383:notes"/>
           <p:cNvSpPr txBox="1">
             <a:spLocks noGrp="1"/>
           </p:cNvSpPr>
@@ -6357,7 +6381,7 @@
   <p:cSld>
     <p:spTree>
       <p:nvGrpSpPr>
-        <p:cNvPr id="1" name="Shape 755"/>
+        <p:cNvPr id="1" name="Shape 743"/>
         <p:cNvGrpSpPr/>
         <p:nvPr/>
       </p:nvGrpSpPr>
@@ -6371,7 +6395,7 @@
       </p:grpSpPr>
       <p:sp>
         <p:nvSpPr>
-          <p:cNvPr id="756" name="Google Shape;756;g18badc01a4e_0_1402:notes"/>
+          <p:cNvPr id="744" name="Google Shape;744;g18badc01a4e_0_1354:notes"/>
           <p:cNvSpPr>
             <a:spLocks noGrp="1" noRot="1" noChangeAspect="1"/>
           </p:cNvSpPr>
@@ -6412,7 +6436,7 @@
       </p:sp>
       <p:sp>
         <p:nvSpPr>
-          <p:cNvPr id="757" name="Google Shape;757;g18badc01a4e_0_1402:notes"/>
+          <p:cNvPr id="745" name="Google Shape;745;g18badc01a4e_0_1354:notes"/>
           <p:cNvSpPr txBox="1">
             <a:spLocks noGrp="1"/>
           </p:cNvSpPr>
@@ -6457,6 +6481,110 @@
 </file>
 
 <file path=ppt/notesSlides/notesSlide58.xml><?xml version="1.0" encoding="utf-8"?>
+<p:notes xmlns:a="http://schemas.openxmlformats.org/drawingml/2006/main" xmlns:r="http://schemas.openxmlformats.org/officeDocument/2006/relationships" xmlns:p="http://schemas.openxmlformats.org/presentationml/2006/main" showMasterSp="0" showMasterPhAnim="0">
+  <p:cSld>
+    <p:spTree>
+      <p:nvGrpSpPr>
+        <p:cNvPr id="1" name="Shape 755"/>
+        <p:cNvGrpSpPr/>
+        <p:nvPr/>
+      </p:nvGrpSpPr>
+      <p:grpSpPr>
+        <a:xfrm>
+          <a:off x="0" y="0"/>
+          <a:ext cx="0" cy="0"/>
+          <a:chOff x="0" y="0"/>
+          <a:chExt cx="0" cy="0"/>
+        </a:xfrm>
+      </p:grpSpPr>
+      <p:sp>
+        <p:nvSpPr>
+          <p:cNvPr id="756" name="Google Shape;756;g18badc01a4e_0_1402:notes"/>
+          <p:cNvSpPr>
+            <a:spLocks noGrp="1" noRot="1" noChangeAspect="1"/>
+          </p:cNvSpPr>
+          <p:nvPr>
+            <p:ph type="sldImg" idx="2"/>
+          </p:nvPr>
+        </p:nvSpPr>
+        <p:spPr>
+          <a:xfrm>
+            <a:off x="381300" y="685800"/>
+            <a:ext cx="6096000" cy="3429000"/>
+          </a:xfrm>
+          <a:custGeom>
+            <a:avLst/>
+            <a:gdLst/>
+            <a:ahLst/>
+            <a:cxnLst/>
+            <a:rect l="l" t="t" r="r" b="b"/>
+            <a:pathLst>
+              <a:path w="120000" h="120000" extrusionOk="0">
+                <a:moveTo>
+                  <a:pt x="0" y="0"/>
+                </a:moveTo>
+                <a:lnTo>
+                  <a:pt x="120000" y="0"/>
+                </a:lnTo>
+                <a:lnTo>
+                  <a:pt x="120000" y="120000"/>
+                </a:lnTo>
+                <a:lnTo>
+                  <a:pt x="0" y="120000"/>
+                </a:lnTo>
+                <a:close/>
+              </a:path>
+            </a:pathLst>
+          </a:custGeom>
+        </p:spPr>
+      </p:sp>
+      <p:sp>
+        <p:nvSpPr>
+          <p:cNvPr id="757" name="Google Shape;757;g18badc01a4e_0_1402:notes"/>
+          <p:cNvSpPr txBox="1">
+            <a:spLocks noGrp="1"/>
+          </p:cNvSpPr>
+          <p:nvPr>
+            <p:ph type="body" idx="1"/>
+          </p:nvPr>
+        </p:nvSpPr>
+        <p:spPr>
+          <a:xfrm>
+            <a:off x="685800" y="4343400"/>
+            <a:ext cx="5486400" cy="4114800"/>
+          </a:xfrm>
+          <a:prstGeom prst="rect">
+            <a:avLst/>
+          </a:prstGeom>
+        </p:spPr>
+        <p:txBody>
+          <a:bodyPr spcFirstLastPara="1" wrap="square" lIns="91425" tIns="91425" rIns="91425" bIns="91425" anchor="t" anchorCtr="0">
+            <a:noAutofit/>
+          </a:bodyPr>
+          <a:lstStyle/>
+          <a:p>
+            <a:pPr marL="0" lvl="0" indent="0" algn="l" rtl="0">
+              <a:spcBef>
+                <a:spcPts val="0"/>
+              </a:spcBef>
+              <a:spcAft>
+                <a:spcPts val="0"/>
+              </a:spcAft>
+              <a:buNone/>
+            </a:pPr>
+            <a:endParaRPr/>
+          </a:p>
+        </p:txBody>
+      </p:sp>
+    </p:spTree>
+  </p:cSld>
+  <p:clrMapOvr>
+    <a:masterClrMapping/>
+  </p:clrMapOvr>
+</p:notes>
+</file>
+
+<file path=ppt/notesSlides/notesSlide59.xml><?xml version="1.0" encoding="utf-8"?>
 <p:notes xmlns:a="http://schemas.openxmlformats.org/drawingml/2006/main" xmlns:r="http://schemas.openxmlformats.org/officeDocument/2006/relationships" xmlns:p="http://schemas.openxmlformats.org/presentationml/2006/main" showMasterSp="0" showMasterPhAnim="0">
   <p:cSld>
     <p:spTree>
@@ -6576,110 +6704,6 @@
         <p14:creationId xmlns:p14="http://schemas.microsoft.com/office/powerpoint/2010/main" val="2887034518"/>
       </p:ext>
     </p:extLst>
-  </p:cSld>
-  <p:clrMapOvr>
-    <a:masterClrMapping/>
-  </p:clrMapOvr>
-</p:notes>
-</file>
-
-<file path=ppt/notesSlides/notesSlide59.xml><?xml version="1.0" encoding="utf-8"?>
-<p:notes xmlns:a="http://schemas.openxmlformats.org/drawingml/2006/main" xmlns:r="http://schemas.openxmlformats.org/officeDocument/2006/relationships" xmlns:p="http://schemas.openxmlformats.org/presentationml/2006/main" showMasterSp="0" showMasterPhAnim="0">
-  <p:cSld>
-    <p:spTree>
-      <p:nvGrpSpPr>
-        <p:cNvPr id="1" name="Shape 769"/>
-        <p:cNvGrpSpPr/>
-        <p:nvPr/>
-      </p:nvGrpSpPr>
-      <p:grpSpPr>
-        <a:xfrm>
-          <a:off x="0" y="0"/>
-          <a:ext cx="0" cy="0"/>
-          <a:chOff x="0" y="0"/>
-          <a:chExt cx="0" cy="0"/>
-        </a:xfrm>
-      </p:grpSpPr>
-      <p:sp>
-        <p:nvSpPr>
-          <p:cNvPr id="770" name="Google Shape;770;g18badc01a4e_0_1414:notes"/>
-          <p:cNvSpPr>
-            <a:spLocks noGrp="1" noRot="1" noChangeAspect="1"/>
-          </p:cNvSpPr>
-          <p:nvPr>
-            <p:ph type="sldImg" idx="2"/>
-          </p:nvPr>
-        </p:nvSpPr>
-        <p:spPr>
-          <a:xfrm>
-            <a:off x="381300" y="685800"/>
-            <a:ext cx="6096000" cy="3429000"/>
-          </a:xfrm>
-          <a:custGeom>
-            <a:avLst/>
-            <a:gdLst/>
-            <a:ahLst/>
-            <a:cxnLst/>
-            <a:rect l="l" t="t" r="r" b="b"/>
-            <a:pathLst>
-              <a:path w="120000" h="120000" extrusionOk="0">
-                <a:moveTo>
-                  <a:pt x="0" y="0"/>
-                </a:moveTo>
-                <a:lnTo>
-                  <a:pt x="120000" y="0"/>
-                </a:lnTo>
-                <a:lnTo>
-                  <a:pt x="120000" y="120000"/>
-                </a:lnTo>
-                <a:lnTo>
-                  <a:pt x="0" y="120000"/>
-                </a:lnTo>
-                <a:close/>
-              </a:path>
-            </a:pathLst>
-          </a:custGeom>
-        </p:spPr>
-      </p:sp>
-      <p:sp>
-        <p:nvSpPr>
-          <p:cNvPr id="771" name="Google Shape;771;g18badc01a4e_0_1414:notes"/>
-          <p:cNvSpPr txBox="1">
-            <a:spLocks noGrp="1"/>
-          </p:cNvSpPr>
-          <p:nvPr>
-            <p:ph type="body" idx="1"/>
-          </p:nvPr>
-        </p:nvSpPr>
-        <p:spPr>
-          <a:xfrm>
-            <a:off x="685800" y="4343400"/>
-            <a:ext cx="5486400" cy="4114800"/>
-          </a:xfrm>
-          <a:prstGeom prst="rect">
-            <a:avLst/>
-          </a:prstGeom>
-        </p:spPr>
-        <p:txBody>
-          <a:bodyPr spcFirstLastPara="1" wrap="square" lIns="91425" tIns="91425" rIns="91425" bIns="91425" anchor="t" anchorCtr="0">
-            <a:noAutofit/>
-          </a:bodyPr>
-          <a:lstStyle/>
-          <a:p>
-            <a:pPr marL="0" lvl="0" indent="0" algn="l" rtl="0">
-              <a:spcBef>
-                <a:spcPts val="0"/>
-              </a:spcBef>
-              <a:spcAft>
-                <a:spcPts val="0"/>
-              </a:spcAft>
-              <a:buNone/>
-            </a:pPr>
-            <a:endParaRPr/>
-          </a:p>
-        </p:txBody>
-      </p:sp>
-    </p:spTree>
   </p:cSld>
   <p:clrMapOvr>
     <a:masterClrMapping/>
@@ -6796,7 +6820,7 @@
   <p:cSld>
     <p:spTree>
       <p:nvGrpSpPr>
-        <p:cNvPr id="1" name="Shape 791"/>
+        <p:cNvPr id="1" name="Shape 769"/>
         <p:cNvGrpSpPr/>
         <p:nvPr/>
       </p:nvGrpSpPr>
@@ -6810,7 +6834,7 @@
       </p:grpSpPr>
       <p:sp>
         <p:nvSpPr>
-          <p:cNvPr id="792" name="Google Shape;792;g18badc01a4e_0_1435:notes"/>
+          <p:cNvPr id="770" name="Google Shape;770;g18badc01a4e_0_1414:notes"/>
           <p:cNvSpPr>
             <a:spLocks noGrp="1" noRot="1" noChangeAspect="1"/>
           </p:cNvSpPr>
@@ -6851,7 +6875,7 @@
       </p:sp>
       <p:sp>
         <p:nvSpPr>
-          <p:cNvPr id="793" name="Google Shape;793;g18badc01a4e_0_1435:notes"/>
+          <p:cNvPr id="771" name="Google Shape;771;g18badc01a4e_0_1414:notes"/>
           <p:cNvSpPr txBox="1">
             <a:spLocks noGrp="1"/>
           </p:cNvSpPr>
@@ -6900,7 +6924,7 @@
   <p:cSld>
     <p:spTree>
       <p:nvGrpSpPr>
-        <p:cNvPr id="1" name="Shape 814"/>
+        <p:cNvPr id="1" name="Shape 791"/>
         <p:cNvGrpSpPr/>
         <p:nvPr/>
       </p:nvGrpSpPr>
@@ -6914,7 +6938,7 @@
       </p:grpSpPr>
       <p:sp>
         <p:nvSpPr>
-          <p:cNvPr id="815" name="Google Shape;815;g18badc01a4e_0_1457:notes"/>
+          <p:cNvPr id="792" name="Google Shape;792;g18badc01a4e_0_1435:notes"/>
           <p:cNvSpPr>
             <a:spLocks noGrp="1" noRot="1" noChangeAspect="1"/>
           </p:cNvSpPr>
@@ -6924,7 +6948,7 @@
         </p:nvSpPr>
         <p:spPr>
           <a:xfrm>
-            <a:off x="381000" y="685800"/>
+            <a:off x="381300" y="685800"/>
             <a:ext cx="6096000" cy="3429000"/>
           </a:xfrm>
           <a:custGeom>
@@ -6955,7 +6979,7 @@
       </p:sp>
       <p:sp>
         <p:nvSpPr>
-          <p:cNvPr id="816" name="Google Shape;816;g18badc01a4e_0_1457:notes"/>
+          <p:cNvPr id="793" name="Google Shape;793;g18badc01a4e_0_1435:notes"/>
           <p:cNvSpPr txBox="1">
             <a:spLocks noGrp="1"/>
           </p:cNvSpPr>
@@ -7004,7 +7028,7 @@
   <p:cSld>
     <p:spTree>
       <p:nvGrpSpPr>
-        <p:cNvPr id="1" name="Shape 820"/>
+        <p:cNvPr id="1" name="Shape 814"/>
         <p:cNvGrpSpPr/>
         <p:nvPr/>
       </p:nvGrpSpPr>
@@ -7018,7 +7042,7 @@
       </p:grpSpPr>
       <p:sp>
         <p:nvSpPr>
-          <p:cNvPr id="821" name="Google Shape;821;g18badc01a4e_0_1471:notes"/>
+          <p:cNvPr id="815" name="Google Shape;815;g18badc01a4e_0_1457:notes"/>
           <p:cNvSpPr>
             <a:spLocks noGrp="1" noRot="1" noChangeAspect="1"/>
           </p:cNvSpPr>
@@ -7028,7 +7052,7 @@
         </p:nvSpPr>
         <p:spPr>
           <a:xfrm>
-            <a:off x="381300" y="685800"/>
+            <a:off x="381000" y="685800"/>
             <a:ext cx="6096000" cy="3429000"/>
           </a:xfrm>
           <a:custGeom>
@@ -7059,7 +7083,7 @@
       </p:sp>
       <p:sp>
         <p:nvSpPr>
-          <p:cNvPr id="822" name="Google Shape;822;g18badc01a4e_0_1471:notes"/>
+          <p:cNvPr id="816" name="Google Shape;816;g18badc01a4e_0_1457:notes"/>
           <p:cNvSpPr txBox="1">
             <a:spLocks noGrp="1"/>
           </p:cNvSpPr>
@@ -7108,7 +7132,7 @@
   <p:cSld>
     <p:spTree>
       <p:nvGrpSpPr>
-        <p:cNvPr id="1" name="Shape 829"/>
+        <p:cNvPr id="1" name="Shape 820"/>
         <p:cNvGrpSpPr/>
         <p:nvPr/>
       </p:nvGrpSpPr>
@@ -7122,7 +7146,7 @@
       </p:grpSpPr>
       <p:sp>
         <p:nvSpPr>
-          <p:cNvPr id="830" name="Google Shape;830;g18badc01a4e_0_1464:notes"/>
+          <p:cNvPr id="821" name="Google Shape;821;g18badc01a4e_0_1471:notes"/>
           <p:cNvSpPr>
             <a:spLocks noGrp="1" noRot="1" noChangeAspect="1"/>
           </p:cNvSpPr>
@@ -7163,7 +7187,7 @@
       </p:sp>
       <p:sp>
         <p:nvSpPr>
-          <p:cNvPr id="831" name="Google Shape;831;g18badc01a4e_0_1464:notes"/>
+          <p:cNvPr id="822" name="Google Shape;822;g18badc01a4e_0_1471:notes"/>
           <p:cNvSpPr txBox="1">
             <a:spLocks noGrp="1"/>
           </p:cNvSpPr>
@@ -7212,7 +7236,7 @@
   <p:cSld>
     <p:spTree>
       <p:nvGrpSpPr>
-        <p:cNvPr id="1" name="Shape 836"/>
+        <p:cNvPr id="1" name="Shape 829"/>
         <p:cNvGrpSpPr/>
         <p:nvPr/>
       </p:nvGrpSpPr>
@@ -7226,7 +7250,7 @@
       </p:grpSpPr>
       <p:sp>
         <p:nvSpPr>
-          <p:cNvPr id="837" name="Google Shape;837;g18badc01a4e_0_1479:notes"/>
+          <p:cNvPr id="830" name="Google Shape;830;g18badc01a4e_0_1464:notes"/>
           <p:cNvSpPr>
             <a:spLocks noGrp="1" noRot="1" noChangeAspect="1"/>
           </p:cNvSpPr>
@@ -7267,7 +7291,7 @@
       </p:sp>
       <p:sp>
         <p:nvSpPr>
-          <p:cNvPr id="838" name="Google Shape;838;g18badc01a4e_0_1479:notes"/>
+          <p:cNvPr id="831" name="Google Shape;831;g18badc01a4e_0_1464:notes"/>
           <p:cNvSpPr txBox="1">
             <a:spLocks noGrp="1"/>
           </p:cNvSpPr>
@@ -7316,7 +7340,7 @@
   <p:cSld>
     <p:spTree>
       <p:nvGrpSpPr>
-        <p:cNvPr id="1" name="Shape 843"/>
+        <p:cNvPr id="1" name="Shape 836"/>
         <p:cNvGrpSpPr/>
         <p:nvPr/>
       </p:nvGrpSpPr>
@@ -7330,7 +7354,7 @@
       </p:grpSpPr>
       <p:sp>
         <p:nvSpPr>
-          <p:cNvPr id="844" name="Google Shape;844;g18badc01a4e_0_1489:notes"/>
+          <p:cNvPr id="837" name="Google Shape;837;g18badc01a4e_0_1479:notes"/>
           <p:cNvSpPr>
             <a:spLocks noGrp="1" noRot="1" noChangeAspect="1"/>
           </p:cNvSpPr>
@@ -7371,7 +7395,7 @@
       </p:sp>
       <p:sp>
         <p:nvSpPr>
-          <p:cNvPr id="845" name="Google Shape;845;g18badc01a4e_0_1489:notes"/>
+          <p:cNvPr id="838" name="Google Shape;838;g18badc01a4e_0_1479:notes"/>
           <p:cNvSpPr txBox="1">
             <a:spLocks noGrp="1"/>
           </p:cNvSpPr>
@@ -7420,7 +7444,7 @@
   <p:cSld>
     <p:spTree>
       <p:nvGrpSpPr>
-        <p:cNvPr id="1" name="Shape 850"/>
+        <p:cNvPr id="1" name="Shape 843"/>
         <p:cNvGrpSpPr/>
         <p:nvPr/>
       </p:nvGrpSpPr>
@@ -7434,7 +7458,7 @@
       </p:grpSpPr>
       <p:sp>
         <p:nvSpPr>
-          <p:cNvPr id="851" name="Google Shape;851;g18badc01a4e_0_1496:notes"/>
+          <p:cNvPr id="844" name="Google Shape;844;g18badc01a4e_0_1489:notes"/>
           <p:cNvSpPr>
             <a:spLocks noGrp="1" noRot="1" noChangeAspect="1"/>
           </p:cNvSpPr>
@@ -7475,7 +7499,7 @@
       </p:sp>
       <p:sp>
         <p:nvSpPr>
-          <p:cNvPr id="852" name="Google Shape;852;g18badc01a4e_0_1496:notes"/>
+          <p:cNvPr id="845" name="Google Shape;845;g18badc01a4e_0_1489:notes"/>
           <p:cNvSpPr txBox="1">
             <a:spLocks noGrp="1"/>
           </p:cNvSpPr>
@@ -7524,7 +7548,7 @@
   <p:cSld>
     <p:spTree>
       <p:nvGrpSpPr>
-        <p:cNvPr id="1" name="Shape 857"/>
+        <p:cNvPr id="1" name="Shape 850"/>
         <p:cNvGrpSpPr/>
         <p:nvPr/>
       </p:nvGrpSpPr>
@@ -7538,7 +7562,7 @@
       </p:grpSpPr>
       <p:sp>
         <p:nvSpPr>
-          <p:cNvPr id="858" name="Google Shape;858;g18badc01a4e_0_1504:notes"/>
+          <p:cNvPr id="851" name="Google Shape;851;g18badc01a4e_0_1496:notes"/>
           <p:cNvSpPr>
             <a:spLocks noGrp="1" noRot="1" noChangeAspect="1"/>
           </p:cNvSpPr>
@@ -7548,7 +7572,7 @@
         </p:nvSpPr>
         <p:spPr>
           <a:xfrm>
-            <a:off x="381000" y="685800"/>
+            <a:off x="381300" y="685800"/>
             <a:ext cx="6096000" cy="3429000"/>
           </a:xfrm>
           <a:custGeom>
@@ -7579,7 +7603,7 @@
       </p:sp>
       <p:sp>
         <p:nvSpPr>
-          <p:cNvPr id="859" name="Google Shape;859;g18badc01a4e_0_1504:notes"/>
+          <p:cNvPr id="852" name="Google Shape;852;g18badc01a4e_0_1496:notes"/>
           <p:cNvSpPr txBox="1">
             <a:spLocks noGrp="1"/>
           </p:cNvSpPr>
@@ -7628,7 +7652,7 @@
   <p:cSld>
     <p:spTree>
       <p:nvGrpSpPr>
-        <p:cNvPr id="1" name="Shape 863"/>
+        <p:cNvPr id="1" name="Shape 857"/>
         <p:cNvGrpSpPr/>
         <p:nvPr/>
       </p:nvGrpSpPr>
@@ -7642,7 +7666,7 @@
       </p:grpSpPr>
       <p:sp>
         <p:nvSpPr>
-          <p:cNvPr id="864" name="Google Shape;864;g18badc01a4e_0_1509:notes"/>
+          <p:cNvPr id="858" name="Google Shape;858;g18badc01a4e_0_1504:notes"/>
           <p:cNvSpPr>
             <a:spLocks noGrp="1" noRot="1" noChangeAspect="1"/>
           </p:cNvSpPr>
@@ -7652,7 +7676,7 @@
         </p:nvSpPr>
         <p:spPr>
           <a:xfrm>
-            <a:off x="381300" y="685800"/>
+            <a:off x="381000" y="685800"/>
             <a:ext cx="6096000" cy="3429000"/>
           </a:xfrm>
           <a:custGeom>
@@ -7683,7 +7707,7 @@
       </p:sp>
       <p:sp>
         <p:nvSpPr>
-          <p:cNvPr id="865" name="Google Shape;865;g18badc01a4e_0_1509:notes"/>
+          <p:cNvPr id="859" name="Google Shape;859;g18badc01a4e_0_1504:notes"/>
           <p:cNvSpPr txBox="1">
             <a:spLocks noGrp="1"/>
           </p:cNvSpPr>
@@ -7732,7 +7756,7 @@
   <p:cSld>
     <p:spTree>
       <p:nvGrpSpPr>
-        <p:cNvPr id="1" name="Shape 871"/>
+        <p:cNvPr id="1" name="Shape 863"/>
         <p:cNvGrpSpPr/>
         <p:nvPr/>
       </p:nvGrpSpPr>
@@ -7746,7 +7770,7 @@
       </p:grpSpPr>
       <p:sp>
         <p:nvSpPr>
-          <p:cNvPr id="872" name="Google Shape;872;g18badc01a4e_0_1515:notes"/>
+          <p:cNvPr id="864" name="Google Shape;864;g18badc01a4e_0_1509:notes"/>
           <p:cNvSpPr>
             <a:spLocks noGrp="1" noRot="1" noChangeAspect="1"/>
           </p:cNvSpPr>
@@ -7756,7 +7780,7 @@
         </p:nvSpPr>
         <p:spPr>
           <a:xfrm>
-            <a:off x="381000" y="685800"/>
+            <a:off x="381300" y="685800"/>
             <a:ext cx="6096000" cy="3429000"/>
           </a:xfrm>
           <a:custGeom>
@@ -7787,7 +7811,7 @@
       </p:sp>
       <p:sp>
         <p:nvSpPr>
-          <p:cNvPr id="873" name="Google Shape;873;g18badc01a4e_0_1515:notes"/>
+          <p:cNvPr id="865" name="Google Shape;865;g18badc01a4e_0_1509:notes"/>
           <p:cNvSpPr txBox="1">
             <a:spLocks noGrp="1"/>
           </p:cNvSpPr>
@@ -7940,7 +7964,7 @@
   <p:cSld>
     <p:spTree>
       <p:nvGrpSpPr>
-        <p:cNvPr id="1" name="Shape 880"/>
+        <p:cNvPr id="1" name="Shape 871"/>
         <p:cNvGrpSpPr/>
         <p:nvPr/>
       </p:nvGrpSpPr>
@@ -7954,7 +7978,7 @@
       </p:grpSpPr>
       <p:sp>
         <p:nvSpPr>
-          <p:cNvPr id="881" name="Google Shape;881;g18badc01a4e_0_1524:notes"/>
+          <p:cNvPr id="872" name="Google Shape;872;g18badc01a4e_0_1515:notes"/>
           <p:cNvSpPr>
             <a:spLocks noGrp="1" noRot="1" noChangeAspect="1"/>
           </p:cNvSpPr>
@@ -7995,7 +8019,7 @@
       </p:sp>
       <p:sp>
         <p:nvSpPr>
-          <p:cNvPr id="882" name="Google Shape;882;g18badc01a4e_0_1524:notes"/>
+          <p:cNvPr id="873" name="Google Shape;873;g18badc01a4e_0_1515:notes"/>
           <p:cNvSpPr txBox="1">
             <a:spLocks noGrp="1"/>
           </p:cNvSpPr>
@@ -8040,6 +8064,110 @@
 </file>
 
 <file path=ppt/notesSlides/notesSlide71.xml><?xml version="1.0" encoding="utf-8"?>
+<p:notes xmlns:a="http://schemas.openxmlformats.org/drawingml/2006/main" xmlns:r="http://schemas.openxmlformats.org/officeDocument/2006/relationships" xmlns:p="http://schemas.openxmlformats.org/presentationml/2006/main" showMasterSp="0" showMasterPhAnim="0">
+  <p:cSld>
+    <p:spTree>
+      <p:nvGrpSpPr>
+        <p:cNvPr id="1" name="Shape 880"/>
+        <p:cNvGrpSpPr/>
+        <p:nvPr/>
+      </p:nvGrpSpPr>
+      <p:grpSpPr>
+        <a:xfrm>
+          <a:off x="0" y="0"/>
+          <a:ext cx="0" cy="0"/>
+          <a:chOff x="0" y="0"/>
+          <a:chExt cx="0" cy="0"/>
+        </a:xfrm>
+      </p:grpSpPr>
+      <p:sp>
+        <p:nvSpPr>
+          <p:cNvPr id="881" name="Google Shape;881;g18badc01a4e_0_1524:notes"/>
+          <p:cNvSpPr>
+            <a:spLocks noGrp="1" noRot="1" noChangeAspect="1"/>
+          </p:cNvSpPr>
+          <p:nvPr>
+            <p:ph type="sldImg" idx="2"/>
+          </p:nvPr>
+        </p:nvSpPr>
+        <p:spPr>
+          <a:xfrm>
+            <a:off x="381000" y="685800"/>
+            <a:ext cx="6096000" cy="3429000"/>
+          </a:xfrm>
+          <a:custGeom>
+            <a:avLst/>
+            <a:gdLst/>
+            <a:ahLst/>
+            <a:cxnLst/>
+            <a:rect l="l" t="t" r="r" b="b"/>
+            <a:pathLst>
+              <a:path w="120000" h="120000" extrusionOk="0">
+                <a:moveTo>
+                  <a:pt x="0" y="0"/>
+                </a:moveTo>
+                <a:lnTo>
+                  <a:pt x="120000" y="0"/>
+                </a:lnTo>
+                <a:lnTo>
+                  <a:pt x="120000" y="120000"/>
+                </a:lnTo>
+                <a:lnTo>
+                  <a:pt x="0" y="120000"/>
+                </a:lnTo>
+                <a:close/>
+              </a:path>
+            </a:pathLst>
+          </a:custGeom>
+        </p:spPr>
+      </p:sp>
+      <p:sp>
+        <p:nvSpPr>
+          <p:cNvPr id="882" name="Google Shape;882;g18badc01a4e_0_1524:notes"/>
+          <p:cNvSpPr txBox="1">
+            <a:spLocks noGrp="1"/>
+          </p:cNvSpPr>
+          <p:nvPr>
+            <p:ph type="body" idx="1"/>
+          </p:nvPr>
+        </p:nvSpPr>
+        <p:spPr>
+          <a:xfrm>
+            <a:off x="685800" y="4343400"/>
+            <a:ext cx="5486400" cy="4114800"/>
+          </a:xfrm>
+          <a:prstGeom prst="rect">
+            <a:avLst/>
+          </a:prstGeom>
+        </p:spPr>
+        <p:txBody>
+          <a:bodyPr spcFirstLastPara="1" wrap="square" lIns="91425" tIns="91425" rIns="91425" bIns="91425" anchor="t" anchorCtr="0">
+            <a:noAutofit/>
+          </a:bodyPr>
+          <a:lstStyle/>
+          <a:p>
+            <a:pPr marL="0" lvl="0" indent="0" algn="l" rtl="0">
+              <a:spcBef>
+                <a:spcPts val="0"/>
+              </a:spcBef>
+              <a:spcAft>
+                <a:spcPts val="0"/>
+              </a:spcAft>
+              <a:buNone/>
+            </a:pPr>
+            <a:endParaRPr/>
+          </a:p>
+        </p:txBody>
+      </p:sp>
+    </p:spTree>
+  </p:cSld>
+  <p:clrMapOvr>
+    <a:masterClrMapping/>
+  </p:clrMapOvr>
+</p:notes>
+</file>
+
+<file path=ppt/notesSlides/notesSlide72.xml><?xml version="1.0" encoding="utf-8"?>
 <p:notes xmlns:a="http://schemas.openxmlformats.org/drawingml/2006/main" xmlns:r="http://schemas.openxmlformats.org/officeDocument/2006/relationships" xmlns:p="http://schemas.openxmlformats.org/presentationml/2006/main" showMasterSp="0" showMasterPhAnim="0">
   <p:cSld>
     <p:spTree>
@@ -8166,7 +8294,7 @@
 </p:notes>
 </file>
 
-<file path=ppt/notesSlides/notesSlide72.xml><?xml version="1.0" encoding="utf-8"?>
+<file path=ppt/notesSlides/notesSlide73.xml><?xml version="1.0" encoding="utf-8"?>
 <p:notes xmlns:a="http://schemas.openxmlformats.org/drawingml/2006/main" xmlns:r="http://schemas.openxmlformats.org/officeDocument/2006/relationships" xmlns:p="http://schemas.openxmlformats.org/presentationml/2006/main" showMasterSp="0" showMasterPhAnim="0">
   <p:cSld>
     <p:spTree>
@@ -8293,7 +8421,7 @@
 </p:notes>
 </file>
 
-<file path=ppt/notesSlides/notesSlide73.xml><?xml version="1.0" encoding="utf-8"?>
+<file path=ppt/notesSlides/notesSlide74.xml><?xml version="1.0" encoding="utf-8"?>
 <p:notes xmlns:a="http://schemas.openxmlformats.org/drawingml/2006/main" xmlns:r="http://schemas.openxmlformats.org/officeDocument/2006/relationships" xmlns:p="http://schemas.openxmlformats.org/presentationml/2006/main" showMasterSp="0" showMasterPhAnim="0">
   <p:cSld>
     <p:spTree>
@@ -8397,7 +8525,7 @@
 </p:notes>
 </file>
 
-<file path=ppt/notesSlides/notesSlide74.xml><?xml version="1.0" encoding="utf-8"?>
+<file path=ppt/notesSlides/notesSlide75.xml><?xml version="1.0" encoding="utf-8"?>
 <p:notes xmlns:a="http://schemas.openxmlformats.org/drawingml/2006/main" xmlns:r="http://schemas.openxmlformats.org/officeDocument/2006/relationships" xmlns:p="http://schemas.openxmlformats.org/presentationml/2006/main" showMasterSp="0" showMasterPhAnim="0">
   <p:cSld>
     <p:spTree>
@@ -8524,7 +8652,7 @@
 </p:notes>
 </file>
 
-<file path=ppt/notesSlides/notesSlide75.xml><?xml version="1.0" encoding="utf-8"?>
+<file path=ppt/notesSlides/notesSlide76.xml><?xml version="1.0" encoding="utf-8"?>
 <p:notes xmlns:a="http://schemas.openxmlformats.org/drawingml/2006/main" xmlns:r="http://schemas.openxmlformats.org/officeDocument/2006/relationships" xmlns:p="http://schemas.openxmlformats.org/presentationml/2006/main" showMasterSp="0" showMasterPhAnim="0">
   <p:cSld>
     <p:spTree>
@@ -8628,7 +8756,7 @@
 </p:notes>
 </file>
 
-<file path=ppt/notesSlides/notesSlide76.xml><?xml version="1.0" encoding="utf-8"?>
+<file path=ppt/notesSlides/notesSlide77.xml><?xml version="1.0" encoding="utf-8"?>
 <p:notes xmlns:a="http://schemas.openxmlformats.org/drawingml/2006/main" xmlns:r="http://schemas.openxmlformats.org/officeDocument/2006/relationships" xmlns:p="http://schemas.openxmlformats.org/presentationml/2006/main" showMasterSp="0" showMasterPhAnim="0">
   <p:cSld>
     <p:spTree>
@@ -8755,7 +8883,7 @@
 </p:notes>
 </file>
 
-<file path=ppt/notesSlides/notesSlide77.xml><?xml version="1.0" encoding="utf-8"?>
+<file path=ppt/notesSlides/notesSlide78.xml><?xml version="1.0" encoding="utf-8"?>
 <p:notes xmlns:a="http://schemas.openxmlformats.org/drawingml/2006/main" xmlns:r="http://schemas.openxmlformats.org/officeDocument/2006/relationships" xmlns:p="http://schemas.openxmlformats.org/presentationml/2006/main" showMasterSp="0" showMasterPhAnim="0">
   <p:cSld>
     <p:spTree>
@@ -8882,7 +9010,7 @@
 </p:notes>
 </file>
 
-<file path=ppt/notesSlides/notesSlide78.xml><?xml version="1.0" encoding="utf-8"?>
+<file path=ppt/notesSlides/notesSlide79.xml><?xml version="1.0" encoding="utf-8"?>
 <p:notes xmlns:a="http://schemas.openxmlformats.org/drawingml/2006/main" xmlns:r="http://schemas.openxmlformats.org/officeDocument/2006/relationships" xmlns:p="http://schemas.openxmlformats.org/presentationml/2006/main" showMasterSp="0" showMasterPhAnim="0">
   <p:cSld>
     <p:spTree>
@@ -8943,110 +9071,6 @@
       <p:sp>
         <p:nvSpPr>
           <p:cNvPr id="906" name="Google Shape;906;g18badc01a4e_0_1563:notes"/>
-          <p:cNvSpPr txBox="1">
-            <a:spLocks noGrp="1"/>
-          </p:cNvSpPr>
-          <p:nvPr>
-            <p:ph type="body" idx="1"/>
-          </p:nvPr>
-        </p:nvSpPr>
-        <p:spPr>
-          <a:xfrm>
-            <a:off x="685800" y="4343400"/>
-            <a:ext cx="5486400" cy="4114800"/>
-          </a:xfrm>
-          <a:prstGeom prst="rect">
-            <a:avLst/>
-          </a:prstGeom>
-        </p:spPr>
-        <p:txBody>
-          <a:bodyPr spcFirstLastPara="1" wrap="square" lIns="91425" tIns="91425" rIns="91425" bIns="91425" anchor="t" anchorCtr="0">
-            <a:noAutofit/>
-          </a:bodyPr>
-          <a:lstStyle/>
-          <a:p>
-            <a:pPr marL="0" lvl="0" indent="0" algn="l" rtl="0">
-              <a:spcBef>
-                <a:spcPts val="0"/>
-              </a:spcBef>
-              <a:spcAft>
-                <a:spcPts val="0"/>
-              </a:spcAft>
-              <a:buNone/>
-            </a:pPr>
-            <a:endParaRPr/>
-          </a:p>
-        </p:txBody>
-      </p:sp>
-    </p:spTree>
-  </p:cSld>
-  <p:clrMapOvr>
-    <a:masterClrMapping/>
-  </p:clrMapOvr>
-</p:notes>
-</file>
-
-<file path=ppt/notesSlides/notesSlide79.xml><?xml version="1.0" encoding="utf-8"?>
-<p:notes xmlns:a="http://schemas.openxmlformats.org/drawingml/2006/main" xmlns:r="http://schemas.openxmlformats.org/officeDocument/2006/relationships" xmlns:p="http://schemas.openxmlformats.org/presentationml/2006/main" showMasterSp="0" showMasterPhAnim="0">
-  <p:cSld>
-    <p:spTree>
-      <p:nvGrpSpPr>
-        <p:cNvPr id="1" name="Shape 915"/>
-        <p:cNvGrpSpPr/>
-        <p:nvPr/>
-      </p:nvGrpSpPr>
-      <p:grpSpPr>
-        <a:xfrm>
-          <a:off x="0" y="0"/>
-          <a:ext cx="0" cy="0"/>
-          <a:chOff x="0" y="0"/>
-          <a:chExt cx="0" cy="0"/>
-        </a:xfrm>
-      </p:grpSpPr>
-      <p:sp>
-        <p:nvSpPr>
-          <p:cNvPr id="916" name="Google Shape;916;g18badc01a4e_0_1575:notes"/>
-          <p:cNvSpPr>
-            <a:spLocks noGrp="1" noRot="1" noChangeAspect="1"/>
-          </p:cNvSpPr>
-          <p:nvPr>
-            <p:ph type="sldImg" idx="2"/>
-          </p:nvPr>
-        </p:nvSpPr>
-        <p:spPr>
-          <a:xfrm>
-            <a:off x="381000" y="685800"/>
-            <a:ext cx="6096000" cy="3429000"/>
-          </a:xfrm>
-          <a:custGeom>
-            <a:avLst/>
-            <a:gdLst/>
-            <a:ahLst/>
-            <a:cxnLst/>
-            <a:rect l="l" t="t" r="r" b="b"/>
-            <a:pathLst>
-              <a:path w="120000" h="120000" extrusionOk="0">
-                <a:moveTo>
-                  <a:pt x="0" y="0"/>
-                </a:moveTo>
-                <a:lnTo>
-                  <a:pt x="120000" y="0"/>
-                </a:lnTo>
-                <a:lnTo>
-                  <a:pt x="120000" y="120000"/>
-                </a:lnTo>
-                <a:lnTo>
-                  <a:pt x="0" y="120000"/>
-                </a:lnTo>
-                <a:close/>
-              </a:path>
-            </a:pathLst>
-          </a:custGeom>
-        </p:spPr>
-      </p:sp>
-      <p:sp>
-        <p:nvSpPr>
-          <p:cNvPr id="917" name="Google Shape;917;g18badc01a4e_0_1575:notes"/>
           <p:cNvSpPr txBox="1">
             <a:spLocks noGrp="1"/>
           </p:cNvSpPr>
@@ -9199,7 +9223,7 @@
   <p:cSld>
     <p:spTree>
       <p:nvGrpSpPr>
-        <p:cNvPr id="1" name="Shape 926"/>
+        <p:cNvPr id="1" name="Shape 915"/>
         <p:cNvGrpSpPr/>
         <p:nvPr/>
       </p:nvGrpSpPr>
@@ -9213,7 +9237,7 @@
       </p:grpSpPr>
       <p:sp>
         <p:nvSpPr>
-          <p:cNvPr id="927" name="Google Shape;927;g190d8437e63_0_5:notes"/>
+          <p:cNvPr id="916" name="Google Shape;916;g18badc01a4e_0_1575:notes"/>
           <p:cNvSpPr>
             <a:spLocks noGrp="1" noRot="1" noChangeAspect="1"/>
           </p:cNvSpPr>
@@ -9254,7 +9278,7 @@
       </p:sp>
       <p:sp>
         <p:nvSpPr>
-          <p:cNvPr id="928" name="Google Shape;928;g190d8437e63_0_5:notes"/>
+          <p:cNvPr id="917" name="Google Shape;917;g18badc01a4e_0_1575:notes"/>
           <p:cNvSpPr txBox="1">
             <a:spLocks noGrp="1"/>
           </p:cNvSpPr>
@@ -9303,7 +9327,7 @@
   <p:cSld>
     <p:spTree>
       <p:nvGrpSpPr>
-        <p:cNvPr id="1" name="Shape 932"/>
+        <p:cNvPr id="1" name="Shape 926"/>
         <p:cNvGrpSpPr/>
         <p:nvPr/>
       </p:nvGrpSpPr>
@@ -9317,7 +9341,7 @@
       </p:grpSpPr>
       <p:sp>
         <p:nvSpPr>
-          <p:cNvPr id="933" name="Google Shape;933;g18badc01a4e_0_927:notes"/>
+          <p:cNvPr id="927" name="Google Shape;927;g190d8437e63_0_5:notes"/>
           <p:cNvSpPr>
             <a:spLocks noGrp="1" noRot="1" noChangeAspect="1"/>
           </p:cNvSpPr>
@@ -9327,7 +9351,7 @@
         </p:nvSpPr>
         <p:spPr>
           <a:xfrm>
-            <a:off x="381300" y="685800"/>
+            <a:off x="381000" y="685800"/>
             <a:ext cx="6096000" cy="3429000"/>
           </a:xfrm>
           <a:custGeom>
@@ -9358,7 +9382,7 @@
       </p:sp>
       <p:sp>
         <p:nvSpPr>
-          <p:cNvPr id="934" name="Google Shape;934;g18badc01a4e_0_927:notes"/>
+          <p:cNvPr id="928" name="Google Shape;928;g190d8437e63_0_5:notes"/>
           <p:cNvSpPr txBox="1">
             <a:spLocks noGrp="1"/>
           </p:cNvSpPr>
@@ -9407,7 +9431,7 @@
   <p:cSld>
     <p:spTree>
       <p:nvGrpSpPr>
-        <p:cNvPr id="1" name="Shape 964"/>
+        <p:cNvPr id="1" name="Shape 932"/>
         <p:cNvGrpSpPr/>
         <p:nvPr/>
       </p:nvGrpSpPr>
@@ -9421,7 +9445,7 @@
       </p:grpSpPr>
       <p:sp>
         <p:nvSpPr>
-          <p:cNvPr id="965" name="Google Shape;965;g18badc01a4e_0_1537:notes"/>
+          <p:cNvPr id="933" name="Google Shape;933;g18badc01a4e_0_927:notes"/>
           <p:cNvSpPr>
             <a:spLocks noGrp="1" noRot="1" noChangeAspect="1"/>
           </p:cNvSpPr>
@@ -9431,7 +9455,7 @@
         </p:nvSpPr>
         <p:spPr>
           <a:xfrm>
-            <a:off x="381000" y="685800"/>
+            <a:off x="381300" y="685800"/>
             <a:ext cx="6096000" cy="3429000"/>
           </a:xfrm>
           <a:custGeom>
@@ -9462,7 +9486,7 @@
       </p:sp>
       <p:sp>
         <p:nvSpPr>
-          <p:cNvPr id="966" name="Google Shape;966;g18badc01a4e_0_1537:notes"/>
+          <p:cNvPr id="934" name="Google Shape;934;g18badc01a4e_0_927:notes"/>
           <p:cNvSpPr txBox="1">
             <a:spLocks noGrp="1"/>
           </p:cNvSpPr>
@@ -9507,6 +9531,110 @@
 </file>
 
 <file path=ppt/notesSlides/notesSlide83.xml><?xml version="1.0" encoding="utf-8"?>
+<p:notes xmlns:a="http://schemas.openxmlformats.org/drawingml/2006/main" xmlns:r="http://schemas.openxmlformats.org/officeDocument/2006/relationships" xmlns:p="http://schemas.openxmlformats.org/presentationml/2006/main" showMasterSp="0" showMasterPhAnim="0">
+  <p:cSld>
+    <p:spTree>
+      <p:nvGrpSpPr>
+        <p:cNvPr id="1" name="Shape 964"/>
+        <p:cNvGrpSpPr/>
+        <p:nvPr/>
+      </p:nvGrpSpPr>
+      <p:grpSpPr>
+        <a:xfrm>
+          <a:off x="0" y="0"/>
+          <a:ext cx="0" cy="0"/>
+          <a:chOff x="0" y="0"/>
+          <a:chExt cx="0" cy="0"/>
+        </a:xfrm>
+      </p:grpSpPr>
+      <p:sp>
+        <p:nvSpPr>
+          <p:cNvPr id="965" name="Google Shape;965;g18badc01a4e_0_1537:notes"/>
+          <p:cNvSpPr>
+            <a:spLocks noGrp="1" noRot="1" noChangeAspect="1"/>
+          </p:cNvSpPr>
+          <p:nvPr>
+            <p:ph type="sldImg" idx="2"/>
+          </p:nvPr>
+        </p:nvSpPr>
+        <p:spPr>
+          <a:xfrm>
+            <a:off x="381000" y="685800"/>
+            <a:ext cx="6096000" cy="3429000"/>
+          </a:xfrm>
+          <a:custGeom>
+            <a:avLst/>
+            <a:gdLst/>
+            <a:ahLst/>
+            <a:cxnLst/>
+            <a:rect l="l" t="t" r="r" b="b"/>
+            <a:pathLst>
+              <a:path w="120000" h="120000" extrusionOk="0">
+                <a:moveTo>
+                  <a:pt x="0" y="0"/>
+                </a:moveTo>
+                <a:lnTo>
+                  <a:pt x="120000" y="0"/>
+                </a:lnTo>
+                <a:lnTo>
+                  <a:pt x="120000" y="120000"/>
+                </a:lnTo>
+                <a:lnTo>
+                  <a:pt x="0" y="120000"/>
+                </a:lnTo>
+                <a:close/>
+              </a:path>
+            </a:pathLst>
+          </a:custGeom>
+        </p:spPr>
+      </p:sp>
+      <p:sp>
+        <p:nvSpPr>
+          <p:cNvPr id="966" name="Google Shape;966;g18badc01a4e_0_1537:notes"/>
+          <p:cNvSpPr txBox="1">
+            <a:spLocks noGrp="1"/>
+          </p:cNvSpPr>
+          <p:nvPr>
+            <p:ph type="body" idx="1"/>
+          </p:nvPr>
+        </p:nvSpPr>
+        <p:spPr>
+          <a:xfrm>
+            <a:off x="685800" y="4343400"/>
+            <a:ext cx="5486400" cy="4114800"/>
+          </a:xfrm>
+          <a:prstGeom prst="rect">
+            <a:avLst/>
+          </a:prstGeom>
+        </p:spPr>
+        <p:txBody>
+          <a:bodyPr spcFirstLastPara="1" wrap="square" lIns="91425" tIns="91425" rIns="91425" bIns="91425" anchor="t" anchorCtr="0">
+            <a:noAutofit/>
+          </a:bodyPr>
+          <a:lstStyle/>
+          <a:p>
+            <a:pPr marL="0" lvl="0" indent="0" algn="l" rtl="0">
+              <a:spcBef>
+                <a:spcPts val="0"/>
+              </a:spcBef>
+              <a:spcAft>
+                <a:spcPts val="0"/>
+              </a:spcAft>
+              <a:buNone/>
+            </a:pPr>
+            <a:endParaRPr/>
+          </a:p>
+        </p:txBody>
+      </p:sp>
+    </p:spTree>
+  </p:cSld>
+  <p:clrMapOvr>
+    <a:masterClrMapping/>
+  </p:clrMapOvr>
+</p:notes>
+</file>
+
+<file path=ppt/notesSlides/notesSlide84.xml><?xml version="1.0" encoding="utf-8"?>
 <p:notes xmlns:a="http://schemas.openxmlformats.org/drawingml/2006/main" xmlns:r="http://schemas.openxmlformats.org/officeDocument/2006/relationships" xmlns:p="http://schemas.openxmlformats.org/presentationml/2006/main" showMasterSp="0" showMasterPhAnim="0">
   <p:cSld>
     <p:spTree>
@@ -41070,7 +41198,7 @@
         <p:spPr>
           <a:xfrm>
             <a:off x="311700" y="1223975"/>
-            <a:ext cx="8643300" cy="615523"/>
+            <a:ext cx="8643300" cy="830966"/>
           </a:xfrm>
           <a:prstGeom prst="rect">
             <a:avLst/>
@@ -41125,6 +41253,27 @@
                 <a:sym typeface="Courier New"/>
               </a:rPr>
               <a:t>How to match a file or a repo to a preferred branch’s HEAD?</a:t>
+            </a:r>
+          </a:p>
+          <a:p>
+            <a:pPr marL="285750" lvl="0" indent="-285750" algn="l" rtl="0">
+              <a:spcBef>
+                <a:spcPts val="0"/>
+              </a:spcBef>
+              <a:spcAft>
+                <a:spcPts val="0"/>
+              </a:spcAft>
+              <a:buFont typeface="Arial" panose="020B0604020202020204" pitchFamily="34" charset="0"/>
+              <a:buChar char="•"/>
+            </a:pPr>
+            <a:r>
+              <a:rPr lang="en-US" dirty="0">
+                <a:latin typeface="+mj-lt"/>
+                <a:ea typeface="Courier New"/>
+                <a:cs typeface="Courier New"/>
+                <a:sym typeface="Courier New"/>
+              </a:rPr>
+              <a:t>How to restore a deleted  file?</a:t>
             </a:r>
             <a:endParaRPr dirty="0">
               <a:latin typeface="+mj-lt"/>
@@ -42880,6 +43029,60 @@
       </p:grpSpPr>
       <p:sp>
         <p:nvSpPr>
+          <p:cNvPr id="3" name="Google Shape;696;p55">
+            <a:extLst>
+              <a:ext uri="{FF2B5EF4-FFF2-40B4-BE49-F238E27FC236}">
+                <a16:creationId xmlns:a16="http://schemas.microsoft.com/office/drawing/2014/main" id="{EFFD1237-2370-F2CB-1948-D36E83FF7D52}"/>
+              </a:ext>
+            </a:extLst>
+          </p:cNvPr>
+          <p:cNvSpPr/>
+          <p:nvPr/>
+        </p:nvSpPr>
+        <p:spPr>
+          <a:xfrm>
+            <a:off x="311700" y="2658067"/>
+            <a:ext cx="2133117" cy="307500"/>
+          </a:xfrm>
+          <a:prstGeom prst="roundRect">
+            <a:avLst>
+              <a:gd name="adj" fmla="val 16667"/>
+            </a:avLst>
+          </a:prstGeom>
+          <a:solidFill>
+            <a:srgbClr val="FFF2CC"/>
+          </a:solidFill>
+          <a:ln w="9525" cap="flat" cmpd="sng">
+            <a:solidFill>
+              <a:schemeClr val="dk2"/>
+            </a:solidFill>
+            <a:prstDash val="solid"/>
+            <a:round/>
+            <a:headEnd type="none" w="sm" len="sm"/>
+            <a:tailEnd type="none" w="sm" len="sm"/>
+          </a:ln>
+        </p:spPr>
+        <p:txBody>
+          <a:bodyPr spcFirstLastPara="1" wrap="square" lIns="91425" tIns="91425" rIns="91425" bIns="91425" anchor="ctr" anchorCtr="0">
+            <a:noAutofit/>
+          </a:bodyPr>
+          <a:lstStyle/>
+          <a:p>
+            <a:pPr marL="0" lvl="0" indent="0" algn="l" rtl="0">
+              <a:spcBef>
+                <a:spcPts val="0"/>
+              </a:spcBef>
+              <a:spcAft>
+                <a:spcPts val="0"/>
+              </a:spcAft>
+              <a:buNone/>
+            </a:pPr>
+            <a:endParaRPr/>
+          </a:p>
+        </p:txBody>
+      </p:sp>
+      <p:sp>
+        <p:nvSpPr>
           <p:cNvPr id="707" name="Google Shape;707;p56"/>
           <p:cNvSpPr txBox="1">
             <a:spLocks noGrp="1"/>
@@ -42922,6 +43125,60 @@
       </p:sp>
       <p:sp>
         <p:nvSpPr>
+          <p:cNvPr id="2" name="Google Shape;696;p55">
+            <a:extLst>
+              <a:ext uri="{FF2B5EF4-FFF2-40B4-BE49-F238E27FC236}">
+                <a16:creationId xmlns:a16="http://schemas.microsoft.com/office/drawing/2014/main" id="{AB82D3AF-A1A5-93A1-49AA-B0B5EE97F63C}"/>
+              </a:ext>
+            </a:extLst>
+          </p:cNvPr>
+          <p:cNvSpPr/>
+          <p:nvPr/>
+        </p:nvSpPr>
+        <p:spPr>
+          <a:xfrm>
+            <a:off x="311700" y="1826046"/>
+            <a:ext cx="1247593" cy="307500"/>
+          </a:xfrm>
+          <a:prstGeom prst="roundRect">
+            <a:avLst>
+              <a:gd name="adj" fmla="val 16667"/>
+            </a:avLst>
+          </a:prstGeom>
+          <a:solidFill>
+            <a:srgbClr val="FFF2CC"/>
+          </a:solidFill>
+          <a:ln w="9525" cap="flat" cmpd="sng">
+            <a:solidFill>
+              <a:schemeClr val="dk2"/>
+            </a:solidFill>
+            <a:prstDash val="solid"/>
+            <a:round/>
+            <a:headEnd type="none" w="sm" len="sm"/>
+            <a:tailEnd type="none" w="sm" len="sm"/>
+          </a:ln>
+        </p:spPr>
+        <p:txBody>
+          <a:bodyPr spcFirstLastPara="1" wrap="square" lIns="91425" tIns="91425" rIns="91425" bIns="91425" anchor="ctr" anchorCtr="0">
+            <a:noAutofit/>
+          </a:bodyPr>
+          <a:lstStyle/>
+          <a:p>
+            <a:pPr marL="0" lvl="0" indent="0" algn="l" rtl="0">
+              <a:spcBef>
+                <a:spcPts val="0"/>
+              </a:spcBef>
+              <a:spcAft>
+                <a:spcPts val="0"/>
+              </a:spcAft>
+              <a:buNone/>
+            </a:pPr>
+            <a:endParaRPr/>
+          </a:p>
+        </p:txBody>
+      </p:sp>
+      <p:sp>
+        <p:nvSpPr>
           <p:cNvPr id="708" name="Google Shape;708;p56"/>
           <p:cNvSpPr txBox="1"/>
           <p:nvPr/>
@@ -42929,7 +43186,7 @@
         <p:spPr>
           <a:xfrm>
             <a:off x="311700" y="1147775"/>
-            <a:ext cx="8401200" cy="831300"/>
+            <a:ext cx="8401200" cy="2339072"/>
           </a:xfrm>
           <a:prstGeom prst="rect">
             <a:avLst/>
@@ -42955,34 +43212,310 @@
               <a:buNone/>
             </a:pPr>
             <a:r>
-              <a:rPr lang="en"/>
-              <a:t>How to remove a file from the working directory  and restore it later?</a:t>
-            </a:r>
-            <a:endParaRPr/>
-          </a:p>
-          <a:p>
-            <a:pPr marL="0" lvl="0" indent="0" algn="l" rtl="0">
-              <a:spcBef>
-                <a:spcPts val="0"/>
-              </a:spcBef>
-              <a:spcAft>
-                <a:spcPts val="0"/>
-              </a:spcAft>
-              <a:buNone/>
-            </a:pPr>
-            <a:endParaRPr/>
-          </a:p>
-          <a:p>
-            <a:pPr marL="0" lvl="0" indent="0" algn="l" rtl="0">
-              <a:spcBef>
-                <a:spcPts val="0"/>
-              </a:spcBef>
-              <a:spcAft>
-                <a:spcPts val="0"/>
-              </a:spcAft>
-              <a:buNone/>
-            </a:pPr>
-            <a:endParaRPr>
+              <a:rPr lang="en" dirty="0"/>
+              <a:t>How to restore a deleted file?</a:t>
+            </a:r>
+          </a:p>
+          <a:p>
+            <a:pPr marL="0" lvl="0" indent="0" algn="l" rtl="0">
+              <a:spcBef>
+                <a:spcPts val="0"/>
+              </a:spcBef>
+              <a:spcAft>
+                <a:spcPts val="0"/>
+              </a:spcAft>
+              <a:buNone/>
+            </a:pPr>
+            <a:endParaRPr lang="en" dirty="0"/>
+          </a:p>
+          <a:p>
+            <a:pPr marL="0" lvl="0" indent="0" algn="l" rtl="0">
+              <a:spcBef>
+                <a:spcPts val="0"/>
+              </a:spcBef>
+              <a:spcAft>
+                <a:spcPts val="0"/>
+              </a:spcAft>
+              <a:buNone/>
+            </a:pPr>
+            <a:endParaRPr lang="en-US" dirty="0">
+              <a:latin typeface="Courier New" panose="02070309020205020404" pitchFamily="49" charset="0"/>
+              <a:cs typeface="Courier New" panose="02070309020205020404" pitchFamily="49" charset="0"/>
+            </a:endParaRPr>
+          </a:p>
+          <a:p>
+            <a:pPr marL="0" lvl="0" indent="0" algn="l" rtl="0">
+              <a:spcBef>
+                <a:spcPts val="0"/>
+              </a:spcBef>
+              <a:spcAft>
+                <a:spcPts val="0"/>
+              </a:spcAft>
+              <a:buNone/>
+            </a:pPr>
+            <a:r>
+              <a:rPr lang="nl-NL" dirty="0" err="1">
+                <a:latin typeface="Courier New" panose="02070309020205020404" pitchFamily="49" charset="0"/>
+                <a:cs typeface="Courier New" panose="02070309020205020404" pitchFamily="49" charset="0"/>
+              </a:rPr>
+              <a:t>rm</a:t>
+            </a:r>
+            <a:r>
+              <a:rPr lang="nl-NL" dirty="0">
+                <a:latin typeface="Courier New" panose="02070309020205020404" pitchFamily="49" charset="0"/>
+                <a:cs typeface="Courier New" panose="02070309020205020404" pitchFamily="49" charset="0"/>
+              </a:rPr>
+              <a:t> &lt;file&gt;  </a:t>
+            </a:r>
+            <a:r>
+              <a:rPr lang="nl-NL" dirty="0">
+                <a:latin typeface="+mn-lt"/>
+                <a:cs typeface="Courier New" panose="02070309020205020404" pitchFamily="49" charset="0"/>
+              </a:rPr>
+              <a:t>: </a:t>
+            </a:r>
+            <a:r>
+              <a:rPr lang="nl-NL" dirty="0" err="1">
+                <a:latin typeface="+mn-lt"/>
+                <a:cs typeface="Courier New" panose="02070309020205020404" pitchFamily="49" charset="0"/>
+              </a:rPr>
+              <a:t>You</a:t>
+            </a:r>
+            <a:r>
+              <a:rPr lang="nl-NL" dirty="0">
+                <a:latin typeface="+mn-lt"/>
+                <a:cs typeface="Courier New" panose="02070309020205020404" pitchFamily="49" charset="0"/>
+              </a:rPr>
+              <a:t> </a:t>
+            </a:r>
+            <a:r>
+              <a:rPr lang="nl-NL" dirty="0" err="1">
+                <a:latin typeface="+mn-lt"/>
+                <a:cs typeface="Courier New" panose="02070309020205020404" pitchFamily="49" charset="0"/>
+              </a:rPr>
+              <a:t>accidentally</a:t>
+            </a:r>
+            <a:r>
+              <a:rPr lang="nl-NL" dirty="0">
+                <a:latin typeface="+mn-lt"/>
+                <a:cs typeface="Courier New" panose="02070309020205020404" pitchFamily="49" charset="0"/>
+              </a:rPr>
+              <a:t> </a:t>
+            </a:r>
+            <a:r>
+              <a:rPr lang="nl-NL" dirty="0" err="1">
+                <a:latin typeface="+mn-lt"/>
+                <a:cs typeface="Courier New" panose="02070309020205020404" pitchFamily="49" charset="0"/>
+              </a:rPr>
+              <a:t>deleted</a:t>
+            </a:r>
+            <a:r>
+              <a:rPr lang="nl-NL" dirty="0">
+                <a:latin typeface="+mn-lt"/>
+                <a:cs typeface="Courier New" panose="02070309020205020404" pitchFamily="49" charset="0"/>
+              </a:rPr>
+              <a:t> a file </a:t>
+            </a:r>
+            <a:r>
+              <a:rPr lang="nl-NL" dirty="0" err="1">
+                <a:latin typeface="+mn-lt"/>
+                <a:cs typeface="Courier New" panose="02070309020205020404" pitchFamily="49" charset="0"/>
+              </a:rPr>
+              <a:t>while</a:t>
+            </a:r>
+            <a:r>
+              <a:rPr lang="nl-NL" dirty="0">
+                <a:latin typeface="+mn-lt"/>
+                <a:cs typeface="Courier New" panose="02070309020205020404" pitchFamily="49" charset="0"/>
+              </a:rPr>
+              <a:t> </a:t>
+            </a:r>
+            <a:r>
+              <a:rPr lang="nl-NL" dirty="0" err="1">
+                <a:latin typeface="+mn-lt"/>
+                <a:cs typeface="Courier New" panose="02070309020205020404" pitchFamily="49" charset="0"/>
+              </a:rPr>
+              <a:t>working</a:t>
+            </a:r>
+            <a:r>
+              <a:rPr lang="nl-NL" dirty="0">
+                <a:latin typeface="+mn-lt"/>
+                <a:cs typeface="Courier New" panose="02070309020205020404" pitchFamily="49" charset="0"/>
+              </a:rPr>
+              <a:t> on a </a:t>
+            </a:r>
+            <a:r>
+              <a:rPr lang="nl-NL" dirty="0" err="1">
+                <a:latin typeface="+mn-lt"/>
+                <a:cs typeface="Courier New" panose="02070309020205020404" pitchFamily="49" charset="0"/>
+              </a:rPr>
+              <a:t>branch</a:t>
+            </a:r>
+            <a:r>
+              <a:rPr lang="nl-NL" dirty="0">
+                <a:latin typeface="+mn-lt"/>
+                <a:cs typeface="Courier New" panose="02070309020205020404" pitchFamily="49" charset="0"/>
+              </a:rPr>
+              <a:t>.  </a:t>
+            </a:r>
+            <a:endParaRPr lang="nl-NL" dirty="0">
+              <a:latin typeface="Courier New" panose="02070309020205020404" pitchFamily="49" charset="0"/>
+              <a:cs typeface="Courier New" panose="02070309020205020404" pitchFamily="49" charset="0"/>
+            </a:endParaRPr>
+          </a:p>
+          <a:p>
+            <a:pPr marL="0" lvl="0" indent="0" algn="l" rtl="0">
+              <a:spcBef>
+                <a:spcPts val="0"/>
+              </a:spcBef>
+              <a:spcAft>
+                <a:spcPts val="0"/>
+              </a:spcAft>
+              <a:buNone/>
+            </a:pPr>
+            <a:endParaRPr lang="nl-NL" dirty="0">
+              <a:latin typeface="Courier New" panose="02070309020205020404" pitchFamily="49" charset="0"/>
+              <a:cs typeface="Courier New" panose="02070309020205020404" pitchFamily="49" charset="0"/>
+            </a:endParaRPr>
+          </a:p>
+          <a:p>
+            <a:pPr marL="0" lvl="0" indent="0" algn="l" rtl="0">
+              <a:spcBef>
+                <a:spcPts val="0"/>
+              </a:spcBef>
+              <a:spcAft>
+                <a:spcPts val="0"/>
+              </a:spcAft>
+              <a:buNone/>
+            </a:pPr>
+            <a:endParaRPr lang="nl-NL" dirty="0">
+              <a:latin typeface="Courier New" panose="02070309020205020404" pitchFamily="49" charset="0"/>
+              <a:cs typeface="Courier New" panose="02070309020205020404" pitchFamily="49" charset="0"/>
+            </a:endParaRPr>
+          </a:p>
+          <a:p>
+            <a:pPr marL="0" lvl="0" indent="0" algn="l" rtl="0">
+              <a:spcBef>
+                <a:spcPts val="0"/>
+              </a:spcBef>
+              <a:spcAft>
+                <a:spcPts val="0"/>
+              </a:spcAft>
+              <a:buNone/>
+            </a:pPr>
+            <a:endParaRPr lang="nl-NL" dirty="0">
+              <a:latin typeface="Courier New" panose="02070309020205020404" pitchFamily="49" charset="0"/>
+              <a:cs typeface="Courier New" panose="02070309020205020404" pitchFamily="49" charset="0"/>
+            </a:endParaRPr>
+          </a:p>
+          <a:p>
+            <a:pPr marL="0" lvl="0" indent="0" algn="l" rtl="0">
+              <a:spcBef>
+                <a:spcPts val="0"/>
+              </a:spcBef>
+              <a:spcAft>
+                <a:spcPts val="0"/>
+              </a:spcAft>
+              <a:buNone/>
+            </a:pPr>
+            <a:r>
+              <a:rPr lang="nl-NL" dirty="0">
+                <a:latin typeface="Courier New" panose="02070309020205020404" pitchFamily="49" charset="0"/>
+                <a:cs typeface="Courier New" panose="02070309020205020404" pitchFamily="49" charset="0"/>
+              </a:rPr>
+              <a:t>git </a:t>
+            </a:r>
+            <a:r>
+              <a:rPr lang="nl-NL" dirty="0" err="1">
+                <a:latin typeface="Courier New" panose="02070309020205020404" pitchFamily="49" charset="0"/>
+                <a:cs typeface="Courier New" panose="02070309020205020404" pitchFamily="49" charset="0"/>
+              </a:rPr>
+              <a:t>restore</a:t>
+            </a:r>
+            <a:r>
+              <a:rPr lang="nl-NL" dirty="0">
+                <a:latin typeface="Courier New" panose="02070309020205020404" pitchFamily="49" charset="0"/>
+                <a:cs typeface="Courier New" panose="02070309020205020404" pitchFamily="49" charset="0"/>
+              </a:rPr>
+              <a:t> &lt;file&gt;  : </a:t>
+            </a:r>
+            <a:r>
+              <a:rPr lang="nl-NL" dirty="0" err="1">
+                <a:latin typeface="+mn-lt"/>
+                <a:cs typeface="Courier New" panose="02070309020205020404" pitchFamily="49" charset="0"/>
+              </a:rPr>
+              <a:t>Restore</a:t>
+            </a:r>
+            <a:r>
+              <a:rPr lang="nl-NL" dirty="0">
+                <a:latin typeface="+mn-lt"/>
+                <a:cs typeface="Courier New" panose="02070309020205020404" pitchFamily="49" charset="0"/>
+              </a:rPr>
+              <a:t> that </a:t>
+            </a:r>
+            <a:r>
+              <a:rPr lang="nl-NL" dirty="0" err="1">
+                <a:latin typeface="+mn-lt"/>
+                <a:cs typeface="Courier New" panose="02070309020205020404" pitchFamily="49" charset="0"/>
+              </a:rPr>
+              <a:t>deleted</a:t>
+            </a:r>
+            <a:r>
+              <a:rPr lang="nl-NL" dirty="0">
+                <a:latin typeface="+mn-lt"/>
+                <a:cs typeface="Courier New" panose="02070309020205020404" pitchFamily="49" charset="0"/>
+              </a:rPr>
+              <a:t> file to match the HEAD of </a:t>
+            </a:r>
+            <a:r>
+              <a:rPr lang="nl-NL" dirty="0" err="1">
+                <a:latin typeface="+mn-lt"/>
+                <a:cs typeface="Courier New" panose="02070309020205020404" pitchFamily="49" charset="0"/>
+              </a:rPr>
+              <a:t>your</a:t>
+            </a:r>
+            <a:r>
+              <a:rPr lang="nl-NL" dirty="0">
+                <a:latin typeface="+mn-lt"/>
+                <a:cs typeface="Courier New" panose="02070309020205020404" pitchFamily="49" charset="0"/>
+              </a:rPr>
+              <a:t> </a:t>
+            </a:r>
+            <a:r>
+              <a:rPr lang="nl-NL" dirty="0" err="1">
+                <a:latin typeface="+mn-lt"/>
+                <a:cs typeface="Courier New" panose="02070309020205020404" pitchFamily="49" charset="0"/>
+              </a:rPr>
+              <a:t>branch</a:t>
+            </a:r>
+            <a:endParaRPr dirty="0">
+              <a:latin typeface="Courier New" panose="02070309020205020404" pitchFamily="49" charset="0"/>
+              <a:cs typeface="Courier New" panose="02070309020205020404" pitchFamily="49" charset="0"/>
+            </a:endParaRPr>
+          </a:p>
+          <a:p>
+            <a:pPr marL="0" lvl="0" indent="0" algn="l" rtl="0">
+              <a:spcBef>
+                <a:spcPts val="0"/>
+              </a:spcBef>
+              <a:spcAft>
+                <a:spcPts val="0"/>
+              </a:spcAft>
+              <a:buNone/>
+            </a:pPr>
+            <a:endParaRPr dirty="0"/>
+          </a:p>
+          <a:p>
+            <a:pPr marL="0" lvl="0" indent="0" algn="l" rtl="0">
+              <a:spcBef>
+                <a:spcPts val="0"/>
+              </a:spcBef>
+              <a:spcAft>
+                <a:spcPts val="0"/>
+              </a:spcAft>
+              <a:buNone/>
+            </a:pPr>
+            <a:endParaRPr dirty="0">
               <a:latin typeface="Courier New"/>
               <a:ea typeface="Courier New"/>
               <a:cs typeface="Courier New"/>
@@ -43000,6 +43533,167 @@
 </file>
 
 <file path=ppt/slides/slide52.xml><?xml version="1.0" encoding="utf-8"?>
+<p:sld xmlns:a="http://schemas.openxmlformats.org/drawingml/2006/main" xmlns:r="http://schemas.openxmlformats.org/officeDocument/2006/relationships" xmlns:p="http://schemas.openxmlformats.org/presentationml/2006/main">
+  <p:cSld>
+    <p:spTree>
+      <p:nvGrpSpPr>
+        <p:cNvPr id="1" name="Shape 706">
+          <a:extLst>
+            <a:ext uri="{FF2B5EF4-FFF2-40B4-BE49-F238E27FC236}">
+              <a16:creationId xmlns:a16="http://schemas.microsoft.com/office/drawing/2014/main" id="{31C82599-D809-B6B0-27F6-7D5B583CD462}"/>
+            </a:ext>
+          </a:extLst>
+        </p:cNvPr>
+        <p:cNvGrpSpPr/>
+        <p:nvPr/>
+      </p:nvGrpSpPr>
+      <p:grpSpPr>
+        <a:xfrm>
+          <a:off x="0" y="0"/>
+          <a:ext cx="0" cy="0"/>
+          <a:chOff x="0" y="0"/>
+          <a:chExt cx="0" cy="0"/>
+        </a:xfrm>
+      </p:grpSpPr>
+      <p:sp>
+        <p:nvSpPr>
+          <p:cNvPr id="707" name="Google Shape;707;p56">
+            <a:extLst>
+              <a:ext uri="{FF2B5EF4-FFF2-40B4-BE49-F238E27FC236}">
+                <a16:creationId xmlns:a16="http://schemas.microsoft.com/office/drawing/2014/main" id="{E69C7822-B280-7046-7D7D-08BAB5E1EDC7}"/>
+              </a:ext>
+            </a:extLst>
+          </p:cNvPr>
+          <p:cNvSpPr txBox="1">
+            <a:spLocks noGrp="1"/>
+          </p:cNvSpPr>
+          <p:nvPr>
+            <p:ph type="title"/>
+          </p:nvPr>
+        </p:nvSpPr>
+        <p:spPr>
+          <a:xfrm>
+            <a:off x="311700" y="445025"/>
+            <a:ext cx="8520600" cy="572700"/>
+          </a:xfrm>
+          <a:prstGeom prst="rect">
+            <a:avLst/>
+          </a:prstGeom>
+        </p:spPr>
+        <p:txBody>
+          <a:bodyPr spcFirstLastPara="1" wrap="square" lIns="91425" tIns="91425" rIns="91425" bIns="91425" anchor="t" anchorCtr="0">
+            <a:normAutofit fontScale="90000"/>
+          </a:bodyPr>
+          <a:lstStyle/>
+          <a:p>
+            <a:pPr marL="0" lvl="0" indent="0" algn="ctr" rtl="0">
+              <a:spcBef>
+                <a:spcPts val="0"/>
+              </a:spcBef>
+              <a:spcAft>
+                <a:spcPts val="0"/>
+              </a:spcAft>
+              <a:buNone/>
+            </a:pPr>
+            <a:r>
+              <a:rPr lang="en"/>
+              <a:t>Restore</a:t>
+            </a:r>
+            <a:endParaRPr/>
+          </a:p>
+        </p:txBody>
+      </p:sp>
+      <p:sp>
+        <p:nvSpPr>
+          <p:cNvPr id="708" name="Google Shape;708;p56">
+            <a:extLst>
+              <a:ext uri="{FF2B5EF4-FFF2-40B4-BE49-F238E27FC236}">
+                <a16:creationId xmlns:a16="http://schemas.microsoft.com/office/drawing/2014/main" id="{CB92BA4E-671D-2FC0-8895-C8D4C7C2827F}"/>
+              </a:ext>
+            </a:extLst>
+          </p:cNvPr>
+          <p:cNvSpPr txBox="1"/>
+          <p:nvPr/>
+        </p:nvSpPr>
+        <p:spPr>
+          <a:xfrm>
+            <a:off x="311700" y="1147775"/>
+            <a:ext cx="8401200" cy="831300"/>
+          </a:xfrm>
+          <a:prstGeom prst="rect">
+            <a:avLst/>
+          </a:prstGeom>
+          <a:noFill/>
+          <a:ln>
+            <a:noFill/>
+          </a:ln>
+        </p:spPr>
+        <p:txBody>
+          <a:bodyPr spcFirstLastPara="1" wrap="square" lIns="91425" tIns="91425" rIns="91425" bIns="91425" anchor="t" anchorCtr="0">
+            <a:spAutoFit/>
+          </a:bodyPr>
+          <a:lstStyle/>
+          <a:p>
+            <a:pPr marL="0" lvl="0" indent="0" algn="l" rtl="0">
+              <a:spcBef>
+                <a:spcPts val="0"/>
+              </a:spcBef>
+              <a:spcAft>
+                <a:spcPts val="0"/>
+              </a:spcAft>
+              <a:buNone/>
+            </a:pPr>
+            <a:r>
+              <a:rPr lang="en"/>
+              <a:t>How to remove a file from the working directory  and restore it later?</a:t>
+            </a:r>
+            <a:endParaRPr/>
+          </a:p>
+          <a:p>
+            <a:pPr marL="0" lvl="0" indent="0" algn="l" rtl="0">
+              <a:spcBef>
+                <a:spcPts val="0"/>
+              </a:spcBef>
+              <a:spcAft>
+                <a:spcPts val="0"/>
+              </a:spcAft>
+              <a:buNone/>
+            </a:pPr>
+            <a:endParaRPr/>
+          </a:p>
+          <a:p>
+            <a:pPr marL="0" lvl="0" indent="0" algn="l" rtl="0">
+              <a:spcBef>
+                <a:spcPts val="0"/>
+              </a:spcBef>
+              <a:spcAft>
+                <a:spcPts val="0"/>
+              </a:spcAft>
+              <a:buNone/>
+            </a:pPr>
+            <a:endParaRPr>
+              <a:latin typeface="Courier New"/>
+              <a:ea typeface="Courier New"/>
+              <a:cs typeface="Courier New"/>
+              <a:sym typeface="Courier New"/>
+            </a:endParaRPr>
+          </a:p>
+        </p:txBody>
+      </p:sp>
+    </p:spTree>
+    <p:extLst>
+      <p:ext uri="{BB962C8B-B14F-4D97-AF65-F5344CB8AC3E}">
+        <p14:creationId xmlns:p14="http://schemas.microsoft.com/office/powerpoint/2010/main" val="983710478"/>
+      </p:ext>
+    </p:extLst>
+  </p:cSld>
+  <p:clrMapOvr>
+    <a:masterClrMapping/>
+  </p:clrMapOvr>
+</p:sld>
+</file>
+
+<file path=ppt/slides/slide53.xml><?xml version="1.0" encoding="utf-8"?>
 <p:sld xmlns:a="http://schemas.openxmlformats.org/drawingml/2006/main" xmlns:r="http://schemas.openxmlformats.org/officeDocument/2006/relationships" xmlns:p="http://schemas.openxmlformats.org/presentationml/2006/main">
   <p:cSld>
     <p:spTree>
@@ -43349,7 +44043,7 @@
 </p:sld>
 </file>
 
-<file path=ppt/slides/slide53.xml><?xml version="1.0" encoding="utf-8"?>
+<file path=ppt/slides/slide54.xml><?xml version="1.0" encoding="utf-8"?>
 <p:sld xmlns:a="http://schemas.openxmlformats.org/drawingml/2006/main" xmlns:r="http://schemas.openxmlformats.org/officeDocument/2006/relationships" xmlns:p="http://schemas.openxmlformats.org/presentationml/2006/main">
   <p:cSld>
     <p:spTree>
@@ -44002,7 +44696,7 @@
 </p:sld>
 </file>
 
-<file path=ppt/slides/slide54.xml><?xml version="1.0" encoding="utf-8"?>
+<file path=ppt/slides/slide55.xml><?xml version="1.0" encoding="utf-8"?>
 <p:sld xmlns:a="http://schemas.openxmlformats.org/drawingml/2006/main" xmlns:r="http://schemas.openxmlformats.org/officeDocument/2006/relationships" xmlns:p="http://schemas.openxmlformats.org/presentationml/2006/main">
   <p:cSld>
     <p:spTree>
@@ -44140,7 +44834,7 @@
 </p:sld>
 </file>
 
-<file path=ppt/slides/slide55.xml><?xml version="1.0" encoding="utf-8"?>
+<file path=ppt/slides/slide56.xml><?xml version="1.0" encoding="utf-8"?>
 <p:sld xmlns:a="http://schemas.openxmlformats.org/drawingml/2006/main" xmlns:r="http://schemas.openxmlformats.org/officeDocument/2006/relationships" xmlns:p="http://schemas.openxmlformats.org/presentationml/2006/main">
   <p:cSld>
     <p:spTree>
@@ -44547,7 +45241,7 @@
 </p:sld>
 </file>
 
-<file path=ppt/slides/slide56.xml><?xml version="1.0" encoding="utf-8"?>
+<file path=ppt/slides/slide57.xml><?xml version="1.0" encoding="utf-8"?>
 <p:sld xmlns:a="http://schemas.openxmlformats.org/drawingml/2006/main" xmlns:r="http://schemas.openxmlformats.org/officeDocument/2006/relationships" xmlns:p="http://schemas.openxmlformats.org/presentationml/2006/main">
   <p:cSld>
     <p:spTree>
@@ -45183,7 +45877,7 @@
 </p:sld>
 </file>
 
-<file path=ppt/slides/slide57.xml><?xml version="1.0" encoding="utf-8"?>
+<file path=ppt/slides/slide58.xml><?xml version="1.0" encoding="utf-8"?>
 <p:sld xmlns:a="http://schemas.openxmlformats.org/drawingml/2006/main" xmlns:r="http://schemas.openxmlformats.org/officeDocument/2006/relationships" xmlns:p="http://schemas.openxmlformats.org/presentationml/2006/main">
   <p:cSld>
     <p:spTree>
@@ -45519,7 +46213,7 @@
 </p:sld>
 </file>
 
-<file path=ppt/slides/slide58.xml><?xml version="1.0" encoding="utf-8"?>
+<file path=ppt/slides/slide59.xml><?xml version="1.0" encoding="utf-8"?>
 <p:sld xmlns:a="http://schemas.openxmlformats.org/drawingml/2006/main" xmlns:r="http://schemas.openxmlformats.org/officeDocument/2006/relationships" xmlns:p="http://schemas.openxmlformats.org/presentationml/2006/main">
   <p:cSld>
     <p:spTree>
@@ -46078,950 +46772,6 @@
         <p14:creationId xmlns:p14="http://schemas.microsoft.com/office/powerpoint/2010/main" val="4062831756"/>
       </p:ext>
     </p:extLst>
-  </p:cSld>
-  <p:clrMapOvr>
-    <a:masterClrMapping/>
-  </p:clrMapOvr>
-</p:sld>
-</file>
-
-<file path=ppt/slides/slide59.xml><?xml version="1.0" encoding="utf-8"?>
-<p:sld xmlns:a="http://schemas.openxmlformats.org/drawingml/2006/main" xmlns:r="http://schemas.openxmlformats.org/officeDocument/2006/relationships" xmlns:p="http://schemas.openxmlformats.org/presentationml/2006/main">
-  <p:cSld>
-    <p:spTree>
-      <p:nvGrpSpPr>
-        <p:cNvPr id="1" name="Shape 772"/>
-        <p:cNvGrpSpPr/>
-        <p:nvPr/>
-      </p:nvGrpSpPr>
-      <p:grpSpPr>
-        <a:xfrm>
-          <a:off x="0" y="0"/>
-          <a:ext cx="0" cy="0"/>
-          <a:chOff x="0" y="0"/>
-          <a:chExt cx="0" cy="0"/>
-        </a:xfrm>
-      </p:grpSpPr>
-      <p:sp>
-        <p:nvSpPr>
-          <p:cNvPr id="773" name="Google Shape;773;p64"/>
-          <p:cNvSpPr txBox="1">
-            <a:spLocks noGrp="1"/>
-          </p:cNvSpPr>
-          <p:nvPr>
-            <p:ph type="title"/>
-          </p:nvPr>
-        </p:nvSpPr>
-        <p:spPr>
-          <a:xfrm>
-            <a:off x="311700" y="445025"/>
-            <a:ext cx="8520600" cy="572700"/>
-          </a:xfrm>
-          <a:prstGeom prst="rect">
-            <a:avLst/>
-          </a:prstGeom>
-        </p:spPr>
-        <p:txBody>
-          <a:bodyPr spcFirstLastPara="1" wrap="square" lIns="91425" tIns="91425" rIns="91425" bIns="91425" anchor="t" anchorCtr="0">
-            <a:normAutofit fontScale="90000"/>
-          </a:bodyPr>
-          <a:lstStyle/>
-          <a:p>
-            <a:pPr marL="0" lvl="0" indent="0" algn="ctr" rtl="0">
-              <a:spcBef>
-                <a:spcPts val="0"/>
-              </a:spcBef>
-              <a:spcAft>
-                <a:spcPts val="0"/>
-              </a:spcAft>
-              <a:buNone/>
-            </a:pPr>
-            <a:r>
-              <a:rPr lang="en"/>
-              <a:t>Working with branches</a:t>
-            </a:r>
-            <a:endParaRPr/>
-          </a:p>
-        </p:txBody>
-      </p:sp>
-      <p:sp>
-        <p:nvSpPr>
-          <p:cNvPr id="774" name="Google Shape;774;p64"/>
-          <p:cNvSpPr txBox="1">
-            <a:spLocks noGrp="1"/>
-          </p:cNvSpPr>
-          <p:nvPr>
-            <p:ph type="body" idx="1"/>
-          </p:nvPr>
-        </p:nvSpPr>
-        <p:spPr>
-          <a:xfrm>
-            <a:off x="311700" y="1152475"/>
-            <a:ext cx="8520600" cy="3416400"/>
-          </a:xfrm>
-          <a:prstGeom prst="rect">
-            <a:avLst/>
-          </a:prstGeom>
-        </p:spPr>
-        <p:txBody>
-          <a:bodyPr spcFirstLastPara="1" wrap="square" lIns="91425" tIns="91425" rIns="91425" bIns="91425" anchor="t" anchorCtr="0">
-            <a:normAutofit/>
-          </a:bodyPr>
-          <a:lstStyle/>
-          <a:p>
-            <a:pPr marL="0" lvl="0" indent="0" algn="ctr" rtl="0">
-              <a:lnSpc>
-                <a:spcPct val="100000"/>
-              </a:lnSpc>
-              <a:spcBef>
-                <a:spcPts val="0"/>
-              </a:spcBef>
-              <a:spcAft>
-                <a:spcPts val="0"/>
-              </a:spcAft>
-              <a:buNone/>
-            </a:pPr>
-            <a:endParaRPr sz="900">
-              <a:solidFill>
-                <a:srgbClr val="000000"/>
-              </a:solidFill>
-            </a:endParaRPr>
-          </a:p>
-          <a:p>
-            <a:pPr marL="0" lvl="0" indent="0" algn="ctr" rtl="0">
-              <a:spcBef>
-                <a:spcPts val="0"/>
-              </a:spcBef>
-              <a:spcAft>
-                <a:spcPts val="1200"/>
-              </a:spcAft>
-              <a:buNone/>
-            </a:pPr>
-            <a:endParaRPr>
-              <a:solidFill>
-                <a:schemeClr val="dk1"/>
-              </a:solidFill>
-            </a:endParaRPr>
-          </a:p>
-        </p:txBody>
-      </p:sp>
-      <p:sp>
-        <p:nvSpPr>
-          <p:cNvPr id="775" name="Google Shape;775;p64"/>
-          <p:cNvSpPr/>
-          <p:nvPr/>
-        </p:nvSpPr>
-        <p:spPr>
-          <a:xfrm>
-            <a:off x="3503175" y="1320550"/>
-            <a:ext cx="1653000" cy="497100"/>
-          </a:xfrm>
-          <a:prstGeom prst="rect">
-            <a:avLst/>
-          </a:prstGeom>
-          <a:solidFill>
-            <a:srgbClr val="93C47D"/>
-          </a:solidFill>
-          <a:ln w="9525" cap="flat" cmpd="sng">
-            <a:solidFill>
-              <a:schemeClr val="dk2"/>
-            </a:solidFill>
-            <a:prstDash val="solid"/>
-            <a:round/>
-            <a:headEnd type="none" w="sm" len="sm"/>
-            <a:tailEnd type="none" w="sm" len="sm"/>
-          </a:ln>
-        </p:spPr>
-        <p:txBody>
-          <a:bodyPr spcFirstLastPara="1" wrap="square" lIns="91425" tIns="91425" rIns="91425" bIns="91425" anchor="ctr" anchorCtr="0">
-            <a:noAutofit/>
-          </a:bodyPr>
-          <a:lstStyle/>
-          <a:p>
-            <a:pPr marL="0" lvl="0" indent="0" algn="ctr" rtl="0">
-              <a:spcBef>
-                <a:spcPts val="0"/>
-              </a:spcBef>
-              <a:spcAft>
-                <a:spcPts val="0"/>
-              </a:spcAft>
-              <a:buNone/>
-            </a:pPr>
-            <a:r>
-              <a:rPr lang="en"/>
-              <a:t>my_project</a:t>
-            </a:r>
-            <a:endParaRPr/>
-          </a:p>
-        </p:txBody>
-      </p:sp>
-      <p:sp>
-        <p:nvSpPr>
-          <p:cNvPr id="776" name="Google Shape;776;p64"/>
-          <p:cNvSpPr/>
-          <p:nvPr/>
-        </p:nvSpPr>
-        <p:spPr>
-          <a:xfrm>
-            <a:off x="656150" y="2374500"/>
-            <a:ext cx="1044000" cy="497100"/>
-          </a:xfrm>
-          <a:prstGeom prst="rect">
-            <a:avLst/>
-          </a:prstGeom>
-          <a:solidFill>
-            <a:srgbClr val="93C47D"/>
-          </a:solidFill>
-          <a:ln w="9525" cap="flat" cmpd="sng">
-            <a:solidFill>
-              <a:schemeClr val="dk2"/>
-            </a:solidFill>
-            <a:prstDash val="solid"/>
-            <a:round/>
-            <a:headEnd type="none" w="sm" len="sm"/>
-            <a:tailEnd type="none" w="sm" len="sm"/>
-          </a:ln>
-        </p:spPr>
-        <p:txBody>
-          <a:bodyPr spcFirstLastPara="1" wrap="square" lIns="91425" tIns="91425" rIns="91425" bIns="91425" anchor="ctr" anchorCtr="0">
-            <a:noAutofit/>
-          </a:bodyPr>
-          <a:lstStyle/>
-          <a:p>
-            <a:pPr marL="0" lvl="0" indent="0" algn="ctr" rtl="0">
-              <a:spcBef>
-                <a:spcPts val="0"/>
-              </a:spcBef>
-              <a:spcAft>
-                <a:spcPts val="0"/>
-              </a:spcAft>
-              <a:buNone/>
-            </a:pPr>
-            <a:r>
-              <a:rPr lang="en"/>
-              <a:t>draft</a:t>
-            </a:r>
-            <a:endParaRPr/>
-          </a:p>
-        </p:txBody>
-      </p:sp>
-      <p:sp>
-        <p:nvSpPr>
-          <p:cNvPr id="777" name="Google Shape;777;p64"/>
-          <p:cNvSpPr/>
-          <p:nvPr/>
-        </p:nvSpPr>
-        <p:spPr>
-          <a:xfrm>
-            <a:off x="2257200" y="2374500"/>
-            <a:ext cx="1044000" cy="497100"/>
-          </a:xfrm>
-          <a:prstGeom prst="rect">
-            <a:avLst/>
-          </a:prstGeom>
-          <a:solidFill>
-            <a:srgbClr val="93C47D"/>
-          </a:solidFill>
-          <a:ln w="9525" cap="flat" cmpd="sng">
-            <a:solidFill>
-              <a:schemeClr val="dk2"/>
-            </a:solidFill>
-            <a:prstDash val="solid"/>
-            <a:round/>
-            <a:headEnd type="none" w="sm" len="sm"/>
-            <a:tailEnd type="none" w="sm" len="sm"/>
-          </a:ln>
-        </p:spPr>
-        <p:txBody>
-          <a:bodyPr spcFirstLastPara="1" wrap="square" lIns="91425" tIns="91425" rIns="91425" bIns="91425" anchor="ctr" anchorCtr="0">
-            <a:noAutofit/>
-          </a:bodyPr>
-          <a:lstStyle/>
-          <a:p>
-            <a:pPr marL="0" lvl="0" indent="0" algn="ctr" rtl="0">
-              <a:spcBef>
-                <a:spcPts val="0"/>
-              </a:spcBef>
-              <a:spcAft>
-                <a:spcPts val="0"/>
-              </a:spcAft>
-              <a:buNone/>
-            </a:pPr>
-            <a:r>
-              <a:rPr lang="en"/>
-              <a:t>final</a:t>
-            </a:r>
-            <a:endParaRPr/>
-          </a:p>
-        </p:txBody>
-      </p:sp>
-      <p:sp>
-        <p:nvSpPr>
-          <p:cNvPr id="778" name="Google Shape;778;p64"/>
-          <p:cNvSpPr/>
-          <p:nvPr/>
-        </p:nvSpPr>
-        <p:spPr>
-          <a:xfrm>
-            <a:off x="3781200" y="2374500"/>
-            <a:ext cx="1044000" cy="497100"/>
-          </a:xfrm>
-          <a:prstGeom prst="rect">
-            <a:avLst/>
-          </a:prstGeom>
-          <a:solidFill>
-            <a:srgbClr val="93C47D"/>
-          </a:solidFill>
-          <a:ln w="9525" cap="flat" cmpd="sng">
-            <a:solidFill>
-              <a:schemeClr val="dk2"/>
-            </a:solidFill>
-            <a:prstDash val="solid"/>
-            <a:round/>
-            <a:headEnd type="none" w="sm" len="sm"/>
-            <a:tailEnd type="none" w="sm" len="sm"/>
-          </a:ln>
-        </p:spPr>
-        <p:txBody>
-          <a:bodyPr spcFirstLastPara="1" wrap="square" lIns="91425" tIns="91425" rIns="91425" bIns="91425" anchor="ctr" anchorCtr="0">
-            <a:noAutofit/>
-          </a:bodyPr>
-          <a:lstStyle/>
-          <a:p>
-            <a:pPr marL="0" lvl="0" indent="0" algn="ctr" rtl="0">
-              <a:spcBef>
-                <a:spcPts val="0"/>
-              </a:spcBef>
-              <a:spcAft>
-                <a:spcPts val="0"/>
-              </a:spcAft>
-              <a:buNone/>
-            </a:pPr>
-            <a:r>
-              <a:rPr lang="en"/>
-              <a:t>final_v2</a:t>
-            </a:r>
-            <a:endParaRPr/>
-          </a:p>
-        </p:txBody>
-      </p:sp>
-      <p:sp>
-        <p:nvSpPr>
-          <p:cNvPr id="779" name="Google Shape;779;p64"/>
-          <p:cNvSpPr/>
-          <p:nvPr/>
-        </p:nvSpPr>
-        <p:spPr>
-          <a:xfrm>
-            <a:off x="5305200" y="2374500"/>
-            <a:ext cx="1044000" cy="497100"/>
-          </a:xfrm>
-          <a:prstGeom prst="rect">
-            <a:avLst/>
-          </a:prstGeom>
-          <a:solidFill>
-            <a:srgbClr val="93C47D"/>
-          </a:solidFill>
-          <a:ln w="9525" cap="flat" cmpd="sng">
-            <a:solidFill>
-              <a:schemeClr val="dk2"/>
-            </a:solidFill>
-            <a:prstDash val="solid"/>
-            <a:round/>
-            <a:headEnd type="none" w="sm" len="sm"/>
-            <a:tailEnd type="none" w="sm" len="sm"/>
-          </a:ln>
-        </p:spPr>
-        <p:txBody>
-          <a:bodyPr spcFirstLastPara="1" wrap="square" lIns="91425" tIns="91425" rIns="91425" bIns="91425" anchor="ctr" anchorCtr="0">
-            <a:noAutofit/>
-          </a:bodyPr>
-          <a:lstStyle/>
-          <a:p>
-            <a:pPr marL="0" lvl="0" indent="0" algn="ctr" rtl="0">
-              <a:spcBef>
-                <a:spcPts val="0"/>
-              </a:spcBef>
-              <a:spcAft>
-                <a:spcPts val="0"/>
-              </a:spcAft>
-              <a:buNone/>
-            </a:pPr>
-            <a:r>
-              <a:rPr lang="en"/>
-              <a:t>data</a:t>
-            </a:r>
-            <a:endParaRPr/>
-          </a:p>
-        </p:txBody>
-      </p:sp>
-      <p:sp>
-        <p:nvSpPr>
-          <p:cNvPr id="780" name="Google Shape;780;p64"/>
-          <p:cNvSpPr/>
-          <p:nvPr/>
-        </p:nvSpPr>
-        <p:spPr>
-          <a:xfrm>
-            <a:off x="6906250" y="2398250"/>
-            <a:ext cx="1044000" cy="497100"/>
-          </a:xfrm>
-          <a:prstGeom prst="rect">
-            <a:avLst/>
-          </a:prstGeom>
-          <a:solidFill>
-            <a:srgbClr val="93C47D"/>
-          </a:solidFill>
-          <a:ln w="9525" cap="flat" cmpd="sng">
-            <a:solidFill>
-              <a:schemeClr val="dk2"/>
-            </a:solidFill>
-            <a:prstDash val="solid"/>
-            <a:round/>
-            <a:headEnd type="none" w="sm" len="sm"/>
-            <a:tailEnd type="none" w="sm" len="sm"/>
-          </a:ln>
-        </p:spPr>
-        <p:txBody>
-          <a:bodyPr spcFirstLastPara="1" wrap="square" lIns="91425" tIns="91425" rIns="91425" bIns="91425" anchor="ctr" anchorCtr="0">
-            <a:noAutofit/>
-          </a:bodyPr>
-          <a:lstStyle/>
-          <a:p>
-            <a:pPr marL="0" lvl="0" indent="0" algn="ctr" rtl="0">
-              <a:spcBef>
-                <a:spcPts val="0"/>
-              </a:spcBef>
-              <a:spcAft>
-                <a:spcPts val="0"/>
-              </a:spcAft>
-              <a:buNone/>
-            </a:pPr>
-            <a:r>
-              <a:rPr lang="en"/>
-              <a:t>.git</a:t>
-            </a:r>
-            <a:endParaRPr/>
-          </a:p>
-        </p:txBody>
-      </p:sp>
-      <p:sp>
-        <p:nvSpPr>
-          <p:cNvPr id="781" name="Google Shape;781;p64"/>
-          <p:cNvSpPr/>
-          <p:nvPr/>
-        </p:nvSpPr>
-        <p:spPr>
-          <a:xfrm>
-            <a:off x="5450750" y="3001225"/>
-            <a:ext cx="768600" cy="468000"/>
-          </a:xfrm>
-          <a:prstGeom prst="rect">
-            <a:avLst/>
-          </a:prstGeom>
-          <a:solidFill>
-            <a:schemeClr val="lt2"/>
-          </a:solidFill>
-          <a:ln w="9525" cap="flat" cmpd="sng">
-            <a:solidFill>
-              <a:schemeClr val="dk2"/>
-            </a:solidFill>
-            <a:prstDash val="solid"/>
-            <a:round/>
-            <a:headEnd type="none" w="sm" len="sm"/>
-            <a:tailEnd type="none" w="sm" len="sm"/>
-          </a:ln>
-        </p:spPr>
-        <p:txBody>
-          <a:bodyPr spcFirstLastPara="1" wrap="square" lIns="91425" tIns="91425" rIns="91425" bIns="91425" anchor="ctr" anchorCtr="0">
-            <a:noAutofit/>
-          </a:bodyPr>
-          <a:lstStyle/>
-          <a:p>
-            <a:pPr marL="0" lvl="0" indent="0" algn="l" rtl="0">
-              <a:spcBef>
-                <a:spcPts val="0"/>
-              </a:spcBef>
-              <a:spcAft>
-                <a:spcPts val="0"/>
-              </a:spcAft>
-              <a:buNone/>
-            </a:pPr>
-            <a:r>
-              <a:rPr lang="en" sz="800"/>
-              <a:t>my_data.csv</a:t>
-            </a:r>
-            <a:endParaRPr sz="800"/>
-          </a:p>
-        </p:txBody>
-      </p:sp>
-      <p:sp>
-        <p:nvSpPr>
-          <p:cNvPr id="782" name="Google Shape;782;p64"/>
-          <p:cNvSpPr/>
-          <p:nvPr/>
-        </p:nvSpPr>
-        <p:spPr>
-          <a:xfrm>
-            <a:off x="769600" y="2943650"/>
-            <a:ext cx="768600" cy="497100"/>
-          </a:xfrm>
-          <a:prstGeom prst="rect">
-            <a:avLst/>
-          </a:prstGeom>
-          <a:solidFill>
-            <a:srgbClr val="C9DAF8"/>
-          </a:solidFill>
-          <a:ln w="9525" cap="flat" cmpd="sng">
-            <a:solidFill>
-              <a:schemeClr val="dk2"/>
-            </a:solidFill>
-            <a:prstDash val="solid"/>
-            <a:round/>
-            <a:headEnd type="none" w="sm" len="sm"/>
-            <a:tailEnd type="none" w="sm" len="sm"/>
-          </a:ln>
-        </p:spPr>
-        <p:txBody>
-          <a:bodyPr spcFirstLastPara="1" wrap="square" lIns="91425" tIns="91425" rIns="91425" bIns="91425" anchor="ctr" anchorCtr="0">
-            <a:noAutofit/>
-          </a:bodyPr>
-          <a:lstStyle/>
-          <a:p>
-            <a:pPr marL="0" lvl="0" indent="0" algn="l" rtl="0">
-              <a:spcBef>
-                <a:spcPts val="0"/>
-              </a:spcBef>
-              <a:spcAft>
-                <a:spcPts val="0"/>
-              </a:spcAft>
-              <a:buNone/>
-            </a:pPr>
-            <a:r>
-              <a:rPr lang="en" sz="900"/>
-              <a:t>readme.md</a:t>
-            </a:r>
-            <a:endParaRPr sz="900"/>
-          </a:p>
-        </p:txBody>
-      </p:sp>
-      <p:sp>
-        <p:nvSpPr>
-          <p:cNvPr id="783" name="Google Shape;783;p64"/>
-          <p:cNvSpPr/>
-          <p:nvPr/>
-        </p:nvSpPr>
-        <p:spPr>
-          <a:xfrm>
-            <a:off x="2446000" y="2943650"/>
-            <a:ext cx="768600" cy="497100"/>
-          </a:xfrm>
-          <a:prstGeom prst="rect">
-            <a:avLst/>
-          </a:prstGeom>
-          <a:solidFill>
-            <a:srgbClr val="C9DAF8"/>
-          </a:solidFill>
-          <a:ln w="9525" cap="flat" cmpd="sng">
-            <a:solidFill>
-              <a:schemeClr val="dk2"/>
-            </a:solidFill>
-            <a:prstDash val="solid"/>
-            <a:round/>
-            <a:headEnd type="none" w="sm" len="sm"/>
-            <a:tailEnd type="none" w="sm" len="sm"/>
-          </a:ln>
-        </p:spPr>
-        <p:txBody>
-          <a:bodyPr spcFirstLastPara="1" wrap="square" lIns="91425" tIns="91425" rIns="91425" bIns="91425" anchor="ctr" anchorCtr="0">
-            <a:noAutofit/>
-          </a:bodyPr>
-          <a:lstStyle/>
-          <a:p>
-            <a:pPr marL="0" lvl="0" indent="0" algn="l" rtl="0">
-              <a:spcBef>
-                <a:spcPts val="0"/>
-              </a:spcBef>
-              <a:spcAft>
-                <a:spcPts val="0"/>
-              </a:spcAft>
-              <a:buNone/>
-            </a:pPr>
-            <a:r>
-              <a:rPr lang="en" sz="900"/>
-              <a:t>readme.md</a:t>
-            </a:r>
-            <a:endParaRPr sz="900"/>
-          </a:p>
-        </p:txBody>
-      </p:sp>
-      <p:sp>
-        <p:nvSpPr>
-          <p:cNvPr id="784" name="Google Shape;784;p64"/>
-          <p:cNvSpPr/>
-          <p:nvPr/>
-        </p:nvSpPr>
-        <p:spPr>
-          <a:xfrm>
-            <a:off x="3948375" y="2943650"/>
-            <a:ext cx="768600" cy="497100"/>
-          </a:xfrm>
-          <a:prstGeom prst="rect">
-            <a:avLst/>
-          </a:prstGeom>
-          <a:solidFill>
-            <a:srgbClr val="C9DAF8"/>
-          </a:solidFill>
-          <a:ln w="9525" cap="flat" cmpd="sng">
-            <a:solidFill>
-              <a:schemeClr val="dk2"/>
-            </a:solidFill>
-            <a:prstDash val="solid"/>
-            <a:round/>
-            <a:headEnd type="none" w="sm" len="sm"/>
-            <a:tailEnd type="none" w="sm" len="sm"/>
-          </a:ln>
-        </p:spPr>
-        <p:txBody>
-          <a:bodyPr spcFirstLastPara="1" wrap="square" lIns="91425" tIns="91425" rIns="91425" bIns="91425" anchor="ctr" anchorCtr="0">
-            <a:noAutofit/>
-          </a:bodyPr>
-          <a:lstStyle/>
-          <a:p>
-            <a:pPr marL="0" lvl="0" indent="0" algn="l" rtl="0">
-              <a:spcBef>
-                <a:spcPts val="0"/>
-              </a:spcBef>
-              <a:spcAft>
-                <a:spcPts val="0"/>
-              </a:spcAft>
-              <a:buNone/>
-            </a:pPr>
-            <a:r>
-              <a:rPr lang="en" sz="900"/>
-              <a:t>readme.md</a:t>
-            </a:r>
-            <a:endParaRPr sz="900"/>
-          </a:p>
-          <a:p>
-            <a:pPr marL="0" lvl="0" indent="0" algn="ctr" rtl="0">
-              <a:spcBef>
-                <a:spcPts val="0"/>
-              </a:spcBef>
-              <a:spcAft>
-                <a:spcPts val="0"/>
-              </a:spcAft>
-              <a:buNone/>
-            </a:pPr>
-            <a:r>
-              <a:rPr lang="en" sz="900"/>
-              <a:t>v2</a:t>
-            </a:r>
-            <a:endParaRPr sz="900"/>
-          </a:p>
-        </p:txBody>
-      </p:sp>
-      <p:sp>
-        <p:nvSpPr>
-          <p:cNvPr id="785" name="Google Shape;785;p64"/>
-          <p:cNvSpPr/>
-          <p:nvPr/>
-        </p:nvSpPr>
-        <p:spPr>
-          <a:xfrm>
-            <a:off x="769600" y="3546825"/>
-            <a:ext cx="768600" cy="497100"/>
-          </a:xfrm>
-          <a:prstGeom prst="rect">
-            <a:avLst/>
-          </a:prstGeom>
-          <a:solidFill>
-            <a:srgbClr val="C9DAF8"/>
-          </a:solidFill>
-          <a:ln w="9525" cap="flat" cmpd="sng">
-            <a:solidFill>
-              <a:schemeClr val="dk2"/>
-            </a:solidFill>
-            <a:prstDash val="solid"/>
-            <a:round/>
-            <a:headEnd type="none" w="sm" len="sm"/>
-            <a:tailEnd type="none" w="sm" len="sm"/>
-          </a:ln>
-        </p:spPr>
-        <p:txBody>
-          <a:bodyPr spcFirstLastPara="1" wrap="square" lIns="91425" tIns="91425" rIns="91425" bIns="91425" anchor="ctr" anchorCtr="0">
-            <a:noAutofit/>
-          </a:bodyPr>
-          <a:lstStyle/>
-          <a:p>
-            <a:pPr marL="0" lvl="0" indent="0" algn="l" rtl="0">
-              <a:spcBef>
-                <a:spcPts val="0"/>
-              </a:spcBef>
-              <a:spcAft>
-                <a:spcPts val="0"/>
-              </a:spcAft>
-              <a:buNone/>
-            </a:pPr>
-            <a:r>
-              <a:rPr lang="en" sz="900"/>
-              <a:t>analysis.py</a:t>
-            </a:r>
-            <a:endParaRPr sz="900"/>
-          </a:p>
-        </p:txBody>
-      </p:sp>
-      <p:sp>
-        <p:nvSpPr>
-          <p:cNvPr id="786" name="Google Shape;786;p64"/>
-          <p:cNvSpPr/>
-          <p:nvPr/>
-        </p:nvSpPr>
-        <p:spPr>
-          <a:xfrm>
-            <a:off x="769600" y="4150000"/>
-            <a:ext cx="768600" cy="497100"/>
-          </a:xfrm>
-          <a:prstGeom prst="rect">
-            <a:avLst/>
-          </a:prstGeom>
-          <a:solidFill>
-            <a:srgbClr val="C9DAF8"/>
-          </a:solidFill>
-          <a:ln w="9525" cap="flat" cmpd="sng">
-            <a:solidFill>
-              <a:schemeClr val="dk2"/>
-            </a:solidFill>
-            <a:prstDash val="solid"/>
-            <a:round/>
-            <a:headEnd type="none" w="sm" len="sm"/>
-            <a:tailEnd type="none" w="sm" len="sm"/>
-          </a:ln>
-        </p:spPr>
-        <p:txBody>
-          <a:bodyPr spcFirstLastPara="1" wrap="square" lIns="91425" tIns="91425" rIns="91425" bIns="91425" anchor="ctr" anchorCtr="0">
-            <a:noAutofit/>
-          </a:bodyPr>
-          <a:lstStyle/>
-          <a:p>
-            <a:pPr marL="0" lvl="0" indent="0" algn="l" rtl="0">
-              <a:spcBef>
-                <a:spcPts val="0"/>
-              </a:spcBef>
-              <a:spcAft>
-                <a:spcPts val="0"/>
-              </a:spcAft>
-              <a:buNone/>
-            </a:pPr>
-            <a:r>
-              <a:rPr lang="en" sz="900"/>
-              <a:t>model.py</a:t>
-            </a:r>
-            <a:endParaRPr sz="900"/>
-          </a:p>
-        </p:txBody>
-      </p:sp>
-      <p:sp>
-        <p:nvSpPr>
-          <p:cNvPr id="787" name="Google Shape;787;p64"/>
-          <p:cNvSpPr/>
-          <p:nvPr/>
-        </p:nvSpPr>
-        <p:spPr>
-          <a:xfrm>
-            <a:off x="2446000" y="3546825"/>
-            <a:ext cx="768600" cy="497100"/>
-          </a:xfrm>
-          <a:prstGeom prst="rect">
-            <a:avLst/>
-          </a:prstGeom>
-          <a:solidFill>
-            <a:srgbClr val="C9DAF8"/>
-          </a:solidFill>
-          <a:ln w="9525" cap="flat" cmpd="sng">
-            <a:solidFill>
-              <a:schemeClr val="dk2"/>
-            </a:solidFill>
-            <a:prstDash val="solid"/>
-            <a:round/>
-            <a:headEnd type="none" w="sm" len="sm"/>
-            <a:tailEnd type="none" w="sm" len="sm"/>
-          </a:ln>
-        </p:spPr>
-        <p:txBody>
-          <a:bodyPr spcFirstLastPara="1" wrap="square" lIns="91425" tIns="91425" rIns="91425" bIns="91425" anchor="ctr" anchorCtr="0">
-            <a:noAutofit/>
-          </a:bodyPr>
-          <a:lstStyle/>
-          <a:p>
-            <a:pPr marL="0" lvl="0" indent="0" algn="l" rtl="0">
-              <a:spcBef>
-                <a:spcPts val="0"/>
-              </a:spcBef>
-              <a:spcAft>
-                <a:spcPts val="0"/>
-              </a:spcAft>
-              <a:buNone/>
-            </a:pPr>
-            <a:r>
-              <a:rPr lang="en" sz="900"/>
-              <a:t>analysis_v2.py</a:t>
-            </a:r>
-            <a:endParaRPr sz="900"/>
-          </a:p>
-        </p:txBody>
-      </p:sp>
-      <p:sp>
-        <p:nvSpPr>
-          <p:cNvPr id="788" name="Google Shape;788;p64"/>
-          <p:cNvSpPr/>
-          <p:nvPr/>
-        </p:nvSpPr>
-        <p:spPr>
-          <a:xfrm>
-            <a:off x="2446000" y="4150000"/>
-            <a:ext cx="768600" cy="497100"/>
-          </a:xfrm>
-          <a:prstGeom prst="rect">
-            <a:avLst/>
-          </a:prstGeom>
-          <a:solidFill>
-            <a:srgbClr val="C9DAF8"/>
-          </a:solidFill>
-          <a:ln w="9525" cap="flat" cmpd="sng">
-            <a:solidFill>
-              <a:schemeClr val="dk2"/>
-            </a:solidFill>
-            <a:prstDash val="solid"/>
-            <a:round/>
-            <a:headEnd type="none" w="sm" len="sm"/>
-            <a:tailEnd type="none" w="sm" len="sm"/>
-          </a:ln>
-        </p:spPr>
-        <p:txBody>
-          <a:bodyPr spcFirstLastPara="1" wrap="square" lIns="91425" tIns="91425" rIns="91425" bIns="91425" anchor="ctr" anchorCtr="0">
-            <a:noAutofit/>
-          </a:bodyPr>
-          <a:lstStyle/>
-          <a:p>
-            <a:pPr marL="0" lvl="0" indent="0" algn="l" rtl="0">
-              <a:spcBef>
-                <a:spcPts val="0"/>
-              </a:spcBef>
-              <a:spcAft>
-                <a:spcPts val="0"/>
-              </a:spcAft>
-              <a:buNone/>
-            </a:pPr>
-            <a:r>
-              <a:rPr lang="en" sz="900"/>
-              <a:t>model_v2.md</a:t>
-            </a:r>
-            <a:endParaRPr sz="900"/>
-          </a:p>
-        </p:txBody>
-      </p:sp>
-      <p:sp>
-        <p:nvSpPr>
-          <p:cNvPr id="789" name="Google Shape;789;p64"/>
-          <p:cNvSpPr/>
-          <p:nvPr/>
-        </p:nvSpPr>
-        <p:spPr>
-          <a:xfrm>
-            <a:off x="3945375" y="3512800"/>
-            <a:ext cx="768600" cy="497100"/>
-          </a:xfrm>
-          <a:prstGeom prst="rect">
-            <a:avLst/>
-          </a:prstGeom>
-          <a:solidFill>
-            <a:srgbClr val="C9DAF8"/>
-          </a:solidFill>
-          <a:ln w="9525" cap="flat" cmpd="sng">
-            <a:solidFill>
-              <a:schemeClr val="dk2"/>
-            </a:solidFill>
-            <a:prstDash val="solid"/>
-            <a:round/>
-            <a:headEnd type="none" w="sm" len="sm"/>
-            <a:tailEnd type="none" w="sm" len="sm"/>
-          </a:ln>
-        </p:spPr>
-        <p:txBody>
-          <a:bodyPr spcFirstLastPara="1" wrap="square" lIns="91425" tIns="91425" rIns="91425" bIns="91425" anchor="ctr" anchorCtr="0">
-            <a:noAutofit/>
-          </a:bodyPr>
-          <a:lstStyle/>
-          <a:p>
-            <a:pPr marL="0" lvl="0" indent="0" algn="l" rtl="0">
-              <a:spcBef>
-                <a:spcPts val="0"/>
-              </a:spcBef>
-              <a:spcAft>
-                <a:spcPts val="0"/>
-              </a:spcAft>
-              <a:buNone/>
-            </a:pPr>
-            <a:r>
-              <a:rPr lang="en" sz="900"/>
-              <a:t>analysis_v3.py</a:t>
-            </a:r>
-            <a:endParaRPr sz="900"/>
-          </a:p>
-        </p:txBody>
-      </p:sp>
-      <p:sp>
-        <p:nvSpPr>
-          <p:cNvPr id="790" name="Google Shape;790;p64"/>
-          <p:cNvSpPr/>
-          <p:nvPr/>
-        </p:nvSpPr>
-        <p:spPr>
-          <a:xfrm>
-            <a:off x="3970000" y="4150000"/>
-            <a:ext cx="768600" cy="497100"/>
-          </a:xfrm>
-          <a:prstGeom prst="rect">
-            <a:avLst/>
-          </a:prstGeom>
-          <a:solidFill>
-            <a:srgbClr val="C9DAF8"/>
-          </a:solidFill>
-          <a:ln w="9525" cap="flat" cmpd="sng">
-            <a:solidFill>
-              <a:schemeClr val="dk2"/>
-            </a:solidFill>
-            <a:prstDash val="solid"/>
-            <a:round/>
-            <a:headEnd type="none" w="sm" len="sm"/>
-            <a:tailEnd type="none" w="sm" len="sm"/>
-          </a:ln>
-        </p:spPr>
-        <p:txBody>
-          <a:bodyPr spcFirstLastPara="1" wrap="square" lIns="91425" tIns="91425" rIns="91425" bIns="91425" anchor="ctr" anchorCtr="0">
-            <a:noAutofit/>
-          </a:bodyPr>
-          <a:lstStyle/>
-          <a:p>
-            <a:pPr marL="0" lvl="0" indent="0" algn="l" rtl="0">
-              <a:spcBef>
-                <a:spcPts val="0"/>
-              </a:spcBef>
-              <a:spcAft>
-                <a:spcPts val="0"/>
-              </a:spcAft>
-              <a:buNone/>
-            </a:pPr>
-            <a:r>
-              <a:rPr lang="en" sz="900"/>
-              <a:t>model_v2.md</a:t>
-            </a:r>
-            <a:endParaRPr sz="900"/>
-          </a:p>
-        </p:txBody>
-      </p:sp>
-    </p:spTree>
   </p:cSld>
   <p:clrMapOvr>
     <a:masterClrMapping/>
@@ -47729,6 +47479,950 @@
   <p:cSld>
     <p:spTree>
       <p:nvGrpSpPr>
+        <p:cNvPr id="1" name="Shape 772"/>
+        <p:cNvGrpSpPr/>
+        <p:nvPr/>
+      </p:nvGrpSpPr>
+      <p:grpSpPr>
+        <a:xfrm>
+          <a:off x="0" y="0"/>
+          <a:ext cx="0" cy="0"/>
+          <a:chOff x="0" y="0"/>
+          <a:chExt cx="0" cy="0"/>
+        </a:xfrm>
+      </p:grpSpPr>
+      <p:sp>
+        <p:nvSpPr>
+          <p:cNvPr id="773" name="Google Shape;773;p64"/>
+          <p:cNvSpPr txBox="1">
+            <a:spLocks noGrp="1"/>
+          </p:cNvSpPr>
+          <p:nvPr>
+            <p:ph type="title"/>
+          </p:nvPr>
+        </p:nvSpPr>
+        <p:spPr>
+          <a:xfrm>
+            <a:off x="311700" y="445025"/>
+            <a:ext cx="8520600" cy="572700"/>
+          </a:xfrm>
+          <a:prstGeom prst="rect">
+            <a:avLst/>
+          </a:prstGeom>
+        </p:spPr>
+        <p:txBody>
+          <a:bodyPr spcFirstLastPara="1" wrap="square" lIns="91425" tIns="91425" rIns="91425" bIns="91425" anchor="t" anchorCtr="0">
+            <a:normAutofit fontScale="90000"/>
+          </a:bodyPr>
+          <a:lstStyle/>
+          <a:p>
+            <a:pPr marL="0" lvl="0" indent="0" algn="ctr" rtl="0">
+              <a:spcBef>
+                <a:spcPts val="0"/>
+              </a:spcBef>
+              <a:spcAft>
+                <a:spcPts val="0"/>
+              </a:spcAft>
+              <a:buNone/>
+            </a:pPr>
+            <a:r>
+              <a:rPr lang="en"/>
+              <a:t>Working with branches</a:t>
+            </a:r>
+            <a:endParaRPr/>
+          </a:p>
+        </p:txBody>
+      </p:sp>
+      <p:sp>
+        <p:nvSpPr>
+          <p:cNvPr id="774" name="Google Shape;774;p64"/>
+          <p:cNvSpPr txBox="1">
+            <a:spLocks noGrp="1"/>
+          </p:cNvSpPr>
+          <p:nvPr>
+            <p:ph type="body" idx="1"/>
+          </p:nvPr>
+        </p:nvSpPr>
+        <p:spPr>
+          <a:xfrm>
+            <a:off x="311700" y="1152475"/>
+            <a:ext cx="8520600" cy="3416400"/>
+          </a:xfrm>
+          <a:prstGeom prst="rect">
+            <a:avLst/>
+          </a:prstGeom>
+        </p:spPr>
+        <p:txBody>
+          <a:bodyPr spcFirstLastPara="1" wrap="square" lIns="91425" tIns="91425" rIns="91425" bIns="91425" anchor="t" anchorCtr="0">
+            <a:normAutofit/>
+          </a:bodyPr>
+          <a:lstStyle/>
+          <a:p>
+            <a:pPr marL="0" lvl="0" indent="0" algn="ctr" rtl="0">
+              <a:lnSpc>
+                <a:spcPct val="100000"/>
+              </a:lnSpc>
+              <a:spcBef>
+                <a:spcPts val="0"/>
+              </a:spcBef>
+              <a:spcAft>
+                <a:spcPts val="0"/>
+              </a:spcAft>
+              <a:buNone/>
+            </a:pPr>
+            <a:endParaRPr sz="900">
+              <a:solidFill>
+                <a:srgbClr val="000000"/>
+              </a:solidFill>
+            </a:endParaRPr>
+          </a:p>
+          <a:p>
+            <a:pPr marL="0" lvl="0" indent="0" algn="ctr" rtl="0">
+              <a:spcBef>
+                <a:spcPts val="0"/>
+              </a:spcBef>
+              <a:spcAft>
+                <a:spcPts val="1200"/>
+              </a:spcAft>
+              <a:buNone/>
+            </a:pPr>
+            <a:endParaRPr>
+              <a:solidFill>
+                <a:schemeClr val="dk1"/>
+              </a:solidFill>
+            </a:endParaRPr>
+          </a:p>
+        </p:txBody>
+      </p:sp>
+      <p:sp>
+        <p:nvSpPr>
+          <p:cNvPr id="775" name="Google Shape;775;p64"/>
+          <p:cNvSpPr/>
+          <p:nvPr/>
+        </p:nvSpPr>
+        <p:spPr>
+          <a:xfrm>
+            <a:off x="3503175" y="1320550"/>
+            <a:ext cx="1653000" cy="497100"/>
+          </a:xfrm>
+          <a:prstGeom prst="rect">
+            <a:avLst/>
+          </a:prstGeom>
+          <a:solidFill>
+            <a:srgbClr val="93C47D"/>
+          </a:solidFill>
+          <a:ln w="9525" cap="flat" cmpd="sng">
+            <a:solidFill>
+              <a:schemeClr val="dk2"/>
+            </a:solidFill>
+            <a:prstDash val="solid"/>
+            <a:round/>
+            <a:headEnd type="none" w="sm" len="sm"/>
+            <a:tailEnd type="none" w="sm" len="sm"/>
+          </a:ln>
+        </p:spPr>
+        <p:txBody>
+          <a:bodyPr spcFirstLastPara="1" wrap="square" lIns="91425" tIns="91425" rIns="91425" bIns="91425" anchor="ctr" anchorCtr="0">
+            <a:noAutofit/>
+          </a:bodyPr>
+          <a:lstStyle/>
+          <a:p>
+            <a:pPr marL="0" lvl="0" indent="0" algn="ctr" rtl="0">
+              <a:spcBef>
+                <a:spcPts val="0"/>
+              </a:spcBef>
+              <a:spcAft>
+                <a:spcPts val="0"/>
+              </a:spcAft>
+              <a:buNone/>
+            </a:pPr>
+            <a:r>
+              <a:rPr lang="en"/>
+              <a:t>my_project</a:t>
+            </a:r>
+            <a:endParaRPr/>
+          </a:p>
+        </p:txBody>
+      </p:sp>
+      <p:sp>
+        <p:nvSpPr>
+          <p:cNvPr id="776" name="Google Shape;776;p64"/>
+          <p:cNvSpPr/>
+          <p:nvPr/>
+        </p:nvSpPr>
+        <p:spPr>
+          <a:xfrm>
+            <a:off x="656150" y="2374500"/>
+            <a:ext cx="1044000" cy="497100"/>
+          </a:xfrm>
+          <a:prstGeom prst="rect">
+            <a:avLst/>
+          </a:prstGeom>
+          <a:solidFill>
+            <a:srgbClr val="93C47D"/>
+          </a:solidFill>
+          <a:ln w="9525" cap="flat" cmpd="sng">
+            <a:solidFill>
+              <a:schemeClr val="dk2"/>
+            </a:solidFill>
+            <a:prstDash val="solid"/>
+            <a:round/>
+            <a:headEnd type="none" w="sm" len="sm"/>
+            <a:tailEnd type="none" w="sm" len="sm"/>
+          </a:ln>
+        </p:spPr>
+        <p:txBody>
+          <a:bodyPr spcFirstLastPara="1" wrap="square" lIns="91425" tIns="91425" rIns="91425" bIns="91425" anchor="ctr" anchorCtr="0">
+            <a:noAutofit/>
+          </a:bodyPr>
+          <a:lstStyle/>
+          <a:p>
+            <a:pPr marL="0" lvl="0" indent="0" algn="ctr" rtl="0">
+              <a:spcBef>
+                <a:spcPts val="0"/>
+              </a:spcBef>
+              <a:spcAft>
+                <a:spcPts val="0"/>
+              </a:spcAft>
+              <a:buNone/>
+            </a:pPr>
+            <a:r>
+              <a:rPr lang="en"/>
+              <a:t>draft</a:t>
+            </a:r>
+            <a:endParaRPr/>
+          </a:p>
+        </p:txBody>
+      </p:sp>
+      <p:sp>
+        <p:nvSpPr>
+          <p:cNvPr id="777" name="Google Shape;777;p64"/>
+          <p:cNvSpPr/>
+          <p:nvPr/>
+        </p:nvSpPr>
+        <p:spPr>
+          <a:xfrm>
+            <a:off x="2257200" y="2374500"/>
+            <a:ext cx="1044000" cy="497100"/>
+          </a:xfrm>
+          <a:prstGeom prst="rect">
+            <a:avLst/>
+          </a:prstGeom>
+          <a:solidFill>
+            <a:srgbClr val="93C47D"/>
+          </a:solidFill>
+          <a:ln w="9525" cap="flat" cmpd="sng">
+            <a:solidFill>
+              <a:schemeClr val="dk2"/>
+            </a:solidFill>
+            <a:prstDash val="solid"/>
+            <a:round/>
+            <a:headEnd type="none" w="sm" len="sm"/>
+            <a:tailEnd type="none" w="sm" len="sm"/>
+          </a:ln>
+        </p:spPr>
+        <p:txBody>
+          <a:bodyPr spcFirstLastPara="1" wrap="square" lIns="91425" tIns="91425" rIns="91425" bIns="91425" anchor="ctr" anchorCtr="0">
+            <a:noAutofit/>
+          </a:bodyPr>
+          <a:lstStyle/>
+          <a:p>
+            <a:pPr marL="0" lvl="0" indent="0" algn="ctr" rtl="0">
+              <a:spcBef>
+                <a:spcPts val="0"/>
+              </a:spcBef>
+              <a:spcAft>
+                <a:spcPts val="0"/>
+              </a:spcAft>
+              <a:buNone/>
+            </a:pPr>
+            <a:r>
+              <a:rPr lang="en"/>
+              <a:t>final</a:t>
+            </a:r>
+            <a:endParaRPr/>
+          </a:p>
+        </p:txBody>
+      </p:sp>
+      <p:sp>
+        <p:nvSpPr>
+          <p:cNvPr id="778" name="Google Shape;778;p64"/>
+          <p:cNvSpPr/>
+          <p:nvPr/>
+        </p:nvSpPr>
+        <p:spPr>
+          <a:xfrm>
+            <a:off x="3781200" y="2374500"/>
+            <a:ext cx="1044000" cy="497100"/>
+          </a:xfrm>
+          <a:prstGeom prst="rect">
+            <a:avLst/>
+          </a:prstGeom>
+          <a:solidFill>
+            <a:srgbClr val="93C47D"/>
+          </a:solidFill>
+          <a:ln w="9525" cap="flat" cmpd="sng">
+            <a:solidFill>
+              <a:schemeClr val="dk2"/>
+            </a:solidFill>
+            <a:prstDash val="solid"/>
+            <a:round/>
+            <a:headEnd type="none" w="sm" len="sm"/>
+            <a:tailEnd type="none" w="sm" len="sm"/>
+          </a:ln>
+        </p:spPr>
+        <p:txBody>
+          <a:bodyPr spcFirstLastPara="1" wrap="square" lIns="91425" tIns="91425" rIns="91425" bIns="91425" anchor="ctr" anchorCtr="0">
+            <a:noAutofit/>
+          </a:bodyPr>
+          <a:lstStyle/>
+          <a:p>
+            <a:pPr marL="0" lvl="0" indent="0" algn="ctr" rtl="0">
+              <a:spcBef>
+                <a:spcPts val="0"/>
+              </a:spcBef>
+              <a:spcAft>
+                <a:spcPts val="0"/>
+              </a:spcAft>
+              <a:buNone/>
+            </a:pPr>
+            <a:r>
+              <a:rPr lang="en"/>
+              <a:t>final_v2</a:t>
+            </a:r>
+            <a:endParaRPr/>
+          </a:p>
+        </p:txBody>
+      </p:sp>
+      <p:sp>
+        <p:nvSpPr>
+          <p:cNvPr id="779" name="Google Shape;779;p64"/>
+          <p:cNvSpPr/>
+          <p:nvPr/>
+        </p:nvSpPr>
+        <p:spPr>
+          <a:xfrm>
+            <a:off x="5305200" y="2374500"/>
+            <a:ext cx="1044000" cy="497100"/>
+          </a:xfrm>
+          <a:prstGeom prst="rect">
+            <a:avLst/>
+          </a:prstGeom>
+          <a:solidFill>
+            <a:srgbClr val="93C47D"/>
+          </a:solidFill>
+          <a:ln w="9525" cap="flat" cmpd="sng">
+            <a:solidFill>
+              <a:schemeClr val="dk2"/>
+            </a:solidFill>
+            <a:prstDash val="solid"/>
+            <a:round/>
+            <a:headEnd type="none" w="sm" len="sm"/>
+            <a:tailEnd type="none" w="sm" len="sm"/>
+          </a:ln>
+        </p:spPr>
+        <p:txBody>
+          <a:bodyPr spcFirstLastPara="1" wrap="square" lIns="91425" tIns="91425" rIns="91425" bIns="91425" anchor="ctr" anchorCtr="0">
+            <a:noAutofit/>
+          </a:bodyPr>
+          <a:lstStyle/>
+          <a:p>
+            <a:pPr marL="0" lvl="0" indent="0" algn="ctr" rtl="0">
+              <a:spcBef>
+                <a:spcPts val="0"/>
+              </a:spcBef>
+              <a:spcAft>
+                <a:spcPts val="0"/>
+              </a:spcAft>
+              <a:buNone/>
+            </a:pPr>
+            <a:r>
+              <a:rPr lang="en"/>
+              <a:t>data</a:t>
+            </a:r>
+            <a:endParaRPr/>
+          </a:p>
+        </p:txBody>
+      </p:sp>
+      <p:sp>
+        <p:nvSpPr>
+          <p:cNvPr id="780" name="Google Shape;780;p64"/>
+          <p:cNvSpPr/>
+          <p:nvPr/>
+        </p:nvSpPr>
+        <p:spPr>
+          <a:xfrm>
+            <a:off x="6906250" y="2398250"/>
+            <a:ext cx="1044000" cy="497100"/>
+          </a:xfrm>
+          <a:prstGeom prst="rect">
+            <a:avLst/>
+          </a:prstGeom>
+          <a:solidFill>
+            <a:srgbClr val="93C47D"/>
+          </a:solidFill>
+          <a:ln w="9525" cap="flat" cmpd="sng">
+            <a:solidFill>
+              <a:schemeClr val="dk2"/>
+            </a:solidFill>
+            <a:prstDash val="solid"/>
+            <a:round/>
+            <a:headEnd type="none" w="sm" len="sm"/>
+            <a:tailEnd type="none" w="sm" len="sm"/>
+          </a:ln>
+        </p:spPr>
+        <p:txBody>
+          <a:bodyPr spcFirstLastPara="1" wrap="square" lIns="91425" tIns="91425" rIns="91425" bIns="91425" anchor="ctr" anchorCtr="0">
+            <a:noAutofit/>
+          </a:bodyPr>
+          <a:lstStyle/>
+          <a:p>
+            <a:pPr marL="0" lvl="0" indent="0" algn="ctr" rtl="0">
+              <a:spcBef>
+                <a:spcPts val="0"/>
+              </a:spcBef>
+              <a:spcAft>
+                <a:spcPts val="0"/>
+              </a:spcAft>
+              <a:buNone/>
+            </a:pPr>
+            <a:r>
+              <a:rPr lang="en"/>
+              <a:t>.git</a:t>
+            </a:r>
+            <a:endParaRPr/>
+          </a:p>
+        </p:txBody>
+      </p:sp>
+      <p:sp>
+        <p:nvSpPr>
+          <p:cNvPr id="781" name="Google Shape;781;p64"/>
+          <p:cNvSpPr/>
+          <p:nvPr/>
+        </p:nvSpPr>
+        <p:spPr>
+          <a:xfrm>
+            <a:off x="5450750" y="3001225"/>
+            <a:ext cx="768600" cy="468000"/>
+          </a:xfrm>
+          <a:prstGeom prst="rect">
+            <a:avLst/>
+          </a:prstGeom>
+          <a:solidFill>
+            <a:schemeClr val="lt2"/>
+          </a:solidFill>
+          <a:ln w="9525" cap="flat" cmpd="sng">
+            <a:solidFill>
+              <a:schemeClr val="dk2"/>
+            </a:solidFill>
+            <a:prstDash val="solid"/>
+            <a:round/>
+            <a:headEnd type="none" w="sm" len="sm"/>
+            <a:tailEnd type="none" w="sm" len="sm"/>
+          </a:ln>
+        </p:spPr>
+        <p:txBody>
+          <a:bodyPr spcFirstLastPara="1" wrap="square" lIns="91425" tIns="91425" rIns="91425" bIns="91425" anchor="ctr" anchorCtr="0">
+            <a:noAutofit/>
+          </a:bodyPr>
+          <a:lstStyle/>
+          <a:p>
+            <a:pPr marL="0" lvl="0" indent="0" algn="l" rtl="0">
+              <a:spcBef>
+                <a:spcPts val="0"/>
+              </a:spcBef>
+              <a:spcAft>
+                <a:spcPts val="0"/>
+              </a:spcAft>
+              <a:buNone/>
+            </a:pPr>
+            <a:r>
+              <a:rPr lang="en" sz="800"/>
+              <a:t>my_data.csv</a:t>
+            </a:r>
+            <a:endParaRPr sz="800"/>
+          </a:p>
+        </p:txBody>
+      </p:sp>
+      <p:sp>
+        <p:nvSpPr>
+          <p:cNvPr id="782" name="Google Shape;782;p64"/>
+          <p:cNvSpPr/>
+          <p:nvPr/>
+        </p:nvSpPr>
+        <p:spPr>
+          <a:xfrm>
+            <a:off x="769600" y="2943650"/>
+            <a:ext cx="768600" cy="497100"/>
+          </a:xfrm>
+          <a:prstGeom prst="rect">
+            <a:avLst/>
+          </a:prstGeom>
+          <a:solidFill>
+            <a:srgbClr val="C9DAF8"/>
+          </a:solidFill>
+          <a:ln w="9525" cap="flat" cmpd="sng">
+            <a:solidFill>
+              <a:schemeClr val="dk2"/>
+            </a:solidFill>
+            <a:prstDash val="solid"/>
+            <a:round/>
+            <a:headEnd type="none" w="sm" len="sm"/>
+            <a:tailEnd type="none" w="sm" len="sm"/>
+          </a:ln>
+        </p:spPr>
+        <p:txBody>
+          <a:bodyPr spcFirstLastPara="1" wrap="square" lIns="91425" tIns="91425" rIns="91425" bIns="91425" anchor="ctr" anchorCtr="0">
+            <a:noAutofit/>
+          </a:bodyPr>
+          <a:lstStyle/>
+          <a:p>
+            <a:pPr marL="0" lvl="0" indent="0" algn="l" rtl="0">
+              <a:spcBef>
+                <a:spcPts val="0"/>
+              </a:spcBef>
+              <a:spcAft>
+                <a:spcPts val="0"/>
+              </a:spcAft>
+              <a:buNone/>
+            </a:pPr>
+            <a:r>
+              <a:rPr lang="en" sz="900"/>
+              <a:t>readme.md</a:t>
+            </a:r>
+            <a:endParaRPr sz="900"/>
+          </a:p>
+        </p:txBody>
+      </p:sp>
+      <p:sp>
+        <p:nvSpPr>
+          <p:cNvPr id="783" name="Google Shape;783;p64"/>
+          <p:cNvSpPr/>
+          <p:nvPr/>
+        </p:nvSpPr>
+        <p:spPr>
+          <a:xfrm>
+            <a:off x="2446000" y="2943650"/>
+            <a:ext cx="768600" cy="497100"/>
+          </a:xfrm>
+          <a:prstGeom prst="rect">
+            <a:avLst/>
+          </a:prstGeom>
+          <a:solidFill>
+            <a:srgbClr val="C9DAF8"/>
+          </a:solidFill>
+          <a:ln w="9525" cap="flat" cmpd="sng">
+            <a:solidFill>
+              <a:schemeClr val="dk2"/>
+            </a:solidFill>
+            <a:prstDash val="solid"/>
+            <a:round/>
+            <a:headEnd type="none" w="sm" len="sm"/>
+            <a:tailEnd type="none" w="sm" len="sm"/>
+          </a:ln>
+        </p:spPr>
+        <p:txBody>
+          <a:bodyPr spcFirstLastPara="1" wrap="square" lIns="91425" tIns="91425" rIns="91425" bIns="91425" anchor="ctr" anchorCtr="0">
+            <a:noAutofit/>
+          </a:bodyPr>
+          <a:lstStyle/>
+          <a:p>
+            <a:pPr marL="0" lvl="0" indent="0" algn="l" rtl="0">
+              <a:spcBef>
+                <a:spcPts val="0"/>
+              </a:spcBef>
+              <a:spcAft>
+                <a:spcPts val="0"/>
+              </a:spcAft>
+              <a:buNone/>
+            </a:pPr>
+            <a:r>
+              <a:rPr lang="en" sz="900"/>
+              <a:t>readme.md</a:t>
+            </a:r>
+            <a:endParaRPr sz="900"/>
+          </a:p>
+        </p:txBody>
+      </p:sp>
+      <p:sp>
+        <p:nvSpPr>
+          <p:cNvPr id="784" name="Google Shape;784;p64"/>
+          <p:cNvSpPr/>
+          <p:nvPr/>
+        </p:nvSpPr>
+        <p:spPr>
+          <a:xfrm>
+            <a:off x="3948375" y="2943650"/>
+            <a:ext cx="768600" cy="497100"/>
+          </a:xfrm>
+          <a:prstGeom prst="rect">
+            <a:avLst/>
+          </a:prstGeom>
+          <a:solidFill>
+            <a:srgbClr val="C9DAF8"/>
+          </a:solidFill>
+          <a:ln w="9525" cap="flat" cmpd="sng">
+            <a:solidFill>
+              <a:schemeClr val="dk2"/>
+            </a:solidFill>
+            <a:prstDash val="solid"/>
+            <a:round/>
+            <a:headEnd type="none" w="sm" len="sm"/>
+            <a:tailEnd type="none" w="sm" len="sm"/>
+          </a:ln>
+        </p:spPr>
+        <p:txBody>
+          <a:bodyPr spcFirstLastPara="1" wrap="square" lIns="91425" tIns="91425" rIns="91425" bIns="91425" anchor="ctr" anchorCtr="0">
+            <a:noAutofit/>
+          </a:bodyPr>
+          <a:lstStyle/>
+          <a:p>
+            <a:pPr marL="0" lvl="0" indent="0" algn="l" rtl="0">
+              <a:spcBef>
+                <a:spcPts val="0"/>
+              </a:spcBef>
+              <a:spcAft>
+                <a:spcPts val="0"/>
+              </a:spcAft>
+              <a:buNone/>
+            </a:pPr>
+            <a:r>
+              <a:rPr lang="en" sz="900"/>
+              <a:t>readme.md</a:t>
+            </a:r>
+            <a:endParaRPr sz="900"/>
+          </a:p>
+          <a:p>
+            <a:pPr marL="0" lvl="0" indent="0" algn="ctr" rtl="0">
+              <a:spcBef>
+                <a:spcPts val="0"/>
+              </a:spcBef>
+              <a:spcAft>
+                <a:spcPts val="0"/>
+              </a:spcAft>
+              <a:buNone/>
+            </a:pPr>
+            <a:r>
+              <a:rPr lang="en" sz="900"/>
+              <a:t>v2</a:t>
+            </a:r>
+            <a:endParaRPr sz="900"/>
+          </a:p>
+        </p:txBody>
+      </p:sp>
+      <p:sp>
+        <p:nvSpPr>
+          <p:cNvPr id="785" name="Google Shape;785;p64"/>
+          <p:cNvSpPr/>
+          <p:nvPr/>
+        </p:nvSpPr>
+        <p:spPr>
+          <a:xfrm>
+            <a:off x="769600" y="3546825"/>
+            <a:ext cx="768600" cy="497100"/>
+          </a:xfrm>
+          <a:prstGeom prst="rect">
+            <a:avLst/>
+          </a:prstGeom>
+          <a:solidFill>
+            <a:srgbClr val="C9DAF8"/>
+          </a:solidFill>
+          <a:ln w="9525" cap="flat" cmpd="sng">
+            <a:solidFill>
+              <a:schemeClr val="dk2"/>
+            </a:solidFill>
+            <a:prstDash val="solid"/>
+            <a:round/>
+            <a:headEnd type="none" w="sm" len="sm"/>
+            <a:tailEnd type="none" w="sm" len="sm"/>
+          </a:ln>
+        </p:spPr>
+        <p:txBody>
+          <a:bodyPr spcFirstLastPara="1" wrap="square" lIns="91425" tIns="91425" rIns="91425" bIns="91425" anchor="ctr" anchorCtr="0">
+            <a:noAutofit/>
+          </a:bodyPr>
+          <a:lstStyle/>
+          <a:p>
+            <a:pPr marL="0" lvl="0" indent="0" algn="l" rtl="0">
+              <a:spcBef>
+                <a:spcPts val="0"/>
+              </a:spcBef>
+              <a:spcAft>
+                <a:spcPts val="0"/>
+              </a:spcAft>
+              <a:buNone/>
+            </a:pPr>
+            <a:r>
+              <a:rPr lang="en" sz="900"/>
+              <a:t>analysis.py</a:t>
+            </a:r>
+            <a:endParaRPr sz="900"/>
+          </a:p>
+        </p:txBody>
+      </p:sp>
+      <p:sp>
+        <p:nvSpPr>
+          <p:cNvPr id="786" name="Google Shape;786;p64"/>
+          <p:cNvSpPr/>
+          <p:nvPr/>
+        </p:nvSpPr>
+        <p:spPr>
+          <a:xfrm>
+            <a:off x="769600" y="4150000"/>
+            <a:ext cx="768600" cy="497100"/>
+          </a:xfrm>
+          <a:prstGeom prst="rect">
+            <a:avLst/>
+          </a:prstGeom>
+          <a:solidFill>
+            <a:srgbClr val="C9DAF8"/>
+          </a:solidFill>
+          <a:ln w="9525" cap="flat" cmpd="sng">
+            <a:solidFill>
+              <a:schemeClr val="dk2"/>
+            </a:solidFill>
+            <a:prstDash val="solid"/>
+            <a:round/>
+            <a:headEnd type="none" w="sm" len="sm"/>
+            <a:tailEnd type="none" w="sm" len="sm"/>
+          </a:ln>
+        </p:spPr>
+        <p:txBody>
+          <a:bodyPr spcFirstLastPara="1" wrap="square" lIns="91425" tIns="91425" rIns="91425" bIns="91425" anchor="ctr" anchorCtr="0">
+            <a:noAutofit/>
+          </a:bodyPr>
+          <a:lstStyle/>
+          <a:p>
+            <a:pPr marL="0" lvl="0" indent="0" algn="l" rtl="0">
+              <a:spcBef>
+                <a:spcPts val="0"/>
+              </a:spcBef>
+              <a:spcAft>
+                <a:spcPts val="0"/>
+              </a:spcAft>
+              <a:buNone/>
+            </a:pPr>
+            <a:r>
+              <a:rPr lang="en" sz="900"/>
+              <a:t>model.py</a:t>
+            </a:r>
+            <a:endParaRPr sz="900"/>
+          </a:p>
+        </p:txBody>
+      </p:sp>
+      <p:sp>
+        <p:nvSpPr>
+          <p:cNvPr id="787" name="Google Shape;787;p64"/>
+          <p:cNvSpPr/>
+          <p:nvPr/>
+        </p:nvSpPr>
+        <p:spPr>
+          <a:xfrm>
+            <a:off x="2446000" y="3546825"/>
+            <a:ext cx="768600" cy="497100"/>
+          </a:xfrm>
+          <a:prstGeom prst="rect">
+            <a:avLst/>
+          </a:prstGeom>
+          <a:solidFill>
+            <a:srgbClr val="C9DAF8"/>
+          </a:solidFill>
+          <a:ln w="9525" cap="flat" cmpd="sng">
+            <a:solidFill>
+              <a:schemeClr val="dk2"/>
+            </a:solidFill>
+            <a:prstDash val="solid"/>
+            <a:round/>
+            <a:headEnd type="none" w="sm" len="sm"/>
+            <a:tailEnd type="none" w="sm" len="sm"/>
+          </a:ln>
+        </p:spPr>
+        <p:txBody>
+          <a:bodyPr spcFirstLastPara="1" wrap="square" lIns="91425" tIns="91425" rIns="91425" bIns="91425" anchor="ctr" anchorCtr="0">
+            <a:noAutofit/>
+          </a:bodyPr>
+          <a:lstStyle/>
+          <a:p>
+            <a:pPr marL="0" lvl="0" indent="0" algn="l" rtl="0">
+              <a:spcBef>
+                <a:spcPts val="0"/>
+              </a:spcBef>
+              <a:spcAft>
+                <a:spcPts val="0"/>
+              </a:spcAft>
+              <a:buNone/>
+            </a:pPr>
+            <a:r>
+              <a:rPr lang="en" sz="900"/>
+              <a:t>analysis_v2.py</a:t>
+            </a:r>
+            <a:endParaRPr sz="900"/>
+          </a:p>
+        </p:txBody>
+      </p:sp>
+      <p:sp>
+        <p:nvSpPr>
+          <p:cNvPr id="788" name="Google Shape;788;p64"/>
+          <p:cNvSpPr/>
+          <p:nvPr/>
+        </p:nvSpPr>
+        <p:spPr>
+          <a:xfrm>
+            <a:off x="2446000" y="4150000"/>
+            <a:ext cx="768600" cy="497100"/>
+          </a:xfrm>
+          <a:prstGeom prst="rect">
+            <a:avLst/>
+          </a:prstGeom>
+          <a:solidFill>
+            <a:srgbClr val="C9DAF8"/>
+          </a:solidFill>
+          <a:ln w="9525" cap="flat" cmpd="sng">
+            <a:solidFill>
+              <a:schemeClr val="dk2"/>
+            </a:solidFill>
+            <a:prstDash val="solid"/>
+            <a:round/>
+            <a:headEnd type="none" w="sm" len="sm"/>
+            <a:tailEnd type="none" w="sm" len="sm"/>
+          </a:ln>
+        </p:spPr>
+        <p:txBody>
+          <a:bodyPr spcFirstLastPara="1" wrap="square" lIns="91425" tIns="91425" rIns="91425" bIns="91425" anchor="ctr" anchorCtr="0">
+            <a:noAutofit/>
+          </a:bodyPr>
+          <a:lstStyle/>
+          <a:p>
+            <a:pPr marL="0" lvl="0" indent="0" algn="l" rtl="0">
+              <a:spcBef>
+                <a:spcPts val="0"/>
+              </a:spcBef>
+              <a:spcAft>
+                <a:spcPts val="0"/>
+              </a:spcAft>
+              <a:buNone/>
+            </a:pPr>
+            <a:r>
+              <a:rPr lang="en" sz="900"/>
+              <a:t>model_v2.md</a:t>
+            </a:r>
+            <a:endParaRPr sz="900"/>
+          </a:p>
+        </p:txBody>
+      </p:sp>
+      <p:sp>
+        <p:nvSpPr>
+          <p:cNvPr id="789" name="Google Shape;789;p64"/>
+          <p:cNvSpPr/>
+          <p:nvPr/>
+        </p:nvSpPr>
+        <p:spPr>
+          <a:xfrm>
+            <a:off x="3945375" y="3512800"/>
+            <a:ext cx="768600" cy="497100"/>
+          </a:xfrm>
+          <a:prstGeom prst="rect">
+            <a:avLst/>
+          </a:prstGeom>
+          <a:solidFill>
+            <a:srgbClr val="C9DAF8"/>
+          </a:solidFill>
+          <a:ln w="9525" cap="flat" cmpd="sng">
+            <a:solidFill>
+              <a:schemeClr val="dk2"/>
+            </a:solidFill>
+            <a:prstDash val="solid"/>
+            <a:round/>
+            <a:headEnd type="none" w="sm" len="sm"/>
+            <a:tailEnd type="none" w="sm" len="sm"/>
+          </a:ln>
+        </p:spPr>
+        <p:txBody>
+          <a:bodyPr spcFirstLastPara="1" wrap="square" lIns="91425" tIns="91425" rIns="91425" bIns="91425" anchor="ctr" anchorCtr="0">
+            <a:noAutofit/>
+          </a:bodyPr>
+          <a:lstStyle/>
+          <a:p>
+            <a:pPr marL="0" lvl="0" indent="0" algn="l" rtl="0">
+              <a:spcBef>
+                <a:spcPts val="0"/>
+              </a:spcBef>
+              <a:spcAft>
+                <a:spcPts val="0"/>
+              </a:spcAft>
+              <a:buNone/>
+            </a:pPr>
+            <a:r>
+              <a:rPr lang="en" sz="900"/>
+              <a:t>analysis_v3.py</a:t>
+            </a:r>
+            <a:endParaRPr sz="900"/>
+          </a:p>
+        </p:txBody>
+      </p:sp>
+      <p:sp>
+        <p:nvSpPr>
+          <p:cNvPr id="790" name="Google Shape;790;p64"/>
+          <p:cNvSpPr/>
+          <p:nvPr/>
+        </p:nvSpPr>
+        <p:spPr>
+          <a:xfrm>
+            <a:off x="3970000" y="4150000"/>
+            <a:ext cx="768600" cy="497100"/>
+          </a:xfrm>
+          <a:prstGeom prst="rect">
+            <a:avLst/>
+          </a:prstGeom>
+          <a:solidFill>
+            <a:srgbClr val="C9DAF8"/>
+          </a:solidFill>
+          <a:ln w="9525" cap="flat" cmpd="sng">
+            <a:solidFill>
+              <a:schemeClr val="dk2"/>
+            </a:solidFill>
+            <a:prstDash val="solid"/>
+            <a:round/>
+            <a:headEnd type="none" w="sm" len="sm"/>
+            <a:tailEnd type="none" w="sm" len="sm"/>
+          </a:ln>
+        </p:spPr>
+        <p:txBody>
+          <a:bodyPr spcFirstLastPara="1" wrap="square" lIns="91425" tIns="91425" rIns="91425" bIns="91425" anchor="ctr" anchorCtr="0">
+            <a:noAutofit/>
+          </a:bodyPr>
+          <a:lstStyle/>
+          <a:p>
+            <a:pPr marL="0" lvl="0" indent="0" algn="l" rtl="0">
+              <a:spcBef>
+                <a:spcPts val="0"/>
+              </a:spcBef>
+              <a:spcAft>
+                <a:spcPts val="0"/>
+              </a:spcAft>
+              <a:buNone/>
+            </a:pPr>
+            <a:r>
+              <a:rPr lang="en" sz="900"/>
+              <a:t>model_v2.md</a:t>
+            </a:r>
+            <a:endParaRPr sz="900"/>
+          </a:p>
+        </p:txBody>
+      </p:sp>
+    </p:spTree>
+  </p:cSld>
+  <p:clrMapOvr>
+    <a:masterClrMapping/>
+  </p:clrMapOvr>
+</p:sld>
+</file>
+
+<file path=ppt/slides/slide61.xml><?xml version="1.0" encoding="utf-8"?>
+<p:sld xmlns:a="http://schemas.openxmlformats.org/drawingml/2006/main" xmlns:r="http://schemas.openxmlformats.org/officeDocument/2006/relationships" xmlns:p="http://schemas.openxmlformats.org/presentationml/2006/main">
+  <p:cSld>
+    <p:spTree>
+      <p:nvGrpSpPr>
         <p:cNvPr id="1" name="Shape 794"/>
         <p:cNvGrpSpPr/>
         <p:nvPr/>
@@ -48733,7 +49427,7 @@
 </p:sld>
 </file>
 
-<file path=ppt/slides/slide61.xml><?xml version="1.0" encoding="utf-8"?>
+<file path=ppt/slides/slide62.xml><?xml version="1.0" encoding="utf-8"?>
 <p:sld xmlns:a="http://schemas.openxmlformats.org/drawingml/2006/main" xmlns:r="http://schemas.openxmlformats.org/officeDocument/2006/relationships" xmlns:p="http://schemas.openxmlformats.org/presentationml/2006/main">
   <p:cSld>
     <p:spTree>
@@ -49264,7 +49958,7 @@
 </p:sld>
 </file>
 
-<file path=ppt/slides/slide62.xml><?xml version="1.0" encoding="utf-8"?>
+<file path=ppt/slides/slide63.xml><?xml version="1.0" encoding="utf-8"?>
 <p:sld xmlns:a="http://schemas.openxmlformats.org/drawingml/2006/main" xmlns:r="http://schemas.openxmlformats.org/officeDocument/2006/relationships" xmlns:p="http://schemas.openxmlformats.org/presentationml/2006/main">
   <p:cSld>
     <p:spTree>
@@ -49515,7 +50209,7 @@
 </p:sld>
 </file>
 
-<file path=ppt/slides/slide63.xml><?xml version="1.0" encoding="utf-8"?>
+<file path=ppt/slides/slide64.xml><?xml version="1.0" encoding="utf-8"?>
 <p:sld xmlns:a="http://schemas.openxmlformats.org/drawingml/2006/main" xmlns:r="http://schemas.openxmlformats.org/officeDocument/2006/relationships" xmlns:p="http://schemas.openxmlformats.org/presentationml/2006/main">
   <p:cSld>
     <p:spTree>
@@ -49716,7 +50410,7 @@
 </p:sld>
 </file>
 
-<file path=ppt/slides/slide64.xml><?xml version="1.0" encoding="utf-8"?>
+<file path=ppt/slides/slide65.xml><?xml version="1.0" encoding="utf-8"?>
 <p:sld xmlns:a="http://schemas.openxmlformats.org/drawingml/2006/main" xmlns:r="http://schemas.openxmlformats.org/officeDocument/2006/relationships" xmlns:p="http://schemas.openxmlformats.org/presentationml/2006/main">
   <p:cSld>
     <p:spTree>
@@ -49933,7 +50627,7 @@
 </p:sld>
 </file>
 
-<file path=ppt/slides/slide65.xml><?xml version="1.0" encoding="utf-8"?>
+<file path=ppt/slides/slide66.xml><?xml version="1.0" encoding="utf-8"?>
 <p:sld xmlns:a="http://schemas.openxmlformats.org/drawingml/2006/main" xmlns:r="http://schemas.openxmlformats.org/officeDocument/2006/relationships" xmlns:p="http://schemas.openxmlformats.org/presentationml/2006/main">
   <p:cSld>
     <p:spTree>
@@ -50150,7 +50844,7 @@
 </p:sld>
 </file>
 
-<file path=ppt/slides/slide66.xml><?xml version="1.0" encoding="utf-8"?>
+<file path=ppt/slides/slide67.xml><?xml version="1.0" encoding="utf-8"?>
 <p:sld xmlns:a="http://schemas.openxmlformats.org/drawingml/2006/main" xmlns:r="http://schemas.openxmlformats.org/officeDocument/2006/relationships" xmlns:p="http://schemas.openxmlformats.org/presentationml/2006/main">
   <p:cSld>
     <p:spTree>
@@ -50367,7 +51061,7 @@
 </p:sld>
 </file>
 
-<file path=ppt/slides/slide67.xml><?xml version="1.0" encoding="utf-8"?>
+<file path=ppt/slides/slide68.xml><?xml version="1.0" encoding="utf-8"?>
 <p:sld xmlns:a="http://schemas.openxmlformats.org/drawingml/2006/main" xmlns:r="http://schemas.openxmlformats.org/officeDocument/2006/relationships" xmlns:p="http://schemas.openxmlformats.org/presentationml/2006/main">
   <p:cSld>
     <p:spTree>
@@ -50814,7 +51508,7 @@
 </p:sld>
 </file>
 
-<file path=ppt/slides/slide68.xml><?xml version="1.0" encoding="utf-8"?>
+<file path=ppt/slides/slide69.xml><?xml version="1.0" encoding="utf-8"?>
 <p:sld xmlns:a="http://schemas.openxmlformats.org/drawingml/2006/main" xmlns:r="http://schemas.openxmlformats.org/officeDocument/2006/relationships" xmlns:p="http://schemas.openxmlformats.org/presentationml/2006/main">
   <p:cSld>
     <p:spTree>
@@ -51153,486 +51847,6 @@
               <a:buNone/>
             </a:pPr>
             <a:endParaRPr/>
-          </a:p>
-        </p:txBody>
-      </p:sp>
-    </p:spTree>
-  </p:cSld>
-  <p:clrMapOvr>
-    <a:masterClrMapping/>
-  </p:clrMapOvr>
-</p:sld>
-</file>
-
-<file path=ppt/slides/slide69.xml><?xml version="1.0" encoding="utf-8"?>
-<p:sld xmlns:a="http://schemas.openxmlformats.org/drawingml/2006/main" xmlns:r="http://schemas.openxmlformats.org/officeDocument/2006/relationships" xmlns:p="http://schemas.openxmlformats.org/presentationml/2006/main">
-  <p:cSld>
-    <p:spTree>
-      <p:nvGrpSpPr>
-        <p:cNvPr id="1" name="Shape 874"/>
-        <p:cNvGrpSpPr/>
-        <p:nvPr/>
-      </p:nvGrpSpPr>
-      <p:grpSpPr>
-        <a:xfrm>
-          <a:off x="0" y="0"/>
-          <a:ext cx="0" cy="0"/>
-          <a:chOff x="0" y="0"/>
-          <a:chExt cx="0" cy="0"/>
-        </a:xfrm>
-      </p:grpSpPr>
-      <p:sp>
-        <p:nvSpPr>
-          <p:cNvPr id="875" name="Google Shape;875;p74"/>
-          <p:cNvSpPr/>
-          <p:nvPr/>
-        </p:nvSpPr>
-        <p:spPr>
-          <a:xfrm>
-            <a:off x="352775" y="3667344"/>
-            <a:ext cx="3618600" cy="307500"/>
-          </a:xfrm>
-          <a:prstGeom prst="roundRect">
-            <a:avLst>
-              <a:gd name="adj" fmla="val 16667"/>
-            </a:avLst>
-          </a:prstGeom>
-          <a:solidFill>
-            <a:srgbClr val="FFF2CC"/>
-          </a:solidFill>
-          <a:ln w="9525" cap="flat" cmpd="sng">
-            <a:solidFill>
-              <a:schemeClr val="dk2"/>
-            </a:solidFill>
-            <a:prstDash val="solid"/>
-            <a:round/>
-            <a:headEnd type="none" w="sm" len="sm"/>
-            <a:tailEnd type="none" w="sm" len="sm"/>
-          </a:ln>
-        </p:spPr>
-        <p:txBody>
-          <a:bodyPr spcFirstLastPara="1" wrap="square" lIns="91425" tIns="91425" rIns="91425" bIns="91425" anchor="ctr" anchorCtr="0">
-            <a:noAutofit/>
-          </a:bodyPr>
-          <a:lstStyle/>
-          <a:p>
-            <a:pPr marL="0" lvl="0" indent="0" algn="l" rtl="0">
-              <a:spcBef>
-                <a:spcPts val="0"/>
-              </a:spcBef>
-              <a:spcAft>
-                <a:spcPts val="0"/>
-              </a:spcAft>
-              <a:buNone/>
-            </a:pPr>
-            <a:endParaRPr/>
-          </a:p>
-        </p:txBody>
-      </p:sp>
-      <p:sp>
-        <p:nvSpPr>
-          <p:cNvPr id="876" name="Google Shape;876;p74"/>
-          <p:cNvSpPr/>
-          <p:nvPr/>
-        </p:nvSpPr>
-        <p:spPr>
-          <a:xfrm>
-            <a:off x="352775" y="2418000"/>
-            <a:ext cx="3618600" cy="307500"/>
-          </a:xfrm>
-          <a:prstGeom prst="roundRect">
-            <a:avLst>
-              <a:gd name="adj" fmla="val 16667"/>
-            </a:avLst>
-          </a:prstGeom>
-          <a:solidFill>
-            <a:srgbClr val="FFF2CC"/>
-          </a:solidFill>
-          <a:ln w="9525" cap="flat" cmpd="sng">
-            <a:solidFill>
-              <a:schemeClr val="dk2"/>
-            </a:solidFill>
-            <a:prstDash val="solid"/>
-            <a:round/>
-            <a:headEnd type="none" w="sm" len="sm"/>
-            <a:tailEnd type="none" w="sm" len="sm"/>
-          </a:ln>
-        </p:spPr>
-        <p:txBody>
-          <a:bodyPr spcFirstLastPara="1" wrap="square" lIns="91425" tIns="91425" rIns="91425" bIns="91425" anchor="ctr" anchorCtr="0">
-            <a:noAutofit/>
-          </a:bodyPr>
-          <a:lstStyle/>
-          <a:p>
-            <a:pPr marL="0" lvl="0" indent="0" algn="l" rtl="0">
-              <a:spcBef>
-                <a:spcPts val="0"/>
-              </a:spcBef>
-              <a:spcAft>
-                <a:spcPts val="0"/>
-              </a:spcAft>
-              <a:buNone/>
-            </a:pPr>
-            <a:endParaRPr/>
-          </a:p>
-        </p:txBody>
-      </p:sp>
-      <p:sp>
-        <p:nvSpPr>
-          <p:cNvPr id="877" name="Google Shape;877;p74"/>
-          <p:cNvSpPr/>
-          <p:nvPr/>
-        </p:nvSpPr>
-        <p:spPr>
-          <a:xfrm>
-            <a:off x="393225" y="1248925"/>
-            <a:ext cx="3843900" cy="307500"/>
-          </a:xfrm>
-          <a:prstGeom prst="roundRect">
-            <a:avLst>
-              <a:gd name="adj" fmla="val 16667"/>
-            </a:avLst>
-          </a:prstGeom>
-          <a:solidFill>
-            <a:srgbClr val="FFF2CC"/>
-          </a:solidFill>
-          <a:ln w="9525" cap="flat" cmpd="sng">
-            <a:solidFill>
-              <a:schemeClr val="dk2"/>
-            </a:solidFill>
-            <a:prstDash val="solid"/>
-            <a:round/>
-            <a:headEnd type="none" w="sm" len="sm"/>
-            <a:tailEnd type="none" w="sm" len="sm"/>
-          </a:ln>
-        </p:spPr>
-        <p:txBody>
-          <a:bodyPr spcFirstLastPara="1" wrap="square" lIns="91425" tIns="91425" rIns="91425" bIns="91425" anchor="ctr" anchorCtr="0">
-            <a:noAutofit/>
-          </a:bodyPr>
-          <a:lstStyle/>
-          <a:p>
-            <a:pPr marL="0" lvl="0" indent="0" algn="l" rtl="0">
-              <a:spcBef>
-                <a:spcPts val="0"/>
-              </a:spcBef>
-              <a:spcAft>
-                <a:spcPts val="0"/>
-              </a:spcAft>
-              <a:buNone/>
-            </a:pPr>
-            <a:endParaRPr/>
-          </a:p>
-        </p:txBody>
-      </p:sp>
-      <p:sp>
-        <p:nvSpPr>
-          <p:cNvPr id="878" name="Google Shape;878;p74"/>
-          <p:cNvSpPr txBox="1">
-            <a:spLocks noGrp="1"/>
-          </p:cNvSpPr>
-          <p:nvPr>
-            <p:ph type="title"/>
-          </p:nvPr>
-        </p:nvSpPr>
-        <p:spPr>
-          <a:xfrm>
-            <a:off x="311700" y="445025"/>
-            <a:ext cx="8520600" cy="572700"/>
-          </a:xfrm>
-          <a:prstGeom prst="rect">
-            <a:avLst/>
-          </a:prstGeom>
-        </p:spPr>
-        <p:txBody>
-          <a:bodyPr spcFirstLastPara="1" wrap="square" lIns="91425" tIns="91425" rIns="91425" bIns="91425" anchor="t" anchorCtr="0">
-            <a:normAutofit fontScale="90000"/>
-          </a:bodyPr>
-          <a:lstStyle/>
-          <a:p>
-            <a:pPr marL="0" lvl="0" indent="0" algn="ctr" rtl="0">
-              <a:spcBef>
-                <a:spcPts val="0"/>
-              </a:spcBef>
-              <a:spcAft>
-                <a:spcPts val="0"/>
-              </a:spcAft>
-              <a:buNone/>
-            </a:pPr>
-            <a:r>
-              <a:rPr lang="en" dirty="0"/>
-              <a:t>Working with branches</a:t>
-            </a:r>
-            <a:endParaRPr dirty="0"/>
-          </a:p>
-        </p:txBody>
-      </p:sp>
-      <p:sp>
-        <p:nvSpPr>
-          <p:cNvPr id="879" name="Google Shape;879;p74"/>
-          <p:cNvSpPr txBox="1">
-            <a:spLocks noGrp="1"/>
-          </p:cNvSpPr>
-          <p:nvPr>
-            <p:ph type="body" idx="1"/>
-          </p:nvPr>
-        </p:nvSpPr>
-        <p:spPr>
-          <a:xfrm>
-            <a:off x="311700" y="1137476"/>
-            <a:ext cx="8520600" cy="3625266"/>
-          </a:xfrm>
-          <a:prstGeom prst="rect">
-            <a:avLst/>
-          </a:prstGeom>
-        </p:spPr>
-        <p:txBody>
-          <a:bodyPr spcFirstLastPara="1" wrap="square" lIns="91425" tIns="91425" rIns="91425" bIns="91425" anchor="t" anchorCtr="0">
-            <a:normAutofit fontScale="85000" lnSpcReduction="10000"/>
-          </a:bodyPr>
-          <a:lstStyle/>
-          <a:p>
-            <a:pPr marL="0" lvl="0" indent="0" algn="l" rtl="0">
-              <a:spcBef>
-                <a:spcPts val="0"/>
-              </a:spcBef>
-              <a:spcAft>
-                <a:spcPts val="0"/>
-              </a:spcAft>
-              <a:buNone/>
-            </a:pPr>
-            <a:r>
-              <a:rPr lang="en" dirty="0">
-                <a:solidFill>
-                  <a:schemeClr val="dk1"/>
-                </a:solidFill>
-                <a:latin typeface="Courier New"/>
-                <a:ea typeface="Courier New"/>
-                <a:cs typeface="Courier New"/>
-                <a:sym typeface="Courier New"/>
-              </a:rPr>
-              <a:t>git switch -c &lt;new branch&gt;</a:t>
-            </a:r>
-            <a:r>
-              <a:rPr lang="en" dirty="0">
-                <a:solidFill>
-                  <a:schemeClr val="dk1"/>
-                </a:solidFill>
-              </a:rPr>
-              <a:t>                  : Creates a new branch and switches to it.</a:t>
-            </a:r>
-            <a:endParaRPr dirty="0">
-              <a:solidFill>
-                <a:schemeClr val="dk1"/>
-              </a:solidFill>
-            </a:endParaRPr>
-          </a:p>
-          <a:p>
-            <a:pPr marL="457200" lvl="0" indent="-342900" algn="l" rtl="0">
-              <a:spcBef>
-                <a:spcPts val="1200"/>
-              </a:spcBef>
-              <a:spcAft>
-                <a:spcPts val="0"/>
-              </a:spcAft>
-              <a:buClr>
-                <a:schemeClr val="dk1"/>
-              </a:buClr>
-              <a:buSzPts val="1800"/>
-              <a:buChar char="●"/>
-            </a:pPr>
-            <a:r>
-              <a:rPr lang="en" dirty="0">
-                <a:solidFill>
-                  <a:schemeClr val="dk1"/>
-                </a:solidFill>
-              </a:rPr>
-              <a:t>Let’s create a new branch and make some modifications, stage and commit.</a:t>
-            </a:r>
-            <a:endParaRPr dirty="0">
-              <a:solidFill>
-                <a:schemeClr val="dk1"/>
-              </a:solidFill>
-            </a:endParaRPr>
-          </a:p>
-          <a:p>
-            <a:pPr marL="457200" lvl="0" indent="-342900" algn="l" rtl="0">
-              <a:spcBef>
-                <a:spcPts val="0"/>
-              </a:spcBef>
-              <a:spcAft>
-                <a:spcPts val="0"/>
-              </a:spcAft>
-              <a:buClr>
-                <a:schemeClr val="dk1"/>
-              </a:buClr>
-              <a:buSzPts val="1800"/>
-              <a:buChar char="●"/>
-            </a:pPr>
-            <a:r>
-              <a:rPr lang="en" dirty="0">
-                <a:solidFill>
-                  <a:schemeClr val="dk1"/>
-                </a:solidFill>
-              </a:rPr>
-              <a:t>Then let’s compare our branches:</a:t>
-            </a:r>
-          </a:p>
-          <a:p>
-            <a:pPr marL="114300" lvl="0" indent="0" algn="l" rtl="0">
-              <a:spcBef>
-                <a:spcPts val="0"/>
-              </a:spcBef>
-              <a:spcAft>
-                <a:spcPts val="0"/>
-              </a:spcAft>
-              <a:buClr>
-                <a:schemeClr val="dk1"/>
-              </a:buClr>
-              <a:buSzPts val="1800"/>
-              <a:buNone/>
-            </a:pPr>
-            <a:endParaRPr dirty="0">
-              <a:solidFill>
-                <a:schemeClr val="dk1"/>
-              </a:solidFill>
-            </a:endParaRPr>
-          </a:p>
-          <a:p>
-            <a:pPr marL="0" lvl="0" indent="0" algn="l" rtl="0">
-              <a:spcBef>
-                <a:spcPts val="1200"/>
-              </a:spcBef>
-              <a:spcAft>
-                <a:spcPts val="0"/>
-              </a:spcAft>
-              <a:buNone/>
-            </a:pPr>
-            <a:r>
-              <a:rPr lang="en" dirty="0">
-                <a:solidFill>
-                  <a:schemeClr val="dk1"/>
-                </a:solidFill>
-                <a:latin typeface="Courier New"/>
-                <a:ea typeface="Courier New"/>
-                <a:cs typeface="Courier New"/>
-                <a:sym typeface="Courier New"/>
-              </a:rPr>
-              <a:t>git diff main analysis </a:t>
-            </a:r>
-            <a:r>
-              <a:rPr lang="en" dirty="0">
-                <a:solidFill>
-                  <a:schemeClr val="dk1"/>
-                </a:solidFill>
-              </a:rPr>
-              <a:t>                    : Compares branches   </a:t>
-            </a:r>
-            <a:endParaRPr dirty="0">
-              <a:solidFill>
-                <a:schemeClr val="dk1"/>
-              </a:solidFill>
-            </a:endParaRPr>
-          </a:p>
-          <a:p>
-            <a:pPr marL="457200" lvl="0" indent="0" algn="l" rtl="0">
-              <a:spcBef>
-                <a:spcPts val="1200"/>
-              </a:spcBef>
-              <a:spcAft>
-                <a:spcPts val="0"/>
-              </a:spcAft>
-              <a:buNone/>
-            </a:pPr>
-            <a:endParaRPr dirty="0">
-              <a:solidFill>
-                <a:schemeClr val="dk1"/>
-              </a:solidFill>
-            </a:endParaRPr>
-          </a:p>
-          <a:p>
-            <a:pPr marL="457200" lvl="0" indent="-342900" algn="l" rtl="0">
-              <a:spcBef>
-                <a:spcPts val="1200"/>
-              </a:spcBef>
-              <a:spcAft>
-                <a:spcPts val="0"/>
-              </a:spcAft>
-              <a:buClr>
-                <a:schemeClr val="dk1"/>
-              </a:buClr>
-              <a:buSzPts val="1800"/>
-              <a:buChar char="●"/>
-            </a:pPr>
-            <a:r>
-              <a:rPr lang="en" dirty="0">
-                <a:solidFill>
-                  <a:schemeClr val="dk1"/>
-                </a:solidFill>
-              </a:rPr>
-              <a:t>Let’s switch branches:</a:t>
-            </a:r>
-            <a:endParaRPr dirty="0">
-              <a:solidFill>
-                <a:schemeClr val="dk1"/>
-              </a:solidFill>
-            </a:endParaRPr>
-          </a:p>
-          <a:p>
-            <a:pPr marL="0" lvl="0" indent="0" algn="l" rtl="0">
-              <a:spcBef>
-                <a:spcPts val="1200"/>
-              </a:spcBef>
-              <a:spcAft>
-                <a:spcPts val="0"/>
-              </a:spcAft>
-              <a:buNone/>
-            </a:pPr>
-            <a:r>
-              <a:rPr lang="en" dirty="0">
-                <a:solidFill>
-                  <a:schemeClr val="dk1"/>
-                </a:solidFill>
-                <a:latin typeface="Courier New"/>
-                <a:ea typeface="Courier New"/>
-                <a:cs typeface="Courier New"/>
-                <a:sym typeface="Courier New"/>
-              </a:rPr>
-              <a:t>git switch  &lt;branch&gt;</a:t>
-            </a:r>
-            <a:endParaRPr dirty="0">
-              <a:solidFill>
-                <a:schemeClr val="dk1"/>
-              </a:solidFill>
-              <a:latin typeface="Courier New"/>
-              <a:ea typeface="Courier New"/>
-              <a:cs typeface="Courier New"/>
-              <a:sym typeface="Courier New"/>
-            </a:endParaRPr>
-          </a:p>
-          <a:p>
-            <a:pPr marL="0" lvl="0" indent="0" algn="l" rtl="0">
-              <a:spcBef>
-                <a:spcPts val="1200"/>
-              </a:spcBef>
-              <a:spcAft>
-                <a:spcPts val="1200"/>
-              </a:spcAft>
-              <a:buNone/>
-            </a:pPr>
-            <a:r>
-              <a:rPr lang="en" dirty="0">
-                <a:solidFill>
-                  <a:schemeClr val="dk1"/>
-                </a:solidFill>
-              </a:rPr>
-              <a:t>    </a:t>
-            </a:r>
-            <a:endParaRPr dirty="0">
-              <a:solidFill>
-                <a:schemeClr val="dk1"/>
-              </a:solidFill>
-            </a:endParaRPr>
           </a:p>
         </p:txBody>
       </p:sp>
@@ -52338,6 +52552,486 @@
   <p:cSld>
     <p:spTree>
       <p:nvGrpSpPr>
+        <p:cNvPr id="1" name="Shape 874"/>
+        <p:cNvGrpSpPr/>
+        <p:nvPr/>
+      </p:nvGrpSpPr>
+      <p:grpSpPr>
+        <a:xfrm>
+          <a:off x="0" y="0"/>
+          <a:ext cx="0" cy="0"/>
+          <a:chOff x="0" y="0"/>
+          <a:chExt cx="0" cy="0"/>
+        </a:xfrm>
+      </p:grpSpPr>
+      <p:sp>
+        <p:nvSpPr>
+          <p:cNvPr id="875" name="Google Shape;875;p74"/>
+          <p:cNvSpPr/>
+          <p:nvPr/>
+        </p:nvSpPr>
+        <p:spPr>
+          <a:xfrm>
+            <a:off x="352775" y="3667344"/>
+            <a:ext cx="3618600" cy="307500"/>
+          </a:xfrm>
+          <a:prstGeom prst="roundRect">
+            <a:avLst>
+              <a:gd name="adj" fmla="val 16667"/>
+            </a:avLst>
+          </a:prstGeom>
+          <a:solidFill>
+            <a:srgbClr val="FFF2CC"/>
+          </a:solidFill>
+          <a:ln w="9525" cap="flat" cmpd="sng">
+            <a:solidFill>
+              <a:schemeClr val="dk2"/>
+            </a:solidFill>
+            <a:prstDash val="solid"/>
+            <a:round/>
+            <a:headEnd type="none" w="sm" len="sm"/>
+            <a:tailEnd type="none" w="sm" len="sm"/>
+          </a:ln>
+        </p:spPr>
+        <p:txBody>
+          <a:bodyPr spcFirstLastPara="1" wrap="square" lIns="91425" tIns="91425" rIns="91425" bIns="91425" anchor="ctr" anchorCtr="0">
+            <a:noAutofit/>
+          </a:bodyPr>
+          <a:lstStyle/>
+          <a:p>
+            <a:pPr marL="0" lvl="0" indent="0" algn="l" rtl="0">
+              <a:spcBef>
+                <a:spcPts val="0"/>
+              </a:spcBef>
+              <a:spcAft>
+                <a:spcPts val="0"/>
+              </a:spcAft>
+              <a:buNone/>
+            </a:pPr>
+            <a:endParaRPr/>
+          </a:p>
+        </p:txBody>
+      </p:sp>
+      <p:sp>
+        <p:nvSpPr>
+          <p:cNvPr id="876" name="Google Shape;876;p74"/>
+          <p:cNvSpPr/>
+          <p:nvPr/>
+        </p:nvSpPr>
+        <p:spPr>
+          <a:xfrm>
+            <a:off x="352775" y="2418000"/>
+            <a:ext cx="3618600" cy="307500"/>
+          </a:xfrm>
+          <a:prstGeom prst="roundRect">
+            <a:avLst>
+              <a:gd name="adj" fmla="val 16667"/>
+            </a:avLst>
+          </a:prstGeom>
+          <a:solidFill>
+            <a:srgbClr val="FFF2CC"/>
+          </a:solidFill>
+          <a:ln w="9525" cap="flat" cmpd="sng">
+            <a:solidFill>
+              <a:schemeClr val="dk2"/>
+            </a:solidFill>
+            <a:prstDash val="solid"/>
+            <a:round/>
+            <a:headEnd type="none" w="sm" len="sm"/>
+            <a:tailEnd type="none" w="sm" len="sm"/>
+          </a:ln>
+        </p:spPr>
+        <p:txBody>
+          <a:bodyPr spcFirstLastPara="1" wrap="square" lIns="91425" tIns="91425" rIns="91425" bIns="91425" anchor="ctr" anchorCtr="0">
+            <a:noAutofit/>
+          </a:bodyPr>
+          <a:lstStyle/>
+          <a:p>
+            <a:pPr marL="0" lvl="0" indent="0" algn="l" rtl="0">
+              <a:spcBef>
+                <a:spcPts val="0"/>
+              </a:spcBef>
+              <a:spcAft>
+                <a:spcPts val="0"/>
+              </a:spcAft>
+              <a:buNone/>
+            </a:pPr>
+            <a:endParaRPr/>
+          </a:p>
+        </p:txBody>
+      </p:sp>
+      <p:sp>
+        <p:nvSpPr>
+          <p:cNvPr id="877" name="Google Shape;877;p74"/>
+          <p:cNvSpPr/>
+          <p:nvPr/>
+        </p:nvSpPr>
+        <p:spPr>
+          <a:xfrm>
+            <a:off x="393225" y="1248925"/>
+            <a:ext cx="3843900" cy="307500"/>
+          </a:xfrm>
+          <a:prstGeom prst="roundRect">
+            <a:avLst>
+              <a:gd name="adj" fmla="val 16667"/>
+            </a:avLst>
+          </a:prstGeom>
+          <a:solidFill>
+            <a:srgbClr val="FFF2CC"/>
+          </a:solidFill>
+          <a:ln w="9525" cap="flat" cmpd="sng">
+            <a:solidFill>
+              <a:schemeClr val="dk2"/>
+            </a:solidFill>
+            <a:prstDash val="solid"/>
+            <a:round/>
+            <a:headEnd type="none" w="sm" len="sm"/>
+            <a:tailEnd type="none" w="sm" len="sm"/>
+          </a:ln>
+        </p:spPr>
+        <p:txBody>
+          <a:bodyPr spcFirstLastPara="1" wrap="square" lIns="91425" tIns="91425" rIns="91425" bIns="91425" anchor="ctr" anchorCtr="0">
+            <a:noAutofit/>
+          </a:bodyPr>
+          <a:lstStyle/>
+          <a:p>
+            <a:pPr marL="0" lvl="0" indent="0" algn="l" rtl="0">
+              <a:spcBef>
+                <a:spcPts val="0"/>
+              </a:spcBef>
+              <a:spcAft>
+                <a:spcPts val="0"/>
+              </a:spcAft>
+              <a:buNone/>
+            </a:pPr>
+            <a:endParaRPr/>
+          </a:p>
+        </p:txBody>
+      </p:sp>
+      <p:sp>
+        <p:nvSpPr>
+          <p:cNvPr id="878" name="Google Shape;878;p74"/>
+          <p:cNvSpPr txBox="1">
+            <a:spLocks noGrp="1"/>
+          </p:cNvSpPr>
+          <p:nvPr>
+            <p:ph type="title"/>
+          </p:nvPr>
+        </p:nvSpPr>
+        <p:spPr>
+          <a:xfrm>
+            <a:off x="311700" y="445025"/>
+            <a:ext cx="8520600" cy="572700"/>
+          </a:xfrm>
+          <a:prstGeom prst="rect">
+            <a:avLst/>
+          </a:prstGeom>
+        </p:spPr>
+        <p:txBody>
+          <a:bodyPr spcFirstLastPara="1" wrap="square" lIns="91425" tIns="91425" rIns="91425" bIns="91425" anchor="t" anchorCtr="0">
+            <a:normAutofit fontScale="90000"/>
+          </a:bodyPr>
+          <a:lstStyle/>
+          <a:p>
+            <a:pPr marL="0" lvl="0" indent="0" algn="ctr" rtl="0">
+              <a:spcBef>
+                <a:spcPts val="0"/>
+              </a:spcBef>
+              <a:spcAft>
+                <a:spcPts val="0"/>
+              </a:spcAft>
+              <a:buNone/>
+            </a:pPr>
+            <a:r>
+              <a:rPr lang="en" dirty="0"/>
+              <a:t>Working with branches</a:t>
+            </a:r>
+            <a:endParaRPr dirty="0"/>
+          </a:p>
+        </p:txBody>
+      </p:sp>
+      <p:sp>
+        <p:nvSpPr>
+          <p:cNvPr id="879" name="Google Shape;879;p74"/>
+          <p:cNvSpPr txBox="1">
+            <a:spLocks noGrp="1"/>
+          </p:cNvSpPr>
+          <p:nvPr>
+            <p:ph type="body" idx="1"/>
+          </p:nvPr>
+        </p:nvSpPr>
+        <p:spPr>
+          <a:xfrm>
+            <a:off x="311700" y="1137476"/>
+            <a:ext cx="8520600" cy="3625266"/>
+          </a:xfrm>
+          <a:prstGeom prst="rect">
+            <a:avLst/>
+          </a:prstGeom>
+        </p:spPr>
+        <p:txBody>
+          <a:bodyPr spcFirstLastPara="1" wrap="square" lIns="91425" tIns="91425" rIns="91425" bIns="91425" anchor="t" anchorCtr="0">
+            <a:normAutofit fontScale="85000" lnSpcReduction="10000"/>
+          </a:bodyPr>
+          <a:lstStyle/>
+          <a:p>
+            <a:pPr marL="0" lvl="0" indent="0" algn="l" rtl="0">
+              <a:spcBef>
+                <a:spcPts val="0"/>
+              </a:spcBef>
+              <a:spcAft>
+                <a:spcPts val="0"/>
+              </a:spcAft>
+              <a:buNone/>
+            </a:pPr>
+            <a:r>
+              <a:rPr lang="en" dirty="0">
+                <a:solidFill>
+                  <a:schemeClr val="dk1"/>
+                </a:solidFill>
+                <a:latin typeface="Courier New"/>
+                <a:ea typeface="Courier New"/>
+                <a:cs typeface="Courier New"/>
+                <a:sym typeface="Courier New"/>
+              </a:rPr>
+              <a:t>git switch -c &lt;new branch&gt;</a:t>
+            </a:r>
+            <a:r>
+              <a:rPr lang="en" dirty="0">
+                <a:solidFill>
+                  <a:schemeClr val="dk1"/>
+                </a:solidFill>
+              </a:rPr>
+              <a:t>                  : Creates a new branch and switches to it.</a:t>
+            </a:r>
+            <a:endParaRPr dirty="0">
+              <a:solidFill>
+                <a:schemeClr val="dk1"/>
+              </a:solidFill>
+            </a:endParaRPr>
+          </a:p>
+          <a:p>
+            <a:pPr marL="457200" lvl="0" indent="-342900" algn="l" rtl="0">
+              <a:spcBef>
+                <a:spcPts val="1200"/>
+              </a:spcBef>
+              <a:spcAft>
+                <a:spcPts val="0"/>
+              </a:spcAft>
+              <a:buClr>
+                <a:schemeClr val="dk1"/>
+              </a:buClr>
+              <a:buSzPts val="1800"/>
+              <a:buChar char="●"/>
+            </a:pPr>
+            <a:r>
+              <a:rPr lang="en" dirty="0">
+                <a:solidFill>
+                  <a:schemeClr val="dk1"/>
+                </a:solidFill>
+              </a:rPr>
+              <a:t>Let’s create a new branch and make some modifications, stage and commit.</a:t>
+            </a:r>
+            <a:endParaRPr dirty="0">
+              <a:solidFill>
+                <a:schemeClr val="dk1"/>
+              </a:solidFill>
+            </a:endParaRPr>
+          </a:p>
+          <a:p>
+            <a:pPr marL="457200" lvl="0" indent="-342900" algn="l" rtl="0">
+              <a:spcBef>
+                <a:spcPts val="0"/>
+              </a:spcBef>
+              <a:spcAft>
+                <a:spcPts val="0"/>
+              </a:spcAft>
+              <a:buClr>
+                <a:schemeClr val="dk1"/>
+              </a:buClr>
+              <a:buSzPts val="1800"/>
+              <a:buChar char="●"/>
+            </a:pPr>
+            <a:r>
+              <a:rPr lang="en" dirty="0">
+                <a:solidFill>
+                  <a:schemeClr val="dk1"/>
+                </a:solidFill>
+              </a:rPr>
+              <a:t>Then let’s compare our branches:</a:t>
+            </a:r>
+          </a:p>
+          <a:p>
+            <a:pPr marL="114300" lvl="0" indent="0" algn="l" rtl="0">
+              <a:spcBef>
+                <a:spcPts val="0"/>
+              </a:spcBef>
+              <a:spcAft>
+                <a:spcPts val="0"/>
+              </a:spcAft>
+              <a:buClr>
+                <a:schemeClr val="dk1"/>
+              </a:buClr>
+              <a:buSzPts val="1800"/>
+              <a:buNone/>
+            </a:pPr>
+            <a:endParaRPr dirty="0">
+              <a:solidFill>
+                <a:schemeClr val="dk1"/>
+              </a:solidFill>
+            </a:endParaRPr>
+          </a:p>
+          <a:p>
+            <a:pPr marL="0" lvl="0" indent="0" algn="l" rtl="0">
+              <a:spcBef>
+                <a:spcPts val="1200"/>
+              </a:spcBef>
+              <a:spcAft>
+                <a:spcPts val="0"/>
+              </a:spcAft>
+              <a:buNone/>
+            </a:pPr>
+            <a:r>
+              <a:rPr lang="en" dirty="0">
+                <a:solidFill>
+                  <a:schemeClr val="dk1"/>
+                </a:solidFill>
+                <a:latin typeface="Courier New"/>
+                <a:ea typeface="Courier New"/>
+                <a:cs typeface="Courier New"/>
+                <a:sym typeface="Courier New"/>
+              </a:rPr>
+              <a:t>git diff main analysis </a:t>
+            </a:r>
+            <a:r>
+              <a:rPr lang="en" dirty="0">
+                <a:solidFill>
+                  <a:schemeClr val="dk1"/>
+                </a:solidFill>
+              </a:rPr>
+              <a:t>                    : Compares branches   </a:t>
+            </a:r>
+            <a:endParaRPr dirty="0">
+              <a:solidFill>
+                <a:schemeClr val="dk1"/>
+              </a:solidFill>
+            </a:endParaRPr>
+          </a:p>
+          <a:p>
+            <a:pPr marL="457200" lvl="0" indent="0" algn="l" rtl="0">
+              <a:spcBef>
+                <a:spcPts val="1200"/>
+              </a:spcBef>
+              <a:spcAft>
+                <a:spcPts val="0"/>
+              </a:spcAft>
+              <a:buNone/>
+            </a:pPr>
+            <a:endParaRPr dirty="0">
+              <a:solidFill>
+                <a:schemeClr val="dk1"/>
+              </a:solidFill>
+            </a:endParaRPr>
+          </a:p>
+          <a:p>
+            <a:pPr marL="457200" lvl="0" indent="-342900" algn="l" rtl="0">
+              <a:spcBef>
+                <a:spcPts val="1200"/>
+              </a:spcBef>
+              <a:spcAft>
+                <a:spcPts val="0"/>
+              </a:spcAft>
+              <a:buClr>
+                <a:schemeClr val="dk1"/>
+              </a:buClr>
+              <a:buSzPts val="1800"/>
+              <a:buChar char="●"/>
+            </a:pPr>
+            <a:r>
+              <a:rPr lang="en" dirty="0">
+                <a:solidFill>
+                  <a:schemeClr val="dk1"/>
+                </a:solidFill>
+              </a:rPr>
+              <a:t>Let’s switch branches:</a:t>
+            </a:r>
+            <a:endParaRPr dirty="0">
+              <a:solidFill>
+                <a:schemeClr val="dk1"/>
+              </a:solidFill>
+            </a:endParaRPr>
+          </a:p>
+          <a:p>
+            <a:pPr marL="0" lvl="0" indent="0" algn="l" rtl="0">
+              <a:spcBef>
+                <a:spcPts val="1200"/>
+              </a:spcBef>
+              <a:spcAft>
+                <a:spcPts val="0"/>
+              </a:spcAft>
+              <a:buNone/>
+            </a:pPr>
+            <a:r>
+              <a:rPr lang="en" dirty="0">
+                <a:solidFill>
+                  <a:schemeClr val="dk1"/>
+                </a:solidFill>
+                <a:latin typeface="Courier New"/>
+                <a:ea typeface="Courier New"/>
+                <a:cs typeface="Courier New"/>
+                <a:sym typeface="Courier New"/>
+              </a:rPr>
+              <a:t>git switch  &lt;branch&gt;</a:t>
+            </a:r>
+            <a:endParaRPr dirty="0">
+              <a:solidFill>
+                <a:schemeClr val="dk1"/>
+              </a:solidFill>
+              <a:latin typeface="Courier New"/>
+              <a:ea typeface="Courier New"/>
+              <a:cs typeface="Courier New"/>
+              <a:sym typeface="Courier New"/>
+            </a:endParaRPr>
+          </a:p>
+          <a:p>
+            <a:pPr marL="0" lvl="0" indent="0" algn="l" rtl="0">
+              <a:spcBef>
+                <a:spcPts val="1200"/>
+              </a:spcBef>
+              <a:spcAft>
+                <a:spcPts val="1200"/>
+              </a:spcAft>
+              <a:buNone/>
+            </a:pPr>
+            <a:r>
+              <a:rPr lang="en" dirty="0">
+                <a:solidFill>
+                  <a:schemeClr val="dk1"/>
+                </a:solidFill>
+              </a:rPr>
+              <a:t>    </a:t>
+            </a:r>
+            <a:endParaRPr dirty="0">
+              <a:solidFill>
+                <a:schemeClr val="dk1"/>
+              </a:solidFill>
+            </a:endParaRPr>
+          </a:p>
+        </p:txBody>
+      </p:sp>
+    </p:spTree>
+  </p:cSld>
+  <p:clrMapOvr>
+    <a:masterClrMapping/>
+  </p:clrMapOvr>
+</p:sld>
+</file>
+
+<file path=ppt/slides/slide71.xml><?xml version="1.0" encoding="utf-8"?>
+<p:sld xmlns:a="http://schemas.openxmlformats.org/drawingml/2006/main" xmlns:r="http://schemas.openxmlformats.org/officeDocument/2006/relationships" xmlns:p="http://schemas.openxmlformats.org/presentationml/2006/main">
+  <p:cSld>
+    <p:spTree>
+      <p:nvGrpSpPr>
         <p:cNvPr id="1" name="Shape 883"/>
         <p:cNvGrpSpPr/>
         <p:nvPr/>
@@ -52823,7 +53517,7 @@
 </p:sld>
 </file>
 
-<file path=ppt/slides/slide71.xml><?xml version="1.0" encoding="utf-8"?>
+<file path=ppt/slides/slide72.xml><?xml version="1.0" encoding="utf-8"?>
 <p:sld xmlns:a="http://schemas.openxmlformats.org/drawingml/2006/main" xmlns:r="http://schemas.openxmlformats.org/officeDocument/2006/relationships" xmlns:p="http://schemas.openxmlformats.org/presentationml/2006/main">
   <p:cSld>
     <p:spTree>
@@ -53733,7 +54427,7 @@
 </p:sld>
 </file>
 
-<file path=ppt/slides/slide72.xml><?xml version="1.0" encoding="utf-8"?>
+<file path=ppt/slides/slide73.xml><?xml version="1.0" encoding="utf-8"?>
 <p:sld xmlns:a="http://schemas.openxmlformats.org/drawingml/2006/main" xmlns:r="http://schemas.openxmlformats.org/officeDocument/2006/relationships" xmlns:p="http://schemas.openxmlformats.org/presentationml/2006/main">
   <p:cSld>
     <p:spTree>
@@ -54888,7 +55582,7 @@
 </p:sld>
 </file>
 
-<file path=ppt/slides/slide73.xml><?xml version="1.0" encoding="utf-8"?>
+<file path=ppt/slides/slide74.xml><?xml version="1.0" encoding="utf-8"?>
 <p:sld xmlns:a="http://schemas.openxmlformats.org/drawingml/2006/main" xmlns:r="http://schemas.openxmlformats.org/officeDocument/2006/relationships" xmlns:p="http://schemas.openxmlformats.org/presentationml/2006/main">
   <p:cSld>
     <p:spTree>
@@ -55405,7 +56099,7 @@
 </p:sld>
 </file>
 
-<file path=ppt/slides/slide74.xml><?xml version="1.0" encoding="utf-8"?>
+<file path=ppt/slides/slide75.xml><?xml version="1.0" encoding="utf-8"?>
 <p:sld xmlns:a="http://schemas.openxmlformats.org/drawingml/2006/main" xmlns:r="http://schemas.openxmlformats.org/officeDocument/2006/relationships" xmlns:p="http://schemas.openxmlformats.org/presentationml/2006/main">
   <p:cSld>
     <p:spTree>
@@ -56260,7 +56954,7 @@
 </p:sld>
 </file>
 
-<file path=ppt/slides/slide75.xml><?xml version="1.0" encoding="utf-8"?>
+<file path=ppt/slides/slide76.xml><?xml version="1.0" encoding="utf-8"?>
 <p:sld xmlns:a="http://schemas.openxmlformats.org/drawingml/2006/main" xmlns:r="http://schemas.openxmlformats.org/officeDocument/2006/relationships" xmlns:p="http://schemas.openxmlformats.org/presentationml/2006/main">
   <p:cSld>
     <p:spTree>
@@ -56849,7 +57543,7 @@
 </p:sld>
 </file>
 
-<file path=ppt/slides/slide76.xml><?xml version="1.0" encoding="utf-8"?>
+<file path=ppt/slides/slide77.xml><?xml version="1.0" encoding="utf-8"?>
 <p:sld xmlns:a="http://schemas.openxmlformats.org/drawingml/2006/main" xmlns:r="http://schemas.openxmlformats.org/officeDocument/2006/relationships" xmlns:p="http://schemas.openxmlformats.org/presentationml/2006/main">
   <p:cSld>
     <p:spTree>
@@ -57277,7 +57971,7 @@
 </p:sld>
 </file>
 
-<file path=ppt/slides/slide77.xml><?xml version="1.0" encoding="utf-8"?>
+<file path=ppt/slides/slide78.xml><?xml version="1.0" encoding="utf-8"?>
 <p:sld xmlns:a="http://schemas.openxmlformats.org/drawingml/2006/main" xmlns:r="http://schemas.openxmlformats.org/officeDocument/2006/relationships" xmlns:p="http://schemas.openxmlformats.org/presentationml/2006/main">
   <p:cSld>
     <p:spTree>
@@ -57619,7 +58313,7 @@
 </p:sld>
 </file>
 
-<file path=ppt/slides/slide78.xml><?xml version="1.0" encoding="utf-8"?>
+<file path=ppt/slides/slide79.xml><?xml version="1.0" encoding="utf-8"?>
 <p:sld xmlns:a="http://schemas.openxmlformats.org/drawingml/2006/main" xmlns:r="http://schemas.openxmlformats.org/officeDocument/2006/relationships" xmlns:p="http://schemas.openxmlformats.org/presentationml/2006/main">
   <p:cSld>
     <p:spTree>
@@ -58265,682 +58959,6 @@
               <a:t>Let’s check our remote on GitHub</a:t>
             </a:r>
             <a:endParaRPr dirty="0"/>
-          </a:p>
-        </p:txBody>
-      </p:sp>
-    </p:spTree>
-  </p:cSld>
-  <p:clrMapOvr>
-    <a:masterClrMapping/>
-  </p:clrMapOvr>
-</p:sld>
-</file>
-
-<file path=ppt/slides/slide79.xml><?xml version="1.0" encoding="utf-8"?>
-<p:sld xmlns:a="http://schemas.openxmlformats.org/drawingml/2006/main" xmlns:r="http://schemas.openxmlformats.org/officeDocument/2006/relationships" xmlns:p="http://schemas.openxmlformats.org/presentationml/2006/main">
-  <p:cSld>
-    <p:spTree>
-      <p:nvGrpSpPr>
-        <p:cNvPr id="1" name="Shape 918"/>
-        <p:cNvGrpSpPr/>
-        <p:nvPr/>
-      </p:nvGrpSpPr>
-      <p:grpSpPr>
-        <a:xfrm>
-          <a:off x="0" y="0"/>
-          <a:ext cx="0" cy="0"/>
-          <a:chOff x="0" y="0"/>
-          <a:chExt cx="0" cy="0"/>
-        </a:xfrm>
-      </p:grpSpPr>
-      <p:sp>
-        <p:nvSpPr>
-          <p:cNvPr id="919" name="Google Shape;919;p79"/>
-          <p:cNvSpPr/>
-          <p:nvPr/>
-        </p:nvSpPr>
-        <p:spPr>
-          <a:xfrm>
-            <a:off x="311700" y="1738625"/>
-            <a:ext cx="3191400" cy="307500"/>
-          </a:xfrm>
-          <a:prstGeom prst="roundRect">
-            <a:avLst>
-              <a:gd name="adj" fmla="val 16667"/>
-            </a:avLst>
-          </a:prstGeom>
-          <a:solidFill>
-            <a:srgbClr val="FFF2CC"/>
-          </a:solidFill>
-          <a:ln w="9525" cap="flat" cmpd="sng">
-            <a:solidFill>
-              <a:schemeClr val="dk2"/>
-            </a:solidFill>
-            <a:prstDash val="solid"/>
-            <a:round/>
-            <a:headEnd type="none" w="sm" len="sm"/>
-            <a:tailEnd type="none" w="sm" len="sm"/>
-          </a:ln>
-        </p:spPr>
-        <p:txBody>
-          <a:bodyPr spcFirstLastPara="1" wrap="square" lIns="91425" tIns="91425" rIns="91425" bIns="91425" anchor="ctr" anchorCtr="0">
-            <a:noAutofit/>
-          </a:bodyPr>
-          <a:lstStyle/>
-          <a:p>
-            <a:pPr marL="0" lvl="0" indent="0" algn="l" rtl="0">
-              <a:spcBef>
-                <a:spcPts val="0"/>
-              </a:spcBef>
-              <a:spcAft>
-                <a:spcPts val="0"/>
-              </a:spcAft>
-              <a:buNone/>
-            </a:pPr>
-            <a:endParaRPr/>
-          </a:p>
-        </p:txBody>
-      </p:sp>
-      <p:sp>
-        <p:nvSpPr>
-          <p:cNvPr id="920" name="Google Shape;920;p79"/>
-          <p:cNvSpPr/>
-          <p:nvPr/>
-        </p:nvSpPr>
-        <p:spPr>
-          <a:xfrm>
-            <a:off x="311700" y="2174225"/>
-            <a:ext cx="3191400" cy="307500"/>
-          </a:xfrm>
-          <a:prstGeom prst="roundRect">
-            <a:avLst>
-              <a:gd name="adj" fmla="val 16667"/>
-            </a:avLst>
-          </a:prstGeom>
-          <a:solidFill>
-            <a:srgbClr val="FFF2CC"/>
-          </a:solidFill>
-          <a:ln w="9525" cap="flat" cmpd="sng">
-            <a:solidFill>
-              <a:schemeClr val="dk2"/>
-            </a:solidFill>
-            <a:prstDash val="solid"/>
-            <a:round/>
-            <a:headEnd type="none" w="sm" len="sm"/>
-            <a:tailEnd type="none" w="sm" len="sm"/>
-          </a:ln>
-        </p:spPr>
-        <p:txBody>
-          <a:bodyPr spcFirstLastPara="1" wrap="square" lIns="91425" tIns="91425" rIns="91425" bIns="91425" anchor="ctr" anchorCtr="0">
-            <a:noAutofit/>
-          </a:bodyPr>
-          <a:lstStyle/>
-          <a:p>
-            <a:pPr marL="0" lvl="0" indent="0" algn="l" rtl="0">
-              <a:spcBef>
-                <a:spcPts val="0"/>
-              </a:spcBef>
-              <a:spcAft>
-                <a:spcPts val="0"/>
-              </a:spcAft>
-              <a:buNone/>
-            </a:pPr>
-            <a:endParaRPr/>
-          </a:p>
-        </p:txBody>
-      </p:sp>
-      <p:sp>
-        <p:nvSpPr>
-          <p:cNvPr id="921" name="Google Shape;921;p79"/>
-          <p:cNvSpPr/>
-          <p:nvPr/>
-        </p:nvSpPr>
-        <p:spPr>
-          <a:xfrm>
-            <a:off x="311700" y="3897800"/>
-            <a:ext cx="3191400" cy="307500"/>
-          </a:xfrm>
-          <a:prstGeom prst="roundRect">
-            <a:avLst>
-              <a:gd name="adj" fmla="val 16667"/>
-            </a:avLst>
-          </a:prstGeom>
-          <a:solidFill>
-            <a:srgbClr val="FFF2CC"/>
-          </a:solidFill>
-          <a:ln w="9525" cap="flat" cmpd="sng">
-            <a:solidFill>
-              <a:schemeClr val="dk2"/>
-            </a:solidFill>
-            <a:prstDash val="solid"/>
-            <a:round/>
-            <a:headEnd type="none" w="sm" len="sm"/>
-            <a:tailEnd type="none" w="sm" len="sm"/>
-          </a:ln>
-        </p:spPr>
-        <p:txBody>
-          <a:bodyPr spcFirstLastPara="1" wrap="square" lIns="91425" tIns="91425" rIns="91425" bIns="91425" anchor="ctr" anchorCtr="0">
-            <a:noAutofit/>
-          </a:bodyPr>
-          <a:lstStyle/>
-          <a:p>
-            <a:pPr marL="0" lvl="0" indent="0" algn="l" rtl="0">
-              <a:spcBef>
-                <a:spcPts val="0"/>
-              </a:spcBef>
-              <a:spcAft>
-                <a:spcPts val="0"/>
-              </a:spcAft>
-              <a:buNone/>
-            </a:pPr>
-            <a:endParaRPr/>
-          </a:p>
-        </p:txBody>
-      </p:sp>
-      <p:sp>
-        <p:nvSpPr>
-          <p:cNvPr id="922" name="Google Shape;922;p79"/>
-          <p:cNvSpPr/>
-          <p:nvPr/>
-        </p:nvSpPr>
-        <p:spPr>
-          <a:xfrm>
-            <a:off x="311700" y="3069350"/>
-            <a:ext cx="3191400" cy="307500"/>
-          </a:xfrm>
-          <a:prstGeom prst="roundRect">
-            <a:avLst>
-              <a:gd name="adj" fmla="val 16667"/>
-            </a:avLst>
-          </a:prstGeom>
-          <a:solidFill>
-            <a:srgbClr val="FFF2CC"/>
-          </a:solidFill>
-          <a:ln w="9525" cap="flat" cmpd="sng">
-            <a:solidFill>
-              <a:schemeClr val="dk2"/>
-            </a:solidFill>
-            <a:prstDash val="solid"/>
-            <a:round/>
-            <a:headEnd type="none" w="sm" len="sm"/>
-            <a:tailEnd type="none" w="sm" len="sm"/>
-          </a:ln>
-        </p:spPr>
-        <p:txBody>
-          <a:bodyPr spcFirstLastPara="1" wrap="square" lIns="91425" tIns="91425" rIns="91425" bIns="91425" anchor="ctr" anchorCtr="0">
-            <a:noAutofit/>
-          </a:bodyPr>
-          <a:lstStyle/>
-          <a:p>
-            <a:pPr marL="0" lvl="0" indent="0" algn="l" rtl="0">
-              <a:spcBef>
-                <a:spcPts val="0"/>
-              </a:spcBef>
-              <a:spcAft>
-                <a:spcPts val="0"/>
-              </a:spcAft>
-              <a:buNone/>
-            </a:pPr>
-            <a:endParaRPr/>
-          </a:p>
-        </p:txBody>
-      </p:sp>
-      <p:sp>
-        <p:nvSpPr>
-          <p:cNvPr id="923" name="Google Shape;923;p79"/>
-          <p:cNvSpPr txBox="1">
-            <a:spLocks noGrp="1"/>
-          </p:cNvSpPr>
-          <p:nvPr>
-            <p:ph type="title"/>
-          </p:nvPr>
-        </p:nvSpPr>
-        <p:spPr>
-          <a:xfrm>
-            <a:off x="311700" y="445025"/>
-            <a:ext cx="8520600" cy="572700"/>
-          </a:xfrm>
-          <a:prstGeom prst="rect">
-            <a:avLst/>
-          </a:prstGeom>
-        </p:spPr>
-        <p:txBody>
-          <a:bodyPr spcFirstLastPara="1" wrap="square" lIns="91425" tIns="91425" rIns="91425" bIns="91425" anchor="t" anchorCtr="0">
-            <a:normAutofit fontScale="90000"/>
-          </a:bodyPr>
-          <a:lstStyle/>
-          <a:p>
-            <a:pPr marL="0" lvl="0" indent="0" algn="ctr" rtl="0">
-              <a:spcBef>
-                <a:spcPts val="0"/>
-              </a:spcBef>
-              <a:spcAft>
-                <a:spcPts val="0"/>
-              </a:spcAft>
-              <a:buNone/>
-            </a:pPr>
-            <a:r>
-              <a:rPr lang="en" dirty="0"/>
-              <a:t>Working with a remote repository</a:t>
-            </a:r>
-            <a:endParaRPr dirty="0"/>
-          </a:p>
-        </p:txBody>
-      </p:sp>
-      <p:sp>
-        <p:nvSpPr>
-          <p:cNvPr id="924" name="Google Shape;924;p79"/>
-          <p:cNvSpPr/>
-          <p:nvPr/>
-        </p:nvSpPr>
-        <p:spPr>
-          <a:xfrm>
-            <a:off x="311700" y="3464475"/>
-            <a:ext cx="3191400" cy="307500"/>
-          </a:xfrm>
-          <a:prstGeom prst="roundRect">
-            <a:avLst>
-              <a:gd name="adj" fmla="val 16667"/>
-            </a:avLst>
-          </a:prstGeom>
-          <a:solidFill>
-            <a:srgbClr val="FFF2CC"/>
-          </a:solidFill>
-          <a:ln w="9525" cap="flat" cmpd="sng">
-            <a:solidFill>
-              <a:schemeClr val="dk2"/>
-            </a:solidFill>
-            <a:prstDash val="solid"/>
-            <a:round/>
-            <a:headEnd type="none" w="sm" len="sm"/>
-            <a:tailEnd type="none" w="sm" len="sm"/>
-          </a:ln>
-        </p:spPr>
-        <p:txBody>
-          <a:bodyPr spcFirstLastPara="1" wrap="square" lIns="91425" tIns="91425" rIns="91425" bIns="91425" anchor="ctr" anchorCtr="0">
-            <a:noAutofit/>
-          </a:bodyPr>
-          <a:lstStyle/>
-          <a:p>
-            <a:pPr marL="0" lvl="0" indent="0" algn="l" rtl="0">
-              <a:spcBef>
-                <a:spcPts val="0"/>
-              </a:spcBef>
-              <a:spcAft>
-                <a:spcPts val="0"/>
-              </a:spcAft>
-              <a:buNone/>
-            </a:pPr>
-            <a:endParaRPr/>
-          </a:p>
-        </p:txBody>
-      </p:sp>
-      <p:sp>
-        <p:nvSpPr>
-          <p:cNvPr id="925" name="Google Shape;925;p79"/>
-          <p:cNvSpPr txBox="1"/>
-          <p:nvPr/>
-        </p:nvSpPr>
-        <p:spPr>
-          <a:xfrm>
-            <a:off x="272575" y="1253775"/>
-            <a:ext cx="8610900" cy="3632700"/>
-          </a:xfrm>
-          <a:prstGeom prst="rect">
-            <a:avLst/>
-          </a:prstGeom>
-          <a:noFill/>
-          <a:ln>
-            <a:noFill/>
-          </a:ln>
-        </p:spPr>
-        <p:txBody>
-          <a:bodyPr spcFirstLastPara="1" wrap="square" lIns="91425" tIns="91425" rIns="91425" bIns="91425" anchor="t" anchorCtr="0">
-            <a:spAutoFit/>
-          </a:bodyPr>
-          <a:lstStyle/>
-          <a:p>
-            <a:pPr marL="457200" lvl="0" indent="-317500" algn="l" rtl="0">
-              <a:spcBef>
-                <a:spcPts val="0"/>
-              </a:spcBef>
-              <a:spcAft>
-                <a:spcPts val="0"/>
-              </a:spcAft>
-              <a:buSzPts val="1400"/>
-              <a:buChar char="●"/>
-            </a:pPr>
-            <a:r>
-              <a:rPr lang="en" dirty="0"/>
-              <a:t>Make sure that your local repo is sync with the remote repo and check status of your local repo.</a:t>
-            </a:r>
-            <a:endParaRPr dirty="0"/>
-          </a:p>
-          <a:p>
-            <a:pPr marL="0" lvl="0" indent="0" algn="l" rtl="0">
-              <a:spcBef>
-                <a:spcPts val="0"/>
-              </a:spcBef>
-              <a:spcAft>
-                <a:spcPts val="0"/>
-              </a:spcAft>
-              <a:buNone/>
-            </a:pPr>
-            <a:endParaRPr dirty="0"/>
-          </a:p>
-          <a:p>
-            <a:pPr marL="0" lvl="0" indent="0" algn="l" rtl="0">
-              <a:spcBef>
-                <a:spcPts val="0"/>
-              </a:spcBef>
-              <a:spcAft>
-                <a:spcPts val="0"/>
-              </a:spcAft>
-              <a:buNone/>
-            </a:pPr>
-            <a:r>
-              <a:rPr lang="en" dirty="0">
-                <a:latin typeface="Courier New"/>
-                <a:ea typeface="Courier New"/>
-                <a:cs typeface="Courier New"/>
-                <a:sym typeface="Courier New"/>
-              </a:rPr>
-              <a:t>git status</a:t>
-            </a:r>
-            <a:endParaRPr dirty="0">
-              <a:latin typeface="Courier New"/>
-              <a:ea typeface="Courier New"/>
-              <a:cs typeface="Courier New"/>
-              <a:sym typeface="Courier New"/>
-            </a:endParaRPr>
-          </a:p>
-          <a:p>
-            <a:pPr marL="0" lvl="0" indent="0" algn="l" rtl="0">
-              <a:spcBef>
-                <a:spcPts val="0"/>
-              </a:spcBef>
-              <a:spcAft>
-                <a:spcPts val="0"/>
-              </a:spcAft>
-              <a:buNone/>
-            </a:pPr>
-            <a:endParaRPr dirty="0">
-              <a:latin typeface="Courier New"/>
-              <a:ea typeface="Courier New"/>
-              <a:cs typeface="Courier New"/>
-              <a:sym typeface="Courier New"/>
-            </a:endParaRPr>
-          </a:p>
-          <a:p>
-            <a:pPr marL="0" lvl="0" indent="0" algn="l" rtl="0">
-              <a:spcBef>
-                <a:spcPts val="0"/>
-              </a:spcBef>
-              <a:spcAft>
-                <a:spcPts val="0"/>
-              </a:spcAft>
-              <a:buNone/>
-            </a:pPr>
-            <a:r>
-              <a:rPr lang="en-US" dirty="0">
-                <a:latin typeface="Courier New"/>
-                <a:ea typeface="Courier New"/>
-                <a:cs typeface="Courier New"/>
-                <a:sym typeface="Courier New"/>
-              </a:rPr>
-              <a:t>git pull origin main</a:t>
-            </a:r>
-            <a:endParaRPr dirty="0">
-              <a:latin typeface="Courier New"/>
-              <a:ea typeface="Courier New"/>
-              <a:cs typeface="Courier New"/>
-              <a:sym typeface="Courier New"/>
-            </a:endParaRPr>
-          </a:p>
-          <a:p>
-            <a:pPr marL="0" lvl="0" indent="0" algn="l" rtl="0">
-              <a:spcBef>
-                <a:spcPts val="0"/>
-              </a:spcBef>
-              <a:spcAft>
-                <a:spcPts val="0"/>
-              </a:spcAft>
-              <a:buNone/>
-            </a:pPr>
-            <a:endParaRPr dirty="0"/>
-          </a:p>
-          <a:p>
-            <a:pPr marL="457200" lvl="0" indent="-317500" algn="l" rtl="0">
-              <a:spcBef>
-                <a:spcPts val="0"/>
-              </a:spcBef>
-              <a:spcAft>
-                <a:spcPts val="0"/>
-              </a:spcAft>
-              <a:buSzPts val="1400"/>
-              <a:buChar char="●"/>
-            </a:pPr>
-            <a:r>
-              <a:rPr lang="en" dirty="0"/>
-              <a:t>Go to a &lt;new branch&gt; and make you changes on your files</a:t>
-            </a:r>
-            <a:endParaRPr dirty="0"/>
-          </a:p>
-          <a:p>
-            <a:pPr marL="0" lvl="0" indent="0" algn="l" rtl="0">
-              <a:spcBef>
-                <a:spcPts val="0"/>
-              </a:spcBef>
-              <a:spcAft>
-                <a:spcPts val="0"/>
-              </a:spcAft>
-              <a:buNone/>
-            </a:pPr>
-            <a:endParaRPr dirty="0"/>
-          </a:p>
-          <a:p>
-            <a:pPr marL="0" lvl="0" indent="0" algn="l" rtl="0">
-              <a:spcBef>
-                <a:spcPts val="0"/>
-              </a:spcBef>
-              <a:spcAft>
-                <a:spcPts val="0"/>
-              </a:spcAft>
-              <a:buNone/>
-            </a:pPr>
-            <a:r>
-              <a:rPr lang="en" dirty="0">
-                <a:latin typeface="Courier New"/>
-                <a:ea typeface="Courier New"/>
-                <a:cs typeface="Courier New"/>
-                <a:sym typeface="Courier New"/>
-              </a:rPr>
-              <a:t>git add &lt;file&gt;</a:t>
-            </a:r>
-            <a:endParaRPr dirty="0">
-              <a:latin typeface="Courier New"/>
-              <a:ea typeface="Courier New"/>
-              <a:cs typeface="Courier New"/>
-              <a:sym typeface="Courier New"/>
-            </a:endParaRPr>
-          </a:p>
-          <a:p>
-            <a:pPr marL="0" lvl="0" indent="0" algn="l" rtl="0">
-              <a:spcBef>
-                <a:spcPts val="0"/>
-              </a:spcBef>
-              <a:spcAft>
-                <a:spcPts val="0"/>
-              </a:spcAft>
-              <a:buNone/>
-            </a:pPr>
-            <a:endParaRPr dirty="0"/>
-          </a:p>
-          <a:p>
-            <a:pPr marL="0" lvl="0" indent="0" algn="l" rtl="0">
-              <a:spcBef>
-                <a:spcPts val="0"/>
-              </a:spcBef>
-              <a:spcAft>
-                <a:spcPts val="0"/>
-              </a:spcAft>
-              <a:buNone/>
-            </a:pPr>
-            <a:r>
-              <a:rPr lang="en" dirty="0">
-                <a:latin typeface="Courier New"/>
-                <a:ea typeface="Courier New"/>
-                <a:cs typeface="Courier New"/>
-                <a:sym typeface="Courier New"/>
-              </a:rPr>
-              <a:t>git commit -m “Message”</a:t>
-            </a:r>
-            <a:endParaRPr dirty="0">
-              <a:latin typeface="Courier New"/>
-              <a:ea typeface="Courier New"/>
-              <a:cs typeface="Courier New"/>
-              <a:sym typeface="Courier New"/>
-            </a:endParaRPr>
-          </a:p>
-          <a:p>
-            <a:pPr marL="0" lvl="0" indent="0" algn="l" rtl="0">
-              <a:spcBef>
-                <a:spcPts val="0"/>
-              </a:spcBef>
-              <a:spcAft>
-                <a:spcPts val="0"/>
-              </a:spcAft>
-              <a:buNone/>
-            </a:pPr>
-            <a:endParaRPr dirty="0"/>
-          </a:p>
-          <a:p>
-            <a:pPr marL="0" lvl="0" indent="0" algn="l" rtl="0">
-              <a:spcBef>
-                <a:spcPts val="0"/>
-              </a:spcBef>
-              <a:spcAft>
-                <a:spcPts val="0"/>
-              </a:spcAft>
-              <a:buNone/>
-            </a:pPr>
-            <a:r>
-              <a:rPr lang="en" dirty="0">
-                <a:latin typeface="Courier New"/>
-                <a:ea typeface="Courier New"/>
-                <a:cs typeface="Courier New"/>
-                <a:sym typeface="Courier New"/>
-              </a:rPr>
-              <a:t>git push origin &lt;new branch&gt;</a:t>
-            </a:r>
-            <a:endParaRPr dirty="0">
-              <a:latin typeface="Courier New"/>
-              <a:ea typeface="Courier New"/>
-              <a:cs typeface="Courier New"/>
-              <a:sym typeface="Courier New"/>
-            </a:endParaRPr>
-          </a:p>
-          <a:p>
-            <a:pPr marL="0" lvl="0" indent="0" algn="l" rtl="0">
-              <a:spcBef>
-                <a:spcPts val="0"/>
-              </a:spcBef>
-              <a:spcAft>
-                <a:spcPts val="0"/>
-              </a:spcAft>
-              <a:buNone/>
-            </a:pPr>
-            <a:endParaRPr dirty="0">
-              <a:latin typeface="Courier New"/>
-              <a:ea typeface="Courier New"/>
-              <a:cs typeface="Courier New"/>
-              <a:sym typeface="Courier New"/>
-            </a:endParaRPr>
-          </a:p>
-          <a:p>
-            <a:pPr marL="457200" lvl="0" indent="-317500" algn="l" rtl="0">
-              <a:spcBef>
-                <a:spcPts val="0"/>
-              </a:spcBef>
-              <a:spcAft>
-                <a:spcPts val="0"/>
-              </a:spcAft>
-              <a:buSzPts val="1400"/>
-              <a:buChar char="●"/>
-            </a:pPr>
-            <a:r>
-              <a:rPr lang="en" dirty="0"/>
-              <a:t>On the remote repository (GitHub) create a </a:t>
-            </a:r>
-            <a:r>
-              <a:rPr lang="en-US" dirty="0"/>
-              <a:t>PR</a:t>
-            </a:r>
-            <a:endParaRPr dirty="0"/>
-          </a:p>
-          <a:p>
-            <a:pPr marL="457200" lvl="0" indent="-317500" algn="l" rtl="0">
-              <a:spcBef>
-                <a:spcPts val="0"/>
-              </a:spcBef>
-              <a:spcAft>
-                <a:spcPts val="0"/>
-              </a:spcAft>
-              <a:buSzPts val="1400"/>
-              <a:buChar char="●"/>
-            </a:pPr>
-            <a:r>
-              <a:rPr lang="en" dirty="0"/>
-              <a:t>Merge the pull request. This is done by the assigned person</a:t>
-            </a:r>
-            <a:endParaRPr dirty="0"/>
-          </a:p>
-        </p:txBody>
-      </p:sp>
-      <p:sp>
-        <p:nvSpPr>
-          <p:cNvPr id="2" name="Rectangle: Rounded Corners 1">
-            <a:extLst>
-              <a:ext uri="{FF2B5EF4-FFF2-40B4-BE49-F238E27FC236}">
-                <a16:creationId xmlns:a16="http://schemas.microsoft.com/office/drawing/2014/main" id="{BA553847-819D-20D9-6C7F-F1F5B3CEA737}"/>
-              </a:ext>
-            </a:extLst>
-          </p:cNvPr>
-          <p:cNvSpPr/>
-          <p:nvPr/>
-        </p:nvSpPr>
-        <p:spPr>
-          <a:xfrm>
-            <a:off x="272575" y="4320540"/>
-            <a:ext cx="5343365" cy="565935"/>
-          </a:xfrm>
-          <a:prstGeom prst="roundRect">
-            <a:avLst/>
-          </a:prstGeom>
-          <a:noFill/>
-        </p:spPr>
-        <p:style>
-          <a:lnRef idx="2">
-            <a:schemeClr val="accent1">
-              <a:shade val="15000"/>
-            </a:schemeClr>
-          </a:lnRef>
-          <a:fillRef idx="1">
-            <a:schemeClr val="accent1"/>
-          </a:fillRef>
-          <a:effectRef idx="0">
-            <a:schemeClr val="accent1"/>
-          </a:effectRef>
-          <a:fontRef idx="minor">
-            <a:schemeClr val="lt1"/>
-          </a:fontRef>
-        </p:style>
-        <p:txBody>
-          <a:bodyPr rtlCol="0" anchor="ctr"/>
-          <a:lstStyle/>
-          <a:p>
-            <a:pPr algn="ctr"/>
-            <a:endParaRPr lang="LID4096"/>
           </a:p>
         </p:txBody>
       </p:sp>
@@ -59474,6 +59492,682 @@
   <p:cSld>
     <p:spTree>
       <p:nvGrpSpPr>
+        <p:cNvPr id="1" name="Shape 918"/>
+        <p:cNvGrpSpPr/>
+        <p:nvPr/>
+      </p:nvGrpSpPr>
+      <p:grpSpPr>
+        <a:xfrm>
+          <a:off x="0" y="0"/>
+          <a:ext cx="0" cy="0"/>
+          <a:chOff x="0" y="0"/>
+          <a:chExt cx="0" cy="0"/>
+        </a:xfrm>
+      </p:grpSpPr>
+      <p:sp>
+        <p:nvSpPr>
+          <p:cNvPr id="919" name="Google Shape;919;p79"/>
+          <p:cNvSpPr/>
+          <p:nvPr/>
+        </p:nvSpPr>
+        <p:spPr>
+          <a:xfrm>
+            <a:off x="311700" y="1738625"/>
+            <a:ext cx="3191400" cy="307500"/>
+          </a:xfrm>
+          <a:prstGeom prst="roundRect">
+            <a:avLst>
+              <a:gd name="adj" fmla="val 16667"/>
+            </a:avLst>
+          </a:prstGeom>
+          <a:solidFill>
+            <a:srgbClr val="FFF2CC"/>
+          </a:solidFill>
+          <a:ln w="9525" cap="flat" cmpd="sng">
+            <a:solidFill>
+              <a:schemeClr val="dk2"/>
+            </a:solidFill>
+            <a:prstDash val="solid"/>
+            <a:round/>
+            <a:headEnd type="none" w="sm" len="sm"/>
+            <a:tailEnd type="none" w="sm" len="sm"/>
+          </a:ln>
+        </p:spPr>
+        <p:txBody>
+          <a:bodyPr spcFirstLastPara="1" wrap="square" lIns="91425" tIns="91425" rIns="91425" bIns="91425" anchor="ctr" anchorCtr="0">
+            <a:noAutofit/>
+          </a:bodyPr>
+          <a:lstStyle/>
+          <a:p>
+            <a:pPr marL="0" lvl="0" indent="0" algn="l" rtl="0">
+              <a:spcBef>
+                <a:spcPts val="0"/>
+              </a:spcBef>
+              <a:spcAft>
+                <a:spcPts val="0"/>
+              </a:spcAft>
+              <a:buNone/>
+            </a:pPr>
+            <a:endParaRPr/>
+          </a:p>
+        </p:txBody>
+      </p:sp>
+      <p:sp>
+        <p:nvSpPr>
+          <p:cNvPr id="920" name="Google Shape;920;p79"/>
+          <p:cNvSpPr/>
+          <p:nvPr/>
+        </p:nvSpPr>
+        <p:spPr>
+          <a:xfrm>
+            <a:off x="311700" y="2174225"/>
+            <a:ext cx="3191400" cy="307500"/>
+          </a:xfrm>
+          <a:prstGeom prst="roundRect">
+            <a:avLst>
+              <a:gd name="adj" fmla="val 16667"/>
+            </a:avLst>
+          </a:prstGeom>
+          <a:solidFill>
+            <a:srgbClr val="FFF2CC"/>
+          </a:solidFill>
+          <a:ln w="9525" cap="flat" cmpd="sng">
+            <a:solidFill>
+              <a:schemeClr val="dk2"/>
+            </a:solidFill>
+            <a:prstDash val="solid"/>
+            <a:round/>
+            <a:headEnd type="none" w="sm" len="sm"/>
+            <a:tailEnd type="none" w="sm" len="sm"/>
+          </a:ln>
+        </p:spPr>
+        <p:txBody>
+          <a:bodyPr spcFirstLastPara="1" wrap="square" lIns="91425" tIns="91425" rIns="91425" bIns="91425" anchor="ctr" anchorCtr="0">
+            <a:noAutofit/>
+          </a:bodyPr>
+          <a:lstStyle/>
+          <a:p>
+            <a:pPr marL="0" lvl="0" indent="0" algn="l" rtl="0">
+              <a:spcBef>
+                <a:spcPts val="0"/>
+              </a:spcBef>
+              <a:spcAft>
+                <a:spcPts val="0"/>
+              </a:spcAft>
+              <a:buNone/>
+            </a:pPr>
+            <a:endParaRPr/>
+          </a:p>
+        </p:txBody>
+      </p:sp>
+      <p:sp>
+        <p:nvSpPr>
+          <p:cNvPr id="921" name="Google Shape;921;p79"/>
+          <p:cNvSpPr/>
+          <p:nvPr/>
+        </p:nvSpPr>
+        <p:spPr>
+          <a:xfrm>
+            <a:off x="311700" y="3897800"/>
+            <a:ext cx="3191400" cy="307500"/>
+          </a:xfrm>
+          <a:prstGeom prst="roundRect">
+            <a:avLst>
+              <a:gd name="adj" fmla="val 16667"/>
+            </a:avLst>
+          </a:prstGeom>
+          <a:solidFill>
+            <a:srgbClr val="FFF2CC"/>
+          </a:solidFill>
+          <a:ln w="9525" cap="flat" cmpd="sng">
+            <a:solidFill>
+              <a:schemeClr val="dk2"/>
+            </a:solidFill>
+            <a:prstDash val="solid"/>
+            <a:round/>
+            <a:headEnd type="none" w="sm" len="sm"/>
+            <a:tailEnd type="none" w="sm" len="sm"/>
+          </a:ln>
+        </p:spPr>
+        <p:txBody>
+          <a:bodyPr spcFirstLastPara="1" wrap="square" lIns="91425" tIns="91425" rIns="91425" bIns="91425" anchor="ctr" anchorCtr="0">
+            <a:noAutofit/>
+          </a:bodyPr>
+          <a:lstStyle/>
+          <a:p>
+            <a:pPr marL="0" lvl="0" indent="0" algn="l" rtl="0">
+              <a:spcBef>
+                <a:spcPts val="0"/>
+              </a:spcBef>
+              <a:spcAft>
+                <a:spcPts val="0"/>
+              </a:spcAft>
+              <a:buNone/>
+            </a:pPr>
+            <a:endParaRPr/>
+          </a:p>
+        </p:txBody>
+      </p:sp>
+      <p:sp>
+        <p:nvSpPr>
+          <p:cNvPr id="922" name="Google Shape;922;p79"/>
+          <p:cNvSpPr/>
+          <p:nvPr/>
+        </p:nvSpPr>
+        <p:spPr>
+          <a:xfrm>
+            <a:off x="311700" y="3069350"/>
+            <a:ext cx="3191400" cy="307500"/>
+          </a:xfrm>
+          <a:prstGeom prst="roundRect">
+            <a:avLst>
+              <a:gd name="adj" fmla="val 16667"/>
+            </a:avLst>
+          </a:prstGeom>
+          <a:solidFill>
+            <a:srgbClr val="FFF2CC"/>
+          </a:solidFill>
+          <a:ln w="9525" cap="flat" cmpd="sng">
+            <a:solidFill>
+              <a:schemeClr val="dk2"/>
+            </a:solidFill>
+            <a:prstDash val="solid"/>
+            <a:round/>
+            <a:headEnd type="none" w="sm" len="sm"/>
+            <a:tailEnd type="none" w="sm" len="sm"/>
+          </a:ln>
+        </p:spPr>
+        <p:txBody>
+          <a:bodyPr spcFirstLastPara="1" wrap="square" lIns="91425" tIns="91425" rIns="91425" bIns="91425" anchor="ctr" anchorCtr="0">
+            <a:noAutofit/>
+          </a:bodyPr>
+          <a:lstStyle/>
+          <a:p>
+            <a:pPr marL="0" lvl="0" indent="0" algn="l" rtl="0">
+              <a:spcBef>
+                <a:spcPts val="0"/>
+              </a:spcBef>
+              <a:spcAft>
+                <a:spcPts val="0"/>
+              </a:spcAft>
+              <a:buNone/>
+            </a:pPr>
+            <a:endParaRPr/>
+          </a:p>
+        </p:txBody>
+      </p:sp>
+      <p:sp>
+        <p:nvSpPr>
+          <p:cNvPr id="923" name="Google Shape;923;p79"/>
+          <p:cNvSpPr txBox="1">
+            <a:spLocks noGrp="1"/>
+          </p:cNvSpPr>
+          <p:nvPr>
+            <p:ph type="title"/>
+          </p:nvPr>
+        </p:nvSpPr>
+        <p:spPr>
+          <a:xfrm>
+            <a:off x="311700" y="445025"/>
+            <a:ext cx="8520600" cy="572700"/>
+          </a:xfrm>
+          <a:prstGeom prst="rect">
+            <a:avLst/>
+          </a:prstGeom>
+        </p:spPr>
+        <p:txBody>
+          <a:bodyPr spcFirstLastPara="1" wrap="square" lIns="91425" tIns="91425" rIns="91425" bIns="91425" anchor="t" anchorCtr="0">
+            <a:normAutofit fontScale="90000"/>
+          </a:bodyPr>
+          <a:lstStyle/>
+          <a:p>
+            <a:pPr marL="0" lvl="0" indent="0" algn="ctr" rtl="0">
+              <a:spcBef>
+                <a:spcPts val="0"/>
+              </a:spcBef>
+              <a:spcAft>
+                <a:spcPts val="0"/>
+              </a:spcAft>
+              <a:buNone/>
+            </a:pPr>
+            <a:r>
+              <a:rPr lang="en" dirty="0"/>
+              <a:t>Working with a remote repository</a:t>
+            </a:r>
+            <a:endParaRPr dirty="0"/>
+          </a:p>
+        </p:txBody>
+      </p:sp>
+      <p:sp>
+        <p:nvSpPr>
+          <p:cNvPr id="924" name="Google Shape;924;p79"/>
+          <p:cNvSpPr/>
+          <p:nvPr/>
+        </p:nvSpPr>
+        <p:spPr>
+          <a:xfrm>
+            <a:off x="311700" y="3464475"/>
+            <a:ext cx="3191400" cy="307500"/>
+          </a:xfrm>
+          <a:prstGeom prst="roundRect">
+            <a:avLst>
+              <a:gd name="adj" fmla="val 16667"/>
+            </a:avLst>
+          </a:prstGeom>
+          <a:solidFill>
+            <a:srgbClr val="FFF2CC"/>
+          </a:solidFill>
+          <a:ln w="9525" cap="flat" cmpd="sng">
+            <a:solidFill>
+              <a:schemeClr val="dk2"/>
+            </a:solidFill>
+            <a:prstDash val="solid"/>
+            <a:round/>
+            <a:headEnd type="none" w="sm" len="sm"/>
+            <a:tailEnd type="none" w="sm" len="sm"/>
+          </a:ln>
+        </p:spPr>
+        <p:txBody>
+          <a:bodyPr spcFirstLastPara="1" wrap="square" lIns="91425" tIns="91425" rIns="91425" bIns="91425" anchor="ctr" anchorCtr="0">
+            <a:noAutofit/>
+          </a:bodyPr>
+          <a:lstStyle/>
+          <a:p>
+            <a:pPr marL="0" lvl="0" indent="0" algn="l" rtl="0">
+              <a:spcBef>
+                <a:spcPts val="0"/>
+              </a:spcBef>
+              <a:spcAft>
+                <a:spcPts val="0"/>
+              </a:spcAft>
+              <a:buNone/>
+            </a:pPr>
+            <a:endParaRPr/>
+          </a:p>
+        </p:txBody>
+      </p:sp>
+      <p:sp>
+        <p:nvSpPr>
+          <p:cNvPr id="925" name="Google Shape;925;p79"/>
+          <p:cNvSpPr txBox="1"/>
+          <p:nvPr/>
+        </p:nvSpPr>
+        <p:spPr>
+          <a:xfrm>
+            <a:off x="272575" y="1253775"/>
+            <a:ext cx="8610900" cy="3632700"/>
+          </a:xfrm>
+          <a:prstGeom prst="rect">
+            <a:avLst/>
+          </a:prstGeom>
+          <a:noFill/>
+          <a:ln>
+            <a:noFill/>
+          </a:ln>
+        </p:spPr>
+        <p:txBody>
+          <a:bodyPr spcFirstLastPara="1" wrap="square" lIns="91425" tIns="91425" rIns="91425" bIns="91425" anchor="t" anchorCtr="0">
+            <a:spAutoFit/>
+          </a:bodyPr>
+          <a:lstStyle/>
+          <a:p>
+            <a:pPr marL="457200" lvl="0" indent="-317500" algn="l" rtl="0">
+              <a:spcBef>
+                <a:spcPts val="0"/>
+              </a:spcBef>
+              <a:spcAft>
+                <a:spcPts val="0"/>
+              </a:spcAft>
+              <a:buSzPts val="1400"/>
+              <a:buChar char="●"/>
+            </a:pPr>
+            <a:r>
+              <a:rPr lang="en" dirty="0"/>
+              <a:t>Make sure that your local repo is sync with the remote repo and check status of your local repo.</a:t>
+            </a:r>
+            <a:endParaRPr dirty="0"/>
+          </a:p>
+          <a:p>
+            <a:pPr marL="0" lvl="0" indent="0" algn="l" rtl="0">
+              <a:spcBef>
+                <a:spcPts val="0"/>
+              </a:spcBef>
+              <a:spcAft>
+                <a:spcPts val="0"/>
+              </a:spcAft>
+              <a:buNone/>
+            </a:pPr>
+            <a:endParaRPr dirty="0"/>
+          </a:p>
+          <a:p>
+            <a:pPr marL="0" lvl="0" indent="0" algn="l" rtl="0">
+              <a:spcBef>
+                <a:spcPts val="0"/>
+              </a:spcBef>
+              <a:spcAft>
+                <a:spcPts val="0"/>
+              </a:spcAft>
+              <a:buNone/>
+            </a:pPr>
+            <a:r>
+              <a:rPr lang="en" dirty="0">
+                <a:latin typeface="Courier New"/>
+                <a:ea typeface="Courier New"/>
+                <a:cs typeface="Courier New"/>
+                <a:sym typeface="Courier New"/>
+              </a:rPr>
+              <a:t>git status</a:t>
+            </a:r>
+            <a:endParaRPr dirty="0">
+              <a:latin typeface="Courier New"/>
+              <a:ea typeface="Courier New"/>
+              <a:cs typeface="Courier New"/>
+              <a:sym typeface="Courier New"/>
+            </a:endParaRPr>
+          </a:p>
+          <a:p>
+            <a:pPr marL="0" lvl="0" indent="0" algn="l" rtl="0">
+              <a:spcBef>
+                <a:spcPts val="0"/>
+              </a:spcBef>
+              <a:spcAft>
+                <a:spcPts val="0"/>
+              </a:spcAft>
+              <a:buNone/>
+            </a:pPr>
+            <a:endParaRPr dirty="0">
+              <a:latin typeface="Courier New"/>
+              <a:ea typeface="Courier New"/>
+              <a:cs typeface="Courier New"/>
+              <a:sym typeface="Courier New"/>
+            </a:endParaRPr>
+          </a:p>
+          <a:p>
+            <a:pPr marL="0" lvl="0" indent="0" algn="l" rtl="0">
+              <a:spcBef>
+                <a:spcPts val="0"/>
+              </a:spcBef>
+              <a:spcAft>
+                <a:spcPts val="0"/>
+              </a:spcAft>
+              <a:buNone/>
+            </a:pPr>
+            <a:r>
+              <a:rPr lang="en-US" dirty="0">
+                <a:latin typeface="Courier New"/>
+                <a:ea typeface="Courier New"/>
+                <a:cs typeface="Courier New"/>
+                <a:sym typeface="Courier New"/>
+              </a:rPr>
+              <a:t>git pull origin main</a:t>
+            </a:r>
+            <a:endParaRPr dirty="0">
+              <a:latin typeface="Courier New"/>
+              <a:ea typeface="Courier New"/>
+              <a:cs typeface="Courier New"/>
+              <a:sym typeface="Courier New"/>
+            </a:endParaRPr>
+          </a:p>
+          <a:p>
+            <a:pPr marL="0" lvl="0" indent="0" algn="l" rtl="0">
+              <a:spcBef>
+                <a:spcPts val="0"/>
+              </a:spcBef>
+              <a:spcAft>
+                <a:spcPts val="0"/>
+              </a:spcAft>
+              <a:buNone/>
+            </a:pPr>
+            <a:endParaRPr dirty="0"/>
+          </a:p>
+          <a:p>
+            <a:pPr marL="457200" lvl="0" indent="-317500" algn="l" rtl="0">
+              <a:spcBef>
+                <a:spcPts val="0"/>
+              </a:spcBef>
+              <a:spcAft>
+                <a:spcPts val="0"/>
+              </a:spcAft>
+              <a:buSzPts val="1400"/>
+              <a:buChar char="●"/>
+            </a:pPr>
+            <a:r>
+              <a:rPr lang="en" dirty="0"/>
+              <a:t>Go to a &lt;new branch&gt; and make you changes on your files</a:t>
+            </a:r>
+            <a:endParaRPr dirty="0"/>
+          </a:p>
+          <a:p>
+            <a:pPr marL="0" lvl="0" indent="0" algn="l" rtl="0">
+              <a:spcBef>
+                <a:spcPts val="0"/>
+              </a:spcBef>
+              <a:spcAft>
+                <a:spcPts val="0"/>
+              </a:spcAft>
+              <a:buNone/>
+            </a:pPr>
+            <a:endParaRPr dirty="0"/>
+          </a:p>
+          <a:p>
+            <a:pPr marL="0" lvl="0" indent="0" algn="l" rtl="0">
+              <a:spcBef>
+                <a:spcPts val="0"/>
+              </a:spcBef>
+              <a:spcAft>
+                <a:spcPts val="0"/>
+              </a:spcAft>
+              <a:buNone/>
+            </a:pPr>
+            <a:r>
+              <a:rPr lang="en" dirty="0">
+                <a:latin typeface="Courier New"/>
+                <a:ea typeface="Courier New"/>
+                <a:cs typeface="Courier New"/>
+                <a:sym typeface="Courier New"/>
+              </a:rPr>
+              <a:t>git add &lt;file&gt;</a:t>
+            </a:r>
+            <a:endParaRPr dirty="0">
+              <a:latin typeface="Courier New"/>
+              <a:ea typeface="Courier New"/>
+              <a:cs typeface="Courier New"/>
+              <a:sym typeface="Courier New"/>
+            </a:endParaRPr>
+          </a:p>
+          <a:p>
+            <a:pPr marL="0" lvl="0" indent="0" algn="l" rtl="0">
+              <a:spcBef>
+                <a:spcPts val="0"/>
+              </a:spcBef>
+              <a:spcAft>
+                <a:spcPts val="0"/>
+              </a:spcAft>
+              <a:buNone/>
+            </a:pPr>
+            <a:endParaRPr dirty="0"/>
+          </a:p>
+          <a:p>
+            <a:pPr marL="0" lvl="0" indent="0" algn="l" rtl="0">
+              <a:spcBef>
+                <a:spcPts val="0"/>
+              </a:spcBef>
+              <a:spcAft>
+                <a:spcPts val="0"/>
+              </a:spcAft>
+              <a:buNone/>
+            </a:pPr>
+            <a:r>
+              <a:rPr lang="en" dirty="0">
+                <a:latin typeface="Courier New"/>
+                <a:ea typeface="Courier New"/>
+                <a:cs typeface="Courier New"/>
+                <a:sym typeface="Courier New"/>
+              </a:rPr>
+              <a:t>git commit -m “Message”</a:t>
+            </a:r>
+            <a:endParaRPr dirty="0">
+              <a:latin typeface="Courier New"/>
+              <a:ea typeface="Courier New"/>
+              <a:cs typeface="Courier New"/>
+              <a:sym typeface="Courier New"/>
+            </a:endParaRPr>
+          </a:p>
+          <a:p>
+            <a:pPr marL="0" lvl="0" indent="0" algn="l" rtl="0">
+              <a:spcBef>
+                <a:spcPts val="0"/>
+              </a:spcBef>
+              <a:spcAft>
+                <a:spcPts val="0"/>
+              </a:spcAft>
+              <a:buNone/>
+            </a:pPr>
+            <a:endParaRPr dirty="0"/>
+          </a:p>
+          <a:p>
+            <a:pPr marL="0" lvl="0" indent="0" algn="l" rtl="0">
+              <a:spcBef>
+                <a:spcPts val="0"/>
+              </a:spcBef>
+              <a:spcAft>
+                <a:spcPts val="0"/>
+              </a:spcAft>
+              <a:buNone/>
+            </a:pPr>
+            <a:r>
+              <a:rPr lang="en" dirty="0">
+                <a:latin typeface="Courier New"/>
+                <a:ea typeface="Courier New"/>
+                <a:cs typeface="Courier New"/>
+                <a:sym typeface="Courier New"/>
+              </a:rPr>
+              <a:t>git push origin &lt;new branch&gt;</a:t>
+            </a:r>
+            <a:endParaRPr dirty="0">
+              <a:latin typeface="Courier New"/>
+              <a:ea typeface="Courier New"/>
+              <a:cs typeface="Courier New"/>
+              <a:sym typeface="Courier New"/>
+            </a:endParaRPr>
+          </a:p>
+          <a:p>
+            <a:pPr marL="0" lvl="0" indent="0" algn="l" rtl="0">
+              <a:spcBef>
+                <a:spcPts val="0"/>
+              </a:spcBef>
+              <a:spcAft>
+                <a:spcPts val="0"/>
+              </a:spcAft>
+              <a:buNone/>
+            </a:pPr>
+            <a:endParaRPr dirty="0">
+              <a:latin typeface="Courier New"/>
+              <a:ea typeface="Courier New"/>
+              <a:cs typeface="Courier New"/>
+              <a:sym typeface="Courier New"/>
+            </a:endParaRPr>
+          </a:p>
+          <a:p>
+            <a:pPr marL="457200" lvl="0" indent="-317500" algn="l" rtl="0">
+              <a:spcBef>
+                <a:spcPts val="0"/>
+              </a:spcBef>
+              <a:spcAft>
+                <a:spcPts val="0"/>
+              </a:spcAft>
+              <a:buSzPts val="1400"/>
+              <a:buChar char="●"/>
+            </a:pPr>
+            <a:r>
+              <a:rPr lang="en" dirty="0"/>
+              <a:t>On the remote repository (GitHub) create a </a:t>
+            </a:r>
+            <a:r>
+              <a:rPr lang="en-US" dirty="0"/>
+              <a:t>PR</a:t>
+            </a:r>
+            <a:endParaRPr dirty="0"/>
+          </a:p>
+          <a:p>
+            <a:pPr marL="457200" lvl="0" indent="-317500" algn="l" rtl="0">
+              <a:spcBef>
+                <a:spcPts val="0"/>
+              </a:spcBef>
+              <a:spcAft>
+                <a:spcPts val="0"/>
+              </a:spcAft>
+              <a:buSzPts val="1400"/>
+              <a:buChar char="●"/>
+            </a:pPr>
+            <a:r>
+              <a:rPr lang="en" dirty="0"/>
+              <a:t>Merge the pull request. This is done by the assigned person</a:t>
+            </a:r>
+            <a:endParaRPr dirty="0"/>
+          </a:p>
+        </p:txBody>
+      </p:sp>
+      <p:sp>
+        <p:nvSpPr>
+          <p:cNvPr id="2" name="Rectangle: Rounded Corners 1">
+            <a:extLst>
+              <a:ext uri="{FF2B5EF4-FFF2-40B4-BE49-F238E27FC236}">
+                <a16:creationId xmlns:a16="http://schemas.microsoft.com/office/drawing/2014/main" id="{BA553847-819D-20D9-6C7F-F1F5B3CEA737}"/>
+              </a:ext>
+            </a:extLst>
+          </p:cNvPr>
+          <p:cNvSpPr/>
+          <p:nvPr/>
+        </p:nvSpPr>
+        <p:spPr>
+          <a:xfrm>
+            <a:off x="272575" y="4320540"/>
+            <a:ext cx="5343365" cy="565935"/>
+          </a:xfrm>
+          <a:prstGeom prst="roundRect">
+            <a:avLst/>
+          </a:prstGeom>
+          <a:noFill/>
+        </p:spPr>
+        <p:style>
+          <a:lnRef idx="2">
+            <a:schemeClr val="accent1">
+              <a:shade val="15000"/>
+            </a:schemeClr>
+          </a:lnRef>
+          <a:fillRef idx="1">
+            <a:schemeClr val="accent1"/>
+          </a:fillRef>
+          <a:effectRef idx="0">
+            <a:schemeClr val="accent1"/>
+          </a:effectRef>
+          <a:fontRef idx="minor">
+            <a:schemeClr val="lt1"/>
+          </a:fontRef>
+        </p:style>
+        <p:txBody>
+          <a:bodyPr rtlCol="0" anchor="ctr"/>
+          <a:lstStyle/>
+          <a:p>
+            <a:pPr algn="ctr"/>
+            <a:endParaRPr lang="LID4096"/>
+          </a:p>
+        </p:txBody>
+      </p:sp>
+    </p:spTree>
+  </p:cSld>
+  <p:clrMapOvr>
+    <a:masterClrMapping/>
+  </p:clrMapOvr>
+</p:sld>
+</file>
+
+<file path=ppt/slides/slide81.xml><?xml version="1.0" encoding="utf-8"?>
+<p:sld xmlns:a="http://schemas.openxmlformats.org/drawingml/2006/main" xmlns:r="http://schemas.openxmlformats.org/officeDocument/2006/relationships" xmlns:p="http://schemas.openxmlformats.org/presentationml/2006/main">
+  <p:cSld>
+    <p:spTree>
+      <p:nvGrpSpPr>
         <p:cNvPr id="1" name="Shape 929"/>
         <p:cNvGrpSpPr/>
         <p:nvPr/>
@@ -60165,7 +60859,7 @@
 </p:sld>
 </file>
 
-<file path=ppt/slides/slide81.xml><?xml version="1.0" encoding="utf-8"?>
+<file path=ppt/slides/slide82.xml><?xml version="1.0" encoding="utf-8"?>
 <p:sld xmlns:a="http://schemas.openxmlformats.org/drawingml/2006/main" xmlns:r="http://schemas.openxmlformats.org/officeDocument/2006/relationships" xmlns:p="http://schemas.openxmlformats.org/presentationml/2006/main">
   <p:cSld>
     <p:spTree>
@@ -61045,7 +61739,7 @@
 </p:sld>
 </file>
 
-<file path=ppt/slides/slide82.xml><?xml version="1.0" encoding="utf-8"?>
+<file path=ppt/slides/slide83.xml><?xml version="1.0" encoding="utf-8"?>
 <p:sld xmlns:a="http://schemas.openxmlformats.org/drawingml/2006/main" xmlns:r="http://schemas.openxmlformats.org/officeDocument/2006/relationships" xmlns:p="http://schemas.openxmlformats.org/presentationml/2006/main">
   <p:cSld>
     <p:spTree>
@@ -61664,7 +62358,7 @@
 </p:sld>
 </file>
 
-<file path=ppt/slides/slide83.xml><?xml version="1.0" encoding="utf-8"?>
+<file path=ppt/slides/slide84.xml><?xml version="1.0" encoding="utf-8"?>
 <p:sld xmlns:a="http://schemas.openxmlformats.org/drawingml/2006/main" xmlns:r="http://schemas.openxmlformats.org/officeDocument/2006/relationships" xmlns:p="http://schemas.openxmlformats.org/presentationml/2006/main">
   <p:cSld>
     <p:spTree>
